--- a/mediation.pptx
+++ b/mediation.pptx
@@ -5,14 +5,16 @@
     <p:sldMasterId id="2147483648" r:id="rId1"/>
   </p:sldMasterIdLst>
   <p:notesMasterIdLst>
-    <p:notesMasterId r:id="rId7"/>
+    <p:notesMasterId r:id="rId9"/>
   </p:notesMasterIdLst>
   <p:sldIdLst>
     <p:sldId id="256" r:id="rId2"/>
     <p:sldId id="257" r:id="rId3"/>
     <p:sldId id="258" r:id="rId4"/>
-    <p:sldId id="259" r:id="rId5"/>
-    <p:sldId id="260" r:id="rId6"/>
+    <p:sldId id="261" r:id="rId5"/>
+    <p:sldId id="259" r:id="rId6"/>
+    <p:sldId id="260" r:id="rId7"/>
+    <p:sldId id="262" r:id="rId8"/>
   </p:sldIdLst>
   <p:sldSz cx="12192000" cy="6858000"/>
   <p:notesSz cx="6858000" cy="9144000"/>
@@ -212,7 +214,7 @@
           <a:p>
             <a:fld id="{5DE78A1B-AECA-E64A-9489-61D5B0D20729}" type="datetimeFigureOut">
               <a:rPr lang="en-US" smtClean="0"/>
-              <a:t>7/13/20</a:t>
+              <a:t>7/31/20</a:t>
             </a:fld>
             <a:endParaRPr lang="en-US"/>
           </a:p>
@@ -805,7 +807,7 @@
     </p:spTree>
     <p:extLst>
       <p:ext uri="{BB962C8B-B14F-4D97-AF65-F5344CB8AC3E}">
-        <p14:creationId xmlns:p14="http://schemas.microsoft.com/office/powerpoint/2010/main" val="2425551005"/>
+        <p14:creationId xmlns:p14="http://schemas.microsoft.com/office/powerpoint/2010/main" val="2173717719"/>
       </p:ext>
     </p:extLst>
   </p:cSld>
@@ -889,7 +891,175 @@
     </p:spTree>
     <p:extLst>
       <p:ext uri="{BB962C8B-B14F-4D97-AF65-F5344CB8AC3E}">
+        <p14:creationId xmlns:p14="http://schemas.microsoft.com/office/powerpoint/2010/main" val="2425551005"/>
+      </p:ext>
+    </p:extLst>
+  </p:cSld>
+  <p:clrMapOvr>
+    <a:masterClrMapping/>
+  </p:clrMapOvr>
+</p:notes>
+</file>
+
+<file path=ppt/notesSlides/notesSlide6.xml><?xml version="1.0" encoding="utf-8"?>
+<p:notes xmlns:a="http://schemas.openxmlformats.org/drawingml/2006/main" xmlns:r="http://schemas.openxmlformats.org/officeDocument/2006/relationships" xmlns:p="http://schemas.openxmlformats.org/presentationml/2006/main">
+  <p:cSld>
+    <p:spTree>
+      <p:nvGrpSpPr>
+        <p:cNvPr id="1" name=""/>
+        <p:cNvGrpSpPr/>
+        <p:nvPr/>
+      </p:nvGrpSpPr>
+      <p:grpSpPr>
+        <a:xfrm>
+          <a:off x="0" y="0"/>
+          <a:ext cx="0" cy="0"/>
+          <a:chOff x="0" y="0"/>
+          <a:chExt cx="0" cy="0"/>
+        </a:xfrm>
+      </p:grpSpPr>
+      <p:sp>
+        <p:nvSpPr>
+          <p:cNvPr id="2" name="Slide Image Placeholder 1"/>
+          <p:cNvSpPr>
+            <a:spLocks noGrp="1" noRot="1" noChangeAspect="1"/>
+          </p:cNvSpPr>
+          <p:nvPr>
+            <p:ph type="sldImg"/>
+          </p:nvPr>
+        </p:nvSpPr>
+        <p:spPr/>
+      </p:sp>
+      <p:sp>
+        <p:nvSpPr>
+          <p:cNvPr id="3" name="Notes Placeholder 2"/>
+          <p:cNvSpPr>
+            <a:spLocks noGrp="1"/>
+          </p:cNvSpPr>
+          <p:nvPr>
+            <p:ph type="body" idx="1"/>
+          </p:nvPr>
+        </p:nvSpPr>
+        <p:spPr/>
+        <p:txBody>
+          <a:bodyPr/>
+          <a:lstStyle/>
+          <a:p>
+            <a:endParaRPr lang="en-US" dirty="0"/>
+          </a:p>
+        </p:txBody>
+      </p:sp>
+      <p:sp>
+        <p:nvSpPr>
+          <p:cNvPr id="4" name="Slide Number Placeholder 3"/>
+          <p:cNvSpPr>
+            <a:spLocks noGrp="1"/>
+          </p:cNvSpPr>
+          <p:nvPr>
+            <p:ph type="sldNum" sz="quarter" idx="5"/>
+          </p:nvPr>
+        </p:nvSpPr>
+        <p:spPr/>
+        <p:txBody>
+          <a:bodyPr/>
+          <a:lstStyle/>
+          <a:p>
+            <a:fld id="{BBCEA2B3-7994-2048-ABC7-19C54373645C}" type="slidenum">
+              <a:rPr lang="en-US" smtClean="0"/>
+              <a:t>6</a:t>
+            </a:fld>
+            <a:endParaRPr lang="en-US"/>
+          </a:p>
+        </p:txBody>
+      </p:sp>
+    </p:spTree>
+    <p:extLst>
+      <p:ext uri="{BB962C8B-B14F-4D97-AF65-F5344CB8AC3E}">
         <p14:creationId xmlns:p14="http://schemas.microsoft.com/office/powerpoint/2010/main" val="3125833977"/>
+      </p:ext>
+    </p:extLst>
+  </p:cSld>
+  <p:clrMapOvr>
+    <a:masterClrMapping/>
+  </p:clrMapOvr>
+</p:notes>
+</file>
+
+<file path=ppt/notesSlides/notesSlide7.xml><?xml version="1.0" encoding="utf-8"?>
+<p:notes xmlns:a="http://schemas.openxmlformats.org/drawingml/2006/main" xmlns:r="http://schemas.openxmlformats.org/officeDocument/2006/relationships" xmlns:p="http://schemas.openxmlformats.org/presentationml/2006/main">
+  <p:cSld>
+    <p:spTree>
+      <p:nvGrpSpPr>
+        <p:cNvPr id="1" name=""/>
+        <p:cNvGrpSpPr/>
+        <p:nvPr/>
+      </p:nvGrpSpPr>
+      <p:grpSpPr>
+        <a:xfrm>
+          <a:off x="0" y="0"/>
+          <a:ext cx="0" cy="0"/>
+          <a:chOff x="0" y="0"/>
+          <a:chExt cx="0" cy="0"/>
+        </a:xfrm>
+      </p:grpSpPr>
+      <p:sp>
+        <p:nvSpPr>
+          <p:cNvPr id="2" name="Slide Image Placeholder 1"/>
+          <p:cNvSpPr>
+            <a:spLocks noGrp="1" noRot="1" noChangeAspect="1"/>
+          </p:cNvSpPr>
+          <p:nvPr>
+            <p:ph type="sldImg"/>
+          </p:nvPr>
+        </p:nvSpPr>
+        <p:spPr/>
+      </p:sp>
+      <p:sp>
+        <p:nvSpPr>
+          <p:cNvPr id="3" name="Notes Placeholder 2"/>
+          <p:cNvSpPr>
+            <a:spLocks noGrp="1"/>
+          </p:cNvSpPr>
+          <p:nvPr>
+            <p:ph type="body" idx="1"/>
+          </p:nvPr>
+        </p:nvSpPr>
+        <p:spPr/>
+        <p:txBody>
+          <a:bodyPr/>
+          <a:lstStyle/>
+          <a:p>
+            <a:endParaRPr lang="en-US" dirty="0"/>
+          </a:p>
+        </p:txBody>
+      </p:sp>
+      <p:sp>
+        <p:nvSpPr>
+          <p:cNvPr id="4" name="Slide Number Placeholder 3"/>
+          <p:cNvSpPr>
+            <a:spLocks noGrp="1"/>
+          </p:cNvSpPr>
+          <p:nvPr>
+            <p:ph type="sldNum" sz="quarter" idx="5"/>
+          </p:nvPr>
+        </p:nvSpPr>
+        <p:spPr/>
+        <p:txBody>
+          <a:bodyPr/>
+          <a:lstStyle/>
+          <a:p>
+            <a:fld id="{BBCEA2B3-7994-2048-ABC7-19C54373645C}" type="slidenum">
+              <a:rPr lang="en-US" smtClean="0"/>
+              <a:t>7</a:t>
+            </a:fld>
+            <a:endParaRPr lang="en-US"/>
+          </a:p>
+        </p:txBody>
+      </p:sp>
+    </p:spTree>
+    <p:extLst>
+      <p:ext uri="{BB962C8B-B14F-4D97-AF65-F5344CB8AC3E}">
+        <p14:creationId xmlns:p14="http://schemas.microsoft.com/office/powerpoint/2010/main" val="814475005"/>
       </p:ext>
     </p:extLst>
   </p:cSld>
@@ -1046,7 +1216,7 @@
           <a:p>
             <a:fld id="{8E7D92A5-D5EC-824D-9F15-8899D1395F44}" type="datetimeFigureOut">
               <a:rPr lang="en-US" smtClean="0"/>
-              <a:t>7/13/20</a:t>
+              <a:t>7/31/20</a:t>
             </a:fld>
             <a:endParaRPr lang="en-US"/>
           </a:p>
@@ -1244,7 +1414,7 @@
           <a:p>
             <a:fld id="{8E7D92A5-D5EC-824D-9F15-8899D1395F44}" type="datetimeFigureOut">
               <a:rPr lang="en-US" smtClean="0"/>
-              <a:t>7/13/20</a:t>
+              <a:t>7/31/20</a:t>
             </a:fld>
             <a:endParaRPr lang="en-US"/>
           </a:p>
@@ -1452,7 +1622,7 @@
           <a:p>
             <a:fld id="{8E7D92A5-D5EC-824D-9F15-8899D1395F44}" type="datetimeFigureOut">
               <a:rPr lang="en-US" smtClean="0"/>
-              <a:t>7/13/20</a:t>
+              <a:t>7/31/20</a:t>
             </a:fld>
             <a:endParaRPr lang="en-US"/>
           </a:p>
@@ -1650,7 +1820,7 @@
           <a:p>
             <a:fld id="{8E7D92A5-D5EC-824D-9F15-8899D1395F44}" type="datetimeFigureOut">
               <a:rPr lang="en-US" smtClean="0"/>
-              <a:t>7/13/20</a:t>
+              <a:t>7/31/20</a:t>
             </a:fld>
             <a:endParaRPr lang="en-US"/>
           </a:p>
@@ -1925,7 +2095,7 @@
           <a:p>
             <a:fld id="{8E7D92A5-D5EC-824D-9F15-8899D1395F44}" type="datetimeFigureOut">
               <a:rPr lang="en-US" smtClean="0"/>
-              <a:t>7/13/20</a:t>
+              <a:t>7/31/20</a:t>
             </a:fld>
             <a:endParaRPr lang="en-US"/>
           </a:p>
@@ -2190,7 +2360,7 @@
           <a:p>
             <a:fld id="{8E7D92A5-D5EC-824D-9F15-8899D1395F44}" type="datetimeFigureOut">
               <a:rPr lang="en-US" smtClean="0"/>
-              <a:t>7/13/20</a:t>
+              <a:t>7/31/20</a:t>
             </a:fld>
             <a:endParaRPr lang="en-US"/>
           </a:p>
@@ -2602,7 +2772,7 @@
           <a:p>
             <a:fld id="{8E7D92A5-D5EC-824D-9F15-8899D1395F44}" type="datetimeFigureOut">
               <a:rPr lang="en-US" smtClean="0"/>
-              <a:t>7/13/20</a:t>
+              <a:t>7/31/20</a:t>
             </a:fld>
             <a:endParaRPr lang="en-US"/>
           </a:p>
@@ -2743,7 +2913,7 @@
           <a:p>
             <a:fld id="{8E7D92A5-D5EC-824D-9F15-8899D1395F44}" type="datetimeFigureOut">
               <a:rPr lang="en-US" smtClean="0"/>
-              <a:t>7/13/20</a:t>
+              <a:t>7/31/20</a:t>
             </a:fld>
             <a:endParaRPr lang="en-US"/>
           </a:p>
@@ -2856,7 +3026,7 @@
           <a:p>
             <a:fld id="{8E7D92A5-D5EC-824D-9F15-8899D1395F44}" type="datetimeFigureOut">
               <a:rPr lang="en-US" smtClean="0"/>
-              <a:t>7/13/20</a:t>
+              <a:t>7/31/20</a:t>
             </a:fld>
             <a:endParaRPr lang="en-US"/>
           </a:p>
@@ -3167,7 +3337,7 @@
           <a:p>
             <a:fld id="{8E7D92A5-D5EC-824D-9F15-8899D1395F44}" type="datetimeFigureOut">
               <a:rPr lang="en-US" smtClean="0"/>
-              <a:t>7/13/20</a:t>
+              <a:t>7/31/20</a:t>
             </a:fld>
             <a:endParaRPr lang="en-US"/>
           </a:p>
@@ -3455,7 +3625,7 @@
           <a:p>
             <a:fld id="{8E7D92A5-D5EC-824D-9F15-8899D1395F44}" type="datetimeFigureOut">
               <a:rPr lang="en-US" smtClean="0"/>
-              <a:t>7/13/20</a:t>
+              <a:t>7/31/20</a:t>
             </a:fld>
             <a:endParaRPr lang="en-US"/>
           </a:p>
@@ -3696,7 +3866,7 @@
           <a:p>
             <a:fld id="{8E7D92A5-D5EC-824D-9F15-8899D1395F44}" type="datetimeFigureOut">
               <a:rPr lang="en-US" smtClean="0"/>
-              <a:t>7/13/20</a:t>
+              <a:t>7/31/20</a:t>
             </a:fld>
             <a:endParaRPr lang="en-US"/>
           </a:p>
@@ -9481,12 +9651,13 @@
         </p:nvSpPr>
         <p:spPr>
           <a:xfrm>
-            <a:off x="2151488" y="688143"/>
-            <a:ext cx="1024704" cy="646331"/>
-          </a:xfrm>
-          <a:prstGeom prst="rect">
-            <a:avLst/>
-          </a:prstGeom>
+            <a:off x="407342" y="2490952"/>
+            <a:ext cx="713034" cy="369332"/>
+          </a:xfrm>
+          <a:prstGeom prst="rect">
+            <a:avLst/>
+          </a:prstGeom>
+          <a:ln w="57150"/>
         </p:spPr>
         <p:style>
           <a:lnRef idx="2">
@@ -9503,42 +9674,98 @@
           </a:fontRef>
         </p:style>
         <p:txBody>
-          <a:bodyPr wrap="none" rtlCol="0">
+          <a:bodyPr wrap="square" rtlCol="0">
             <a:spAutoFit/>
           </a:bodyPr>
           <a:lstStyle/>
           <a:p>
             <a:pPr algn="ctr"/>
             <a:r>
-              <a:rPr lang="en-US" dirty="0"/>
-              <a:t>Material</a:t>
+              <a:rPr lang="en-US" sz="900" dirty="0"/>
+              <a:t>Income </a:t>
             </a:r>
           </a:p>
           <a:p>
             <a:pPr algn="ctr"/>
             <a:r>
-              <a:rPr lang="en-US" dirty="0"/>
-              <a:t>Hardship</a:t>
-            </a:r>
-          </a:p>
-        </p:txBody>
-      </p:sp>
-      <p:sp>
-        <p:nvSpPr>
-          <p:cNvPr id="5" name="TextBox 4">
-            <a:extLst>
-              <a:ext uri="{FF2B5EF4-FFF2-40B4-BE49-F238E27FC236}">
-                <a16:creationId xmlns:a16="http://schemas.microsoft.com/office/drawing/2014/main" id="{8676E8E8-F058-BD49-9B7A-41D08CD1F6D4}"/>
-              </a:ext>
-            </a:extLst>
-          </p:cNvPr>
-          <p:cNvSpPr txBox="1"/>
-          <p:nvPr/>
-        </p:nvSpPr>
-        <p:spPr>
-          <a:xfrm>
-            <a:off x="2078486" y="3105834"/>
-            <a:ext cx="1123577" cy="646331"/>
+              <a:rPr lang="en-US" sz="900" dirty="0"/>
+              <a:t>Decreased</a:t>
+            </a:r>
+          </a:p>
+        </p:txBody>
+      </p:sp>
+      <p:sp>
+        <p:nvSpPr>
+          <p:cNvPr id="7" name="TextBox 6">
+            <a:extLst>
+              <a:ext uri="{FF2B5EF4-FFF2-40B4-BE49-F238E27FC236}">
+                <a16:creationId xmlns:a16="http://schemas.microsoft.com/office/drawing/2014/main" id="{7FCE5B20-D7FC-B84E-AF86-DFFC6A8077BA}"/>
+              </a:ext>
+            </a:extLst>
+          </p:cNvPr>
+          <p:cNvSpPr txBox="1"/>
+          <p:nvPr/>
+        </p:nvSpPr>
+        <p:spPr>
+          <a:xfrm>
+            <a:off x="2503824" y="2490952"/>
+            <a:ext cx="713034" cy="369332"/>
+          </a:xfrm>
+          <a:prstGeom prst="rect">
+            <a:avLst/>
+          </a:prstGeom>
+        </p:spPr>
+        <p:style>
+          <a:lnRef idx="2">
+            <a:schemeClr val="accent1"/>
+          </a:lnRef>
+          <a:fillRef idx="1">
+            <a:schemeClr val="lt1"/>
+          </a:fillRef>
+          <a:effectRef idx="0">
+            <a:schemeClr val="accent1"/>
+          </a:effectRef>
+          <a:fontRef idx="minor">
+            <a:schemeClr val="dk1"/>
+          </a:fontRef>
+        </p:style>
+        <p:txBody>
+          <a:bodyPr wrap="square" rtlCol="0">
+            <a:spAutoFit/>
+          </a:bodyPr>
+          <a:lstStyle/>
+          <a:p>
+            <a:pPr algn="ctr"/>
+            <a:r>
+              <a:rPr lang="en-US" sz="900" dirty="0"/>
+              <a:t>Income </a:t>
+            </a:r>
+          </a:p>
+          <a:p>
+            <a:pPr algn="ctr"/>
+            <a:r>
+              <a:rPr lang="en-US" sz="900" dirty="0"/>
+              <a:t>Decreased</a:t>
+            </a:r>
+          </a:p>
+        </p:txBody>
+      </p:sp>
+      <p:sp>
+        <p:nvSpPr>
+          <p:cNvPr id="8" name="TextBox 7">
+            <a:extLst>
+              <a:ext uri="{FF2B5EF4-FFF2-40B4-BE49-F238E27FC236}">
+                <a16:creationId xmlns:a16="http://schemas.microsoft.com/office/drawing/2014/main" id="{511F5D54-F30B-1941-8CFE-2F2D3B42EF63}"/>
+              </a:ext>
+            </a:extLst>
+          </p:cNvPr>
+          <p:cNvSpPr txBox="1"/>
+          <p:nvPr/>
+        </p:nvSpPr>
+        <p:spPr>
+          <a:xfrm>
+            <a:off x="2503823" y="4105047"/>
+            <a:ext cx="684330" cy="369332"/>
           </a:xfrm>
           <a:prstGeom prst="rect">
             <a:avLst/>
@@ -9559,21 +9786,21 @@
           </a:fontRef>
         </p:style>
         <p:txBody>
-          <a:bodyPr wrap="none" rtlCol="0">
+          <a:bodyPr wrap="square" rtlCol="0">
             <a:spAutoFit/>
           </a:bodyPr>
           <a:lstStyle/>
           <a:p>
             <a:pPr algn="ctr"/>
             <a:r>
-              <a:rPr lang="en-US" dirty="0"/>
+              <a:rPr lang="en-US" sz="900" dirty="0"/>
               <a:t>Caregiver </a:t>
             </a:r>
           </a:p>
           <a:p>
             <a:pPr algn="ctr"/>
             <a:r>
-              <a:rPr lang="en-US" dirty="0"/>
+              <a:rPr lang="en-US" sz="900" dirty="0"/>
               <a:t>Wellbeing</a:t>
             </a:r>
           </a:p>
@@ -9581,20 +9808,20 @@
       </p:sp>
       <p:sp>
         <p:nvSpPr>
-          <p:cNvPr id="6" name="TextBox 5">
-            <a:extLst>
-              <a:ext uri="{FF2B5EF4-FFF2-40B4-BE49-F238E27FC236}">
-                <a16:creationId xmlns:a16="http://schemas.microsoft.com/office/drawing/2014/main" id="{7A5280C4-1E99-ED4D-B459-F2A792F0E010}"/>
-              </a:ext>
-            </a:extLst>
-          </p:cNvPr>
-          <p:cNvSpPr txBox="1"/>
-          <p:nvPr/>
-        </p:nvSpPr>
-        <p:spPr>
-          <a:xfrm>
-            <a:off x="2078487" y="5523525"/>
-            <a:ext cx="1123577" cy="646331"/>
+          <p:cNvPr id="9" name="TextBox 8">
+            <a:extLst>
+              <a:ext uri="{FF2B5EF4-FFF2-40B4-BE49-F238E27FC236}">
+                <a16:creationId xmlns:a16="http://schemas.microsoft.com/office/drawing/2014/main" id="{DD4A1177-2045-1147-9107-3D770AB99E7E}"/>
+              </a:ext>
+            </a:extLst>
+          </p:cNvPr>
+          <p:cNvSpPr txBox="1"/>
+          <p:nvPr/>
+        </p:nvSpPr>
+        <p:spPr>
+          <a:xfrm>
+            <a:off x="2503824" y="5719141"/>
+            <a:ext cx="684330" cy="369332"/>
           </a:xfrm>
           <a:prstGeom prst="rect">
             <a:avLst/>
@@ -9615,21 +9842,21 @@
           </a:fontRef>
         </p:style>
         <p:txBody>
-          <a:bodyPr wrap="none" rtlCol="0">
+          <a:bodyPr wrap="square" rtlCol="0">
             <a:spAutoFit/>
           </a:bodyPr>
           <a:lstStyle/>
           <a:p>
             <a:pPr algn="ctr"/>
             <a:r>
-              <a:rPr lang="en-US" dirty="0"/>
+              <a:rPr lang="en-US" sz="900" dirty="0"/>
               <a:t>Child </a:t>
             </a:r>
           </a:p>
           <a:p>
             <a:pPr algn="ctr"/>
             <a:r>
-              <a:rPr lang="en-US" dirty="0"/>
+              <a:rPr lang="en-US" sz="900" dirty="0"/>
               <a:t>Wellbeing</a:t>
             </a:r>
           </a:p>
@@ -9637,136 +9864,25 @@
       </p:sp>
       <p:sp>
         <p:nvSpPr>
-          <p:cNvPr id="7" name="TextBox 6">
-            <a:extLst>
-              <a:ext uri="{FF2B5EF4-FFF2-40B4-BE49-F238E27FC236}">
-                <a16:creationId xmlns:a16="http://schemas.microsoft.com/office/drawing/2014/main" id="{7FCE5B20-D7FC-B84E-AF86-DFFC6A8077BA}"/>
-              </a:ext>
-            </a:extLst>
-          </p:cNvPr>
-          <p:cNvSpPr txBox="1"/>
-          <p:nvPr/>
-        </p:nvSpPr>
-        <p:spPr>
-          <a:xfrm>
-            <a:off x="5593625" y="688143"/>
-            <a:ext cx="1024704" cy="646331"/>
-          </a:xfrm>
-          <a:prstGeom prst="rect">
-            <a:avLst/>
-          </a:prstGeom>
-        </p:spPr>
-        <p:style>
-          <a:lnRef idx="2">
-            <a:schemeClr val="accent1"/>
-          </a:lnRef>
-          <a:fillRef idx="1">
-            <a:schemeClr val="lt1"/>
-          </a:fillRef>
-          <a:effectRef idx="0">
-            <a:schemeClr val="accent1"/>
-          </a:effectRef>
-          <a:fontRef idx="minor">
-            <a:schemeClr val="dk1"/>
-          </a:fontRef>
-        </p:style>
-        <p:txBody>
-          <a:bodyPr wrap="none" rtlCol="0">
-            <a:spAutoFit/>
-          </a:bodyPr>
-          <a:lstStyle/>
-          <a:p>
-            <a:pPr algn="ctr"/>
-            <a:r>
-              <a:rPr lang="en-US" dirty="0"/>
-              <a:t>Material</a:t>
-            </a:r>
-          </a:p>
-          <a:p>
-            <a:pPr algn="ctr"/>
-            <a:r>
-              <a:rPr lang="en-US" dirty="0"/>
-              <a:t>Hardship</a:t>
-            </a:r>
-          </a:p>
-        </p:txBody>
-      </p:sp>
-      <p:sp>
-        <p:nvSpPr>
-          <p:cNvPr id="8" name="TextBox 7">
-            <a:extLst>
-              <a:ext uri="{FF2B5EF4-FFF2-40B4-BE49-F238E27FC236}">
-                <a16:creationId xmlns:a16="http://schemas.microsoft.com/office/drawing/2014/main" id="{511F5D54-F30B-1941-8CFE-2F2D3B42EF63}"/>
-              </a:ext>
-            </a:extLst>
-          </p:cNvPr>
-          <p:cNvSpPr txBox="1"/>
-          <p:nvPr/>
-        </p:nvSpPr>
-        <p:spPr>
-          <a:xfrm>
-            <a:off x="5520624" y="3105834"/>
-            <a:ext cx="1123577" cy="646331"/>
-          </a:xfrm>
-          <a:prstGeom prst="rect">
-            <a:avLst/>
-          </a:prstGeom>
-        </p:spPr>
-        <p:style>
-          <a:lnRef idx="2">
-            <a:schemeClr val="accent2"/>
-          </a:lnRef>
-          <a:fillRef idx="1">
-            <a:schemeClr val="lt1"/>
-          </a:fillRef>
-          <a:effectRef idx="0">
-            <a:schemeClr val="accent2"/>
-          </a:effectRef>
-          <a:fontRef idx="minor">
-            <a:schemeClr val="dk1"/>
-          </a:fontRef>
-        </p:style>
-        <p:txBody>
-          <a:bodyPr wrap="none" rtlCol="0">
-            <a:spAutoFit/>
-          </a:bodyPr>
-          <a:lstStyle/>
-          <a:p>
-            <a:pPr algn="ctr"/>
-            <a:r>
-              <a:rPr lang="en-US" dirty="0"/>
-              <a:t>Caregiver </a:t>
-            </a:r>
-          </a:p>
-          <a:p>
-            <a:pPr algn="ctr"/>
-            <a:r>
-              <a:rPr lang="en-US" dirty="0"/>
-              <a:t>Wellbeing</a:t>
-            </a:r>
-          </a:p>
-        </p:txBody>
-      </p:sp>
-      <p:sp>
-        <p:nvSpPr>
-          <p:cNvPr id="9" name="TextBox 8">
-            <a:extLst>
-              <a:ext uri="{FF2B5EF4-FFF2-40B4-BE49-F238E27FC236}">
-                <a16:creationId xmlns:a16="http://schemas.microsoft.com/office/drawing/2014/main" id="{DD4A1177-2045-1147-9107-3D770AB99E7E}"/>
-              </a:ext>
-            </a:extLst>
-          </p:cNvPr>
-          <p:cNvSpPr txBox="1"/>
-          <p:nvPr/>
-        </p:nvSpPr>
-        <p:spPr>
-          <a:xfrm>
-            <a:off x="5520625" y="5523525"/>
-            <a:ext cx="1123577" cy="646331"/>
-          </a:xfrm>
-          <a:prstGeom prst="rect">
-            <a:avLst/>
-          </a:prstGeom>
+          <p:cNvPr id="12" name="TextBox 11">
+            <a:extLst>
+              <a:ext uri="{FF2B5EF4-FFF2-40B4-BE49-F238E27FC236}">
+                <a16:creationId xmlns:a16="http://schemas.microsoft.com/office/drawing/2014/main" id="{19CCB03D-FE94-BA4C-BE68-C844545CCE96}"/>
+              </a:ext>
+            </a:extLst>
+          </p:cNvPr>
+          <p:cNvSpPr txBox="1"/>
+          <p:nvPr/>
+        </p:nvSpPr>
+        <p:spPr>
+          <a:xfrm>
+            <a:off x="4629010" y="5719141"/>
+            <a:ext cx="684330" cy="369332"/>
+          </a:xfrm>
+          <a:prstGeom prst="rect">
+            <a:avLst/>
+          </a:prstGeom>
+          <a:ln w="57150"/>
         </p:spPr>
         <p:style>
           <a:lnRef idx="2">
@@ -9783,189 +9899,21 @@
           </a:fontRef>
         </p:style>
         <p:txBody>
-          <a:bodyPr wrap="none" rtlCol="0">
+          <a:bodyPr wrap="square" rtlCol="0">
             <a:spAutoFit/>
           </a:bodyPr>
           <a:lstStyle/>
           <a:p>
             <a:pPr algn="ctr"/>
             <a:r>
-              <a:rPr lang="en-US" dirty="0"/>
+              <a:rPr lang="en-US" sz="900" dirty="0"/>
               <a:t>Child </a:t>
             </a:r>
           </a:p>
           <a:p>
             <a:pPr algn="ctr"/>
             <a:r>
-              <a:rPr lang="en-US" dirty="0"/>
-              <a:t>Wellbeing</a:t>
-            </a:r>
-          </a:p>
-        </p:txBody>
-      </p:sp>
-      <p:sp>
-        <p:nvSpPr>
-          <p:cNvPr id="10" name="TextBox 9">
-            <a:extLst>
-              <a:ext uri="{FF2B5EF4-FFF2-40B4-BE49-F238E27FC236}">
-                <a16:creationId xmlns:a16="http://schemas.microsoft.com/office/drawing/2014/main" id="{C5DC7E3E-A9A6-DA42-86F9-D5786E0D82B4}"/>
-              </a:ext>
-            </a:extLst>
-          </p:cNvPr>
-          <p:cNvSpPr txBox="1"/>
-          <p:nvPr/>
-        </p:nvSpPr>
-        <p:spPr>
-          <a:xfrm>
-            <a:off x="9082892" y="688143"/>
-            <a:ext cx="1024704" cy="646331"/>
-          </a:xfrm>
-          <a:prstGeom prst="rect">
-            <a:avLst/>
-          </a:prstGeom>
-        </p:spPr>
-        <p:style>
-          <a:lnRef idx="2">
-            <a:schemeClr val="accent1"/>
-          </a:lnRef>
-          <a:fillRef idx="1">
-            <a:schemeClr val="lt1"/>
-          </a:fillRef>
-          <a:effectRef idx="0">
-            <a:schemeClr val="accent1"/>
-          </a:effectRef>
-          <a:fontRef idx="minor">
-            <a:schemeClr val="dk1"/>
-          </a:fontRef>
-        </p:style>
-        <p:txBody>
-          <a:bodyPr wrap="none" rtlCol="0">
-            <a:spAutoFit/>
-          </a:bodyPr>
-          <a:lstStyle/>
-          <a:p>
-            <a:pPr algn="ctr"/>
-            <a:r>
-              <a:rPr lang="en-US" dirty="0"/>
-              <a:t>Material</a:t>
-            </a:r>
-          </a:p>
-          <a:p>
-            <a:pPr algn="ctr"/>
-            <a:r>
-              <a:rPr lang="en-US" dirty="0"/>
-              <a:t>Hardship</a:t>
-            </a:r>
-          </a:p>
-        </p:txBody>
-      </p:sp>
-      <p:sp>
-        <p:nvSpPr>
-          <p:cNvPr id="11" name="TextBox 10">
-            <a:extLst>
-              <a:ext uri="{FF2B5EF4-FFF2-40B4-BE49-F238E27FC236}">
-                <a16:creationId xmlns:a16="http://schemas.microsoft.com/office/drawing/2014/main" id="{F95AC1F8-671C-684F-B67E-92778D791EC1}"/>
-              </a:ext>
-            </a:extLst>
-          </p:cNvPr>
-          <p:cNvSpPr txBox="1"/>
-          <p:nvPr/>
-        </p:nvSpPr>
-        <p:spPr>
-          <a:xfrm>
-            <a:off x="9009891" y="3105834"/>
-            <a:ext cx="1123577" cy="646331"/>
-          </a:xfrm>
-          <a:prstGeom prst="rect">
-            <a:avLst/>
-          </a:prstGeom>
-        </p:spPr>
-        <p:style>
-          <a:lnRef idx="2">
-            <a:schemeClr val="accent2"/>
-          </a:lnRef>
-          <a:fillRef idx="1">
-            <a:schemeClr val="lt1"/>
-          </a:fillRef>
-          <a:effectRef idx="0">
-            <a:schemeClr val="accent2"/>
-          </a:effectRef>
-          <a:fontRef idx="minor">
-            <a:schemeClr val="dk1"/>
-          </a:fontRef>
-        </p:style>
-        <p:txBody>
-          <a:bodyPr wrap="none" rtlCol="0">
-            <a:spAutoFit/>
-          </a:bodyPr>
-          <a:lstStyle/>
-          <a:p>
-            <a:pPr algn="ctr"/>
-            <a:r>
-              <a:rPr lang="en-US" dirty="0"/>
-              <a:t>Caregiver </a:t>
-            </a:r>
-          </a:p>
-          <a:p>
-            <a:pPr algn="ctr"/>
-            <a:r>
-              <a:rPr lang="en-US" dirty="0"/>
-              <a:t>Wellbeing</a:t>
-            </a:r>
-          </a:p>
-        </p:txBody>
-      </p:sp>
-      <p:sp>
-        <p:nvSpPr>
-          <p:cNvPr id="12" name="TextBox 11">
-            <a:extLst>
-              <a:ext uri="{FF2B5EF4-FFF2-40B4-BE49-F238E27FC236}">
-                <a16:creationId xmlns:a16="http://schemas.microsoft.com/office/drawing/2014/main" id="{19CCB03D-FE94-BA4C-BE68-C844545CCE96}"/>
-              </a:ext>
-            </a:extLst>
-          </p:cNvPr>
-          <p:cNvSpPr txBox="1"/>
-          <p:nvPr/>
-        </p:nvSpPr>
-        <p:spPr>
-          <a:xfrm>
-            <a:off x="9009892" y="5523525"/>
-            <a:ext cx="1123577" cy="646331"/>
-          </a:xfrm>
-          <a:prstGeom prst="rect">
-            <a:avLst/>
-          </a:prstGeom>
-        </p:spPr>
-        <p:style>
-          <a:lnRef idx="2">
-            <a:schemeClr val="accent6"/>
-          </a:lnRef>
-          <a:fillRef idx="1">
-            <a:schemeClr val="lt1"/>
-          </a:fillRef>
-          <a:effectRef idx="0">
-            <a:schemeClr val="accent6"/>
-          </a:effectRef>
-          <a:fontRef idx="minor">
-            <a:schemeClr val="dk1"/>
-          </a:fontRef>
-        </p:style>
-        <p:txBody>
-          <a:bodyPr wrap="none" rtlCol="0">
-            <a:spAutoFit/>
-          </a:bodyPr>
-          <a:lstStyle/>
-          <a:p>
-            <a:pPr algn="ctr"/>
-            <a:r>
-              <a:rPr lang="en-US" dirty="0"/>
-              <a:t>Child </a:t>
-            </a:r>
-          </a:p>
-          <a:p>
-            <a:pPr algn="ctr"/>
-            <a:r>
-              <a:rPr lang="en-US" dirty="0"/>
+              <a:rPr lang="en-US" sz="900" dirty="0"/>
               <a:t>Wellbeing</a:t>
             </a:r>
           </a:p>
@@ -9988,50 +9936,8 @@
         </p:nvCxnSpPr>
         <p:spPr>
           <a:xfrm>
-            <a:off x="3176192" y="1011309"/>
-            <a:ext cx="2417433" cy="0"/>
-          </a:xfrm>
-          <a:prstGeom prst="straightConnector1">
-            <a:avLst/>
-          </a:prstGeom>
-          <a:ln>
-            <a:tailEnd type="triangle"/>
-          </a:ln>
-        </p:spPr>
-        <p:style>
-          <a:lnRef idx="1">
-            <a:schemeClr val="accent1"/>
-          </a:lnRef>
-          <a:fillRef idx="0">
-            <a:schemeClr val="accent1"/>
-          </a:fillRef>
-          <a:effectRef idx="0">
-            <a:schemeClr val="accent1"/>
-          </a:effectRef>
-          <a:fontRef idx="minor">
-            <a:schemeClr val="tx1"/>
-          </a:fontRef>
-        </p:style>
-      </p:cxnSp>
-      <p:cxnSp>
-        <p:nvCxnSpPr>
-          <p:cNvPr id="16" name="Straight Arrow Connector 15">
-            <a:extLst>
-              <a:ext uri="{FF2B5EF4-FFF2-40B4-BE49-F238E27FC236}">
-                <a16:creationId xmlns:a16="http://schemas.microsoft.com/office/drawing/2014/main" id="{3EC19645-30C0-A34B-8C30-B5850F29B3A3}"/>
-              </a:ext>
-            </a:extLst>
-          </p:cNvPr>
-          <p:cNvCxnSpPr>
-            <a:stCxn id="7" idx="3"/>
-            <a:endCxn id="10" idx="1"/>
-          </p:cNvCxnSpPr>
-          <p:nvPr/>
-        </p:nvCxnSpPr>
-        <p:spPr>
-          <a:xfrm>
-            <a:off x="6618329" y="1011309"/>
-            <a:ext cx="2464563" cy="0"/>
+            <a:off x="1120376" y="2675618"/>
+            <a:ext cx="1383448" cy="0"/>
           </a:xfrm>
           <a:prstGeom prst="straightConnector1">
             <a:avLst/>
@@ -10072,14 +9978,13 @@
         </p:nvCxnSpPr>
         <p:spPr>
           <a:xfrm>
-            <a:off x="3176192" y="1011309"/>
-            <a:ext cx="2344432" cy="2417691"/>
+            <a:off x="1120376" y="2675618"/>
+            <a:ext cx="1383447" cy="1614095"/>
           </a:xfrm>
           <a:prstGeom prst="straightConnector1">
             <a:avLst/>
           </a:prstGeom>
           <a:ln>
-            <a:prstDash val="lgDash"/>
             <a:tailEnd type="triangle"/>
           </a:ln>
         </p:spPr>
@@ -10115,57 +10020,13 @@
         </p:nvCxnSpPr>
         <p:spPr>
           <a:xfrm>
-            <a:off x="3176192" y="1011309"/>
-            <a:ext cx="2344433" cy="4835382"/>
+            <a:off x="1120376" y="2675618"/>
+            <a:ext cx="1383448" cy="3228189"/>
           </a:xfrm>
           <a:prstGeom prst="straightConnector1">
             <a:avLst/>
           </a:prstGeom>
           <a:ln>
-            <a:prstDash val="lgDash"/>
-            <a:tailEnd type="triangle"/>
-          </a:ln>
-        </p:spPr>
-        <p:style>
-          <a:lnRef idx="1">
-            <a:schemeClr val="accent1"/>
-          </a:lnRef>
-          <a:fillRef idx="0">
-            <a:schemeClr val="accent1"/>
-          </a:fillRef>
-          <a:effectRef idx="0">
-            <a:schemeClr val="accent1"/>
-          </a:effectRef>
-          <a:fontRef idx="minor">
-            <a:schemeClr val="tx1"/>
-          </a:fontRef>
-        </p:style>
-      </p:cxnSp>
-      <p:cxnSp>
-        <p:nvCxnSpPr>
-          <p:cNvPr id="22" name="Straight Arrow Connector 21">
-            <a:extLst>
-              <a:ext uri="{FF2B5EF4-FFF2-40B4-BE49-F238E27FC236}">
-                <a16:creationId xmlns:a16="http://schemas.microsoft.com/office/drawing/2014/main" id="{7A3CC553-85FE-194E-B9DB-236DFC8AB38E}"/>
-              </a:ext>
-            </a:extLst>
-          </p:cNvPr>
-          <p:cNvCxnSpPr>
-            <a:stCxn id="7" idx="3"/>
-            <a:endCxn id="11" idx="1"/>
-          </p:cNvCxnSpPr>
-          <p:nvPr/>
-        </p:nvCxnSpPr>
-        <p:spPr>
-          <a:xfrm>
-            <a:off x="6618329" y="1011309"/>
-            <a:ext cx="2391562" cy="2417691"/>
-          </a:xfrm>
-          <a:prstGeom prst="straightConnector1">
-            <a:avLst/>
-          </a:prstGeom>
-          <a:ln>
-            <a:prstDash val="lgDash"/>
             <a:tailEnd type="triangle"/>
           </a:ln>
         </p:spPr>
@@ -10201,14 +10062,13 @@
         </p:nvCxnSpPr>
         <p:spPr>
           <a:xfrm>
-            <a:off x="6618329" y="1011309"/>
-            <a:ext cx="2391563" cy="4835382"/>
+            <a:off x="3216858" y="2675618"/>
+            <a:ext cx="1412152" cy="3228189"/>
           </a:xfrm>
           <a:prstGeom prst="straightConnector1">
             <a:avLst/>
           </a:prstGeom>
           <a:ln>
-            <a:prstDash val="lgDash"/>
             <a:tailEnd type="triangle"/>
           </a:ln>
         </p:spPr>
@@ -10229,23 +10089,23 @@
       </p:cxnSp>
       <p:cxnSp>
         <p:nvCxnSpPr>
-          <p:cNvPr id="26" name="Straight Arrow Connector 25">
-            <a:extLst>
-              <a:ext uri="{FF2B5EF4-FFF2-40B4-BE49-F238E27FC236}">
-                <a16:creationId xmlns:a16="http://schemas.microsoft.com/office/drawing/2014/main" id="{B8B38524-F7B3-A048-8247-958A5220C068}"/>
+          <p:cNvPr id="36" name="Straight Arrow Connector 35">
+            <a:extLst>
+              <a:ext uri="{FF2B5EF4-FFF2-40B4-BE49-F238E27FC236}">
+                <a16:creationId xmlns:a16="http://schemas.microsoft.com/office/drawing/2014/main" id="{E71AFDA3-9358-684E-B9A5-24851942F9BA}"/>
               </a:ext>
             </a:extLst>
           </p:cNvPr>
           <p:cNvCxnSpPr>
-            <a:stCxn id="5" idx="3"/>
-            <a:endCxn id="8" idx="1"/>
+            <a:stCxn id="8" idx="3"/>
+            <a:endCxn id="12" idx="1"/>
           </p:cNvCxnSpPr>
           <p:nvPr/>
         </p:nvCxnSpPr>
         <p:spPr>
           <a:xfrm>
-            <a:off x="3202063" y="3429000"/>
-            <a:ext cx="2318561" cy="0"/>
+            <a:off x="3188153" y="4289713"/>
+            <a:ext cx="1440857" cy="1614094"/>
           </a:xfrm>
           <a:prstGeom prst="straightConnector1">
             <a:avLst/>
@@ -10271,29 +10131,894 @@
       </p:cxnSp>
       <p:cxnSp>
         <p:nvCxnSpPr>
-          <p:cNvPr id="28" name="Straight Arrow Connector 27">
-            <a:extLst>
-              <a:ext uri="{FF2B5EF4-FFF2-40B4-BE49-F238E27FC236}">
-                <a16:creationId xmlns:a16="http://schemas.microsoft.com/office/drawing/2014/main" id="{28316203-54C2-1F47-B8B6-C25D5DDCB40F}"/>
+          <p:cNvPr id="44" name="Straight Arrow Connector 43">
+            <a:extLst>
+              <a:ext uri="{FF2B5EF4-FFF2-40B4-BE49-F238E27FC236}">
+                <a16:creationId xmlns:a16="http://schemas.microsoft.com/office/drawing/2014/main" id="{C3AF7C9B-F6F5-E144-877C-CA60484B62D1}"/>
               </a:ext>
             </a:extLst>
           </p:cNvPr>
           <p:cNvCxnSpPr>
-            <a:stCxn id="5" idx="3"/>
-            <a:endCxn id="7" idx="1"/>
+            <a:stCxn id="9" idx="3"/>
+            <a:endCxn id="12" idx="1"/>
           </p:cNvCxnSpPr>
           <p:nvPr/>
         </p:nvCxnSpPr>
         <p:spPr>
-          <a:xfrm flipV="1">
-            <a:off x="3202063" y="1011309"/>
-            <a:ext cx="2391562" cy="2417691"/>
+          <a:xfrm>
+            <a:off x="3188154" y="5903807"/>
+            <a:ext cx="1440856" cy="0"/>
           </a:xfrm>
           <a:prstGeom prst="straightConnector1">
             <a:avLst/>
           </a:prstGeom>
           <a:ln>
-            <a:prstDash val="lgDash"/>
+            <a:tailEnd type="triangle"/>
+          </a:ln>
+        </p:spPr>
+        <p:style>
+          <a:lnRef idx="1">
+            <a:schemeClr val="accent6"/>
+          </a:lnRef>
+          <a:fillRef idx="0">
+            <a:schemeClr val="accent6"/>
+          </a:fillRef>
+          <a:effectRef idx="0">
+            <a:schemeClr val="accent6"/>
+          </a:effectRef>
+          <a:fontRef idx="minor">
+            <a:schemeClr val="tx1"/>
+          </a:fontRef>
+        </p:style>
+      </p:cxnSp>
+      <p:sp>
+        <p:nvSpPr>
+          <p:cNvPr id="63" name="TextBox 62">
+            <a:extLst>
+              <a:ext uri="{FF2B5EF4-FFF2-40B4-BE49-F238E27FC236}">
+                <a16:creationId xmlns:a16="http://schemas.microsoft.com/office/drawing/2014/main" id="{EECD93F2-682C-F84F-B876-93C510A77332}"/>
+              </a:ext>
+            </a:extLst>
+          </p:cNvPr>
+          <p:cNvSpPr txBox="1"/>
+          <p:nvPr/>
+        </p:nvSpPr>
+        <p:spPr>
+          <a:xfrm>
+            <a:off x="1736333" y="2521773"/>
+            <a:ext cx="334692" cy="184666"/>
+          </a:xfrm>
+          <a:prstGeom prst="rect">
+            <a:avLst/>
+          </a:prstGeom>
+          <a:noFill/>
+        </p:spPr>
+        <p:txBody>
+          <a:bodyPr wrap="square" rtlCol="0">
+            <a:spAutoFit/>
+          </a:bodyPr>
+          <a:lstStyle/>
+          <a:p>
+            <a:r>
+              <a:rPr lang="en-US" sz="600" b="1" dirty="0">
+                <a:solidFill>
+                  <a:schemeClr val="accent1"/>
+                </a:solidFill>
+              </a:rPr>
+              <a:t>.77</a:t>
+            </a:r>
+          </a:p>
+        </p:txBody>
+      </p:sp>
+      <p:sp>
+        <p:nvSpPr>
+          <p:cNvPr id="65" name="TextBox 64">
+            <a:extLst>
+              <a:ext uri="{FF2B5EF4-FFF2-40B4-BE49-F238E27FC236}">
+                <a16:creationId xmlns:a16="http://schemas.microsoft.com/office/drawing/2014/main" id="{801F5122-BC51-1349-82D4-FF22A277A2DB}"/>
+              </a:ext>
+            </a:extLst>
+          </p:cNvPr>
+          <p:cNvSpPr txBox="1"/>
+          <p:nvPr/>
+        </p:nvSpPr>
+        <p:spPr>
+          <a:xfrm>
+            <a:off x="1491706" y="3017467"/>
+            <a:ext cx="334692" cy="184666"/>
+          </a:xfrm>
+          <a:prstGeom prst="rect">
+            <a:avLst/>
+          </a:prstGeom>
+          <a:noFill/>
+        </p:spPr>
+        <p:txBody>
+          <a:bodyPr wrap="square" rtlCol="0">
+            <a:spAutoFit/>
+          </a:bodyPr>
+          <a:lstStyle/>
+          <a:p>
+            <a:r>
+              <a:rPr lang="en-US" sz="600" b="1" dirty="0">
+                <a:solidFill>
+                  <a:schemeClr val="accent1"/>
+                </a:solidFill>
+              </a:rPr>
+              <a:t>-.02</a:t>
+            </a:r>
+          </a:p>
+        </p:txBody>
+      </p:sp>
+      <p:sp>
+        <p:nvSpPr>
+          <p:cNvPr id="66" name="TextBox 65">
+            <a:extLst>
+              <a:ext uri="{FF2B5EF4-FFF2-40B4-BE49-F238E27FC236}">
+                <a16:creationId xmlns:a16="http://schemas.microsoft.com/office/drawing/2014/main" id="{65E6E438-5843-B644-AB4D-03650B59A700}"/>
+              </a:ext>
+            </a:extLst>
+          </p:cNvPr>
+          <p:cNvSpPr txBox="1"/>
+          <p:nvPr/>
+        </p:nvSpPr>
+        <p:spPr>
+          <a:xfrm>
+            <a:off x="1053680" y="3202397"/>
+            <a:ext cx="285114" cy="184666"/>
+          </a:xfrm>
+          <a:prstGeom prst="rect">
+            <a:avLst/>
+          </a:prstGeom>
+          <a:noFill/>
+        </p:spPr>
+        <p:txBody>
+          <a:bodyPr wrap="square" rtlCol="0">
+            <a:spAutoFit/>
+          </a:bodyPr>
+          <a:lstStyle/>
+          <a:p>
+            <a:r>
+              <a:rPr lang="en-US" sz="600" dirty="0">
+                <a:solidFill>
+                  <a:schemeClr val="accent1"/>
+                </a:solidFill>
+              </a:rPr>
+              <a:t>.00</a:t>
+            </a:r>
+          </a:p>
+        </p:txBody>
+      </p:sp>
+      <p:sp>
+        <p:nvSpPr>
+          <p:cNvPr id="68" name="TextBox 67">
+            <a:extLst>
+              <a:ext uri="{FF2B5EF4-FFF2-40B4-BE49-F238E27FC236}">
+                <a16:creationId xmlns:a16="http://schemas.microsoft.com/office/drawing/2014/main" id="{56828EAF-4464-C448-9E3E-6D0F6F2668EE}"/>
+              </a:ext>
+            </a:extLst>
+          </p:cNvPr>
+          <p:cNvSpPr txBox="1"/>
+          <p:nvPr/>
+        </p:nvSpPr>
+        <p:spPr>
+          <a:xfrm>
+            <a:off x="3092028" y="3202397"/>
+            <a:ext cx="336846" cy="184666"/>
+          </a:xfrm>
+          <a:prstGeom prst="rect">
+            <a:avLst/>
+          </a:prstGeom>
+          <a:noFill/>
+        </p:spPr>
+        <p:txBody>
+          <a:bodyPr wrap="square" rtlCol="0">
+            <a:spAutoFit/>
+          </a:bodyPr>
+          <a:lstStyle/>
+          <a:p>
+            <a:r>
+              <a:rPr lang="en-US" sz="600" dirty="0">
+                <a:solidFill>
+                  <a:schemeClr val="accent1"/>
+                </a:solidFill>
+              </a:rPr>
+              <a:t>.00</a:t>
+            </a:r>
+          </a:p>
+        </p:txBody>
+      </p:sp>
+      <p:sp>
+        <p:nvSpPr>
+          <p:cNvPr id="73" name="TextBox 72">
+            <a:extLst>
+              <a:ext uri="{FF2B5EF4-FFF2-40B4-BE49-F238E27FC236}">
+                <a16:creationId xmlns:a16="http://schemas.microsoft.com/office/drawing/2014/main" id="{8DDCA9FD-4E59-0C43-BB13-8185C501FE59}"/>
+              </a:ext>
+            </a:extLst>
+          </p:cNvPr>
+          <p:cNvSpPr txBox="1"/>
+          <p:nvPr/>
+        </p:nvSpPr>
+        <p:spPr>
+          <a:xfrm>
+            <a:off x="3159448" y="4513434"/>
+            <a:ext cx="280553" cy="184666"/>
+          </a:xfrm>
+          <a:prstGeom prst="rect">
+            <a:avLst/>
+          </a:prstGeom>
+          <a:noFill/>
+        </p:spPr>
+        <p:txBody>
+          <a:bodyPr wrap="square" rtlCol="0">
+            <a:spAutoFit/>
+          </a:bodyPr>
+          <a:lstStyle/>
+          <a:p>
+            <a:r>
+              <a:rPr lang="en-US" sz="600" b="1" dirty="0">
+                <a:solidFill>
+                  <a:schemeClr val="accent2"/>
+                </a:solidFill>
+              </a:rPr>
+              <a:t>.13</a:t>
+            </a:r>
+          </a:p>
+        </p:txBody>
+      </p:sp>
+      <p:sp>
+        <p:nvSpPr>
+          <p:cNvPr id="79" name="TextBox 78">
+            <a:extLst>
+              <a:ext uri="{FF2B5EF4-FFF2-40B4-BE49-F238E27FC236}">
+                <a16:creationId xmlns:a16="http://schemas.microsoft.com/office/drawing/2014/main" id="{02800D6E-C02F-9242-BCBC-84CE052F9B13}"/>
+              </a:ext>
+            </a:extLst>
+          </p:cNvPr>
+          <p:cNvSpPr txBox="1"/>
+          <p:nvPr/>
+        </p:nvSpPr>
+        <p:spPr>
+          <a:xfrm>
+            <a:off x="3230870" y="5957946"/>
+            <a:ext cx="363199" cy="184666"/>
+          </a:xfrm>
+          <a:prstGeom prst="rect">
+            <a:avLst/>
+          </a:prstGeom>
+          <a:noFill/>
+        </p:spPr>
+        <p:txBody>
+          <a:bodyPr wrap="square" rtlCol="0">
+            <a:spAutoFit/>
+          </a:bodyPr>
+          <a:lstStyle/>
+          <a:p>
+            <a:r>
+              <a:rPr lang="en-US" sz="600" b="1" dirty="0">
+                <a:solidFill>
+                  <a:schemeClr val="accent6"/>
+                </a:solidFill>
+              </a:rPr>
+              <a:t>.71</a:t>
+            </a:r>
+          </a:p>
+        </p:txBody>
+      </p:sp>
+      <p:sp>
+        <p:nvSpPr>
+          <p:cNvPr id="2" name="TextBox 1">
+            <a:extLst>
+              <a:ext uri="{FF2B5EF4-FFF2-40B4-BE49-F238E27FC236}">
+                <a16:creationId xmlns:a16="http://schemas.microsoft.com/office/drawing/2014/main" id="{94D4980E-FA94-BC40-9565-88E90CB5E095}"/>
+              </a:ext>
+            </a:extLst>
+          </p:cNvPr>
+          <p:cNvSpPr txBox="1"/>
+          <p:nvPr/>
+        </p:nvSpPr>
+        <p:spPr>
+          <a:xfrm>
+            <a:off x="4116633" y="2521773"/>
+            <a:ext cx="1832222" cy="1061829"/>
+          </a:xfrm>
+          <a:prstGeom prst="rect">
+            <a:avLst/>
+          </a:prstGeom>
+          <a:noFill/>
+        </p:spPr>
+        <p:txBody>
+          <a:bodyPr wrap="square" rtlCol="0">
+            <a:spAutoFit/>
+          </a:bodyPr>
+          <a:lstStyle/>
+          <a:p>
+            <a:r>
+              <a:rPr lang="en-US" sz="900" dirty="0"/>
+              <a:t>TOTAL:</a:t>
+            </a:r>
+          </a:p>
+          <a:p>
+            <a:r>
+              <a:rPr lang="en-US" sz="900" dirty="0"/>
+              <a:t>i1*i3 + i2*c3 + i3*h3</a:t>
+            </a:r>
+          </a:p>
+          <a:p>
+            <a:endParaRPr lang="en-US" sz="900" dirty="0"/>
+          </a:p>
+          <a:p>
+            <a:endParaRPr lang="en-US" sz="900" dirty="0"/>
+          </a:p>
+          <a:p>
+            <a:endParaRPr lang="en-US" sz="900" dirty="0"/>
+          </a:p>
+          <a:p>
+            <a:r>
+              <a:rPr lang="en-US" sz="900" dirty="0"/>
+              <a:t>INDIRECT (through Caregiver):</a:t>
+            </a:r>
+          </a:p>
+          <a:p>
+            <a:r>
+              <a:rPr lang="en-US" sz="900" dirty="0"/>
+              <a:t>i2*c3</a:t>
+            </a:r>
+          </a:p>
+        </p:txBody>
+      </p:sp>
+      <p:sp>
+        <p:nvSpPr>
+          <p:cNvPr id="3" name="TextBox 2">
+            <a:extLst>
+              <a:ext uri="{FF2B5EF4-FFF2-40B4-BE49-F238E27FC236}">
+                <a16:creationId xmlns:a16="http://schemas.microsoft.com/office/drawing/2014/main" id="{283BEA1B-F1B0-7B47-AD98-1C167E2A7E1E}"/>
+              </a:ext>
+            </a:extLst>
+          </p:cNvPr>
+          <p:cNvSpPr txBox="1"/>
+          <p:nvPr/>
+        </p:nvSpPr>
+        <p:spPr>
+          <a:xfrm>
+            <a:off x="4333217" y="3017467"/>
+            <a:ext cx="651408" cy="230832"/>
+          </a:xfrm>
+          <a:prstGeom prst="rect">
+            <a:avLst/>
+          </a:prstGeom>
+          <a:noFill/>
+        </p:spPr>
+        <p:txBody>
+          <a:bodyPr wrap="square" rtlCol="0">
+            <a:spAutoFit/>
+          </a:bodyPr>
+          <a:lstStyle/>
+          <a:p>
+            <a:r>
+              <a:rPr lang="en-US" sz="900" dirty="0">
+                <a:solidFill>
+                  <a:schemeClr val="accent1"/>
+                </a:solidFill>
+              </a:rPr>
+              <a:t>-.008 (ns)</a:t>
+            </a:r>
+          </a:p>
+        </p:txBody>
+      </p:sp>
+      <p:sp>
+        <p:nvSpPr>
+          <p:cNvPr id="56" name="TextBox 55">
+            <a:extLst>
+              <a:ext uri="{FF2B5EF4-FFF2-40B4-BE49-F238E27FC236}">
+                <a16:creationId xmlns:a16="http://schemas.microsoft.com/office/drawing/2014/main" id="{FC1D74B1-094F-B542-AEAE-37DA06364052}"/>
+              </a:ext>
+            </a:extLst>
+          </p:cNvPr>
+          <p:cNvSpPr txBox="1"/>
+          <p:nvPr/>
+        </p:nvSpPr>
+        <p:spPr>
+          <a:xfrm>
+            <a:off x="4332009" y="3938292"/>
+            <a:ext cx="980432" cy="230832"/>
+          </a:xfrm>
+          <a:prstGeom prst="rect">
+            <a:avLst/>
+          </a:prstGeom>
+          <a:noFill/>
+        </p:spPr>
+        <p:txBody>
+          <a:bodyPr wrap="square" rtlCol="0">
+            <a:spAutoFit/>
+          </a:bodyPr>
+          <a:lstStyle/>
+          <a:p>
+            <a:r>
+              <a:rPr lang="en-US" sz="900" dirty="0">
+                <a:solidFill>
+                  <a:schemeClr val="accent1"/>
+                </a:solidFill>
+              </a:rPr>
+              <a:t>-.003 (p = .007)</a:t>
+            </a:r>
+          </a:p>
+        </p:txBody>
+      </p:sp>
+      <p:sp>
+        <p:nvSpPr>
+          <p:cNvPr id="26" name="TextBox 25">
+            <a:extLst>
+              <a:ext uri="{FF2B5EF4-FFF2-40B4-BE49-F238E27FC236}">
+                <a16:creationId xmlns:a16="http://schemas.microsoft.com/office/drawing/2014/main" id="{EE42FB06-DA14-164A-9ABD-332515D8A3CA}"/>
+              </a:ext>
+            </a:extLst>
+          </p:cNvPr>
+          <p:cNvSpPr txBox="1"/>
+          <p:nvPr/>
+        </p:nvSpPr>
+        <p:spPr>
+          <a:xfrm>
+            <a:off x="6501450" y="2582164"/>
+            <a:ext cx="713034" cy="369332"/>
+          </a:xfrm>
+          <a:prstGeom prst="rect">
+            <a:avLst/>
+          </a:prstGeom>
+          <a:ln w="57150"/>
+        </p:spPr>
+        <p:style>
+          <a:lnRef idx="2">
+            <a:schemeClr val="accent1"/>
+          </a:lnRef>
+          <a:fillRef idx="1">
+            <a:schemeClr val="lt1"/>
+          </a:fillRef>
+          <a:effectRef idx="0">
+            <a:schemeClr val="accent1"/>
+          </a:effectRef>
+          <a:fontRef idx="minor">
+            <a:schemeClr val="dk1"/>
+          </a:fontRef>
+        </p:style>
+        <p:txBody>
+          <a:bodyPr wrap="square" rtlCol="0">
+            <a:spAutoFit/>
+          </a:bodyPr>
+          <a:lstStyle/>
+          <a:p>
+            <a:pPr algn="ctr"/>
+            <a:r>
+              <a:rPr lang="en-US" sz="900" dirty="0"/>
+              <a:t>Income </a:t>
+            </a:r>
+          </a:p>
+          <a:p>
+            <a:pPr algn="ctr"/>
+            <a:r>
+              <a:rPr lang="en-US" sz="900" dirty="0"/>
+              <a:t>Decreased</a:t>
+            </a:r>
+          </a:p>
+        </p:txBody>
+      </p:sp>
+      <p:sp>
+        <p:nvSpPr>
+          <p:cNvPr id="27" name="TextBox 26">
+            <a:extLst>
+              <a:ext uri="{FF2B5EF4-FFF2-40B4-BE49-F238E27FC236}">
+                <a16:creationId xmlns:a16="http://schemas.microsoft.com/office/drawing/2014/main" id="{C2D76BE9-ABE4-E04B-8E38-4324C97F7478}"/>
+              </a:ext>
+            </a:extLst>
+          </p:cNvPr>
+          <p:cNvSpPr txBox="1"/>
+          <p:nvPr/>
+        </p:nvSpPr>
+        <p:spPr>
+          <a:xfrm>
+            <a:off x="8597932" y="2582164"/>
+            <a:ext cx="713034" cy="369332"/>
+          </a:xfrm>
+          <a:prstGeom prst="rect">
+            <a:avLst/>
+          </a:prstGeom>
+        </p:spPr>
+        <p:style>
+          <a:lnRef idx="2">
+            <a:schemeClr val="accent1"/>
+          </a:lnRef>
+          <a:fillRef idx="1">
+            <a:schemeClr val="lt1"/>
+          </a:fillRef>
+          <a:effectRef idx="0">
+            <a:schemeClr val="accent1"/>
+          </a:effectRef>
+          <a:fontRef idx="minor">
+            <a:schemeClr val="dk1"/>
+          </a:fontRef>
+        </p:style>
+        <p:txBody>
+          <a:bodyPr wrap="square" rtlCol="0">
+            <a:spAutoFit/>
+          </a:bodyPr>
+          <a:lstStyle/>
+          <a:p>
+            <a:pPr algn="ctr"/>
+            <a:r>
+              <a:rPr lang="en-US" sz="900" dirty="0"/>
+              <a:t>Income </a:t>
+            </a:r>
+          </a:p>
+          <a:p>
+            <a:pPr algn="ctr"/>
+            <a:r>
+              <a:rPr lang="en-US" sz="900" dirty="0"/>
+              <a:t>Decreased</a:t>
+            </a:r>
+          </a:p>
+        </p:txBody>
+      </p:sp>
+      <p:sp>
+        <p:nvSpPr>
+          <p:cNvPr id="28" name="TextBox 27">
+            <a:extLst>
+              <a:ext uri="{FF2B5EF4-FFF2-40B4-BE49-F238E27FC236}">
+                <a16:creationId xmlns:a16="http://schemas.microsoft.com/office/drawing/2014/main" id="{66C4653A-3391-D94C-93EE-0165454A162C}"/>
+              </a:ext>
+            </a:extLst>
+          </p:cNvPr>
+          <p:cNvSpPr txBox="1"/>
+          <p:nvPr/>
+        </p:nvSpPr>
+        <p:spPr>
+          <a:xfrm>
+            <a:off x="8597931" y="4196259"/>
+            <a:ext cx="684330" cy="369332"/>
+          </a:xfrm>
+          <a:prstGeom prst="rect">
+            <a:avLst/>
+          </a:prstGeom>
+        </p:spPr>
+        <p:style>
+          <a:lnRef idx="2">
+            <a:schemeClr val="accent2"/>
+          </a:lnRef>
+          <a:fillRef idx="1">
+            <a:schemeClr val="lt1"/>
+          </a:fillRef>
+          <a:effectRef idx="0">
+            <a:schemeClr val="accent2"/>
+          </a:effectRef>
+          <a:fontRef idx="minor">
+            <a:schemeClr val="dk1"/>
+          </a:fontRef>
+        </p:style>
+        <p:txBody>
+          <a:bodyPr wrap="square" rtlCol="0">
+            <a:spAutoFit/>
+          </a:bodyPr>
+          <a:lstStyle/>
+          <a:p>
+            <a:pPr algn="ctr"/>
+            <a:r>
+              <a:rPr lang="en-US" sz="900" dirty="0"/>
+              <a:t>Caregiver </a:t>
+            </a:r>
+          </a:p>
+          <a:p>
+            <a:pPr algn="ctr"/>
+            <a:r>
+              <a:rPr lang="en-US" sz="900" dirty="0"/>
+              <a:t>Wellbeing</a:t>
+            </a:r>
+          </a:p>
+        </p:txBody>
+      </p:sp>
+      <p:sp>
+        <p:nvSpPr>
+          <p:cNvPr id="29" name="TextBox 28">
+            <a:extLst>
+              <a:ext uri="{FF2B5EF4-FFF2-40B4-BE49-F238E27FC236}">
+                <a16:creationId xmlns:a16="http://schemas.microsoft.com/office/drawing/2014/main" id="{32109376-04D5-EB49-A767-3CBE784972AE}"/>
+              </a:ext>
+            </a:extLst>
+          </p:cNvPr>
+          <p:cNvSpPr txBox="1"/>
+          <p:nvPr/>
+        </p:nvSpPr>
+        <p:spPr>
+          <a:xfrm>
+            <a:off x="8597932" y="5810353"/>
+            <a:ext cx="684330" cy="369332"/>
+          </a:xfrm>
+          <a:prstGeom prst="rect">
+            <a:avLst/>
+          </a:prstGeom>
+        </p:spPr>
+        <p:style>
+          <a:lnRef idx="2">
+            <a:schemeClr val="accent6"/>
+          </a:lnRef>
+          <a:fillRef idx="1">
+            <a:schemeClr val="lt1"/>
+          </a:fillRef>
+          <a:effectRef idx="0">
+            <a:schemeClr val="accent6"/>
+          </a:effectRef>
+          <a:fontRef idx="minor">
+            <a:schemeClr val="dk1"/>
+          </a:fontRef>
+        </p:style>
+        <p:txBody>
+          <a:bodyPr wrap="square" rtlCol="0">
+            <a:spAutoFit/>
+          </a:bodyPr>
+          <a:lstStyle/>
+          <a:p>
+            <a:pPr algn="ctr"/>
+            <a:r>
+              <a:rPr lang="en-US" sz="900" dirty="0"/>
+              <a:t>Child </a:t>
+            </a:r>
+          </a:p>
+          <a:p>
+            <a:pPr algn="ctr"/>
+            <a:r>
+              <a:rPr lang="en-US" sz="900" dirty="0"/>
+              <a:t>Wellbeing</a:t>
+            </a:r>
+          </a:p>
+        </p:txBody>
+      </p:sp>
+      <p:sp>
+        <p:nvSpPr>
+          <p:cNvPr id="30" name="TextBox 29">
+            <a:extLst>
+              <a:ext uri="{FF2B5EF4-FFF2-40B4-BE49-F238E27FC236}">
+                <a16:creationId xmlns:a16="http://schemas.microsoft.com/office/drawing/2014/main" id="{5424B25B-B5F0-BD4F-BB62-8682BECA3848}"/>
+              </a:ext>
+            </a:extLst>
+          </p:cNvPr>
+          <p:cNvSpPr txBox="1"/>
+          <p:nvPr/>
+        </p:nvSpPr>
+        <p:spPr>
+          <a:xfrm>
+            <a:off x="10723118" y="5810353"/>
+            <a:ext cx="684330" cy="369332"/>
+          </a:xfrm>
+          <a:prstGeom prst="rect">
+            <a:avLst/>
+          </a:prstGeom>
+          <a:ln w="57150"/>
+        </p:spPr>
+        <p:style>
+          <a:lnRef idx="2">
+            <a:schemeClr val="accent6"/>
+          </a:lnRef>
+          <a:fillRef idx="1">
+            <a:schemeClr val="lt1"/>
+          </a:fillRef>
+          <a:effectRef idx="0">
+            <a:schemeClr val="accent6"/>
+          </a:effectRef>
+          <a:fontRef idx="minor">
+            <a:schemeClr val="dk1"/>
+          </a:fontRef>
+        </p:style>
+        <p:txBody>
+          <a:bodyPr wrap="square" rtlCol="0">
+            <a:spAutoFit/>
+          </a:bodyPr>
+          <a:lstStyle/>
+          <a:p>
+            <a:pPr algn="ctr"/>
+            <a:r>
+              <a:rPr lang="en-US" sz="900" dirty="0"/>
+              <a:t>Child </a:t>
+            </a:r>
+          </a:p>
+          <a:p>
+            <a:pPr algn="ctr"/>
+            <a:r>
+              <a:rPr lang="en-US" sz="900" dirty="0"/>
+              <a:t>Wellbeing</a:t>
+            </a:r>
+          </a:p>
+        </p:txBody>
+      </p:sp>
+      <p:cxnSp>
+        <p:nvCxnSpPr>
+          <p:cNvPr id="31" name="Straight Arrow Connector 30">
+            <a:extLst>
+              <a:ext uri="{FF2B5EF4-FFF2-40B4-BE49-F238E27FC236}">
+                <a16:creationId xmlns:a16="http://schemas.microsoft.com/office/drawing/2014/main" id="{D219A245-D2D8-904D-BD9E-40067F6CBF1D}"/>
+              </a:ext>
+            </a:extLst>
+          </p:cNvPr>
+          <p:cNvCxnSpPr>
+            <a:stCxn id="26" idx="3"/>
+            <a:endCxn id="27" idx="1"/>
+          </p:cNvCxnSpPr>
+          <p:nvPr/>
+        </p:nvCxnSpPr>
+        <p:spPr>
+          <a:xfrm>
+            <a:off x="7214484" y="2766830"/>
+            <a:ext cx="1383448" cy="0"/>
+          </a:xfrm>
+          <a:prstGeom prst="straightConnector1">
+            <a:avLst/>
+          </a:prstGeom>
+          <a:ln>
+            <a:tailEnd type="triangle"/>
+          </a:ln>
+        </p:spPr>
+        <p:style>
+          <a:lnRef idx="1">
+            <a:schemeClr val="accent1"/>
+          </a:lnRef>
+          <a:fillRef idx="0">
+            <a:schemeClr val="accent1"/>
+          </a:fillRef>
+          <a:effectRef idx="0">
+            <a:schemeClr val="accent1"/>
+          </a:effectRef>
+          <a:fontRef idx="minor">
+            <a:schemeClr val="tx1"/>
+          </a:fontRef>
+        </p:style>
+      </p:cxnSp>
+      <p:cxnSp>
+        <p:nvCxnSpPr>
+          <p:cNvPr id="32" name="Straight Arrow Connector 31">
+            <a:extLst>
+              <a:ext uri="{FF2B5EF4-FFF2-40B4-BE49-F238E27FC236}">
+                <a16:creationId xmlns:a16="http://schemas.microsoft.com/office/drawing/2014/main" id="{5EB9475A-E5FA-C942-9D5E-D7A7621C36CE}"/>
+              </a:ext>
+            </a:extLst>
+          </p:cNvPr>
+          <p:cNvCxnSpPr>
+            <a:stCxn id="26" idx="3"/>
+            <a:endCxn id="28" idx="1"/>
+          </p:cNvCxnSpPr>
+          <p:nvPr/>
+        </p:nvCxnSpPr>
+        <p:spPr>
+          <a:xfrm>
+            <a:off x="7214484" y="2766830"/>
+            <a:ext cx="1383447" cy="1614095"/>
+          </a:xfrm>
+          <a:prstGeom prst="straightConnector1">
+            <a:avLst/>
+          </a:prstGeom>
+          <a:ln>
+            <a:tailEnd type="triangle"/>
+          </a:ln>
+        </p:spPr>
+        <p:style>
+          <a:lnRef idx="1">
+            <a:schemeClr val="accent1"/>
+          </a:lnRef>
+          <a:fillRef idx="0">
+            <a:schemeClr val="accent1"/>
+          </a:fillRef>
+          <a:effectRef idx="0">
+            <a:schemeClr val="accent1"/>
+          </a:effectRef>
+          <a:fontRef idx="minor">
+            <a:schemeClr val="tx1"/>
+          </a:fontRef>
+        </p:style>
+      </p:cxnSp>
+      <p:cxnSp>
+        <p:nvCxnSpPr>
+          <p:cNvPr id="33" name="Straight Arrow Connector 32">
+            <a:extLst>
+              <a:ext uri="{FF2B5EF4-FFF2-40B4-BE49-F238E27FC236}">
+                <a16:creationId xmlns:a16="http://schemas.microsoft.com/office/drawing/2014/main" id="{287F98BA-E7C0-9C41-B16E-FBB9AA6D52E9}"/>
+              </a:ext>
+            </a:extLst>
+          </p:cNvPr>
+          <p:cNvCxnSpPr>
+            <a:stCxn id="26" idx="3"/>
+            <a:endCxn id="29" idx="1"/>
+          </p:cNvCxnSpPr>
+          <p:nvPr/>
+        </p:nvCxnSpPr>
+        <p:spPr>
+          <a:xfrm>
+            <a:off x="7214484" y="2766830"/>
+            <a:ext cx="1383448" cy="3228189"/>
+          </a:xfrm>
+          <a:prstGeom prst="straightConnector1">
+            <a:avLst/>
+          </a:prstGeom>
+          <a:ln>
+            <a:tailEnd type="triangle"/>
+          </a:ln>
+        </p:spPr>
+        <p:style>
+          <a:lnRef idx="1">
+            <a:schemeClr val="accent1"/>
+          </a:lnRef>
+          <a:fillRef idx="0">
+            <a:schemeClr val="accent1"/>
+          </a:fillRef>
+          <a:effectRef idx="0">
+            <a:schemeClr val="accent1"/>
+          </a:effectRef>
+          <a:fontRef idx="minor">
+            <a:schemeClr val="tx1"/>
+          </a:fontRef>
+        </p:style>
+      </p:cxnSp>
+      <p:cxnSp>
+        <p:nvCxnSpPr>
+          <p:cNvPr id="34" name="Straight Arrow Connector 33">
+            <a:extLst>
+              <a:ext uri="{FF2B5EF4-FFF2-40B4-BE49-F238E27FC236}">
+                <a16:creationId xmlns:a16="http://schemas.microsoft.com/office/drawing/2014/main" id="{66A915A6-EA29-C44D-B197-EC5E6382BCC8}"/>
+              </a:ext>
+            </a:extLst>
+          </p:cNvPr>
+          <p:cNvCxnSpPr>
+            <a:stCxn id="27" idx="3"/>
+            <a:endCxn id="30" idx="1"/>
+          </p:cNvCxnSpPr>
+          <p:nvPr/>
+        </p:nvCxnSpPr>
+        <p:spPr>
+          <a:xfrm>
+            <a:off x="9310966" y="2766830"/>
+            <a:ext cx="1412152" cy="3228189"/>
+          </a:xfrm>
+          <a:prstGeom prst="straightConnector1">
+            <a:avLst/>
+          </a:prstGeom>
+          <a:ln>
+            <a:tailEnd type="triangle"/>
+          </a:ln>
+        </p:spPr>
+        <p:style>
+          <a:lnRef idx="1">
+            <a:schemeClr val="accent1"/>
+          </a:lnRef>
+          <a:fillRef idx="0">
+            <a:schemeClr val="accent1"/>
+          </a:fillRef>
+          <a:effectRef idx="0">
+            <a:schemeClr val="accent1"/>
+          </a:effectRef>
+          <a:fontRef idx="minor">
+            <a:schemeClr val="tx1"/>
+          </a:fontRef>
+        </p:style>
+      </p:cxnSp>
+      <p:cxnSp>
+        <p:nvCxnSpPr>
+          <p:cNvPr id="35" name="Straight Arrow Connector 34">
+            <a:extLst>
+              <a:ext uri="{FF2B5EF4-FFF2-40B4-BE49-F238E27FC236}">
+                <a16:creationId xmlns:a16="http://schemas.microsoft.com/office/drawing/2014/main" id="{3E34D24F-E6B1-3543-A1F0-E26DEB251124}"/>
+              </a:ext>
+            </a:extLst>
+          </p:cNvPr>
+          <p:cNvCxnSpPr>
+            <a:stCxn id="28" idx="3"/>
+            <a:endCxn id="30" idx="1"/>
+          </p:cNvCxnSpPr>
+          <p:nvPr/>
+        </p:nvCxnSpPr>
+        <p:spPr>
+          <a:xfrm>
+            <a:off x="9282261" y="4380925"/>
+            <a:ext cx="1440857" cy="1614094"/>
+          </a:xfrm>
+          <a:prstGeom prst="straightConnector1">
+            <a:avLst/>
+          </a:prstGeom>
+          <a:ln>
             <a:tailEnd type="triangle"/>
           </a:ln>
         </p:spPr>
@@ -10314,192 +11039,23 @@
       </p:cxnSp>
       <p:cxnSp>
         <p:nvCxnSpPr>
-          <p:cNvPr id="30" name="Straight Arrow Connector 29">
-            <a:extLst>
-              <a:ext uri="{FF2B5EF4-FFF2-40B4-BE49-F238E27FC236}">
-                <a16:creationId xmlns:a16="http://schemas.microsoft.com/office/drawing/2014/main" id="{EBBB2AA3-D196-2E47-A432-207347AEB711}"/>
+          <p:cNvPr id="37" name="Straight Arrow Connector 36">
+            <a:extLst>
+              <a:ext uri="{FF2B5EF4-FFF2-40B4-BE49-F238E27FC236}">
+                <a16:creationId xmlns:a16="http://schemas.microsoft.com/office/drawing/2014/main" id="{C437214C-9B20-2C43-AA6D-3692949AF275}"/>
               </a:ext>
             </a:extLst>
           </p:cNvPr>
           <p:cNvCxnSpPr>
-            <a:stCxn id="5" idx="3"/>
-            <a:endCxn id="9" idx="1"/>
+            <a:stCxn id="29" idx="3"/>
+            <a:endCxn id="30" idx="1"/>
           </p:cNvCxnSpPr>
           <p:nvPr/>
         </p:nvCxnSpPr>
         <p:spPr>
           <a:xfrm>
-            <a:off x="3202063" y="3429000"/>
-            <a:ext cx="2318562" cy="2417691"/>
-          </a:xfrm>
-          <a:prstGeom prst="straightConnector1">
-            <a:avLst/>
-          </a:prstGeom>
-          <a:ln>
-            <a:tailEnd type="triangle"/>
-          </a:ln>
-        </p:spPr>
-        <p:style>
-          <a:lnRef idx="1">
-            <a:schemeClr val="accent2"/>
-          </a:lnRef>
-          <a:fillRef idx="0">
-            <a:schemeClr val="accent2"/>
-          </a:fillRef>
-          <a:effectRef idx="0">
-            <a:schemeClr val="accent2"/>
-          </a:effectRef>
-          <a:fontRef idx="minor">
-            <a:schemeClr val="tx1"/>
-          </a:fontRef>
-        </p:style>
-      </p:cxnSp>
-      <p:cxnSp>
-        <p:nvCxnSpPr>
-          <p:cNvPr id="32" name="Straight Arrow Connector 31">
-            <a:extLst>
-              <a:ext uri="{FF2B5EF4-FFF2-40B4-BE49-F238E27FC236}">
-                <a16:creationId xmlns:a16="http://schemas.microsoft.com/office/drawing/2014/main" id="{903F4E6A-779E-A84D-BB78-42C59545255A}"/>
-              </a:ext>
-            </a:extLst>
-          </p:cNvPr>
-          <p:cNvCxnSpPr>
-            <a:stCxn id="8" idx="3"/>
-            <a:endCxn id="10" idx="1"/>
-          </p:cNvCxnSpPr>
-          <p:nvPr/>
-        </p:nvCxnSpPr>
-        <p:spPr>
-          <a:xfrm flipV="1">
-            <a:off x="6644201" y="1011309"/>
-            <a:ext cx="2438691" cy="2417691"/>
-          </a:xfrm>
-          <a:prstGeom prst="straightConnector1">
-            <a:avLst/>
-          </a:prstGeom>
-          <a:ln>
-            <a:prstDash val="lgDash"/>
-            <a:tailEnd type="triangle"/>
-          </a:ln>
-        </p:spPr>
-        <p:style>
-          <a:lnRef idx="1">
-            <a:schemeClr val="accent2"/>
-          </a:lnRef>
-          <a:fillRef idx="0">
-            <a:schemeClr val="accent2"/>
-          </a:fillRef>
-          <a:effectRef idx="0">
-            <a:schemeClr val="accent2"/>
-          </a:effectRef>
-          <a:fontRef idx="minor">
-            <a:schemeClr val="tx1"/>
-          </a:fontRef>
-        </p:style>
-      </p:cxnSp>
-      <p:cxnSp>
-        <p:nvCxnSpPr>
-          <p:cNvPr id="34" name="Straight Arrow Connector 33">
-            <a:extLst>
-              <a:ext uri="{FF2B5EF4-FFF2-40B4-BE49-F238E27FC236}">
-                <a16:creationId xmlns:a16="http://schemas.microsoft.com/office/drawing/2014/main" id="{1406E211-1609-214F-96CA-01993B3ABCBE}"/>
-              </a:ext>
-            </a:extLst>
-          </p:cNvPr>
-          <p:cNvCxnSpPr>
-            <a:stCxn id="8" idx="3"/>
-            <a:endCxn id="11" idx="1"/>
-          </p:cNvCxnSpPr>
-          <p:nvPr/>
-        </p:nvCxnSpPr>
-        <p:spPr>
-          <a:xfrm>
-            <a:off x="6644201" y="3429000"/>
-            <a:ext cx="2365690" cy="0"/>
-          </a:xfrm>
-          <a:prstGeom prst="straightConnector1">
-            <a:avLst/>
-          </a:prstGeom>
-          <a:ln>
-            <a:tailEnd type="triangle"/>
-          </a:ln>
-        </p:spPr>
-        <p:style>
-          <a:lnRef idx="1">
-            <a:schemeClr val="accent2"/>
-          </a:lnRef>
-          <a:fillRef idx="0">
-            <a:schemeClr val="accent2"/>
-          </a:fillRef>
-          <a:effectRef idx="0">
-            <a:schemeClr val="accent2"/>
-          </a:effectRef>
-          <a:fontRef idx="minor">
-            <a:schemeClr val="tx1"/>
-          </a:fontRef>
-        </p:style>
-      </p:cxnSp>
-      <p:cxnSp>
-        <p:nvCxnSpPr>
-          <p:cNvPr id="36" name="Straight Arrow Connector 35">
-            <a:extLst>
-              <a:ext uri="{FF2B5EF4-FFF2-40B4-BE49-F238E27FC236}">
-                <a16:creationId xmlns:a16="http://schemas.microsoft.com/office/drawing/2014/main" id="{E71AFDA3-9358-684E-B9A5-24851942F9BA}"/>
-              </a:ext>
-            </a:extLst>
-          </p:cNvPr>
-          <p:cNvCxnSpPr>
-            <a:stCxn id="8" idx="3"/>
-            <a:endCxn id="12" idx="1"/>
-          </p:cNvCxnSpPr>
-          <p:nvPr/>
-        </p:nvCxnSpPr>
-        <p:spPr>
-          <a:xfrm>
-            <a:off x="6644201" y="3429000"/>
-            <a:ext cx="2365691" cy="2417691"/>
-          </a:xfrm>
-          <a:prstGeom prst="straightConnector1">
-            <a:avLst/>
-          </a:prstGeom>
-          <a:ln>
-            <a:tailEnd type="triangle"/>
-          </a:ln>
-        </p:spPr>
-        <p:style>
-          <a:lnRef idx="1">
-            <a:schemeClr val="accent2"/>
-          </a:lnRef>
-          <a:fillRef idx="0">
-            <a:schemeClr val="accent2"/>
-          </a:fillRef>
-          <a:effectRef idx="0">
-            <a:schemeClr val="accent2"/>
-          </a:effectRef>
-          <a:fontRef idx="minor">
-            <a:schemeClr val="tx1"/>
-          </a:fontRef>
-        </p:style>
-      </p:cxnSp>
-      <p:cxnSp>
-        <p:nvCxnSpPr>
-          <p:cNvPr id="38" name="Straight Arrow Connector 37">
-            <a:extLst>
-              <a:ext uri="{FF2B5EF4-FFF2-40B4-BE49-F238E27FC236}">
-                <a16:creationId xmlns:a16="http://schemas.microsoft.com/office/drawing/2014/main" id="{71B9D28D-CA6D-8640-9AAB-7207ACC893C4}"/>
-              </a:ext>
-            </a:extLst>
-          </p:cNvPr>
-          <p:cNvCxnSpPr>
-            <a:stCxn id="6" idx="3"/>
-            <a:endCxn id="8" idx="1"/>
-          </p:cNvCxnSpPr>
-          <p:nvPr/>
-        </p:nvCxnSpPr>
-        <p:spPr>
-          <a:xfrm flipV="1">
-            <a:off x="3202064" y="3429000"/>
-            <a:ext cx="2318560" cy="2417691"/>
+            <a:off x="9282262" y="5995019"/>
+            <a:ext cx="1440856" cy="0"/>
           </a:xfrm>
           <a:prstGeom prst="straightConnector1">
             <a:avLst/>
@@ -10523,374 +11079,22 @@
           </a:fontRef>
         </p:style>
       </p:cxnSp>
-      <p:cxnSp>
-        <p:nvCxnSpPr>
-          <p:cNvPr id="40" name="Straight Arrow Connector 39">
-            <a:extLst>
-              <a:ext uri="{FF2B5EF4-FFF2-40B4-BE49-F238E27FC236}">
-                <a16:creationId xmlns:a16="http://schemas.microsoft.com/office/drawing/2014/main" id="{185A8537-162B-454D-8728-A68B4A614912}"/>
-              </a:ext>
-            </a:extLst>
-          </p:cNvPr>
-          <p:cNvCxnSpPr>
-            <a:stCxn id="6" idx="3"/>
-            <a:endCxn id="9" idx="1"/>
-          </p:cNvCxnSpPr>
-          <p:nvPr/>
-        </p:nvCxnSpPr>
-        <p:spPr>
-          <a:xfrm>
-            <a:off x="3202064" y="5846691"/>
-            <a:ext cx="2318561" cy="0"/>
-          </a:xfrm>
-          <a:prstGeom prst="straightConnector1">
-            <a:avLst/>
-          </a:prstGeom>
-          <a:ln>
-            <a:tailEnd type="triangle"/>
-          </a:ln>
-        </p:spPr>
-        <p:style>
-          <a:lnRef idx="1">
-            <a:schemeClr val="accent6"/>
-          </a:lnRef>
-          <a:fillRef idx="0">
-            <a:schemeClr val="accent6"/>
-          </a:fillRef>
-          <a:effectRef idx="0">
-            <a:schemeClr val="accent6"/>
-          </a:effectRef>
-          <a:fontRef idx="minor">
-            <a:schemeClr val="tx1"/>
-          </a:fontRef>
-        </p:style>
-      </p:cxnSp>
-      <p:cxnSp>
-        <p:nvCxnSpPr>
-          <p:cNvPr id="44" name="Straight Arrow Connector 43">
-            <a:extLst>
-              <a:ext uri="{FF2B5EF4-FFF2-40B4-BE49-F238E27FC236}">
-                <a16:creationId xmlns:a16="http://schemas.microsoft.com/office/drawing/2014/main" id="{C3AF7C9B-F6F5-E144-877C-CA60484B62D1}"/>
-              </a:ext>
-            </a:extLst>
-          </p:cNvPr>
-          <p:cNvCxnSpPr>
-            <a:stCxn id="9" idx="3"/>
-            <a:endCxn id="12" idx="1"/>
-          </p:cNvCxnSpPr>
-          <p:nvPr/>
-        </p:nvCxnSpPr>
-        <p:spPr>
-          <a:xfrm>
-            <a:off x="6644202" y="5846691"/>
-            <a:ext cx="2365690" cy="0"/>
-          </a:xfrm>
-          <a:prstGeom prst="straightConnector1">
-            <a:avLst/>
-          </a:prstGeom>
-          <a:ln>
-            <a:tailEnd type="triangle"/>
-          </a:ln>
-        </p:spPr>
-        <p:style>
-          <a:lnRef idx="1">
-            <a:schemeClr val="accent6"/>
-          </a:lnRef>
-          <a:fillRef idx="0">
-            <a:schemeClr val="accent6"/>
-          </a:fillRef>
-          <a:effectRef idx="0">
-            <a:schemeClr val="accent6"/>
-          </a:effectRef>
-          <a:fontRef idx="minor">
-            <a:schemeClr val="tx1"/>
-          </a:fontRef>
-        </p:style>
-      </p:cxnSp>
-      <p:cxnSp>
-        <p:nvCxnSpPr>
-          <p:cNvPr id="46" name="Straight Arrow Connector 45">
-            <a:extLst>
-              <a:ext uri="{FF2B5EF4-FFF2-40B4-BE49-F238E27FC236}">
-                <a16:creationId xmlns:a16="http://schemas.microsoft.com/office/drawing/2014/main" id="{BCB19781-0C60-B548-A713-07F3E1DACA9A}"/>
-              </a:ext>
-            </a:extLst>
-          </p:cNvPr>
-          <p:cNvCxnSpPr>
-            <a:stCxn id="9" idx="3"/>
-            <a:endCxn id="11" idx="1"/>
-          </p:cNvCxnSpPr>
-          <p:nvPr/>
-        </p:nvCxnSpPr>
-        <p:spPr>
-          <a:xfrm flipV="1">
-            <a:off x="6644202" y="3429000"/>
-            <a:ext cx="2365689" cy="2417691"/>
-          </a:xfrm>
-          <a:prstGeom prst="straightConnector1">
-            <a:avLst/>
-          </a:prstGeom>
-          <a:ln>
-            <a:tailEnd type="triangle"/>
-          </a:ln>
-        </p:spPr>
-        <p:style>
-          <a:lnRef idx="1">
-            <a:schemeClr val="accent6"/>
-          </a:lnRef>
-          <a:fillRef idx="0">
-            <a:schemeClr val="accent6"/>
-          </a:fillRef>
-          <a:effectRef idx="0">
-            <a:schemeClr val="accent6"/>
-          </a:effectRef>
-          <a:fontRef idx="minor">
-            <a:schemeClr val="tx1"/>
-          </a:fontRef>
-        </p:style>
-      </p:cxnSp>
-      <p:cxnSp>
-        <p:nvCxnSpPr>
-          <p:cNvPr id="50" name="Curved Connector 49">
-            <a:extLst>
-              <a:ext uri="{FF2B5EF4-FFF2-40B4-BE49-F238E27FC236}">
-                <a16:creationId xmlns:a16="http://schemas.microsoft.com/office/drawing/2014/main" id="{D460EF17-840C-7343-A66F-30F2B81109E9}"/>
-              </a:ext>
-            </a:extLst>
-          </p:cNvPr>
-          <p:cNvCxnSpPr>
-            <a:stCxn id="4" idx="1"/>
-            <a:endCxn id="5" idx="1"/>
-          </p:cNvCxnSpPr>
-          <p:nvPr/>
-        </p:nvCxnSpPr>
-        <p:spPr>
-          <a:xfrm rot="10800000" flipV="1">
-            <a:off x="2078486" y="1011308"/>
-            <a:ext cx="73002" cy="2417691"/>
-          </a:xfrm>
-          <a:prstGeom prst="curvedConnector3">
-            <a:avLst>
-              <a:gd name="adj1" fmla="val 413142"/>
-            </a:avLst>
-          </a:prstGeom>
-          <a:ln>
-            <a:headEnd type="triangle"/>
-            <a:tailEnd type="triangle"/>
-          </a:ln>
-        </p:spPr>
-        <p:style>
-          <a:lnRef idx="1">
-            <a:schemeClr val="dk1"/>
-          </a:lnRef>
-          <a:fillRef idx="0">
-            <a:schemeClr val="dk1"/>
-          </a:fillRef>
-          <a:effectRef idx="0">
-            <a:schemeClr val="dk1"/>
-          </a:effectRef>
-          <a:fontRef idx="minor">
-            <a:schemeClr val="tx1"/>
-          </a:fontRef>
-        </p:style>
-      </p:cxnSp>
-      <p:cxnSp>
-        <p:nvCxnSpPr>
-          <p:cNvPr id="52" name="Curved Connector 51">
-            <a:extLst>
-              <a:ext uri="{FF2B5EF4-FFF2-40B4-BE49-F238E27FC236}">
-                <a16:creationId xmlns:a16="http://schemas.microsoft.com/office/drawing/2014/main" id="{6D98D31E-BED1-9341-9081-AE886D882EAD}"/>
-              </a:ext>
-            </a:extLst>
-          </p:cNvPr>
-          <p:cNvCxnSpPr>
-            <a:cxnSpLocks/>
-            <a:stCxn id="4" idx="1"/>
-            <a:endCxn id="6" idx="1"/>
-          </p:cNvCxnSpPr>
-          <p:nvPr/>
-        </p:nvCxnSpPr>
-        <p:spPr>
-          <a:xfrm rot="10800000" flipV="1">
-            <a:off x="2078488" y="1011309"/>
-            <a:ext cx="73001" cy="4835382"/>
-          </a:xfrm>
-          <a:prstGeom prst="curvedConnector3">
-            <a:avLst>
-              <a:gd name="adj1" fmla="val 1150780"/>
-            </a:avLst>
-          </a:prstGeom>
-          <a:ln>
-            <a:headEnd type="triangle"/>
-            <a:tailEnd type="triangle"/>
-          </a:ln>
-        </p:spPr>
-        <p:style>
-          <a:lnRef idx="1">
-            <a:schemeClr val="dk1"/>
-          </a:lnRef>
-          <a:fillRef idx="0">
-            <a:schemeClr val="dk1"/>
-          </a:fillRef>
-          <a:effectRef idx="0">
-            <a:schemeClr val="dk1"/>
-          </a:effectRef>
-          <a:fontRef idx="minor">
-            <a:schemeClr val="tx1"/>
-          </a:fontRef>
-        </p:style>
-      </p:cxnSp>
-      <p:cxnSp>
-        <p:nvCxnSpPr>
-          <p:cNvPr id="55" name="Curved Connector 54">
-            <a:extLst>
-              <a:ext uri="{FF2B5EF4-FFF2-40B4-BE49-F238E27FC236}">
-                <a16:creationId xmlns:a16="http://schemas.microsoft.com/office/drawing/2014/main" id="{329F5102-9C9C-764F-98EE-B04767D689C5}"/>
-              </a:ext>
-            </a:extLst>
-          </p:cNvPr>
-          <p:cNvCxnSpPr>
-            <a:stCxn id="5" idx="1"/>
-            <a:endCxn id="6" idx="1"/>
-          </p:cNvCxnSpPr>
-          <p:nvPr/>
-        </p:nvCxnSpPr>
-        <p:spPr>
-          <a:xfrm rot="10800000" flipH="1" flipV="1">
-            <a:off x="2078485" y="3428999"/>
-            <a:ext cx="1" cy="2417691"/>
-          </a:xfrm>
-          <a:prstGeom prst="curvedConnector3">
-            <a:avLst>
-              <a:gd name="adj1" fmla="val -22860000000"/>
-            </a:avLst>
-          </a:prstGeom>
-          <a:ln>
-            <a:headEnd type="triangle"/>
-            <a:tailEnd type="triangle"/>
-          </a:ln>
-        </p:spPr>
-        <p:style>
-          <a:lnRef idx="1">
-            <a:schemeClr val="dk1"/>
-          </a:lnRef>
-          <a:fillRef idx="0">
-            <a:schemeClr val="dk1"/>
-          </a:fillRef>
-          <a:effectRef idx="0">
-            <a:schemeClr val="dk1"/>
-          </a:effectRef>
-          <a:fontRef idx="minor">
-            <a:schemeClr val="tx1"/>
-          </a:fontRef>
-        </p:style>
-      </p:cxnSp>
-      <p:cxnSp>
-        <p:nvCxnSpPr>
-          <p:cNvPr id="57" name="Curved Connector 56">
-            <a:extLst>
-              <a:ext uri="{FF2B5EF4-FFF2-40B4-BE49-F238E27FC236}">
-                <a16:creationId xmlns:a16="http://schemas.microsoft.com/office/drawing/2014/main" id="{6CBE8584-914B-6446-A197-28CD3930A23C}"/>
-              </a:ext>
-            </a:extLst>
-          </p:cNvPr>
-          <p:cNvCxnSpPr>
-            <a:stCxn id="10" idx="3"/>
-            <a:endCxn id="11" idx="3"/>
-          </p:cNvCxnSpPr>
-          <p:nvPr/>
-        </p:nvCxnSpPr>
-        <p:spPr>
-          <a:xfrm>
-            <a:off x="10107596" y="1011309"/>
-            <a:ext cx="25872" cy="2417691"/>
-          </a:xfrm>
-          <a:prstGeom prst="curvedConnector3">
-            <a:avLst>
-              <a:gd name="adj1" fmla="val 983581"/>
-            </a:avLst>
-          </a:prstGeom>
-          <a:ln>
-            <a:headEnd type="triangle"/>
-            <a:tailEnd type="triangle"/>
-          </a:ln>
-        </p:spPr>
-        <p:style>
-          <a:lnRef idx="1">
-            <a:schemeClr val="dk1"/>
-          </a:lnRef>
-          <a:fillRef idx="0">
-            <a:schemeClr val="dk1"/>
-          </a:fillRef>
-          <a:effectRef idx="0">
-            <a:schemeClr val="dk1"/>
-          </a:effectRef>
-          <a:fontRef idx="minor">
-            <a:schemeClr val="tx1"/>
-          </a:fontRef>
-        </p:style>
-      </p:cxnSp>
-      <p:cxnSp>
-        <p:nvCxnSpPr>
-          <p:cNvPr id="59" name="Curved Connector 58">
-            <a:extLst>
-              <a:ext uri="{FF2B5EF4-FFF2-40B4-BE49-F238E27FC236}">
-                <a16:creationId xmlns:a16="http://schemas.microsoft.com/office/drawing/2014/main" id="{8949F549-989E-454C-B614-8B9F070816EA}"/>
-              </a:ext>
-            </a:extLst>
-          </p:cNvPr>
-          <p:cNvCxnSpPr>
-            <a:stCxn id="11" idx="3"/>
-            <a:endCxn id="12" idx="3"/>
-          </p:cNvCxnSpPr>
-          <p:nvPr/>
-        </p:nvCxnSpPr>
-        <p:spPr>
-          <a:xfrm>
-            <a:off x="10133468" y="3429000"/>
-            <a:ext cx="1" cy="2417691"/>
-          </a:xfrm>
-          <a:prstGeom prst="curvedConnector3">
-            <a:avLst>
-              <a:gd name="adj1" fmla="val 22860100000"/>
-            </a:avLst>
-          </a:prstGeom>
-          <a:ln>
-            <a:headEnd type="triangle"/>
-            <a:tailEnd type="triangle"/>
-          </a:ln>
-        </p:spPr>
-        <p:style>
-          <a:lnRef idx="1">
-            <a:schemeClr val="dk1"/>
-          </a:lnRef>
-          <a:fillRef idx="0">
-            <a:schemeClr val="dk1"/>
-          </a:fillRef>
-          <a:effectRef idx="0">
-            <a:schemeClr val="dk1"/>
-          </a:effectRef>
-          <a:fontRef idx="minor">
-            <a:schemeClr val="tx1"/>
-          </a:fontRef>
-        </p:style>
-      </p:cxnSp>
-      <p:sp>
-        <p:nvSpPr>
-          <p:cNvPr id="63" name="TextBox 62">
-            <a:extLst>
-              <a:ext uri="{FF2B5EF4-FFF2-40B4-BE49-F238E27FC236}">
-                <a16:creationId xmlns:a16="http://schemas.microsoft.com/office/drawing/2014/main" id="{EECD93F2-682C-F84F-B876-93C510A77332}"/>
-              </a:ext>
-            </a:extLst>
-          </p:cNvPr>
-          <p:cNvSpPr txBox="1"/>
-          <p:nvPr/>
-        </p:nvSpPr>
-        <p:spPr>
-          <a:xfrm>
-            <a:off x="4260510" y="734309"/>
-            <a:ext cx="380232" cy="276999"/>
+      <p:sp>
+        <p:nvSpPr>
+          <p:cNvPr id="38" name="TextBox 37">
+            <a:extLst>
+              <a:ext uri="{FF2B5EF4-FFF2-40B4-BE49-F238E27FC236}">
+                <a16:creationId xmlns:a16="http://schemas.microsoft.com/office/drawing/2014/main" id="{15890EF7-3DE6-504C-9778-F7A9345C1B4E}"/>
+              </a:ext>
+            </a:extLst>
+          </p:cNvPr>
+          <p:cNvSpPr txBox="1"/>
+          <p:nvPr/>
+        </p:nvSpPr>
+        <p:spPr>
+          <a:xfrm>
+            <a:off x="7830441" y="2612985"/>
+            <a:ext cx="283818" cy="184666"/>
           </a:xfrm>
           <a:prstGeom prst="rect">
             <a:avLst/>
@@ -10898,38 +11102,38 @@
           <a:noFill/>
         </p:spPr>
         <p:txBody>
-          <a:bodyPr wrap="none" rtlCol="0">
-            <a:spAutoFit/>
-          </a:bodyPr>
-          <a:lstStyle/>
-          <a:p>
-            <a:r>
-              <a:rPr lang="en-US" sz="1200" dirty="0">
+          <a:bodyPr wrap="square" rtlCol="0">
+            <a:spAutoFit/>
+          </a:bodyPr>
+          <a:lstStyle/>
+          <a:p>
+            <a:r>
+              <a:rPr lang="en-US" sz="600" b="1" dirty="0">
                 <a:solidFill>
                   <a:schemeClr val="accent1"/>
                 </a:solidFill>
               </a:rPr>
-              <a:t>.83</a:t>
-            </a:r>
-          </a:p>
-        </p:txBody>
-      </p:sp>
-      <p:sp>
-        <p:nvSpPr>
-          <p:cNvPr id="64" name="TextBox 63">
-            <a:extLst>
-              <a:ext uri="{FF2B5EF4-FFF2-40B4-BE49-F238E27FC236}">
-                <a16:creationId xmlns:a16="http://schemas.microsoft.com/office/drawing/2014/main" id="{10170E9D-E434-D84D-8F22-80D78E9279D6}"/>
-              </a:ext>
-            </a:extLst>
-          </p:cNvPr>
-          <p:cNvSpPr txBox="1"/>
-          <p:nvPr/>
-        </p:nvSpPr>
-        <p:spPr>
-          <a:xfrm>
-            <a:off x="7701370" y="688143"/>
-            <a:ext cx="380232" cy="276999"/>
+              <a:t>.90</a:t>
+            </a:r>
+          </a:p>
+        </p:txBody>
+      </p:sp>
+      <p:sp>
+        <p:nvSpPr>
+          <p:cNvPr id="39" name="TextBox 38">
+            <a:extLst>
+              <a:ext uri="{FF2B5EF4-FFF2-40B4-BE49-F238E27FC236}">
+                <a16:creationId xmlns:a16="http://schemas.microsoft.com/office/drawing/2014/main" id="{49FA9A71-429A-9244-9B51-AC4E24C4407D}"/>
+              </a:ext>
+            </a:extLst>
+          </p:cNvPr>
+          <p:cNvSpPr txBox="1"/>
+          <p:nvPr/>
+        </p:nvSpPr>
+        <p:spPr>
+          <a:xfrm>
+            <a:off x="7585814" y="3108679"/>
+            <a:ext cx="329648" cy="184666"/>
           </a:xfrm>
           <a:prstGeom prst="rect">
             <a:avLst/>
@@ -10937,38 +11141,38 @@
           <a:noFill/>
         </p:spPr>
         <p:txBody>
-          <a:bodyPr wrap="none" rtlCol="0">
-            <a:spAutoFit/>
-          </a:bodyPr>
-          <a:lstStyle/>
-          <a:p>
-            <a:r>
-              <a:rPr lang="en-US" sz="1200" dirty="0">
+          <a:bodyPr wrap="square" rtlCol="0">
+            <a:spAutoFit/>
+          </a:bodyPr>
+          <a:lstStyle/>
+          <a:p>
+            <a:r>
+              <a:rPr lang="en-US" sz="600" dirty="0">
                 <a:solidFill>
                   <a:schemeClr val="accent1"/>
                 </a:solidFill>
               </a:rPr>
-              <a:t>.83</a:t>
-            </a:r>
-          </a:p>
-        </p:txBody>
-      </p:sp>
-      <p:sp>
-        <p:nvSpPr>
-          <p:cNvPr id="65" name="TextBox 64">
-            <a:extLst>
-              <a:ext uri="{FF2B5EF4-FFF2-40B4-BE49-F238E27FC236}">
-                <a16:creationId xmlns:a16="http://schemas.microsoft.com/office/drawing/2014/main" id="{801F5122-BC51-1349-82D4-FF22A277A2DB}"/>
-              </a:ext>
-            </a:extLst>
-          </p:cNvPr>
-          <p:cNvSpPr txBox="1"/>
-          <p:nvPr/>
-        </p:nvSpPr>
-        <p:spPr>
-          <a:xfrm>
-            <a:off x="3858865" y="1476790"/>
-            <a:ext cx="426720" cy="276999"/>
+              <a:t>.00</a:t>
+            </a:r>
+          </a:p>
+        </p:txBody>
+      </p:sp>
+      <p:sp>
+        <p:nvSpPr>
+          <p:cNvPr id="40" name="TextBox 39">
+            <a:extLst>
+              <a:ext uri="{FF2B5EF4-FFF2-40B4-BE49-F238E27FC236}">
+                <a16:creationId xmlns:a16="http://schemas.microsoft.com/office/drawing/2014/main" id="{2EE84B96-0DAF-A647-BE38-4808B169D72F}"/>
+              </a:ext>
+            </a:extLst>
+          </p:cNvPr>
+          <p:cNvSpPr txBox="1"/>
+          <p:nvPr/>
+        </p:nvSpPr>
+        <p:spPr>
+          <a:xfrm>
+            <a:off x="7103254" y="3293609"/>
+            <a:ext cx="329648" cy="184666"/>
           </a:xfrm>
           <a:prstGeom prst="rect">
             <a:avLst/>
@@ -10976,38 +11180,38 @@
           <a:noFill/>
         </p:spPr>
         <p:txBody>
-          <a:bodyPr wrap="none" rtlCol="0">
-            <a:spAutoFit/>
-          </a:bodyPr>
-          <a:lstStyle/>
-          <a:p>
-            <a:r>
-              <a:rPr lang="en-US" sz="1200" dirty="0">
+          <a:bodyPr wrap="square" rtlCol="0">
+            <a:spAutoFit/>
+          </a:bodyPr>
+          <a:lstStyle/>
+          <a:p>
+            <a:r>
+              <a:rPr lang="en-US" sz="600" b="1" dirty="0">
                 <a:solidFill>
                   <a:schemeClr val="accent1"/>
                 </a:solidFill>
               </a:rPr>
-              <a:t>-.05</a:t>
-            </a:r>
-          </a:p>
-        </p:txBody>
-      </p:sp>
-      <p:sp>
-        <p:nvSpPr>
-          <p:cNvPr id="66" name="TextBox 65">
-            <a:extLst>
-              <a:ext uri="{FF2B5EF4-FFF2-40B4-BE49-F238E27FC236}">
-                <a16:creationId xmlns:a16="http://schemas.microsoft.com/office/drawing/2014/main" id="{65E6E438-5843-B644-AB4D-03650B59A700}"/>
-              </a:ext>
-            </a:extLst>
-          </p:cNvPr>
-          <p:cNvSpPr txBox="1"/>
-          <p:nvPr/>
-        </p:nvSpPr>
-        <p:spPr>
-          <a:xfrm>
-            <a:off x="3309324" y="1753789"/>
-            <a:ext cx="426720" cy="276999"/>
+              <a:t>-.30</a:t>
+            </a:r>
+          </a:p>
+        </p:txBody>
+      </p:sp>
+      <p:sp>
+        <p:nvSpPr>
+          <p:cNvPr id="41" name="TextBox 40">
+            <a:extLst>
+              <a:ext uri="{FF2B5EF4-FFF2-40B4-BE49-F238E27FC236}">
+                <a16:creationId xmlns:a16="http://schemas.microsoft.com/office/drawing/2014/main" id="{77F3FD0C-2114-BD49-98DF-463A2E4294D9}"/>
+              </a:ext>
+            </a:extLst>
+          </p:cNvPr>
+          <p:cNvSpPr txBox="1"/>
+          <p:nvPr/>
+        </p:nvSpPr>
+        <p:spPr>
+          <a:xfrm>
+            <a:off x="9246511" y="3293345"/>
+            <a:ext cx="374250" cy="184666"/>
           </a:xfrm>
           <a:prstGeom prst="rect">
             <a:avLst/>
@@ -11015,38 +11219,38 @@
           <a:noFill/>
         </p:spPr>
         <p:txBody>
-          <a:bodyPr wrap="none" rtlCol="0">
-            <a:spAutoFit/>
-          </a:bodyPr>
-          <a:lstStyle/>
-          <a:p>
-            <a:r>
-              <a:rPr lang="en-US" sz="1200" dirty="0">
+          <a:bodyPr wrap="square" rtlCol="0">
+            <a:spAutoFit/>
+          </a:bodyPr>
+          <a:lstStyle/>
+          <a:p>
+            <a:r>
+              <a:rPr lang="en-US" sz="600" b="1" dirty="0">
                 <a:solidFill>
                   <a:schemeClr val="accent1"/>
                 </a:solidFill>
               </a:rPr>
-              <a:t>-.02</a:t>
-            </a:r>
-          </a:p>
-        </p:txBody>
-      </p:sp>
-      <p:sp>
-        <p:nvSpPr>
-          <p:cNvPr id="67" name="TextBox 66">
-            <a:extLst>
-              <a:ext uri="{FF2B5EF4-FFF2-40B4-BE49-F238E27FC236}">
-                <a16:creationId xmlns:a16="http://schemas.microsoft.com/office/drawing/2014/main" id="{F6B86B30-5C87-C546-82BF-179E9C58F97E}"/>
-              </a:ext>
-            </a:extLst>
-          </p:cNvPr>
-          <p:cNvSpPr txBox="1"/>
-          <p:nvPr/>
-        </p:nvSpPr>
-        <p:spPr>
-          <a:xfrm>
-            <a:off x="7290492" y="1476790"/>
-            <a:ext cx="426720" cy="276999"/>
+              <a:t>-.30</a:t>
+            </a:r>
+          </a:p>
+        </p:txBody>
+      </p:sp>
+      <p:sp>
+        <p:nvSpPr>
+          <p:cNvPr id="42" name="TextBox 41">
+            <a:extLst>
+              <a:ext uri="{FF2B5EF4-FFF2-40B4-BE49-F238E27FC236}">
+                <a16:creationId xmlns:a16="http://schemas.microsoft.com/office/drawing/2014/main" id="{F8B7427A-0890-0F4B-9BE1-A7A296D9CAD6}"/>
+              </a:ext>
+            </a:extLst>
+          </p:cNvPr>
+          <p:cNvSpPr txBox="1"/>
+          <p:nvPr/>
+        </p:nvSpPr>
+        <p:spPr>
+          <a:xfrm>
+            <a:off x="9310965" y="4605767"/>
+            <a:ext cx="317441" cy="184666"/>
           </a:xfrm>
           <a:prstGeom prst="rect">
             <a:avLst/>
@@ -11054,38 +11258,178 @@
           <a:noFill/>
         </p:spPr>
         <p:txBody>
-          <a:bodyPr wrap="none" rtlCol="0">
-            <a:spAutoFit/>
-          </a:bodyPr>
-          <a:lstStyle/>
-          <a:p>
-            <a:r>
-              <a:rPr lang="en-US" sz="1200" dirty="0">
+          <a:bodyPr wrap="square" rtlCol="0">
+            <a:spAutoFit/>
+          </a:bodyPr>
+          <a:lstStyle/>
+          <a:p>
+            <a:r>
+              <a:rPr lang="en-US" sz="600" b="1" dirty="0">
+                <a:solidFill>
+                  <a:schemeClr val="accent2"/>
+                </a:solidFill>
+              </a:rPr>
+              <a:t>.10</a:t>
+            </a:r>
+          </a:p>
+        </p:txBody>
+      </p:sp>
+      <p:sp>
+        <p:nvSpPr>
+          <p:cNvPr id="43" name="TextBox 42">
+            <a:extLst>
+              <a:ext uri="{FF2B5EF4-FFF2-40B4-BE49-F238E27FC236}">
+                <a16:creationId xmlns:a16="http://schemas.microsoft.com/office/drawing/2014/main" id="{58427F3E-FCC9-9C49-A9B7-3822DAB38563}"/>
+              </a:ext>
+            </a:extLst>
+          </p:cNvPr>
+          <p:cNvSpPr txBox="1"/>
+          <p:nvPr/>
+        </p:nvSpPr>
+        <p:spPr>
+          <a:xfrm>
+            <a:off x="9365119" y="6035195"/>
+            <a:ext cx="323057" cy="184666"/>
+          </a:xfrm>
+          <a:prstGeom prst="rect">
+            <a:avLst/>
+          </a:prstGeom>
+          <a:noFill/>
+        </p:spPr>
+        <p:txBody>
+          <a:bodyPr wrap="square" rtlCol="0">
+            <a:spAutoFit/>
+          </a:bodyPr>
+          <a:lstStyle/>
+          <a:p>
+            <a:r>
+              <a:rPr lang="en-US" sz="600" b="1" dirty="0">
+                <a:solidFill>
+                  <a:schemeClr val="accent6"/>
+                </a:solidFill>
+              </a:rPr>
+              <a:t>.78</a:t>
+            </a:r>
+          </a:p>
+        </p:txBody>
+      </p:sp>
+      <p:sp>
+        <p:nvSpPr>
+          <p:cNvPr id="45" name="TextBox 44">
+            <a:extLst>
+              <a:ext uri="{FF2B5EF4-FFF2-40B4-BE49-F238E27FC236}">
+                <a16:creationId xmlns:a16="http://schemas.microsoft.com/office/drawing/2014/main" id="{911BAF72-0A94-D440-A228-E558C227E6F9}"/>
+              </a:ext>
+            </a:extLst>
+          </p:cNvPr>
+          <p:cNvSpPr txBox="1"/>
+          <p:nvPr/>
+        </p:nvSpPr>
+        <p:spPr>
+          <a:xfrm>
+            <a:off x="10210741" y="2612985"/>
+            <a:ext cx="1832222" cy="1061829"/>
+          </a:xfrm>
+          <a:prstGeom prst="rect">
+            <a:avLst/>
+          </a:prstGeom>
+          <a:noFill/>
+        </p:spPr>
+        <p:txBody>
+          <a:bodyPr wrap="square" rtlCol="0">
+            <a:spAutoFit/>
+          </a:bodyPr>
+          <a:lstStyle/>
+          <a:p>
+            <a:r>
+              <a:rPr lang="en-US" sz="900" dirty="0"/>
+              <a:t>TOTAL:</a:t>
+            </a:r>
+          </a:p>
+          <a:p>
+            <a:r>
+              <a:rPr lang="en-US" sz="900" dirty="0"/>
+              <a:t>i1*i3 + i2*c3 + i3*h3</a:t>
+            </a:r>
+          </a:p>
+          <a:p>
+            <a:endParaRPr lang="en-US" sz="900" dirty="0"/>
+          </a:p>
+          <a:p>
+            <a:endParaRPr lang="en-US" sz="900" dirty="0"/>
+          </a:p>
+          <a:p>
+            <a:endParaRPr lang="en-US" sz="900" dirty="0"/>
+          </a:p>
+          <a:p>
+            <a:r>
+              <a:rPr lang="en-US" sz="900" dirty="0"/>
+              <a:t>INDIRECT (through Caregiver):</a:t>
+            </a:r>
+          </a:p>
+          <a:p>
+            <a:r>
+              <a:rPr lang="en-US" sz="900" dirty="0"/>
+              <a:t>i2*c3</a:t>
+            </a:r>
+          </a:p>
+        </p:txBody>
+      </p:sp>
+      <p:sp>
+        <p:nvSpPr>
+          <p:cNvPr id="46" name="TextBox 45">
+            <a:extLst>
+              <a:ext uri="{FF2B5EF4-FFF2-40B4-BE49-F238E27FC236}">
+                <a16:creationId xmlns:a16="http://schemas.microsoft.com/office/drawing/2014/main" id="{09D2D14C-D83F-974B-9D16-2224DBAE95C2}"/>
+              </a:ext>
+            </a:extLst>
+          </p:cNvPr>
+          <p:cNvSpPr txBox="1"/>
+          <p:nvPr/>
+        </p:nvSpPr>
+        <p:spPr>
+          <a:xfrm>
+            <a:off x="10427325" y="3108679"/>
+            <a:ext cx="651408" cy="230832"/>
+          </a:xfrm>
+          <a:prstGeom prst="rect">
+            <a:avLst/>
+          </a:prstGeom>
+          <a:noFill/>
+        </p:spPr>
+        <p:txBody>
+          <a:bodyPr wrap="square" rtlCol="0">
+            <a:spAutoFit/>
+          </a:bodyPr>
+          <a:lstStyle/>
+          <a:p>
+            <a:r>
+              <a:rPr lang="en-US" sz="900" dirty="0">
                 <a:solidFill>
                   <a:schemeClr val="accent1"/>
                 </a:solidFill>
               </a:rPr>
-              <a:t>-.05</a:t>
-            </a:r>
-          </a:p>
-        </p:txBody>
-      </p:sp>
-      <p:sp>
-        <p:nvSpPr>
-          <p:cNvPr id="68" name="TextBox 67">
-            <a:extLst>
-              <a:ext uri="{FF2B5EF4-FFF2-40B4-BE49-F238E27FC236}">
-                <a16:creationId xmlns:a16="http://schemas.microsoft.com/office/drawing/2014/main" id="{56828EAF-4464-C448-9E3E-6D0F6F2668EE}"/>
-              </a:ext>
-            </a:extLst>
-          </p:cNvPr>
-          <p:cNvSpPr txBox="1"/>
-          <p:nvPr/>
-        </p:nvSpPr>
-        <p:spPr>
-          <a:xfrm>
-            <a:off x="6740951" y="1753789"/>
-            <a:ext cx="426720" cy="276999"/>
+              <a:t>-.001 (ns)</a:t>
+            </a:r>
+          </a:p>
+        </p:txBody>
+      </p:sp>
+      <p:sp>
+        <p:nvSpPr>
+          <p:cNvPr id="47" name="TextBox 46">
+            <a:extLst>
+              <a:ext uri="{FF2B5EF4-FFF2-40B4-BE49-F238E27FC236}">
+                <a16:creationId xmlns:a16="http://schemas.microsoft.com/office/drawing/2014/main" id="{020FD3E9-9DF6-3849-B665-10CAAD7A1415}"/>
+              </a:ext>
+            </a:extLst>
+          </p:cNvPr>
+          <p:cNvSpPr txBox="1"/>
+          <p:nvPr/>
+        </p:nvSpPr>
+        <p:spPr>
+          <a:xfrm>
+            <a:off x="10426117" y="4029504"/>
+            <a:ext cx="980432" cy="230832"/>
           </a:xfrm>
           <a:prstGeom prst="rect">
             <a:avLst/>
@@ -11093,38 +11437,38 @@
           <a:noFill/>
         </p:spPr>
         <p:txBody>
-          <a:bodyPr wrap="none" rtlCol="0">
-            <a:spAutoFit/>
-          </a:bodyPr>
-          <a:lstStyle/>
-          <a:p>
-            <a:r>
-              <a:rPr lang="en-US" sz="1200" dirty="0">
+          <a:bodyPr wrap="square" rtlCol="0">
+            <a:spAutoFit/>
+          </a:bodyPr>
+          <a:lstStyle/>
+          <a:p>
+            <a:r>
+              <a:rPr lang="en-US" sz="900" dirty="0">
                 <a:solidFill>
                   <a:schemeClr val="accent1"/>
                 </a:solidFill>
               </a:rPr>
-              <a:t>-.02</a:t>
-            </a:r>
-          </a:p>
-        </p:txBody>
-      </p:sp>
-      <p:sp>
-        <p:nvSpPr>
-          <p:cNvPr id="69" name="TextBox 68">
-            <a:extLst>
-              <a:ext uri="{FF2B5EF4-FFF2-40B4-BE49-F238E27FC236}">
-                <a16:creationId xmlns:a16="http://schemas.microsoft.com/office/drawing/2014/main" id="{349BF01B-2C55-F44A-9F58-06072CED5EA4}"/>
-              </a:ext>
-            </a:extLst>
-          </p:cNvPr>
-          <p:cNvSpPr txBox="1"/>
-          <p:nvPr/>
-        </p:nvSpPr>
-        <p:spPr>
-          <a:xfrm>
-            <a:off x="3529929" y="3175083"/>
-            <a:ext cx="380232" cy="276999"/>
+              <a:t>-.000 (ns)</a:t>
+            </a:r>
+          </a:p>
+        </p:txBody>
+      </p:sp>
+      <p:sp>
+        <p:nvSpPr>
+          <p:cNvPr id="10" name="TextBox 9">
+            <a:extLst>
+              <a:ext uri="{FF2B5EF4-FFF2-40B4-BE49-F238E27FC236}">
+                <a16:creationId xmlns:a16="http://schemas.microsoft.com/office/drawing/2014/main" id="{9E9B2CFF-D929-A248-A5B5-FDE601B76DFA}"/>
+              </a:ext>
+            </a:extLst>
+          </p:cNvPr>
+          <p:cNvSpPr txBox="1"/>
+          <p:nvPr/>
+        </p:nvSpPr>
+        <p:spPr>
+          <a:xfrm>
+            <a:off x="1903679" y="876857"/>
+            <a:ext cx="1978427" cy="369332"/>
           </a:xfrm>
           <a:prstGeom prst="rect">
             <a:avLst/>
@@ -11138,32 +11482,28 @@
           <a:lstStyle/>
           <a:p>
             <a:r>
-              <a:rPr lang="en-US" sz="1200" dirty="0">
-                <a:solidFill>
-                  <a:schemeClr val="accent2"/>
-                </a:solidFill>
-              </a:rPr>
-              <a:t>.80</a:t>
-            </a:r>
-          </a:p>
-        </p:txBody>
-      </p:sp>
-      <p:sp>
-        <p:nvSpPr>
-          <p:cNvPr id="70" name="TextBox 69">
-            <a:extLst>
-              <a:ext uri="{FF2B5EF4-FFF2-40B4-BE49-F238E27FC236}">
-                <a16:creationId xmlns:a16="http://schemas.microsoft.com/office/drawing/2014/main" id="{E8BAE868-66C2-A342-A750-BC4B1800BE2B}"/>
-              </a:ext>
-            </a:extLst>
-          </p:cNvPr>
-          <p:cNvSpPr txBox="1"/>
-          <p:nvPr/>
-        </p:nvSpPr>
-        <p:spPr>
-          <a:xfrm>
-            <a:off x="3297138" y="3705999"/>
-            <a:ext cx="380232" cy="276999"/>
+              <a:rPr lang="en-US" dirty="0"/>
+              <a:t>High social support</a:t>
+            </a:r>
+          </a:p>
+        </p:txBody>
+      </p:sp>
+      <p:sp>
+        <p:nvSpPr>
+          <p:cNvPr id="48" name="TextBox 47">
+            <a:extLst>
+              <a:ext uri="{FF2B5EF4-FFF2-40B4-BE49-F238E27FC236}">
+                <a16:creationId xmlns:a16="http://schemas.microsoft.com/office/drawing/2014/main" id="{5D1BC70B-3C5D-0B41-BBEC-491D7CA9B138}"/>
+              </a:ext>
+            </a:extLst>
+          </p:cNvPr>
+          <p:cNvSpPr txBox="1"/>
+          <p:nvPr/>
+        </p:nvSpPr>
+        <p:spPr>
+          <a:xfrm>
+            <a:off x="7214484" y="752712"/>
+            <a:ext cx="1934247" cy="369332"/>
           </a:xfrm>
           <a:prstGeom prst="rect">
             <a:avLst/>
@@ -11177,590 +11517,16 @@
           <a:lstStyle/>
           <a:p>
             <a:r>
-              <a:rPr lang="en-US" sz="1200" dirty="0">
-                <a:solidFill>
-                  <a:schemeClr val="accent2"/>
-                </a:solidFill>
-              </a:rPr>
-              <a:t>.14</a:t>
-            </a:r>
-          </a:p>
-        </p:txBody>
-      </p:sp>
-      <p:sp>
-        <p:nvSpPr>
-          <p:cNvPr id="71" name="TextBox 70">
-            <a:extLst>
-              <a:ext uri="{FF2B5EF4-FFF2-40B4-BE49-F238E27FC236}">
-                <a16:creationId xmlns:a16="http://schemas.microsoft.com/office/drawing/2014/main" id="{C15473C1-0C34-FA49-BFE4-173F5319955A}"/>
-              </a:ext>
-            </a:extLst>
-          </p:cNvPr>
-          <p:cNvSpPr txBox="1"/>
-          <p:nvPr/>
-        </p:nvSpPr>
-        <p:spPr>
-          <a:xfrm>
-            <a:off x="3289113" y="2851918"/>
-            <a:ext cx="426720" cy="276999"/>
-          </a:xfrm>
-          <a:prstGeom prst="rect">
-            <a:avLst/>
-          </a:prstGeom>
-          <a:noFill/>
-        </p:spPr>
-        <p:txBody>
-          <a:bodyPr wrap="none" rtlCol="0">
-            <a:spAutoFit/>
-          </a:bodyPr>
-          <a:lstStyle/>
-          <a:p>
-            <a:r>
-              <a:rPr lang="en-US" sz="1200" dirty="0">
-                <a:solidFill>
-                  <a:schemeClr val="accent2"/>
-                </a:solidFill>
-              </a:rPr>
-              <a:t>-.04</a:t>
-            </a:r>
-          </a:p>
-        </p:txBody>
-      </p:sp>
-      <p:sp>
-        <p:nvSpPr>
-          <p:cNvPr id="72" name="TextBox 71">
-            <a:extLst>
-              <a:ext uri="{FF2B5EF4-FFF2-40B4-BE49-F238E27FC236}">
-                <a16:creationId xmlns:a16="http://schemas.microsoft.com/office/drawing/2014/main" id="{BFD6F887-5DB0-5043-82F3-F3A602CDD6E1}"/>
-              </a:ext>
-            </a:extLst>
-          </p:cNvPr>
-          <p:cNvSpPr txBox="1"/>
-          <p:nvPr/>
-        </p:nvSpPr>
-        <p:spPr>
-          <a:xfrm>
-            <a:off x="6961556" y="3186626"/>
-            <a:ext cx="380232" cy="276999"/>
-          </a:xfrm>
-          <a:prstGeom prst="rect">
-            <a:avLst/>
-          </a:prstGeom>
-          <a:noFill/>
-        </p:spPr>
-        <p:txBody>
-          <a:bodyPr wrap="none" rtlCol="0">
-            <a:spAutoFit/>
-          </a:bodyPr>
-          <a:lstStyle/>
-          <a:p>
-            <a:r>
-              <a:rPr lang="en-US" sz="1200" dirty="0">
-                <a:solidFill>
-                  <a:schemeClr val="accent2"/>
-                </a:solidFill>
-              </a:rPr>
-              <a:t>.80</a:t>
-            </a:r>
-          </a:p>
-        </p:txBody>
-      </p:sp>
-      <p:sp>
-        <p:nvSpPr>
-          <p:cNvPr id="73" name="TextBox 72">
-            <a:extLst>
-              <a:ext uri="{FF2B5EF4-FFF2-40B4-BE49-F238E27FC236}">
-                <a16:creationId xmlns:a16="http://schemas.microsoft.com/office/drawing/2014/main" id="{8DDCA9FD-4E59-0C43-BB13-8185C501FE59}"/>
-              </a:ext>
-            </a:extLst>
-          </p:cNvPr>
-          <p:cNvSpPr txBox="1"/>
-          <p:nvPr/>
-        </p:nvSpPr>
-        <p:spPr>
-          <a:xfrm>
-            <a:off x="6728765" y="3717542"/>
-            <a:ext cx="380232" cy="276999"/>
-          </a:xfrm>
-          <a:prstGeom prst="rect">
-            <a:avLst/>
-          </a:prstGeom>
-          <a:noFill/>
-        </p:spPr>
-        <p:txBody>
-          <a:bodyPr wrap="none" rtlCol="0">
-            <a:spAutoFit/>
-          </a:bodyPr>
-          <a:lstStyle/>
-          <a:p>
-            <a:r>
-              <a:rPr lang="en-US" sz="1200" dirty="0">
-                <a:solidFill>
-                  <a:schemeClr val="accent2"/>
-                </a:solidFill>
-              </a:rPr>
-              <a:t>.14</a:t>
-            </a:r>
-          </a:p>
-        </p:txBody>
-      </p:sp>
-      <p:sp>
-        <p:nvSpPr>
-          <p:cNvPr id="74" name="TextBox 73">
-            <a:extLst>
-              <a:ext uri="{FF2B5EF4-FFF2-40B4-BE49-F238E27FC236}">
-                <a16:creationId xmlns:a16="http://schemas.microsoft.com/office/drawing/2014/main" id="{56ACC375-3D44-E345-B872-ABFAC037A865}"/>
-              </a:ext>
-            </a:extLst>
-          </p:cNvPr>
-          <p:cNvSpPr txBox="1"/>
-          <p:nvPr/>
-        </p:nvSpPr>
-        <p:spPr>
-          <a:xfrm>
-            <a:off x="6720740" y="2863461"/>
-            <a:ext cx="426720" cy="276999"/>
-          </a:xfrm>
-          <a:prstGeom prst="rect">
-            <a:avLst/>
-          </a:prstGeom>
-          <a:noFill/>
-        </p:spPr>
-        <p:txBody>
-          <a:bodyPr wrap="none" rtlCol="0">
-            <a:spAutoFit/>
-          </a:bodyPr>
-          <a:lstStyle/>
-          <a:p>
-            <a:r>
-              <a:rPr lang="en-US" sz="1200" dirty="0">
-                <a:solidFill>
-                  <a:schemeClr val="accent2"/>
-                </a:solidFill>
-              </a:rPr>
-              <a:t>-.04</a:t>
-            </a:r>
-          </a:p>
-        </p:txBody>
-      </p:sp>
-      <p:sp>
-        <p:nvSpPr>
-          <p:cNvPr id="75" name="TextBox 74">
-            <a:extLst>
-              <a:ext uri="{FF2B5EF4-FFF2-40B4-BE49-F238E27FC236}">
-                <a16:creationId xmlns:a16="http://schemas.microsoft.com/office/drawing/2014/main" id="{4EBF9F27-9283-EE4B-BDC6-6C39168198CE}"/>
-              </a:ext>
-            </a:extLst>
-          </p:cNvPr>
-          <p:cNvSpPr txBox="1"/>
-          <p:nvPr/>
-        </p:nvSpPr>
-        <p:spPr>
-          <a:xfrm>
-            <a:off x="3529929" y="5381210"/>
-            <a:ext cx="380232" cy="276999"/>
-          </a:xfrm>
-          <a:prstGeom prst="rect">
-            <a:avLst/>
-          </a:prstGeom>
-          <a:noFill/>
-        </p:spPr>
-        <p:txBody>
-          <a:bodyPr wrap="none" rtlCol="0">
-            <a:spAutoFit/>
-          </a:bodyPr>
-          <a:lstStyle/>
-          <a:p>
-            <a:r>
-              <a:rPr lang="en-US" sz="1200" dirty="0">
-                <a:solidFill>
-                  <a:schemeClr val="accent6"/>
-                </a:solidFill>
-              </a:rPr>
-              <a:t>.07</a:t>
-            </a:r>
-          </a:p>
-        </p:txBody>
-      </p:sp>
-      <p:sp>
-        <p:nvSpPr>
-          <p:cNvPr id="76" name="TextBox 75">
-            <a:extLst>
-              <a:ext uri="{FF2B5EF4-FFF2-40B4-BE49-F238E27FC236}">
-                <a16:creationId xmlns:a16="http://schemas.microsoft.com/office/drawing/2014/main" id="{BB793A12-AA41-6C45-ABA7-9494796D0BE9}"/>
-              </a:ext>
-            </a:extLst>
-          </p:cNvPr>
-          <p:cNvSpPr txBox="1"/>
-          <p:nvPr/>
-        </p:nvSpPr>
-        <p:spPr>
-          <a:xfrm>
-            <a:off x="3309324" y="5846502"/>
-            <a:ext cx="380232" cy="276999"/>
-          </a:xfrm>
-          <a:prstGeom prst="rect">
-            <a:avLst/>
-          </a:prstGeom>
-          <a:noFill/>
-        </p:spPr>
-        <p:txBody>
-          <a:bodyPr wrap="none" rtlCol="0">
-            <a:spAutoFit/>
-          </a:bodyPr>
-          <a:lstStyle/>
-          <a:p>
-            <a:r>
-              <a:rPr lang="en-US" sz="1200" dirty="0">
-                <a:solidFill>
-                  <a:schemeClr val="accent6"/>
-                </a:solidFill>
-              </a:rPr>
-              <a:t>.66</a:t>
-            </a:r>
-          </a:p>
-        </p:txBody>
-      </p:sp>
-      <p:sp>
-        <p:nvSpPr>
-          <p:cNvPr id="77" name="TextBox 76">
-            <a:extLst>
-              <a:ext uri="{FF2B5EF4-FFF2-40B4-BE49-F238E27FC236}">
-                <a16:creationId xmlns:a16="http://schemas.microsoft.com/office/drawing/2014/main" id="{C6DF278E-F66B-FC48-8C2A-F593BEF5C6E1}"/>
-              </a:ext>
-            </a:extLst>
-          </p:cNvPr>
-          <p:cNvSpPr txBox="1"/>
-          <p:nvPr/>
-        </p:nvSpPr>
-        <p:spPr>
-          <a:xfrm>
-            <a:off x="3202062" y="5104116"/>
-            <a:ext cx="380232" cy="276999"/>
-          </a:xfrm>
-          <a:prstGeom prst="rect">
-            <a:avLst/>
-          </a:prstGeom>
-          <a:noFill/>
-        </p:spPr>
-        <p:txBody>
-          <a:bodyPr wrap="none" rtlCol="0">
-            <a:spAutoFit/>
-          </a:bodyPr>
-          <a:lstStyle/>
-          <a:p>
-            <a:r>
-              <a:rPr lang="en-US" sz="1200" dirty="0">
-                <a:solidFill>
-                  <a:schemeClr val="accent6"/>
-                </a:solidFill>
-              </a:rPr>
-              <a:t>.00</a:t>
-            </a:r>
-          </a:p>
-        </p:txBody>
-      </p:sp>
-      <p:sp>
-        <p:nvSpPr>
-          <p:cNvPr id="78" name="TextBox 77">
-            <a:extLst>
-              <a:ext uri="{FF2B5EF4-FFF2-40B4-BE49-F238E27FC236}">
-                <a16:creationId xmlns:a16="http://schemas.microsoft.com/office/drawing/2014/main" id="{463E9C13-4DD0-D84A-ABF8-AF39EE2AEB32}"/>
-              </a:ext>
-            </a:extLst>
-          </p:cNvPr>
-          <p:cNvSpPr txBox="1"/>
-          <p:nvPr/>
-        </p:nvSpPr>
-        <p:spPr>
-          <a:xfrm>
-            <a:off x="6934942" y="5415930"/>
-            <a:ext cx="380232" cy="276999"/>
-          </a:xfrm>
-          <a:prstGeom prst="rect">
-            <a:avLst/>
-          </a:prstGeom>
-          <a:noFill/>
-        </p:spPr>
-        <p:txBody>
-          <a:bodyPr wrap="none" rtlCol="0">
-            <a:spAutoFit/>
-          </a:bodyPr>
-          <a:lstStyle/>
-          <a:p>
-            <a:r>
-              <a:rPr lang="en-US" sz="1200" dirty="0">
-                <a:solidFill>
-                  <a:schemeClr val="accent6"/>
-                </a:solidFill>
-              </a:rPr>
-              <a:t>.07</a:t>
-            </a:r>
-          </a:p>
-        </p:txBody>
-      </p:sp>
-      <p:sp>
-        <p:nvSpPr>
-          <p:cNvPr id="79" name="TextBox 78">
-            <a:extLst>
-              <a:ext uri="{FF2B5EF4-FFF2-40B4-BE49-F238E27FC236}">
-                <a16:creationId xmlns:a16="http://schemas.microsoft.com/office/drawing/2014/main" id="{02800D6E-C02F-9242-BCBC-84CE052F9B13}"/>
-              </a:ext>
-            </a:extLst>
-          </p:cNvPr>
-          <p:cNvSpPr txBox="1"/>
-          <p:nvPr/>
-        </p:nvSpPr>
-        <p:spPr>
-          <a:xfrm>
-            <a:off x="6714337" y="5881222"/>
-            <a:ext cx="380232" cy="276999"/>
-          </a:xfrm>
-          <a:prstGeom prst="rect">
-            <a:avLst/>
-          </a:prstGeom>
-          <a:noFill/>
-        </p:spPr>
-        <p:txBody>
-          <a:bodyPr wrap="none" rtlCol="0">
-            <a:spAutoFit/>
-          </a:bodyPr>
-          <a:lstStyle/>
-          <a:p>
-            <a:r>
-              <a:rPr lang="en-US" sz="1200" dirty="0">
-                <a:solidFill>
-                  <a:schemeClr val="accent6"/>
-                </a:solidFill>
-              </a:rPr>
-              <a:t>.66</a:t>
-            </a:r>
-          </a:p>
-        </p:txBody>
-      </p:sp>
-      <p:sp>
-        <p:nvSpPr>
-          <p:cNvPr id="80" name="TextBox 79">
-            <a:extLst>
-              <a:ext uri="{FF2B5EF4-FFF2-40B4-BE49-F238E27FC236}">
-                <a16:creationId xmlns:a16="http://schemas.microsoft.com/office/drawing/2014/main" id="{98EB3F2C-8E17-AA48-BBCC-F2EBC86F96F1}"/>
-              </a:ext>
-            </a:extLst>
-          </p:cNvPr>
-          <p:cNvSpPr txBox="1"/>
-          <p:nvPr/>
-        </p:nvSpPr>
-        <p:spPr>
-          <a:xfrm>
-            <a:off x="6607075" y="5138836"/>
-            <a:ext cx="380232" cy="276999"/>
-          </a:xfrm>
-          <a:prstGeom prst="rect">
-            <a:avLst/>
-          </a:prstGeom>
-          <a:noFill/>
-        </p:spPr>
-        <p:txBody>
-          <a:bodyPr wrap="none" rtlCol="0">
-            <a:spAutoFit/>
-          </a:bodyPr>
-          <a:lstStyle/>
-          <a:p>
-            <a:r>
-              <a:rPr lang="en-US" sz="1200" dirty="0">
-                <a:solidFill>
-                  <a:schemeClr val="accent6"/>
-                </a:solidFill>
-              </a:rPr>
-              <a:t>.00</a:t>
-            </a:r>
-          </a:p>
-        </p:txBody>
-      </p:sp>
-      <p:sp>
-        <p:nvSpPr>
-          <p:cNvPr id="53" name="TextBox 52">
-            <a:extLst>
-              <a:ext uri="{FF2B5EF4-FFF2-40B4-BE49-F238E27FC236}">
-                <a16:creationId xmlns:a16="http://schemas.microsoft.com/office/drawing/2014/main" id="{8BC44BF1-2439-AC4F-9E2C-0F3101FF9203}"/>
-              </a:ext>
-            </a:extLst>
-          </p:cNvPr>
-          <p:cNvSpPr txBox="1"/>
-          <p:nvPr/>
-        </p:nvSpPr>
-        <p:spPr>
-          <a:xfrm>
-            <a:off x="9966916" y="4522428"/>
-            <a:ext cx="380232" cy="276999"/>
-          </a:xfrm>
-          <a:prstGeom prst="rect">
-            <a:avLst/>
-          </a:prstGeom>
-          <a:noFill/>
-        </p:spPr>
-        <p:txBody>
-          <a:bodyPr wrap="none" rtlCol="0">
-            <a:spAutoFit/>
-          </a:bodyPr>
-          <a:lstStyle/>
-          <a:p>
-            <a:r>
-              <a:rPr lang="en-US" sz="1200" dirty="0"/>
-              <a:t>.08</a:t>
-            </a:r>
-            <a:endParaRPr lang="en-US" dirty="0"/>
-          </a:p>
-        </p:txBody>
-      </p:sp>
-      <p:sp>
-        <p:nvSpPr>
-          <p:cNvPr id="54" name="TextBox 53">
-            <a:extLst>
-              <a:ext uri="{FF2B5EF4-FFF2-40B4-BE49-F238E27FC236}">
-                <a16:creationId xmlns:a16="http://schemas.microsoft.com/office/drawing/2014/main" id="{CD89DFD3-5243-4047-A1C6-77DC2A50B2CB}"/>
-              </a:ext>
-            </a:extLst>
-          </p:cNvPr>
-          <p:cNvSpPr txBox="1"/>
-          <p:nvPr/>
-        </p:nvSpPr>
-        <p:spPr>
-          <a:xfrm>
-            <a:off x="9990481" y="2081654"/>
-            <a:ext cx="426720" cy="276999"/>
-          </a:xfrm>
-          <a:prstGeom prst="rect">
-            <a:avLst/>
-          </a:prstGeom>
-          <a:noFill/>
-        </p:spPr>
-        <p:txBody>
-          <a:bodyPr wrap="none" rtlCol="0">
-            <a:spAutoFit/>
-          </a:bodyPr>
-          <a:lstStyle/>
-          <a:p>
-            <a:r>
-              <a:rPr lang="en-US" sz="1200" dirty="0"/>
-              <a:t>-.09</a:t>
-            </a:r>
-            <a:endParaRPr lang="en-US" dirty="0"/>
-          </a:p>
-        </p:txBody>
-      </p:sp>
-      <p:sp>
-        <p:nvSpPr>
-          <p:cNvPr id="56" name="TextBox 55">
-            <a:extLst>
-              <a:ext uri="{FF2B5EF4-FFF2-40B4-BE49-F238E27FC236}">
-                <a16:creationId xmlns:a16="http://schemas.microsoft.com/office/drawing/2014/main" id="{CE832917-C1B9-0E4F-96D8-DE1164007A0A}"/>
-              </a:ext>
-            </a:extLst>
-          </p:cNvPr>
-          <p:cNvSpPr txBox="1"/>
-          <p:nvPr/>
-        </p:nvSpPr>
-        <p:spPr>
-          <a:xfrm>
-            <a:off x="1868415" y="4522427"/>
-            <a:ext cx="380232" cy="276999"/>
-          </a:xfrm>
-          <a:prstGeom prst="rect">
-            <a:avLst/>
-          </a:prstGeom>
-          <a:noFill/>
-        </p:spPr>
-        <p:txBody>
-          <a:bodyPr wrap="none" rtlCol="0">
-            <a:spAutoFit/>
-          </a:bodyPr>
-          <a:lstStyle/>
-          <a:p>
-            <a:r>
-              <a:rPr lang="en-US" sz="1200" dirty="0"/>
-              <a:t>.53</a:t>
-            </a:r>
-            <a:endParaRPr lang="en-US" dirty="0"/>
-          </a:p>
-        </p:txBody>
-      </p:sp>
-      <p:sp>
-        <p:nvSpPr>
-          <p:cNvPr id="58" name="TextBox 57">
-            <a:extLst>
-              <a:ext uri="{FF2B5EF4-FFF2-40B4-BE49-F238E27FC236}">
-                <a16:creationId xmlns:a16="http://schemas.microsoft.com/office/drawing/2014/main" id="{8FA9D81F-E017-9643-97B5-71ADB3343A39}"/>
-              </a:ext>
-            </a:extLst>
-          </p:cNvPr>
-          <p:cNvSpPr txBox="1"/>
-          <p:nvPr/>
-        </p:nvSpPr>
-        <p:spPr>
-          <a:xfrm>
-            <a:off x="1874583" y="2030788"/>
-            <a:ext cx="454152" cy="276999"/>
-          </a:xfrm>
-          <a:prstGeom prst="rect">
-            <a:avLst/>
-          </a:prstGeom>
-          <a:noFill/>
-        </p:spPr>
-        <p:txBody>
-          <a:bodyPr wrap="square" rtlCol="0">
-            <a:spAutoFit/>
-          </a:bodyPr>
-          <a:lstStyle/>
-          <a:p>
-            <a:r>
-              <a:rPr lang="en-US" sz="1200" dirty="0"/>
-              <a:t>-.30</a:t>
-            </a:r>
-            <a:endParaRPr lang="en-US" dirty="0"/>
-          </a:p>
-        </p:txBody>
-      </p:sp>
-      <p:sp>
-        <p:nvSpPr>
-          <p:cNvPr id="60" name="TextBox 59">
-            <a:extLst>
-              <a:ext uri="{FF2B5EF4-FFF2-40B4-BE49-F238E27FC236}">
-                <a16:creationId xmlns:a16="http://schemas.microsoft.com/office/drawing/2014/main" id="{8C0C42C1-4124-6447-84AD-B674A8F81D63}"/>
-              </a:ext>
-            </a:extLst>
-          </p:cNvPr>
-          <p:cNvSpPr txBox="1"/>
-          <p:nvPr/>
-        </p:nvSpPr>
-        <p:spPr>
-          <a:xfrm>
-            <a:off x="680704" y="3290499"/>
-            <a:ext cx="454152" cy="276999"/>
-          </a:xfrm>
-          <a:prstGeom prst="rect">
-            <a:avLst/>
-          </a:prstGeom>
-          <a:noFill/>
-        </p:spPr>
-        <p:txBody>
-          <a:bodyPr wrap="square" rtlCol="0">
-            <a:spAutoFit/>
-          </a:bodyPr>
-          <a:lstStyle/>
-          <a:p>
-            <a:r>
-              <a:rPr lang="en-US" sz="1200" dirty="0"/>
-              <a:t>-.23</a:t>
-            </a:r>
-            <a:endParaRPr lang="en-US" dirty="0"/>
+              <a:rPr lang="en-US" dirty="0"/>
+              <a:t>Low social support</a:t>
+            </a:r>
           </a:p>
         </p:txBody>
       </p:sp>
     </p:spTree>
     <p:extLst>
       <p:ext uri="{BB962C8B-B14F-4D97-AF65-F5344CB8AC3E}">
-        <p14:creationId xmlns:p14="http://schemas.microsoft.com/office/powerpoint/2010/main" val="3990962862"/>
+        <p14:creationId xmlns:p14="http://schemas.microsoft.com/office/powerpoint/2010/main" val="1583846154"/>
       </p:ext>
     </p:extLst>
   </p:cSld>
@@ -11801,13 +11567,12 @@
         </p:nvSpPr>
         <p:spPr>
           <a:xfrm>
-            <a:off x="2151487" y="688143"/>
+            <a:off x="2151488" y="688143"/>
             <a:ext cx="1024704" cy="646331"/>
           </a:xfrm>
           <a:prstGeom prst="rect">
             <a:avLst/>
           </a:prstGeom>
-          <a:ln w="57150"/>
         </p:spPr>
         <p:style>
           <a:lnRef idx="2">
@@ -11846,6 +11611,118 @@
       </p:sp>
       <p:sp>
         <p:nvSpPr>
+          <p:cNvPr id="5" name="TextBox 4">
+            <a:extLst>
+              <a:ext uri="{FF2B5EF4-FFF2-40B4-BE49-F238E27FC236}">
+                <a16:creationId xmlns:a16="http://schemas.microsoft.com/office/drawing/2014/main" id="{8676E8E8-F058-BD49-9B7A-41D08CD1F6D4}"/>
+              </a:ext>
+            </a:extLst>
+          </p:cNvPr>
+          <p:cNvSpPr txBox="1"/>
+          <p:nvPr/>
+        </p:nvSpPr>
+        <p:spPr>
+          <a:xfrm>
+            <a:off x="2078486" y="3105834"/>
+            <a:ext cx="1123577" cy="646331"/>
+          </a:xfrm>
+          <a:prstGeom prst="rect">
+            <a:avLst/>
+          </a:prstGeom>
+        </p:spPr>
+        <p:style>
+          <a:lnRef idx="2">
+            <a:schemeClr val="accent2"/>
+          </a:lnRef>
+          <a:fillRef idx="1">
+            <a:schemeClr val="lt1"/>
+          </a:fillRef>
+          <a:effectRef idx="0">
+            <a:schemeClr val="accent2"/>
+          </a:effectRef>
+          <a:fontRef idx="minor">
+            <a:schemeClr val="dk1"/>
+          </a:fontRef>
+        </p:style>
+        <p:txBody>
+          <a:bodyPr wrap="none" rtlCol="0">
+            <a:spAutoFit/>
+          </a:bodyPr>
+          <a:lstStyle/>
+          <a:p>
+            <a:pPr algn="ctr"/>
+            <a:r>
+              <a:rPr lang="en-US" dirty="0"/>
+              <a:t>Caregiver </a:t>
+            </a:r>
+          </a:p>
+          <a:p>
+            <a:pPr algn="ctr"/>
+            <a:r>
+              <a:rPr lang="en-US" dirty="0"/>
+              <a:t>Wellbeing</a:t>
+            </a:r>
+          </a:p>
+        </p:txBody>
+      </p:sp>
+      <p:sp>
+        <p:nvSpPr>
+          <p:cNvPr id="6" name="TextBox 5">
+            <a:extLst>
+              <a:ext uri="{FF2B5EF4-FFF2-40B4-BE49-F238E27FC236}">
+                <a16:creationId xmlns:a16="http://schemas.microsoft.com/office/drawing/2014/main" id="{7A5280C4-1E99-ED4D-B459-F2A792F0E010}"/>
+              </a:ext>
+            </a:extLst>
+          </p:cNvPr>
+          <p:cNvSpPr txBox="1"/>
+          <p:nvPr/>
+        </p:nvSpPr>
+        <p:spPr>
+          <a:xfrm>
+            <a:off x="2078487" y="5523525"/>
+            <a:ext cx="1123577" cy="646331"/>
+          </a:xfrm>
+          <a:prstGeom prst="rect">
+            <a:avLst/>
+          </a:prstGeom>
+        </p:spPr>
+        <p:style>
+          <a:lnRef idx="2">
+            <a:schemeClr val="accent6"/>
+          </a:lnRef>
+          <a:fillRef idx="1">
+            <a:schemeClr val="lt1"/>
+          </a:fillRef>
+          <a:effectRef idx="0">
+            <a:schemeClr val="accent6"/>
+          </a:effectRef>
+          <a:fontRef idx="minor">
+            <a:schemeClr val="dk1"/>
+          </a:fontRef>
+        </p:style>
+        <p:txBody>
+          <a:bodyPr wrap="none" rtlCol="0">
+            <a:spAutoFit/>
+          </a:bodyPr>
+          <a:lstStyle/>
+          <a:p>
+            <a:pPr algn="ctr"/>
+            <a:r>
+              <a:rPr lang="en-US" dirty="0"/>
+              <a:t>Child </a:t>
+            </a:r>
+          </a:p>
+          <a:p>
+            <a:pPr algn="ctr"/>
+            <a:r>
+              <a:rPr lang="en-US" dirty="0"/>
+              <a:t>Wellbeing</a:t>
+            </a:r>
+          </a:p>
+        </p:txBody>
+      </p:sp>
+      <p:sp>
+        <p:nvSpPr>
           <p:cNvPr id="7" name="TextBox 6">
             <a:extLst>
               <a:ext uri="{FF2B5EF4-FFF2-40B4-BE49-F238E27FC236}">
@@ -12014,6 +11891,118 @@
       </p:sp>
       <p:sp>
         <p:nvSpPr>
+          <p:cNvPr id="10" name="TextBox 9">
+            <a:extLst>
+              <a:ext uri="{FF2B5EF4-FFF2-40B4-BE49-F238E27FC236}">
+                <a16:creationId xmlns:a16="http://schemas.microsoft.com/office/drawing/2014/main" id="{C5DC7E3E-A9A6-DA42-86F9-D5786E0D82B4}"/>
+              </a:ext>
+            </a:extLst>
+          </p:cNvPr>
+          <p:cNvSpPr txBox="1"/>
+          <p:nvPr/>
+        </p:nvSpPr>
+        <p:spPr>
+          <a:xfrm>
+            <a:off x="9082892" y="688143"/>
+            <a:ext cx="1024704" cy="646331"/>
+          </a:xfrm>
+          <a:prstGeom prst="rect">
+            <a:avLst/>
+          </a:prstGeom>
+        </p:spPr>
+        <p:style>
+          <a:lnRef idx="2">
+            <a:schemeClr val="accent1"/>
+          </a:lnRef>
+          <a:fillRef idx="1">
+            <a:schemeClr val="lt1"/>
+          </a:fillRef>
+          <a:effectRef idx="0">
+            <a:schemeClr val="accent1"/>
+          </a:effectRef>
+          <a:fontRef idx="minor">
+            <a:schemeClr val="dk1"/>
+          </a:fontRef>
+        </p:style>
+        <p:txBody>
+          <a:bodyPr wrap="none" rtlCol="0">
+            <a:spAutoFit/>
+          </a:bodyPr>
+          <a:lstStyle/>
+          <a:p>
+            <a:pPr algn="ctr"/>
+            <a:r>
+              <a:rPr lang="en-US" dirty="0"/>
+              <a:t>Material</a:t>
+            </a:r>
+          </a:p>
+          <a:p>
+            <a:pPr algn="ctr"/>
+            <a:r>
+              <a:rPr lang="en-US" dirty="0"/>
+              <a:t>Hardship</a:t>
+            </a:r>
+          </a:p>
+        </p:txBody>
+      </p:sp>
+      <p:sp>
+        <p:nvSpPr>
+          <p:cNvPr id="11" name="TextBox 10">
+            <a:extLst>
+              <a:ext uri="{FF2B5EF4-FFF2-40B4-BE49-F238E27FC236}">
+                <a16:creationId xmlns:a16="http://schemas.microsoft.com/office/drawing/2014/main" id="{F95AC1F8-671C-684F-B67E-92778D791EC1}"/>
+              </a:ext>
+            </a:extLst>
+          </p:cNvPr>
+          <p:cNvSpPr txBox="1"/>
+          <p:nvPr/>
+        </p:nvSpPr>
+        <p:spPr>
+          <a:xfrm>
+            <a:off x="9009891" y="3105834"/>
+            <a:ext cx="1123577" cy="646331"/>
+          </a:xfrm>
+          <a:prstGeom prst="rect">
+            <a:avLst/>
+          </a:prstGeom>
+        </p:spPr>
+        <p:style>
+          <a:lnRef idx="2">
+            <a:schemeClr val="accent2"/>
+          </a:lnRef>
+          <a:fillRef idx="1">
+            <a:schemeClr val="lt1"/>
+          </a:fillRef>
+          <a:effectRef idx="0">
+            <a:schemeClr val="accent2"/>
+          </a:effectRef>
+          <a:fontRef idx="minor">
+            <a:schemeClr val="dk1"/>
+          </a:fontRef>
+        </p:style>
+        <p:txBody>
+          <a:bodyPr wrap="none" rtlCol="0">
+            <a:spAutoFit/>
+          </a:bodyPr>
+          <a:lstStyle/>
+          <a:p>
+            <a:pPr algn="ctr"/>
+            <a:r>
+              <a:rPr lang="en-US" dirty="0"/>
+              <a:t>Caregiver </a:t>
+            </a:r>
+          </a:p>
+          <a:p>
+            <a:pPr algn="ctr"/>
+            <a:r>
+              <a:rPr lang="en-US" dirty="0"/>
+              <a:t>Wellbeing</a:t>
+            </a:r>
+          </a:p>
+        </p:txBody>
+      </p:sp>
+      <p:sp>
+        <p:nvSpPr>
           <p:cNvPr id="12" name="TextBox 11">
             <a:extLst>
               <a:ext uri="{FF2B5EF4-FFF2-40B4-BE49-F238E27FC236}">
@@ -12032,7 +12021,6 @@
           <a:prstGeom prst="rect">
             <a:avLst/>
           </a:prstGeom>
-          <a:ln w="57150"/>
         </p:spPr>
         <p:style>
           <a:lnRef idx="2">
@@ -12086,8 +12074,50 @@
         </p:nvCxnSpPr>
         <p:spPr>
           <a:xfrm>
-            <a:off x="3176191" y="1011309"/>
-            <a:ext cx="2417434" cy="0"/>
+            <a:off x="3176192" y="1011309"/>
+            <a:ext cx="2417433" cy="0"/>
+          </a:xfrm>
+          <a:prstGeom prst="straightConnector1">
+            <a:avLst/>
+          </a:prstGeom>
+          <a:ln>
+            <a:tailEnd type="triangle"/>
+          </a:ln>
+        </p:spPr>
+        <p:style>
+          <a:lnRef idx="1">
+            <a:schemeClr val="accent1"/>
+          </a:lnRef>
+          <a:fillRef idx="0">
+            <a:schemeClr val="accent1"/>
+          </a:fillRef>
+          <a:effectRef idx="0">
+            <a:schemeClr val="accent1"/>
+          </a:effectRef>
+          <a:fontRef idx="minor">
+            <a:schemeClr val="tx1"/>
+          </a:fontRef>
+        </p:style>
+      </p:cxnSp>
+      <p:cxnSp>
+        <p:nvCxnSpPr>
+          <p:cNvPr id="16" name="Straight Arrow Connector 15">
+            <a:extLst>
+              <a:ext uri="{FF2B5EF4-FFF2-40B4-BE49-F238E27FC236}">
+                <a16:creationId xmlns:a16="http://schemas.microsoft.com/office/drawing/2014/main" id="{3EC19645-30C0-A34B-8C30-B5850F29B3A3}"/>
+              </a:ext>
+            </a:extLst>
+          </p:cNvPr>
+          <p:cNvCxnSpPr>
+            <a:stCxn id="7" idx="3"/>
+            <a:endCxn id="10" idx="1"/>
+          </p:cNvCxnSpPr>
+          <p:nvPr/>
+        </p:nvCxnSpPr>
+        <p:spPr>
+          <a:xfrm>
+            <a:off x="6618329" y="1011309"/>
+            <a:ext cx="2464563" cy="0"/>
           </a:xfrm>
           <a:prstGeom prst="straightConnector1">
             <a:avLst/>
@@ -12128,13 +12158,14 @@
         </p:nvCxnSpPr>
         <p:spPr>
           <a:xfrm>
-            <a:off x="3176191" y="1011309"/>
-            <a:ext cx="2344433" cy="2417691"/>
+            <a:off x="3176192" y="1011309"/>
+            <a:ext cx="2344432" cy="2417691"/>
           </a:xfrm>
           <a:prstGeom prst="straightConnector1">
             <a:avLst/>
           </a:prstGeom>
           <a:ln>
+            <a:prstDash val="lgDash"/>
             <a:tailEnd type="triangle"/>
           </a:ln>
         </p:spPr>
@@ -12170,13 +12201,57 @@
         </p:nvCxnSpPr>
         <p:spPr>
           <a:xfrm>
-            <a:off x="3176191" y="1011309"/>
-            <a:ext cx="2344434" cy="4835382"/>
+            <a:off x="3176192" y="1011309"/>
+            <a:ext cx="2344433" cy="4835382"/>
           </a:xfrm>
           <a:prstGeom prst="straightConnector1">
             <a:avLst/>
           </a:prstGeom>
           <a:ln>
+            <a:prstDash val="lgDash"/>
+            <a:tailEnd type="triangle"/>
+          </a:ln>
+        </p:spPr>
+        <p:style>
+          <a:lnRef idx="1">
+            <a:schemeClr val="accent1"/>
+          </a:lnRef>
+          <a:fillRef idx="0">
+            <a:schemeClr val="accent1"/>
+          </a:fillRef>
+          <a:effectRef idx="0">
+            <a:schemeClr val="accent1"/>
+          </a:effectRef>
+          <a:fontRef idx="minor">
+            <a:schemeClr val="tx1"/>
+          </a:fontRef>
+        </p:style>
+      </p:cxnSp>
+      <p:cxnSp>
+        <p:nvCxnSpPr>
+          <p:cNvPr id="22" name="Straight Arrow Connector 21">
+            <a:extLst>
+              <a:ext uri="{FF2B5EF4-FFF2-40B4-BE49-F238E27FC236}">
+                <a16:creationId xmlns:a16="http://schemas.microsoft.com/office/drawing/2014/main" id="{7A3CC553-85FE-194E-B9DB-236DFC8AB38E}"/>
+              </a:ext>
+            </a:extLst>
+          </p:cNvPr>
+          <p:cNvCxnSpPr>
+            <a:stCxn id="7" idx="3"/>
+            <a:endCxn id="11" idx="1"/>
+          </p:cNvCxnSpPr>
+          <p:nvPr/>
+        </p:nvCxnSpPr>
+        <p:spPr>
+          <a:xfrm>
+            <a:off x="6618329" y="1011309"/>
+            <a:ext cx="2391562" cy="2417691"/>
+          </a:xfrm>
+          <a:prstGeom prst="straightConnector1">
+            <a:avLst/>
+          </a:prstGeom>
+          <a:ln>
+            <a:prstDash val="lgDash"/>
             <a:tailEnd type="triangle"/>
           </a:ln>
         </p:spPr>
@@ -12219,6 +12294,2017 @@
             <a:avLst/>
           </a:prstGeom>
           <a:ln>
+            <a:prstDash val="lgDash"/>
+            <a:tailEnd type="triangle"/>
+          </a:ln>
+        </p:spPr>
+        <p:style>
+          <a:lnRef idx="1">
+            <a:schemeClr val="accent1"/>
+          </a:lnRef>
+          <a:fillRef idx="0">
+            <a:schemeClr val="accent1"/>
+          </a:fillRef>
+          <a:effectRef idx="0">
+            <a:schemeClr val="accent1"/>
+          </a:effectRef>
+          <a:fontRef idx="minor">
+            <a:schemeClr val="tx1"/>
+          </a:fontRef>
+        </p:style>
+      </p:cxnSp>
+      <p:cxnSp>
+        <p:nvCxnSpPr>
+          <p:cNvPr id="26" name="Straight Arrow Connector 25">
+            <a:extLst>
+              <a:ext uri="{FF2B5EF4-FFF2-40B4-BE49-F238E27FC236}">
+                <a16:creationId xmlns:a16="http://schemas.microsoft.com/office/drawing/2014/main" id="{B8B38524-F7B3-A048-8247-958A5220C068}"/>
+              </a:ext>
+            </a:extLst>
+          </p:cNvPr>
+          <p:cNvCxnSpPr>
+            <a:stCxn id="5" idx="3"/>
+            <a:endCxn id="8" idx="1"/>
+          </p:cNvCxnSpPr>
+          <p:nvPr/>
+        </p:nvCxnSpPr>
+        <p:spPr>
+          <a:xfrm>
+            <a:off x="3202063" y="3429000"/>
+            <a:ext cx="2318561" cy="0"/>
+          </a:xfrm>
+          <a:prstGeom prst="straightConnector1">
+            <a:avLst/>
+          </a:prstGeom>
+          <a:ln>
+            <a:tailEnd type="triangle"/>
+          </a:ln>
+        </p:spPr>
+        <p:style>
+          <a:lnRef idx="1">
+            <a:schemeClr val="accent2"/>
+          </a:lnRef>
+          <a:fillRef idx="0">
+            <a:schemeClr val="accent2"/>
+          </a:fillRef>
+          <a:effectRef idx="0">
+            <a:schemeClr val="accent2"/>
+          </a:effectRef>
+          <a:fontRef idx="minor">
+            <a:schemeClr val="tx1"/>
+          </a:fontRef>
+        </p:style>
+      </p:cxnSp>
+      <p:cxnSp>
+        <p:nvCxnSpPr>
+          <p:cNvPr id="28" name="Straight Arrow Connector 27">
+            <a:extLst>
+              <a:ext uri="{FF2B5EF4-FFF2-40B4-BE49-F238E27FC236}">
+                <a16:creationId xmlns:a16="http://schemas.microsoft.com/office/drawing/2014/main" id="{28316203-54C2-1F47-B8B6-C25D5DDCB40F}"/>
+              </a:ext>
+            </a:extLst>
+          </p:cNvPr>
+          <p:cNvCxnSpPr>
+            <a:stCxn id="5" idx="3"/>
+            <a:endCxn id="7" idx="1"/>
+          </p:cNvCxnSpPr>
+          <p:nvPr/>
+        </p:nvCxnSpPr>
+        <p:spPr>
+          <a:xfrm flipV="1">
+            <a:off x="3202063" y="1011309"/>
+            <a:ext cx="2391562" cy="2417691"/>
+          </a:xfrm>
+          <a:prstGeom prst="straightConnector1">
+            <a:avLst/>
+          </a:prstGeom>
+          <a:ln>
+            <a:prstDash val="lgDash"/>
+            <a:tailEnd type="triangle"/>
+          </a:ln>
+        </p:spPr>
+        <p:style>
+          <a:lnRef idx="1">
+            <a:schemeClr val="accent2"/>
+          </a:lnRef>
+          <a:fillRef idx="0">
+            <a:schemeClr val="accent2"/>
+          </a:fillRef>
+          <a:effectRef idx="0">
+            <a:schemeClr val="accent2"/>
+          </a:effectRef>
+          <a:fontRef idx="minor">
+            <a:schemeClr val="tx1"/>
+          </a:fontRef>
+        </p:style>
+      </p:cxnSp>
+      <p:cxnSp>
+        <p:nvCxnSpPr>
+          <p:cNvPr id="30" name="Straight Arrow Connector 29">
+            <a:extLst>
+              <a:ext uri="{FF2B5EF4-FFF2-40B4-BE49-F238E27FC236}">
+                <a16:creationId xmlns:a16="http://schemas.microsoft.com/office/drawing/2014/main" id="{EBBB2AA3-D196-2E47-A432-207347AEB711}"/>
+              </a:ext>
+            </a:extLst>
+          </p:cNvPr>
+          <p:cNvCxnSpPr>
+            <a:stCxn id="5" idx="3"/>
+            <a:endCxn id="9" idx="1"/>
+          </p:cNvCxnSpPr>
+          <p:nvPr/>
+        </p:nvCxnSpPr>
+        <p:spPr>
+          <a:xfrm>
+            <a:off x="3202063" y="3429000"/>
+            <a:ext cx="2318562" cy="2417691"/>
+          </a:xfrm>
+          <a:prstGeom prst="straightConnector1">
+            <a:avLst/>
+          </a:prstGeom>
+          <a:ln>
+            <a:tailEnd type="triangle"/>
+          </a:ln>
+        </p:spPr>
+        <p:style>
+          <a:lnRef idx="1">
+            <a:schemeClr val="accent2"/>
+          </a:lnRef>
+          <a:fillRef idx="0">
+            <a:schemeClr val="accent2"/>
+          </a:fillRef>
+          <a:effectRef idx="0">
+            <a:schemeClr val="accent2"/>
+          </a:effectRef>
+          <a:fontRef idx="minor">
+            <a:schemeClr val="tx1"/>
+          </a:fontRef>
+        </p:style>
+      </p:cxnSp>
+      <p:cxnSp>
+        <p:nvCxnSpPr>
+          <p:cNvPr id="32" name="Straight Arrow Connector 31">
+            <a:extLst>
+              <a:ext uri="{FF2B5EF4-FFF2-40B4-BE49-F238E27FC236}">
+                <a16:creationId xmlns:a16="http://schemas.microsoft.com/office/drawing/2014/main" id="{903F4E6A-779E-A84D-BB78-42C59545255A}"/>
+              </a:ext>
+            </a:extLst>
+          </p:cNvPr>
+          <p:cNvCxnSpPr>
+            <a:stCxn id="8" idx="3"/>
+            <a:endCxn id="10" idx="1"/>
+          </p:cNvCxnSpPr>
+          <p:nvPr/>
+        </p:nvCxnSpPr>
+        <p:spPr>
+          <a:xfrm flipV="1">
+            <a:off x="6644201" y="1011309"/>
+            <a:ext cx="2438691" cy="2417691"/>
+          </a:xfrm>
+          <a:prstGeom prst="straightConnector1">
+            <a:avLst/>
+          </a:prstGeom>
+          <a:ln>
+            <a:prstDash val="lgDash"/>
+            <a:tailEnd type="triangle"/>
+          </a:ln>
+        </p:spPr>
+        <p:style>
+          <a:lnRef idx="1">
+            <a:schemeClr val="accent2"/>
+          </a:lnRef>
+          <a:fillRef idx="0">
+            <a:schemeClr val="accent2"/>
+          </a:fillRef>
+          <a:effectRef idx="0">
+            <a:schemeClr val="accent2"/>
+          </a:effectRef>
+          <a:fontRef idx="minor">
+            <a:schemeClr val="tx1"/>
+          </a:fontRef>
+        </p:style>
+      </p:cxnSp>
+      <p:cxnSp>
+        <p:nvCxnSpPr>
+          <p:cNvPr id="34" name="Straight Arrow Connector 33">
+            <a:extLst>
+              <a:ext uri="{FF2B5EF4-FFF2-40B4-BE49-F238E27FC236}">
+                <a16:creationId xmlns:a16="http://schemas.microsoft.com/office/drawing/2014/main" id="{1406E211-1609-214F-96CA-01993B3ABCBE}"/>
+              </a:ext>
+            </a:extLst>
+          </p:cNvPr>
+          <p:cNvCxnSpPr>
+            <a:stCxn id="8" idx="3"/>
+            <a:endCxn id="11" idx="1"/>
+          </p:cNvCxnSpPr>
+          <p:nvPr/>
+        </p:nvCxnSpPr>
+        <p:spPr>
+          <a:xfrm>
+            <a:off x="6644201" y="3429000"/>
+            <a:ext cx="2365690" cy="0"/>
+          </a:xfrm>
+          <a:prstGeom prst="straightConnector1">
+            <a:avLst/>
+          </a:prstGeom>
+          <a:ln>
+            <a:tailEnd type="triangle"/>
+          </a:ln>
+        </p:spPr>
+        <p:style>
+          <a:lnRef idx="1">
+            <a:schemeClr val="accent2"/>
+          </a:lnRef>
+          <a:fillRef idx="0">
+            <a:schemeClr val="accent2"/>
+          </a:fillRef>
+          <a:effectRef idx="0">
+            <a:schemeClr val="accent2"/>
+          </a:effectRef>
+          <a:fontRef idx="minor">
+            <a:schemeClr val="tx1"/>
+          </a:fontRef>
+        </p:style>
+      </p:cxnSp>
+      <p:cxnSp>
+        <p:nvCxnSpPr>
+          <p:cNvPr id="36" name="Straight Arrow Connector 35">
+            <a:extLst>
+              <a:ext uri="{FF2B5EF4-FFF2-40B4-BE49-F238E27FC236}">
+                <a16:creationId xmlns:a16="http://schemas.microsoft.com/office/drawing/2014/main" id="{E71AFDA3-9358-684E-B9A5-24851942F9BA}"/>
+              </a:ext>
+            </a:extLst>
+          </p:cNvPr>
+          <p:cNvCxnSpPr>
+            <a:stCxn id="8" idx="3"/>
+            <a:endCxn id="12" idx="1"/>
+          </p:cNvCxnSpPr>
+          <p:nvPr/>
+        </p:nvCxnSpPr>
+        <p:spPr>
+          <a:xfrm>
+            <a:off x="6644201" y="3429000"/>
+            <a:ext cx="2365691" cy="2417691"/>
+          </a:xfrm>
+          <a:prstGeom prst="straightConnector1">
+            <a:avLst/>
+          </a:prstGeom>
+          <a:ln>
+            <a:tailEnd type="triangle"/>
+          </a:ln>
+        </p:spPr>
+        <p:style>
+          <a:lnRef idx="1">
+            <a:schemeClr val="accent2"/>
+          </a:lnRef>
+          <a:fillRef idx="0">
+            <a:schemeClr val="accent2"/>
+          </a:fillRef>
+          <a:effectRef idx="0">
+            <a:schemeClr val="accent2"/>
+          </a:effectRef>
+          <a:fontRef idx="minor">
+            <a:schemeClr val="tx1"/>
+          </a:fontRef>
+        </p:style>
+      </p:cxnSp>
+      <p:cxnSp>
+        <p:nvCxnSpPr>
+          <p:cNvPr id="38" name="Straight Arrow Connector 37">
+            <a:extLst>
+              <a:ext uri="{FF2B5EF4-FFF2-40B4-BE49-F238E27FC236}">
+                <a16:creationId xmlns:a16="http://schemas.microsoft.com/office/drawing/2014/main" id="{71B9D28D-CA6D-8640-9AAB-7207ACC893C4}"/>
+              </a:ext>
+            </a:extLst>
+          </p:cNvPr>
+          <p:cNvCxnSpPr>
+            <a:stCxn id="6" idx="3"/>
+            <a:endCxn id="8" idx="1"/>
+          </p:cNvCxnSpPr>
+          <p:nvPr/>
+        </p:nvCxnSpPr>
+        <p:spPr>
+          <a:xfrm flipV="1">
+            <a:off x="3202064" y="3429000"/>
+            <a:ext cx="2318560" cy="2417691"/>
+          </a:xfrm>
+          <a:prstGeom prst="straightConnector1">
+            <a:avLst/>
+          </a:prstGeom>
+          <a:ln>
+            <a:tailEnd type="triangle"/>
+          </a:ln>
+        </p:spPr>
+        <p:style>
+          <a:lnRef idx="1">
+            <a:schemeClr val="accent6"/>
+          </a:lnRef>
+          <a:fillRef idx="0">
+            <a:schemeClr val="accent6"/>
+          </a:fillRef>
+          <a:effectRef idx="0">
+            <a:schemeClr val="accent6"/>
+          </a:effectRef>
+          <a:fontRef idx="minor">
+            <a:schemeClr val="tx1"/>
+          </a:fontRef>
+        </p:style>
+      </p:cxnSp>
+      <p:cxnSp>
+        <p:nvCxnSpPr>
+          <p:cNvPr id="40" name="Straight Arrow Connector 39">
+            <a:extLst>
+              <a:ext uri="{FF2B5EF4-FFF2-40B4-BE49-F238E27FC236}">
+                <a16:creationId xmlns:a16="http://schemas.microsoft.com/office/drawing/2014/main" id="{185A8537-162B-454D-8728-A68B4A614912}"/>
+              </a:ext>
+            </a:extLst>
+          </p:cNvPr>
+          <p:cNvCxnSpPr>
+            <a:stCxn id="6" idx="3"/>
+            <a:endCxn id="9" idx="1"/>
+          </p:cNvCxnSpPr>
+          <p:nvPr/>
+        </p:nvCxnSpPr>
+        <p:spPr>
+          <a:xfrm>
+            <a:off x="3202064" y="5846691"/>
+            <a:ext cx="2318561" cy="0"/>
+          </a:xfrm>
+          <a:prstGeom prst="straightConnector1">
+            <a:avLst/>
+          </a:prstGeom>
+          <a:ln>
+            <a:tailEnd type="triangle"/>
+          </a:ln>
+        </p:spPr>
+        <p:style>
+          <a:lnRef idx="1">
+            <a:schemeClr val="accent6"/>
+          </a:lnRef>
+          <a:fillRef idx="0">
+            <a:schemeClr val="accent6"/>
+          </a:fillRef>
+          <a:effectRef idx="0">
+            <a:schemeClr val="accent6"/>
+          </a:effectRef>
+          <a:fontRef idx="minor">
+            <a:schemeClr val="tx1"/>
+          </a:fontRef>
+        </p:style>
+      </p:cxnSp>
+      <p:cxnSp>
+        <p:nvCxnSpPr>
+          <p:cNvPr id="44" name="Straight Arrow Connector 43">
+            <a:extLst>
+              <a:ext uri="{FF2B5EF4-FFF2-40B4-BE49-F238E27FC236}">
+                <a16:creationId xmlns:a16="http://schemas.microsoft.com/office/drawing/2014/main" id="{C3AF7C9B-F6F5-E144-877C-CA60484B62D1}"/>
+              </a:ext>
+            </a:extLst>
+          </p:cNvPr>
+          <p:cNvCxnSpPr>
+            <a:stCxn id="9" idx="3"/>
+            <a:endCxn id="12" idx="1"/>
+          </p:cNvCxnSpPr>
+          <p:nvPr/>
+        </p:nvCxnSpPr>
+        <p:spPr>
+          <a:xfrm>
+            <a:off x="6644202" y="5846691"/>
+            <a:ext cx="2365690" cy="0"/>
+          </a:xfrm>
+          <a:prstGeom prst="straightConnector1">
+            <a:avLst/>
+          </a:prstGeom>
+          <a:ln>
+            <a:tailEnd type="triangle"/>
+          </a:ln>
+        </p:spPr>
+        <p:style>
+          <a:lnRef idx="1">
+            <a:schemeClr val="accent6"/>
+          </a:lnRef>
+          <a:fillRef idx="0">
+            <a:schemeClr val="accent6"/>
+          </a:fillRef>
+          <a:effectRef idx="0">
+            <a:schemeClr val="accent6"/>
+          </a:effectRef>
+          <a:fontRef idx="minor">
+            <a:schemeClr val="tx1"/>
+          </a:fontRef>
+        </p:style>
+      </p:cxnSp>
+      <p:cxnSp>
+        <p:nvCxnSpPr>
+          <p:cNvPr id="46" name="Straight Arrow Connector 45">
+            <a:extLst>
+              <a:ext uri="{FF2B5EF4-FFF2-40B4-BE49-F238E27FC236}">
+                <a16:creationId xmlns:a16="http://schemas.microsoft.com/office/drawing/2014/main" id="{BCB19781-0C60-B548-A713-07F3E1DACA9A}"/>
+              </a:ext>
+            </a:extLst>
+          </p:cNvPr>
+          <p:cNvCxnSpPr>
+            <a:stCxn id="9" idx="3"/>
+            <a:endCxn id="11" idx="1"/>
+          </p:cNvCxnSpPr>
+          <p:nvPr/>
+        </p:nvCxnSpPr>
+        <p:spPr>
+          <a:xfrm flipV="1">
+            <a:off x="6644202" y="3429000"/>
+            <a:ext cx="2365689" cy="2417691"/>
+          </a:xfrm>
+          <a:prstGeom prst="straightConnector1">
+            <a:avLst/>
+          </a:prstGeom>
+          <a:ln>
+            <a:tailEnd type="triangle"/>
+          </a:ln>
+        </p:spPr>
+        <p:style>
+          <a:lnRef idx="1">
+            <a:schemeClr val="accent6"/>
+          </a:lnRef>
+          <a:fillRef idx="0">
+            <a:schemeClr val="accent6"/>
+          </a:fillRef>
+          <a:effectRef idx="0">
+            <a:schemeClr val="accent6"/>
+          </a:effectRef>
+          <a:fontRef idx="minor">
+            <a:schemeClr val="tx1"/>
+          </a:fontRef>
+        </p:style>
+      </p:cxnSp>
+      <p:cxnSp>
+        <p:nvCxnSpPr>
+          <p:cNvPr id="50" name="Curved Connector 49">
+            <a:extLst>
+              <a:ext uri="{FF2B5EF4-FFF2-40B4-BE49-F238E27FC236}">
+                <a16:creationId xmlns:a16="http://schemas.microsoft.com/office/drawing/2014/main" id="{D460EF17-840C-7343-A66F-30F2B81109E9}"/>
+              </a:ext>
+            </a:extLst>
+          </p:cNvPr>
+          <p:cNvCxnSpPr>
+            <a:stCxn id="4" idx="1"/>
+            <a:endCxn id="5" idx="1"/>
+          </p:cNvCxnSpPr>
+          <p:nvPr/>
+        </p:nvCxnSpPr>
+        <p:spPr>
+          <a:xfrm rot="10800000" flipV="1">
+            <a:off x="2078486" y="1011308"/>
+            <a:ext cx="73002" cy="2417691"/>
+          </a:xfrm>
+          <a:prstGeom prst="curvedConnector3">
+            <a:avLst>
+              <a:gd name="adj1" fmla="val 413142"/>
+            </a:avLst>
+          </a:prstGeom>
+          <a:ln>
+            <a:headEnd type="triangle"/>
+            <a:tailEnd type="triangle"/>
+          </a:ln>
+        </p:spPr>
+        <p:style>
+          <a:lnRef idx="1">
+            <a:schemeClr val="dk1"/>
+          </a:lnRef>
+          <a:fillRef idx="0">
+            <a:schemeClr val="dk1"/>
+          </a:fillRef>
+          <a:effectRef idx="0">
+            <a:schemeClr val="dk1"/>
+          </a:effectRef>
+          <a:fontRef idx="minor">
+            <a:schemeClr val="tx1"/>
+          </a:fontRef>
+        </p:style>
+      </p:cxnSp>
+      <p:cxnSp>
+        <p:nvCxnSpPr>
+          <p:cNvPr id="52" name="Curved Connector 51">
+            <a:extLst>
+              <a:ext uri="{FF2B5EF4-FFF2-40B4-BE49-F238E27FC236}">
+                <a16:creationId xmlns:a16="http://schemas.microsoft.com/office/drawing/2014/main" id="{6D98D31E-BED1-9341-9081-AE886D882EAD}"/>
+              </a:ext>
+            </a:extLst>
+          </p:cNvPr>
+          <p:cNvCxnSpPr>
+            <a:cxnSpLocks/>
+            <a:stCxn id="4" idx="1"/>
+            <a:endCxn id="6" idx="1"/>
+          </p:cNvCxnSpPr>
+          <p:nvPr/>
+        </p:nvCxnSpPr>
+        <p:spPr>
+          <a:xfrm rot="10800000" flipV="1">
+            <a:off x="2078488" y="1011309"/>
+            <a:ext cx="73001" cy="4835382"/>
+          </a:xfrm>
+          <a:prstGeom prst="curvedConnector3">
+            <a:avLst>
+              <a:gd name="adj1" fmla="val 1150780"/>
+            </a:avLst>
+          </a:prstGeom>
+          <a:ln>
+            <a:headEnd type="triangle"/>
+            <a:tailEnd type="triangle"/>
+          </a:ln>
+        </p:spPr>
+        <p:style>
+          <a:lnRef idx="1">
+            <a:schemeClr val="dk1"/>
+          </a:lnRef>
+          <a:fillRef idx="0">
+            <a:schemeClr val="dk1"/>
+          </a:fillRef>
+          <a:effectRef idx="0">
+            <a:schemeClr val="dk1"/>
+          </a:effectRef>
+          <a:fontRef idx="minor">
+            <a:schemeClr val="tx1"/>
+          </a:fontRef>
+        </p:style>
+      </p:cxnSp>
+      <p:cxnSp>
+        <p:nvCxnSpPr>
+          <p:cNvPr id="55" name="Curved Connector 54">
+            <a:extLst>
+              <a:ext uri="{FF2B5EF4-FFF2-40B4-BE49-F238E27FC236}">
+                <a16:creationId xmlns:a16="http://schemas.microsoft.com/office/drawing/2014/main" id="{329F5102-9C9C-764F-98EE-B04767D689C5}"/>
+              </a:ext>
+            </a:extLst>
+          </p:cNvPr>
+          <p:cNvCxnSpPr>
+            <a:stCxn id="5" idx="1"/>
+            <a:endCxn id="6" idx="1"/>
+          </p:cNvCxnSpPr>
+          <p:nvPr/>
+        </p:nvCxnSpPr>
+        <p:spPr>
+          <a:xfrm rot="10800000" flipH="1" flipV="1">
+            <a:off x="2078485" y="3428999"/>
+            <a:ext cx="1" cy="2417691"/>
+          </a:xfrm>
+          <a:prstGeom prst="curvedConnector3">
+            <a:avLst>
+              <a:gd name="adj1" fmla="val -22860000000"/>
+            </a:avLst>
+          </a:prstGeom>
+          <a:ln>
+            <a:headEnd type="triangle"/>
+            <a:tailEnd type="triangle"/>
+          </a:ln>
+        </p:spPr>
+        <p:style>
+          <a:lnRef idx="1">
+            <a:schemeClr val="dk1"/>
+          </a:lnRef>
+          <a:fillRef idx="0">
+            <a:schemeClr val="dk1"/>
+          </a:fillRef>
+          <a:effectRef idx="0">
+            <a:schemeClr val="dk1"/>
+          </a:effectRef>
+          <a:fontRef idx="minor">
+            <a:schemeClr val="tx1"/>
+          </a:fontRef>
+        </p:style>
+      </p:cxnSp>
+      <p:cxnSp>
+        <p:nvCxnSpPr>
+          <p:cNvPr id="57" name="Curved Connector 56">
+            <a:extLst>
+              <a:ext uri="{FF2B5EF4-FFF2-40B4-BE49-F238E27FC236}">
+                <a16:creationId xmlns:a16="http://schemas.microsoft.com/office/drawing/2014/main" id="{6CBE8584-914B-6446-A197-28CD3930A23C}"/>
+              </a:ext>
+            </a:extLst>
+          </p:cNvPr>
+          <p:cNvCxnSpPr>
+            <a:stCxn id="10" idx="3"/>
+            <a:endCxn id="11" idx="3"/>
+          </p:cNvCxnSpPr>
+          <p:nvPr/>
+        </p:nvCxnSpPr>
+        <p:spPr>
+          <a:xfrm>
+            <a:off x="10107596" y="1011309"/>
+            <a:ext cx="25872" cy="2417691"/>
+          </a:xfrm>
+          <a:prstGeom prst="curvedConnector3">
+            <a:avLst>
+              <a:gd name="adj1" fmla="val 983581"/>
+            </a:avLst>
+          </a:prstGeom>
+          <a:ln>
+            <a:headEnd type="triangle"/>
+            <a:tailEnd type="triangle"/>
+          </a:ln>
+        </p:spPr>
+        <p:style>
+          <a:lnRef idx="1">
+            <a:schemeClr val="dk1"/>
+          </a:lnRef>
+          <a:fillRef idx="0">
+            <a:schemeClr val="dk1"/>
+          </a:fillRef>
+          <a:effectRef idx="0">
+            <a:schemeClr val="dk1"/>
+          </a:effectRef>
+          <a:fontRef idx="minor">
+            <a:schemeClr val="tx1"/>
+          </a:fontRef>
+        </p:style>
+      </p:cxnSp>
+      <p:cxnSp>
+        <p:nvCxnSpPr>
+          <p:cNvPr id="59" name="Curved Connector 58">
+            <a:extLst>
+              <a:ext uri="{FF2B5EF4-FFF2-40B4-BE49-F238E27FC236}">
+                <a16:creationId xmlns:a16="http://schemas.microsoft.com/office/drawing/2014/main" id="{8949F549-989E-454C-B614-8B9F070816EA}"/>
+              </a:ext>
+            </a:extLst>
+          </p:cNvPr>
+          <p:cNvCxnSpPr>
+            <a:stCxn id="11" idx="3"/>
+            <a:endCxn id="12" idx="3"/>
+          </p:cNvCxnSpPr>
+          <p:nvPr/>
+        </p:nvCxnSpPr>
+        <p:spPr>
+          <a:xfrm>
+            <a:off x="10133468" y="3429000"/>
+            <a:ext cx="1" cy="2417691"/>
+          </a:xfrm>
+          <a:prstGeom prst="curvedConnector3">
+            <a:avLst>
+              <a:gd name="adj1" fmla="val 22860100000"/>
+            </a:avLst>
+          </a:prstGeom>
+          <a:ln>
+            <a:headEnd type="triangle"/>
+            <a:tailEnd type="triangle"/>
+          </a:ln>
+        </p:spPr>
+        <p:style>
+          <a:lnRef idx="1">
+            <a:schemeClr val="dk1"/>
+          </a:lnRef>
+          <a:fillRef idx="0">
+            <a:schemeClr val="dk1"/>
+          </a:fillRef>
+          <a:effectRef idx="0">
+            <a:schemeClr val="dk1"/>
+          </a:effectRef>
+          <a:fontRef idx="minor">
+            <a:schemeClr val="tx1"/>
+          </a:fontRef>
+        </p:style>
+      </p:cxnSp>
+      <p:sp>
+        <p:nvSpPr>
+          <p:cNvPr id="63" name="TextBox 62">
+            <a:extLst>
+              <a:ext uri="{FF2B5EF4-FFF2-40B4-BE49-F238E27FC236}">
+                <a16:creationId xmlns:a16="http://schemas.microsoft.com/office/drawing/2014/main" id="{EECD93F2-682C-F84F-B876-93C510A77332}"/>
+              </a:ext>
+            </a:extLst>
+          </p:cNvPr>
+          <p:cNvSpPr txBox="1"/>
+          <p:nvPr/>
+        </p:nvSpPr>
+        <p:spPr>
+          <a:xfrm>
+            <a:off x="4260510" y="734309"/>
+            <a:ext cx="380232" cy="276999"/>
+          </a:xfrm>
+          <a:prstGeom prst="rect">
+            <a:avLst/>
+          </a:prstGeom>
+          <a:noFill/>
+        </p:spPr>
+        <p:txBody>
+          <a:bodyPr wrap="none" rtlCol="0">
+            <a:spAutoFit/>
+          </a:bodyPr>
+          <a:lstStyle/>
+          <a:p>
+            <a:r>
+              <a:rPr lang="en-US" sz="1200" dirty="0">
+                <a:solidFill>
+                  <a:schemeClr val="accent1"/>
+                </a:solidFill>
+              </a:rPr>
+              <a:t>.83</a:t>
+            </a:r>
+          </a:p>
+        </p:txBody>
+      </p:sp>
+      <p:sp>
+        <p:nvSpPr>
+          <p:cNvPr id="64" name="TextBox 63">
+            <a:extLst>
+              <a:ext uri="{FF2B5EF4-FFF2-40B4-BE49-F238E27FC236}">
+                <a16:creationId xmlns:a16="http://schemas.microsoft.com/office/drawing/2014/main" id="{10170E9D-E434-D84D-8F22-80D78E9279D6}"/>
+              </a:ext>
+            </a:extLst>
+          </p:cNvPr>
+          <p:cNvSpPr txBox="1"/>
+          <p:nvPr/>
+        </p:nvSpPr>
+        <p:spPr>
+          <a:xfrm>
+            <a:off x="7701370" y="688143"/>
+            <a:ext cx="380232" cy="276999"/>
+          </a:xfrm>
+          <a:prstGeom prst="rect">
+            <a:avLst/>
+          </a:prstGeom>
+          <a:noFill/>
+        </p:spPr>
+        <p:txBody>
+          <a:bodyPr wrap="none" rtlCol="0">
+            <a:spAutoFit/>
+          </a:bodyPr>
+          <a:lstStyle/>
+          <a:p>
+            <a:r>
+              <a:rPr lang="en-US" sz="1200" dirty="0">
+                <a:solidFill>
+                  <a:schemeClr val="accent1"/>
+                </a:solidFill>
+              </a:rPr>
+              <a:t>.83</a:t>
+            </a:r>
+          </a:p>
+        </p:txBody>
+      </p:sp>
+      <p:sp>
+        <p:nvSpPr>
+          <p:cNvPr id="65" name="TextBox 64">
+            <a:extLst>
+              <a:ext uri="{FF2B5EF4-FFF2-40B4-BE49-F238E27FC236}">
+                <a16:creationId xmlns:a16="http://schemas.microsoft.com/office/drawing/2014/main" id="{801F5122-BC51-1349-82D4-FF22A277A2DB}"/>
+              </a:ext>
+            </a:extLst>
+          </p:cNvPr>
+          <p:cNvSpPr txBox="1"/>
+          <p:nvPr/>
+        </p:nvSpPr>
+        <p:spPr>
+          <a:xfrm>
+            <a:off x="3858865" y="1476790"/>
+            <a:ext cx="426720" cy="276999"/>
+          </a:xfrm>
+          <a:prstGeom prst="rect">
+            <a:avLst/>
+          </a:prstGeom>
+          <a:noFill/>
+        </p:spPr>
+        <p:txBody>
+          <a:bodyPr wrap="none" rtlCol="0">
+            <a:spAutoFit/>
+          </a:bodyPr>
+          <a:lstStyle/>
+          <a:p>
+            <a:r>
+              <a:rPr lang="en-US" sz="1200" dirty="0">
+                <a:solidFill>
+                  <a:schemeClr val="accent1"/>
+                </a:solidFill>
+              </a:rPr>
+              <a:t>-.05</a:t>
+            </a:r>
+          </a:p>
+        </p:txBody>
+      </p:sp>
+      <p:sp>
+        <p:nvSpPr>
+          <p:cNvPr id="66" name="TextBox 65">
+            <a:extLst>
+              <a:ext uri="{FF2B5EF4-FFF2-40B4-BE49-F238E27FC236}">
+                <a16:creationId xmlns:a16="http://schemas.microsoft.com/office/drawing/2014/main" id="{65E6E438-5843-B644-AB4D-03650B59A700}"/>
+              </a:ext>
+            </a:extLst>
+          </p:cNvPr>
+          <p:cNvSpPr txBox="1"/>
+          <p:nvPr/>
+        </p:nvSpPr>
+        <p:spPr>
+          <a:xfrm>
+            <a:off x="3309324" y="1753789"/>
+            <a:ext cx="426720" cy="276999"/>
+          </a:xfrm>
+          <a:prstGeom prst="rect">
+            <a:avLst/>
+          </a:prstGeom>
+          <a:noFill/>
+        </p:spPr>
+        <p:txBody>
+          <a:bodyPr wrap="none" rtlCol="0">
+            <a:spAutoFit/>
+          </a:bodyPr>
+          <a:lstStyle/>
+          <a:p>
+            <a:r>
+              <a:rPr lang="en-US" sz="1200" dirty="0">
+                <a:solidFill>
+                  <a:schemeClr val="accent1"/>
+                </a:solidFill>
+              </a:rPr>
+              <a:t>-.02</a:t>
+            </a:r>
+          </a:p>
+        </p:txBody>
+      </p:sp>
+      <p:sp>
+        <p:nvSpPr>
+          <p:cNvPr id="67" name="TextBox 66">
+            <a:extLst>
+              <a:ext uri="{FF2B5EF4-FFF2-40B4-BE49-F238E27FC236}">
+                <a16:creationId xmlns:a16="http://schemas.microsoft.com/office/drawing/2014/main" id="{F6B86B30-5C87-C546-82BF-179E9C58F97E}"/>
+              </a:ext>
+            </a:extLst>
+          </p:cNvPr>
+          <p:cNvSpPr txBox="1"/>
+          <p:nvPr/>
+        </p:nvSpPr>
+        <p:spPr>
+          <a:xfrm>
+            <a:off x="7290492" y="1476790"/>
+            <a:ext cx="426720" cy="276999"/>
+          </a:xfrm>
+          <a:prstGeom prst="rect">
+            <a:avLst/>
+          </a:prstGeom>
+          <a:noFill/>
+        </p:spPr>
+        <p:txBody>
+          <a:bodyPr wrap="none" rtlCol="0">
+            <a:spAutoFit/>
+          </a:bodyPr>
+          <a:lstStyle/>
+          <a:p>
+            <a:r>
+              <a:rPr lang="en-US" sz="1200" dirty="0">
+                <a:solidFill>
+                  <a:schemeClr val="accent1"/>
+                </a:solidFill>
+              </a:rPr>
+              <a:t>-.05</a:t>
+            </a:r>
+          </a:p>
+        </p:txBody>
+      </p:sp>
+      <p:sp>
+        <p:nvSpPr>
+          <p:cNvPr id="68" name="TextBox 67">
+            <a:extLst>
+              <a:ext uri="{FF2B5EF4-FFF2-40B4-BE49-F238E27FC236}">
+                <a16:creationId xmlns:a16="http://schemas.microsoft.com/office/drawing/2014/main" id="{56828EAF-4464-C448-9E3E-6D0F6F2668EE}"/>
+              </a:ext>
+            </a:extLst>
+          </p:cNvPr>
+          <p:cNvSpPr txBox="1"/>
+          <p:nvPr/>
+        </p:nvSpPr>
+        <p:spPr>
+          <a:xfrm>
+            <a:off x="6740951" y="1753789"/>
+            <a:ext cx="426720" cy="276999"/>
+          </a:xfrm>
+          <a:prstGeom prst="rect">
+            <a:avLst/>
+          </a:prstGeom>
+          <a:noFill/>
+        </p:spPr>
+        <p:txBody>
+          <a:bodyPr wrap="none" rtlCol="0">
+            <a:spAutoFit/>
+          </a:bodyPr>
+          <a:lstStyle/>
+          <a:p>
+            <a:r>
+              <a:rPr lang="en-US" sz="1200" dirty="0">
+                <a:solidFill>
+                  <a:schemeClr val="accent1"/>
+                </a:solidFill>
+              </a:rPr>
+              <a:t>-.02</a:t>
+            </a:r>
+          </a:p>
+        </p:txBody>
+      </p:sp>
+      <p:sp>
+        <p:nvSpPr>
+          <p:cNvPr id="69" name="TextBox 68">
+            <a:extLst>
+              <a:ext uri="{FF2B5EF4-FFF2-40B4-BE49-F238E27FC236}">
+                <a16:creationId xmlns:a16="http://schemas.microsoft.com/office/drawing/2014/main" id="{349BF01B-2C55-F44A-9F58-06072CED5EA4}"/>
+              </a:ext>
+            </a:extLst>
+          </p:cNvPr>
+          <p:cNvSpPr txBox="1"/>
+          <p:nvPr/>
+        </p:nvSpPr>
+        <p:spPr>
+          <a:xfrm>
+            <a:off x="3529929" y="3175083"/>
+            <a:ext cx="380232" cy="276999"/>
+          </a:xfrm>
+          <a:prstGeom prst="rect">
+            <a:avLst/>
+          </a:prstGeom>
+          <a:noFill/>
+        </p:spPr>
+        <p:txBody>
+          <a:bodyPr wrap="none" rtlCol="0">
+            <a:spAutoFit/>
+          </a:bodyPr>
+          <a:lstStyle/>
+          <a:p>
+            <a:r>
+              <a:rPr lang="en-US" sz="1200" dirty="0">
+                <a:solidFill>
+                  <a:schemeClr val="accent2"/>
+                </a:solidFill>
+              </a:rPr>
+              <a:t>.80</a:t>
+            </a:r>
+          </a:p>
+        </p:txBody>
+      </p:sp>
+      <p:sp>
+        <p:nvSpPr>
+          <p:cNvPr id="70" name="TextBox 69">
+            <a:extLst>
+              <a:ext uri="{FF2B5EF4-FFF2-40B4-BE49-F238E27FC236}">
+                <a16:creationId xmlns:a16="http://schemas.microsoft.com/office/drawing/2014/main" id="{E8BAE868-66C2-A342-A750-BC4B1800BE2B}"/>
+              </a:ext>
+            </a:extLst>
+          </p:cNvPr>
+          <p:cNvSpPr txBox="1"/>
+          <p:nvPr/>
+        </p:nvSpPr>
+        <p:spPr>
+          <a:xfrm>
+            <a:off x="3297138" y="3705999"/>
+            <a:ext cx="380232" cy="276999"/>
+          </a:xfrm>
+          <a:prstGeom prst="rect">
+            <a:avLst/>
+          </a:prstGeom>
+          <a:noFill/>
+        </p:spPr>
+        <p:txBody>
+          <a:bodyPr wrap="none" rtlCol="0">
+            <a:spAutoFit/>
+          </a:bodyPr>
+          <a:lstStyle/>
+          <a:p>
+            <a:r>
+              <a:rPr lang="en-US" sz="1200" dirty="0">
+                <a:solidFill>
+                  <a:schemeClr val="accent2"/>
+                </a:solidFill>
+              </a:rPr>
+              <a:t>.14</a:t>
+            </a:r>
+          </a:p>
+        </p:txBody>
+      </p:sp>
+      <p:sp>
+        <p:nvSpPr>
+          <p:cNvPr id="71" name="TextBox 70">
+            <a:extLst>
+              <a:ext uri="{FF2B5EF4-FFF2-40B4-BE49-F238E27FC236}">
+                <a16:creationId xmlns:a16="http://schemas.microsoft.com/office/drawing/2014/main" id="{C15473C1-0C34-FA49-BFE4-173F5319955A}"/>
+              </a:ext>
+            </a:extLst>
+          </p:cNvPr>
+          <p:cNvSpPr txBox="1"/>
+          <p:nvPr/>
+        </p:nvSpPr>
+        <p:spPr>
+          <a:xfrm>
+            <a:off x="3289113" y="2851918"/>
+            <a:ext cx="426720" cy="276999"/>
+          </a:xfrm>
+          <a:prstGeom prst="rect">
+            <a:avLst/>
+          </a:prstGeom>
+          <a:noFill/>
+        </p:spPr>
+        <p:txBody>
+          <a:bodyPr wrap="none" rtlCol="0">
+            <a:spAutoFit/>
+          </a:bodyPr>
+          <a:lstStyle/>
+          <a:p>
+            <a:r>
+              <a:rPr lang="en-US" sz="1200" dirty="0">
+                <a:solidFill>
+                  <a:schemeClr val="accent2"/>
+                </a:solidFill>
+              </a:rPr>
+              <a:t>-.04</a:t>
+            </a:r>
+          </a:p>
+        </p:txBody>
+      </p:sp>
+      <p:sp>
+        <p:nvSpPr>
+          <p:cNvPr id="72" name="TextBox 71">
+            <a:extLst>
+              <a:ext uri="{FF2B5EF4-FFF2-40B4-BE49-F238E27FC236}">
+                <a16:creationId xmlns:a16="http://schemas.microsoft.com/office/drawing/2014/main" id="{BFD6F887-5DB0-5043-82F3-F3A602CDD6E1}"/>
+              </a:ext>
+            </a:extLst>
+          </p:cNvPr>
+          <p:cNvSpPr txBox="1"/>
+          <p:nvPr/>
+        </p:nvSpPr>
+        <p:spPr>
+          <a:xfrm>
+            <a:off x="6961556" y="3186626"/>
+            <a:ext cx="380232" cy="276999"/>
+          </a:xfrm>
+          <a:prstGeom prst="rect">
+            <a:avLst/>
+          </a:prstGeom>
+          <a:noFill/>
+        </p:spPr>
+        <p:txBody>
+          <a:bodyPr wrap="none" rtlCol="0">
+            <a:spAutoFit/>
+          </a:bodyPr>
+          <a:lstStyle/>
+          <a:p>
+            <a:r>
+              <a:rPr lang="en-US" sz="1200" dirty="0">
+                <a:solidFill>
+                  <a:schemeClr val="accent2"/>
+                </a:solidFill>
+              </a:rPr>
+              <a:t>.80</a:t>
+            </a:r>
+          </a:p>
+        </p:txBody>
+      </p:sp>
+      <p:sp>
+        <p:nvSpPr>
+          <p:cNvPr id="73" name="TextBox 72">
+            <a:extLst>
+              <a:ext uri="{FF2B5EF4-FFF2-40B4-BE49-F238E27FC236}">
+                <a16:creationId xmlns:a16="http://schemas.microsoft.com/office/drawing/2014/main" id="{8DDCA9FD-4E59-0C43-BB13-8185C501FE59}"/>
+              </a:ext>
+            </a:extLst>
+          </p:cNvPr>
+          <p:cNvSpPr txBox="1"/>
+          <p:nvPr/>
+        </p:nvSpPr>
+        <p:spPr>
+          <a:xfrm>
+            <a:off x="6728765" y="3717542"/>
+            <a:ext cx="380232" cy="276999"/>
+          </a:xfrm>
+          <a:prstGeom prst="rect">
+            <a:avLst/>
+          </a:prstGeom>
+          <a:noFill/>
+        </p:spPr>
+        <p:txBody>
+          <a:bodyPr wrap="none" rtlCol="0">
+            <a:spAutoFit/>
+          </a:bodyPr>
+          <a:lstStyle/>
+          <a:p>
+            <a:r>
+              <a:rPr lang="en-US" sz="1200" dirty="0">
+                <a:solidFill>
+                  <a:schemeClr val="accent2"/>
+                </a:solidFill>
+              </a:rPr>
+              <a:t>.14</a:t>
+            </a:r>
+          </a:p>
+        </p:txBody>
+      </p:sp>
+      <p:sp>
+        <p:nvSpPr>
+          <p:cNvPr id="74" name="TextBox 73">
+            <a:extLst>
+              <a:ext uri="{FF2B5EF4-FFF2-40B4-BE49-F238E27FC236}">
+                <a16:creationId xmlns:a16="http://schemas.microsoft.com/office/drawing/2014/main" id="{56ACC375-3D44-E345-B872-ABFAC037A865}"/>
+              </a:ext>
+            </a:extLst>
+          </p:cNvPr>
+          <p:cNvSpPr txBox="1"/>
+          <p:nvPr/>
+        </p:nvSpPr>
+        <p:spPr>
+          <a:xfrm>
+            <a:off x="6720740" y="2863461"/>
+            <a:ext cx="426720" cy="276999"/>
+          </a:xfrm>
+          <a:prstGeom prst="rect">
+            <a:avLst/>
+          </a:prstGeom>
+          <a:noFill/>
+        </p:spPr>
+        <p:txBody>
+          <a:bodyPr wrap="none" rtlCol="0">
+            <a:spAutoFit/>
+          </a:bodyPr>
+          <a:lstStyle/>
+          <a:p>
+            <a:r>
+              <a:rPr lang="en-US" sz="1200" dirty="0">
+                <a:solidFill>
+                  <a:schemeClr val="accent2"/>
+                </a:solidFill>
+              </a:rPr>
+              <a:t>-.04</a:t>
+            </a:r>
+          </a:p>
+        </p:txBody>
+      </p:sp>
+      <p:sp>
+        <p:nvSpPr>
+          <p:cNvPr id="75" name="TextBox 74">
+            <a:extLst>
+              <a:ext uri="{FF2B5EF4-FFF2-40B4-BE49-F238E27FC236}">
+                <a16:creationId xmlns:a16="http://schemas.microsoft.com/office/drawing/2014/main" id="{4EBF9F27-9283-EE4B-BDC6-6C39168198CE}"/>
+              </a:ext>
+            </a:extLst>
+          </p:cNvPr>
+          <p:cNvSpPr txBox="1"/>
+          <p:nvPr/>
+        </p:nvSpPr>
+        <p:spPr>
+          <a:xfrm>
+            <a:off x="3529929" y="5381210"/>
+            <a:ext cx="380232" cy="276999"/>
+          </a:xfrm>
+          <a:prstGeom prst="rect">
+            <a:avLst/>
+          </a:prstGeom>
+          <a:noFill/>
+        </p:spPr>
+        <p:txBody>
+          <a:bodyPr wrap="none" rtlCol="0">
+            <a:spAutoFit/>
+          </a:bodyPr>
+          <a:lstStyle/>
+          <a:p>
+            <a:r>
+              <a:rPr lang="en-US" sz="1200" dirty="0">
+                <a:solidFill>
+                  <a:schemeClr val="accent6"/>
+                </a:solidFill>
+              </a:rPr>
+              <a:t>.07</a:t>
+            </a:r>
+          </a:p>
+        </p:txBody>
+      </p:sp>
+      <p:sp>
+        <p:nvSpPr>
+          <p:cNvPr id="76" name="TextBox 75">
+            <a:extLst>
+              <a:ext uri="{FF2B5EF4-FFF2-40B4-BE49-F238E27FC236}">
+                <a16:creationId xmlns:a16="http://schemas.microsoft.com/office/drawing/2014/main" id="{BB793A12-AA41-6C45-ABA7-9494796D0BE9}"/>
+              </a:ext>
+            </a:extLst>
+          </p:cNvPr>
+          <p:cNvSpPr txBox="1"/>
+          <p:nvPr/>
+        </p:nvSpPr>
+        <p:spPr>
+          <a:xfrm>
+            <a:off x="3309324" y="5846502"/>
+            <a:ext cx="380232" cy="276999"/>
+          </a:xfrm>
+          <a:prstGeom prst="rect">
+            <a:avLst/>
+          </a:prstGeom>
+          <a:noFill/>
+        </p:spPr>
+        <p:txBody>
+          <a:bodyPr wrap="none" rtlCol="0">
+            <a:spAutoFit/>
+          </a:bodyPr>
+          <a:lstStyle/>
+          <a:p>
+            <a:r>
+              <a:rPr lang="en-US" sz="1200" dirty="0">
+                <a:solidFill>
+                  <a:schemeClr val="accent6"/>
+                </a:solidFill>
+              </a:rPr>
+              <a:t>.66</a:t>
+            </a:r>
+          </a:p>
+        </p:txBody>
+      </p:sp>
+      <p:sp>
+        <p:nvSpPr>
+          <p:cNvPr id="77" name="TextBox 76">
+            <a:extLst>
+              <a:ext uri="{FF2B5EF4-FFF2-40B4-BE49-F238E27FC236}">
+                <a16:creationId xmlns:a16="http://schemas.microsoft.com/office/drawing/2014/main" id="{C6DF278E-F66B-FC48-8C2A-F593BEF5C6E1}"/>
+              </a:ext>
+            </a:extLst>
+          </p:cNvPr>
+          <p:cNvSpPr txBox="1"/>
+          <p:nvPr/>
+        </p:nvSpPr>
+        <p:spPr>
+          <a:xfrm>
+            <a:off x="3202062" y="5104116"/>
+            <a:ext cx="380232" cy="276999"/>
+          </a:xfrm>
+          <a:prstGeom prst="rect">
+            <a:avLst/>
+          </a:prstGeom>
+          <a:noFill/>
+        </p:spPr>
+        <p:txBody>
+          <a:bodyPr wrap="none" rtlCol="0">
+            <a:spAutoFit/>
+          </a:bodyPr>
+          <a:lstStyle/>
+          <a:p>
+            <a:r>
+              <a:rPr lang="en-US" sz="1200" dirty="0">
+                <a:solidFill>
+                  <a:schemeClr val="accent6"/>
+                </a:solidFill>
+              </a:rPr>
+              <a:t>.00</a:t>
+            </a:r>
+          </a:p>
+        </p:txBody>
+      </p:sp>
+      <p:sp>
+        <p:nvSpPr>
+          <p:cNvPr id="78" name="TextBox 77">
+            <a:extLst>
+              <a:ext uri="{FF2B5EF4-FFF2-40B4-BE49-F238E27FC236}">
+                <a16:creationId xmlns:a16="http://schemas.microsoft.com/office/drawing/2014/main" id="{463E9C13-4DD0-D84A-ABF8-AF39EE2AEB32}"/>
+              </a:ext>
+            </a:extLst>
+          </p:cNvPr>
+          <p:cNvSpPr txBox="1"/>
+          <p:nvPr/>
+        </p:nvSpPr>
+        <p:spPr>
+          <a:xfrm>
+            <a:off x="6934942" y="5415930"/>
+            <a:ext cx="380232" cy="276999"/>
+          </a:xfrm>
+          <a:prstGeom prst="rect">
+            <a:avLst/>
+          </a:prstGeom>
+          <a:noFill/>
+        </p:spPr>
+        <p:txBody>
+          <a:bodyPr wrap="none" rtlCol="0">
+            <a:spAutoFit/>
+          </a:bodyPr>
+          <a:lstStyle/>
+          <a:p>
+            <a:r>
+              <a:rPr lang="en-US" sz="1200" dirty="0">
+                <a:solidFill>
+                  <a:schemeClr val="accent6"/>
+                </a:solidFill>
+              </a:rPr>
+              <a:t>.07</a:t>
+            </a:r>
+          </a:p>
+        </p:txBody>
+      </p:sp>
+      <p:sp>
+        <p:nvSpPr>
+          <p:cNvPr id="79" name="TextBox 78">
+            <a:extLst>
+              <a:ext uri="{FF2B5EF4-FFF2-40B4-BE49-F238E27FC236}">
+                <a16:creationId xmlns:a16="http://schemas.microsoft.com/office/drawing/2014/main" id="{02800D6E-C02F-9242-BCBC-84CE052F9B13}"/>
+              </a:ext>
+            </a:extLst>
+          </p:cNvPr>
+          <p:cNvSpPr txBox="1"/>
+          <p:nvPr/>
+        </p:nvSpPr>
+        <p:spPr>
+          <a:xfrm>
+            <a:off x="6714337" y="5881222"/>
+            <a:ext cx="380232" cy="276999"/>
+          </a:xfrm>
+          <a:prstGeom prst="rect">
+            <a:avLst/>
+          </a:prstGeom>
+          <a:noFill/>
+        </p:spPr>
+        <p:txBody>
+          <a:bodyPr wrap="none" rtlCol="0">
+            <a:spAutoFit/>
+          </a:bodyPr>
+          <a:lstStyle/>
+          <a:p>
+            <a:r>
+              <a:rPr lang="en-US" sz="1200" dirty="0">
+                <a:solidFill>
+                  <a:schemeClr val="accent6"/>
+                </a:solidFill>
+              </a:rPr>
+              <a:t>.66</a:t>
+            </a:r>
+          </a:p>
+        </p:txBody>
+      </p:sp>
+      <p:sp>
+        <p:nvSpPr>
+          <p:cNvPr id="80" name="TextBox 79">
+            <a:extLst>
+              <a:ext uri="{FF2B5EF4-FFF2-40B4-BE49-F238E27FC236}">
+                <a16:creationId xmlns:a16="http://schemas.microsoft.com/office/drawing/2014/main" id="{98EB3F2C-8E17-AA48-BBCC-F2EBC86F96F1}"/>
+              </a:ext>
+            </a:extLst>
+          </p:cNvPr>
+          <p:cNvSpPr txBox="1"/>
+          <p:nvPr/>
+        </p:nvSpPr>
+        <p:spPr>
+          <a:xfrm>
+            <a:off x="6607075" y="5138836"/>
+            <a:ext cx="380232" cy="276999"/>
+          </a:xfrm>
+          <a:prstGeom prst="rect">
+            <a:avLst/>
+          </a:prstGeom>
+          <a:noFill/>
+        </p:spPr>
+        <p:txBody>
+          <a:bodyPr wrap="none" rtlCol="0">
+            <a:spAutoFit/>
+          </a:bodyPr>
+          <a:lstStyle/>
+          <a:p>
+            <a:r>
+              <a:rPr lang="en-US" sz="1200" dirty="0">
+                <a:solidFill>
+                  <a:schemeClr val="accent6"/>
+                </a:solidFill>
+              </a:rPr>
+              <a:t>.00</a:t>
+            </a:r>
+          </a:p>
+        </p:txBody>
+      </p:sp>
+      <p:sp>
+        <p:nvSpPr>
+          <p:cNvPr id="53" name="TextBox 52">
+            <a:extLst>
+              <a:ext uri="{FF2B5EF4-FFF2-40B4-BE49-F238E27FC236}">
+                <a16:creationId xmlns:a16="http://schemas.microsoft.com/office/drawing/2014/main" id="{8BC44BF1-2439-AC4F-9E2C-0F3101FF9203}"/>
+              </a:ext>
+            </a:extLst>
+          </p:cNvPr>
+          <p:cNvSpPr txBox="1"/>
+          <p:nvPr/>
+        </p:nvSpPr>
+        <p:spPr>
+          <a:xfrm>
+            <a:off x="9966916" y="4522428"/>
+            <a:ext cx="380232" cy="276999"/>
+          </a:xfrm>
+          <a:prstGeom prst="rect">
+            <a:avLst/>
+          </a:prstGeom>
+          <a:noFill/>
+        </p:spPr>
+        <p:txBody>
+          <a:bodyPr wrap="none" rtlCol="0">
+            <a:spAutoFit/>
+          </a:bodyPr>
+          <a:lstStyle/>
+          <a:p>
+            <a:r>
+              <a:rPr lang="en-US" sz="1200" dirty="0"/>
+              <a:t>.08</a:t>
+            </a:r>
+            <a:endParaRPr lang="en-US" dirty="0"/>
+          </a:p>
+        </p:txBody>
+      </p:sp>
+      <p:sp>
+        <p:nvSpPr>
+          <p:cNvPr id="54" name="TextBox 53">
+            <a:extLst>
+              <a:ext uri="{FF2B5EF4-FFF2-40B4-BE49-F238E27FC236}">
+                <a16:creationId xmlns:a16="http://schemas.microsoft.com/office/drawing/2014/main" id="{CD89DFD3-5243-4047-A1C6-77DC2A50B2CB}"/>
+              </a:ext>
+            </a:extLst>
+          </p:cNvPr>
+          <p:cNvSpPr txBox="1"/>
+          <p:nvPr/>
+        </p:nvSpPr>
+        <p:spPr>
+          <a:xfrm>
+            <a:off x="9990481" y="2081654"/>
+            <a:ext cx="426720" cy="276999"/>
+          </a:xfrm>
+          <a:prstGeom prst="rect">
+            <a:avLst/>
+          </a:prstGeom>
+          <a:noFill/>
+        </p:spPr>
+        <p:txBody>
+          <a:bodyPr wrap="none" rtlCol="0">
+            <a:spAutoFit/>
+          </a:bodyPr>
+          <a:lstStyle/>
+          <a:p>
+            <a:r>
+              <a:rPr lang="en-US" sz="1200" dirty="0"/>
+              <a:t>-.09</a:t>
+            </a:r>
+            <a:endParaRPr lang="en-US" dirty="0"/>
+          </a:p>
+        </p:txBody>
+      </p:sp>
+      <p:sp>
+        <p:nvSpPr>
+          <p:cNvPr id="56" name="TextBox 55">
+            <a:extLst>
+              <a:ext uri="{FF2B5EF4-FFF2-40B4-BE49-F238E27FC236}">
+                <a16:creationId xmlns:a16="http://schemas.microsoft.com/office/drawing/2014/main" id="{CE832917-C1B9-0E4F-96D8-DE1164007A0A}"/>
+              </a:ext>
+            </a:extLst>
+          </p:cNvPr>
+          <p:cNvSpPr txBox="1"/>
+          <p:nvPr/>
+        </p:nvSpPr>
+        <p:spPr>
+          <a:xfrm>
+            <a:off x="1868415" y="4522427"/>
+            <a:ext cx="380232" cy="276999"/>
+          </a:xfrm>
+          <a:prstGeom prst="rect">
+            <a:avLst/>
+          </a:prstGeom>
+          <a:noFill/>
+        </p:spPr>
+        <p:txBody>
+          <a:bodyPr wrap="none" rtlCol="0">
+            <a:spAutoFit/>
+          </a:bodyPr>
+          <a:lstStyle/>
+          <a:p>
+            <a:r>
+              <a:rPr lang="en-US" sz="1200" dirty="0"/>
+              <a:t>.53</a:t>
+            </a:r>
+            <a:endParaRPr lang="en-US" dirty="0"/>
+          </a:p>
+        </p:txBody>
+      </p:sp>
+      <p:sp>
+        <p:nvSpPr>
+          <p:cNvPr id="58" name="TextBox 57">
+            <a:extLst>
+              <a:ext uri="{FF2B5EF4-FFF2-40B4-BE49-F238E27FC236}">
+                <a16:creationId xmlns:a16="http://schemas.microsoft.com/office/drawing/2014/main" id="{8FA9D81F-E017-9643-97B5-71ADB3343A39}"/>
+              </a:ext>
+            </a:extLst>
+          </p:cNvPr>
+          <p:cNvSpPr txBox="1"/>
+          <p:nvPr/>
+        </p:nvSpPr>
+        <p:spPr>
+          <a:xfrm>
+            <a:off x="1874583" y="2030788"/>
+            <a:ext cx="454152" cy="276999"/>
+          </a:xfrm>
+          <a:prstGeom prst="rect">
+            <a:avLst/>
+          </a:prstGeom>
+          <a:noFill/>
+        </p:spPr>
+        <p:txBody>
+          <a:bodyPr wrap="square" rtlCol="0">
+            <a:spAutoFit/>
+          </a:bodyPr>
+          <a:lstStyle/>
+          <a:p>
+            <a:r>
+              <a:rPr lang="en-US" sz="1200" dirty="0"/>
+              <a:t>-.30</a:t>
+            </a:r>
+            <a:endParaRPr lang="en-US" dirty="0"/>
+          </a:p>
+        </p:txBody>
+      </p:sp>
+      <p:sp>
+        <p:nvSpPr>
+          <p:cNvPr id="60" name="TextBox 59">
+            <a:extLst>
+              <a:ext uri="{FF2B5EF4-FFF2-40B4-BE49-F238E27FC236}">
+                <a16:creationId xmlns:a16="http://schemas.microsoft.com/office/drawing/2014/main" id="{8C0C42C1-4124-6447-84AD-B674A8F81D63}"/>
+              </a:ext>
+            </a:extLst>
+          </p:cNvPr>
+          <p:cNvSpPr txBox="1"/>
+          <p:nvPr/>
+        </p:nvSpPr>
+        <p:spPr>
+          <a:xfrm>
+            <a:off x="680704" y="3290499"/>
+            <a:ext cx="454152" cy="276999"/>
+          </a:xfrm>
+          <a:prstGeom prst="rect">
+            <a:avLst/>
+          </a:prstGeom>
+          <a:noFill/>
+        </p:spPr>
+        <p:txBody>
+          <a:bodyPr wrap="square" rtlCol="0">
+            <a:spAutoFit/>
+          </a:bodyPr>
+          <a:lstStyle/>
+          <a:p>
+            <a:r>
+              <a:rPr lang="en-US" sz="1200" dirty="0"/>
+              <a:t>-.23</a:t>
+            </a:r>
+            <a:endParaRPr lang="en-US" dirty="0"/>
+          </a:p>
+        </p:txBody>
+      </p:sp>
+    </p:spTree>
+    <p:extLst>
+      <p:ext uri="{BB962C8B-B14F-4D97-AF65-F5344CB8AC3E}">
+        <p14:creationId xmlns:p14="http://schemas.microsoft.com/office/powerpoint/2010/main" val="3990962862"/>
+      </p:ext>
+    </p:extLst>
+  </p:cSld>
+  <p:clrMapOvr>
+    <a:masterClrMapping/>
+  </p:clrMapOvr>
+</p:sld>
+</file>
+
+<file path=ppt/slides/slide6.xml><?xml version="1.0" encoding="utf-8"?>
+<p:sld xmlns:a="http://schemas.openxmlformats.org/drawingml/2006/main" xmlns:r="http://schemas.openxmlformats.org/officeDocument/2006/relationships" xmlns:p="http://schemas.openxmlformats.org/presentationml/2006/main">
+  <p:cSld>
+    <p:spTree>
+      <p:nvGrpSpPr>
+        <p:cNvPr id="1" name=""/>
+        <p:cNvGrpSpPr/>
+        <p:nvPr/>
+      </p:nvGrpSpPr>
+      <p:grpSpPr>
+        <a:xfrm>
+          <a:off x="0" y="0"/>
+          <a:ext cx="0" cy="0"/>
+          <a:chOff x="0" y="0"/>
+          <a:chExt cx="0" cy="0"/>
+        </a:xfrm>
+      </p:grpSpPr>
+      <p:sp>
+        <p:nvSpPr>
+          <p:cNvPr id="4" name="TextBox 3">
+            <a:extLst>
+              <a:ext uri="{FF2B5EF4-FFF2-40B4-BE49-F238E27FC236}">
+                <a16:creationId xmlns:a16="http://schemas.microsoft.com/office/drawing/2014/main" id="{EAFEA5CA-93B3-CB44-A80F-AA5C828EA483}"/>
+              </a:ext>
+            </a:extLst>
+          </p:cNvPr>
+          <p:cNvSpPr txBox="1"/>
+          <p:nvPr/>
+        </p:nvSpPr>
+        <p:spPr>
+          <a:xfrm>
+            <a:off x="2151487" y="688143"/>
+            <a:ext cx="1024704" cy="646331"/>
+          </a:xfrm>
+          <a:prstGeom prst="rect">
+            <a:avLst/>
+          </a:prstGeom>
+          <a:ln w="57150"/>
+        </p:spPr>
+        <p:style>
+          <a:lnRef idx="2">
+            <a:schemeClr val="accent1"/>
+          </a:lnRef>
+          <a:fillRef idx="1">
+            <a:schemeClr val="lt1"/>
+          </a:fillRef>
+          <a:effectRef idx="0">
+            <a:schemeClr val="accent1"/>
+          </a:effectRef>
+          <a:fontRef idx="minor">
+            <a:schemeClr val="dk1"/>
+          </a:fontRef>
+        </p:style>
+        <p:txBody>
+          <a:bodyPr wrap="none" rtlCol="0">
+            <a:spAutoFit/>
+          </a:bodyPr>
+          <a:lstStyle/>
+          <a:p>
+            <a:pPr algn="ctr"/>
+            <a:r>
+              <a:rPr lang="en-US" dirty="0"/>
+              <a:t>Material</a:t>
+            </a:r>
+          </a:p>
+          <a:p>
+            <a:pPr algn="ctr"/>
+            <a:r>
+              <a:rPr lang="en-US" dirty="0"/>
+              <a:t>Hardship</a:t>
+            </a:r>
+          </a:p>
+        </p:txBody>
+      </p:sp>
+      <p:sp>
+        <p:nvSpPr>
+          <p:cNvPr id="7" name="TextBox 6">
+            <a:extLst>
+              <a:ext uri="{FF2B5EF4-FFF2-40B4-BE49-F238E27FC236}">
+                <a16:creationId xmlns:a16="http://schemas.microsoft.com/office/drawing/2014/main" id="{7FCE5B20-D7FC-B84E-AF86-DFFC6A8077BA}"/>
+              </a:ext>
+            </a:extLst>
+          </p:cNvPr>
+          <p:cNvSpPr txBox="1"/>
+          <p:nvPr/>
+        </p:nvSpPr>
+        <p:spPr>
+          <a:xfrm>
+            <a:off x="5593625" y="688143"/>
+            <a:ext cx="1024704" cy="646331"/>
+          </a:xfrm>
+          <a:prstGeom prst="rect">
+            <a:avLst/>
+          </a:prstGeom>
+        </p:spPr>
+        <p:style>
+          <a:lnRef idx="2">
+            <a:schemeClr val="accent1"/>
+          </a:lnRef>
+          <a:fillRef idx="1">
+            <a:schemeClr val="lt1"/>
+          </a:fillRef>
+          <a:effectRef idx="0">
+            <a:schemeClr val="accent1"/>
+          </a:effectRef>
+          <a:fontRef idx="minor">
+            <a:schemeClr val="dk1"/>
+          </a:fontRef>
+        </p:style>
+        <p:txBody>
+          <a:bodyPr wrap="none" rtlCol="0">
+            <a:spAutoFit/>
+          </a:bodyPr>
+          <a:lstStyle/>
+          <a:p>
+            <a:pPr algn="ctr"/>
+            <a:r>
+              <a:rPr lang="en-US" dirty="0"/>
+              <a:t>Material</a:t>
+            </a:r>
+          </a:p>
+          <a:p>
+            <a:pPr algn="ctr"/>
+            <a:r>
+              <a:rPr lang="en-US" dirty="0"/>
+              <a:t>Hardship</a:t>
+            </a:r>
+          </a:p>
+        </p:txBody>
+      </p:sp>
+      <p:sp>
+        <p:nvSpPr>
+          <p:cNvPr id="8" name="TextBox 7">
+            <a:extLst>
+              <a:ext uri="{FF2B5EF4-FFF2-40B4-BE49-F238E27FC236}">
+                <a16:creationId xmlns:a16="http://schemas.microsoft.com/office/drawing/2014/main" id="{511F5D54-F30B-1941-8CFE-2F2D3B42EF63}"/>
+              </a:ext>
+            </a:extLst>
+          </p:cNvPr>
+          <p:cNvSpPr txBox="1"/>
+          <p:nvPr/>
+        </p:nvSpPr>
+        <p:spPr>
+          <a:xfrm>
+            <a:off x="5520624" y="3105834"/>
+            <a:ext cx="1123577" cy="646331"/>
+          </a:xfrm>
+          <a:prstGeom prst="rect">
+            <a:avLst/>
+          </a:prstGeom>
+        </p:spPr>
+        <p:style>
+          <a:lnRef idx="2">
+            <a:schemeClr val="accent2"/>
+          </a:lnRef>
+          <a:fillRef idx="1">
+            <a:schemeClr val="lt1"/>
+          </a:fillRef>
+          <a:effectRef idx="0">
+            <a:schemeClr val="accent2"/>
+          </a:effectRef>
+          <a:fontRef idx="minor">
+            <a:schemeClr val="dk1"/>
+          </a:fontRef>
+        </p:style>
+        <p:txBody>
+          <a:bodyPr wrap="none" rtlCol="0">
+            <a:spAutoFit/>
+          </a:bodyPr>
+          <a:lstStyle/>
+          <a:p>
+            <a:pPr algn="ctr"/>
+            <a:r>
+              <a:rPr lang="en-US" dirty="0"/>
+              <a:t>Caregiver </a:t>
+            </a:r>
+          </a:p>
+          <a:p>
+            <a:pPr algn="ctr"/>
+            <a:r>
+              <a:rPr lang="en-US" dirty="0"/>
+              <a:t>Wellbeing</a:t>
+            </a:r>
+          </a:p>
+        </p:txBody>
+      </p:sp>
+      <p:sp>
+        <p:nvSpPr>
+          <p:cNvPr id="9" name="TextBox 8">
+            <a:extLst>
+              <a:ext uri="{FF2B5EF4-FFF2-40B4-BE49-F238E27FC236}">
+                <a16:creationId xmlns:a16="http://schemas.microsoft.com/office/drawing/2014/main" id="{DD4A1177-2045-1147-9107-3D770AB99E7E}"/>
+              </a:ext>
+            </a:extLst>
+          </p:cNvPr>
+          <p:cNvSpPr txBox="1"/>
+          <p:nvPr/>
+        </p:nvSpPr>
+        <p:spPr>
+          <a:xfrm>
+            <a:off x="5520625" y="5523525"/>
+            <a:ext cx="1123577" cy="646331"/>
+          </a:xfrm>
+          <a:prstGeom prst="rect">
+            <a:avLst/>
+          </a:prstGeom>
+        </p:spPr>
+        <p:style>
+          <a:lnRef idx="2">
+            <a:schemeClr val="accent6"/>
+          </a:lnRef>
+          <a:fillRef idx="1">
+            <a:schemeClr val="lt1"/>
+          </a:fillRef>
+          <a:effectRef idx="0">
+            <a:schemeClr val="accent6"/>
+          </a:effectRef>
+          <a:fontRef idx="minor">
+            <a:schemeClr val="dk1"/>
+          </a:fontRef>
+        </p:style>
+        <p:txBody>
+          <a:bodyPr wrap="none" rtlCol="0">
+            <a:spAutoFit/>
+          </a:bodyPr>
+          <a:lstStyle/>
+          <a:p>
+            <a:pPr algn="ctr"/>
+            <a:r>
+              <a:rPr lang="en-US" dirty="0"/>
+              <a:t>Child </a:t>
+            </a:r>
+          </a:p>
+          <a:p>
+            <a:pPr algn="ctr"/>
+            <a:r>
+              <a:rPr lang="en-US" dirty="0"/>
+              <a:t>Wellbeing</a:t>
+            </a:r>
+          </a:p>
+        </p:txBody>
+      </p:sp>
+      <p:sp>
+        <p:nvSpPr>
+          <p:cNvPr id="12" name="TextBox 11">
+            <a:extLst>
+              <a:ext uri="{FF2B5EF4-FFF2-40B4-BE49-F238E27FC236}">
+                <a16:creationId xmlns:a16="http://schemas.microsoft.com/office/drawing/2014/main" id="{19CCB03D-FE94-BA4C-BE68-C844545CCE96}"/>
+              </a:ext>
+            </a:extLst>
+          </p:cNvPr>
+          <p:cNvSpPr txBox="1"/>
+          <p:nvPr/>
+        </p:nvSpPr>
+        <p:spPr>
+          <a:xfrm>
+            <a:off x="9009892" y="5523525"/>
+            <a:ext cx="1123577" cy="646331"/>
+          </a:xfrm>
+          <a:prstGeom prst="rect">
+            <a:avLst/>
+          </a:prstGeom>
+          <a:ln w="57150"/>
+        </p:spPr>
+        <p:style>
+          <a:lnRef idx="2">
+            <a:schemeClr val="accent6"/>
+          </a:lnRef>
+          <a:fillRef idx="1">
+            <a:schemeClr val="lt1"/>
+          </a:fillRef>
+          <a:effectRef idx="0">
+            <a:schemeClr val="accent6"/>
+          </a:effectRef>
+          <a:fontRef idx="minor">
+            <a:schemeClr val="dk1"/>
+          </a:fontRef>
+        </p:style>
+        <p:txBody>
+          <a:bodyPr wrap="none" rtlCol="0">
+            <a:spAutoFit/>
+          </a:bodyPr>
+          <a:lstStyle/>
+          <a:p>
+            <a:pPr algn="ctr"/>
+            <a:r>
+              <a:rPr lang="en-US" dirty="0"/>
+              <a:t>Child </a:t>
+            </a:r>
+          </a:p>
+          <a:p>
+            <a:pPr algn="ctr"/>
+            <a:r>
+              <a:rPr lang="en-US" dirty="0"/>
+              <a:t>Wellbeing</a:t>
+            </a:r>
+          </a:p>
+        </p:txBody>
+      </p:sp>
+      <p:cxnSp>
+        <p:nvCxnSpPr>
+          <p:cNvPr id="14" name="Straight Arrow Connector 13">
+            <a:extLst>
+              <a:ext uri="{FF2B5EF4-FFF2-40B4-BE49-F238E27FC236}">
+                <a16:creationId xmlns:a16="http://schemas.microsoft.com/office/drawing/2014/main" id="{1298F7BA-A180-9B44-AB46-1F09C6559EEE}"/>
+              </a:ext>
+            </a:extLst>
+          </p:cNvPr>
+          <p:cNvCxnSpPr>
+            <a:stCxn id="4" idx="3"/>
+            <a:endCxn id="7" idx="1"/>
+          </p:cNvCxnSpPr>
+          <p:nvPr/>
+        </p:nvCxnSpPr>
+        <p:spPr>
+          <a:xfrm>
+            <a:off x="3176191" y="1011309"/>
+            <a:ext cx="2417434" cy="0"/>
+          </a:xfrm>
+          <a:prstGeom prst="straightConnector1">
+            <a:avLst/>
+          </a:prstGeom>
+          <a:ln>
+            <a:tailEnd type="triangle"/>
+          </a:ln>
+        </p:spPr>
+        <p:style>
+          <a:lnRef idx="1">
+            <a:schemeClr val="accent1"/>
+          </a:lnRef>
+          <a:fillRef idx="0">
+            <a:schemeClr val="accent1"/>
+          </a:fillRef>
+          <a:effectRef idx="0">
+            <a:schemeClr val="accent1"/>
+          </a:effectRef>
+          <a:fontRef idx="minor">
+            <a:schemeClr val="tx1"/>
+          </a:fontRef>
+        </p:style>
+      </p:cxnSp>
+      <p:cxnSp>
+        <p:nvCxnSpPr>
+          <p:cNvPr id="18" name="Straight Arrow Connector 17">
+            <a:extLst>
+              <a:ext uri="{FF2B5EF4-FFF2-40B4-BE49-F238E27FC236}">
+                <a16:creationId xmlns:a16="http://schemas.microsoft.com/office/drawing/2014/main" id="{4FAC1945-C0EA-1E46-BF15-BDF5657C58E3}"/>
+              </a:ext>
+            </a:extLst>
+          </p:cNvPr>
+          <p:cNvCxnSpPr>
+            <a:stCxn id="4" idx="3"/>
+            <a:endCxn id="8" idx="1"/>
+          </p:cNvCxnSpPr>
+          <p:nvPr/>
+        </p:nvCxnSpPr>
+        <p:spPr>
+          <a:xfrm>
+            <a:off x="3176191" y="1011309"/>
+            <a:ext cx="2344433" cy="2417691"/>
+          </a:xfrm>
+          <a:prstGeom prst="straightConnector1">
+            <a:avLst/>
+          </a:prstGeom>
+          <a:ln>
+            <a:tailEnd type="triangle"/>
+          </a:ln>
+        </p:spPr>
+        <p:style>
+          <a:lnRef idx="1">
+            <a:schemeClr val="accent1"/>
+          </a:lnRef>
+          <a:fillRef idx="0">
+            <a:schemeClr val="accent1"/>
+          </a:fillRef>
+          <a:effectRef idx="0">
+            <a:schemeClr val="accent1"/>
+          </a:effectRef>
+          <a:fontRef idx="minor">
+            <a:schemeClr val="tx1"/>
+          </a:fontRef>
+        </p:style>
+      </p:cxnSp>
+      <p:cxnSp>
+        <p:nvCxnSpPr>
+          <p:cNvPr id="20" name="Straight Arrow Connector 19">
+            <a:extLst>
+              <a:ext uri="{FF2B5EF4-FFF2-40B4-BE49-F238E27FC236}">
+                <a16:creationId xmlns:a16="http://schemas.microsoft.com/office/drawing/2014/main" id="{41E5BBC7-C524-8D4E-AA3B-6B7F06EA6E36}"/>
+              </a:ext>
+            </a:extLst>
+          </p:cNvPr>
+          <p:cNvCxnSpPr>
+            <a:stCxn id="4" idx="3"/>
+            <a:endCxn id="9" idx="1"/>
+          </p:cNvCxnSpPr>
+          <p:nvPr/>
+        </p:nvCxnSpPr>
+        <p:spPr>
+          <a:xfrm>
+            <a:off x="3176191" y="1011309"/>
+            <a:ext cx="2344434" cy="4835382"/>
+          </a:xfrm>
+          <a:prstGeom prst="straightConnector1">
+            <a:avLst/>
+          </a:prstGeom>
+          <a:ln>
+            <a:tailEnd type="triangle"/>
+          </a:ln>
+        </p:spPr>
+        <p:style>
+          <a:lnRef idx="1">
+            <a:schemeClr val="accent1"/>
+          </a:lnRef>
+          <a:fillRef idx="0">
+            <a:schemeClr val="accent1"/>
+          </a:fillRef>
+          <a:effectRef idx="0">
+            <a:schemeClr val="accent1"/>
+          </a:effectRef>
+          <a:fontRef idx="minor">
+            <a:schemeClr val="tx1"/>
+          </a:fontRef>
+        </p:style>
+      </p:cxnSp>
+      <p:cxnSp>
+        <p:nvCxnSpPr>
+          <p:cNvPr id="24" name="Straight Arrow Connector 23">
+            <a:extLst>
+              <a:ext uri="{FF2B5EF4-FFF2-40B4-BE49-F238E27FC236}">
+                <a16:creationId xmlns:a16="http://schemas.microsoft.com/office/drawing/2014/main" id="{A21BC943-CD84-0948-9948-137D0F7D7160}"/>
+              </a:ext>
+            </a:extLst>
+          </p:cNvPr>
+          <p:cNvCxnSpPr>
+            <a:stCxn id="7" idx="3"/>
+            <a:endCxn id="12" idx="1"/>
+          </p:cNvCxnSpPr>
+          <p:nvPr/>
+        </p:nvCxnSpPr>
+        <p:spPr>
+          <a:xfrm>
+            <a:off x="6618329" y="1011309"/>
+            <a:ext cx="2391563" cy="4835382"/>
+          </a:xfrm>
+          <a:prstGeom prst="straightConnector1">
+            <a:avLst/>
+          </a:prstGeom>
+          <a:ln>
             <a:tailEnd type="triangle"/>
           </a:ln>
         </p:spPr>
@@ -12699,6 +14785,1894 @@
     <p:extLst>
       <p:ext uri="{BB962C8B-B14F-4D97-AF65-F5344CB8AC3E}">
         <p14:creationId xmlns:p14="http://schemas.microsoft.com/office/powerpoint/2010/main" val="2691653215"/>
+      </p:ext>
+    </p:extLst>
+  </p:cSld>
+  <p:clrMapOvr>
+    <a:masterClrMapping/>
+  </p:clrMapOvr>
+</p:sld>
+</file>
+
+<file path=ppt/slides/slide7.xml><?xml version="1.0" encoding="utf-8"?>
+<p:sld xmlns:a="http://schemas.openxmlformats.org/drawingml/2006/main" xmlns:r="http://schemas.openxmlformats.org/officeDocument/2006/relationships" xmlns:p="http://schemas.openxmlformats.org/presentationml/2006/main">
+  <p:cSld>
+    <p:spTree>
+      <p:nvGrpSpPr>
+        <p:cNvPr id="1" name=""/>
+        <p:cNvGrpSpPr/>
+        <p:nvPr/>
+      </p:nvGrpSpPr>
+      <p:grpSpPr>
+        <a:xfrm>
+          <a:off x="0" y="0"/>
+          <a:ext cx="0" cy="0"/>
+          <a:chOff x="0" y="0"/>
+          <a:chExt cx="0" cy="0"/>
+        </a:xfrm>
+      </p:grpSpPr>
+      <p:sp>
+        <p:nvSpPr>
+          <p:cNvPr id="4" name="TextBox 3">
+            <a:extLst>
+              <a:ext uri="{FF2B5EF4-FFF2-40B4-BE49-F238E27FC236}">
+                <a16:creationId xmlns:a16="http://schemas.microsoft.com/office/drawing/2014/main" id="{EAFEA5CA-93B3-CB44-A80F-AA5C828EA483}"/>
+              </a:ext>
+            </a:extLst>
+          </p:cNvPr>
+          <p:cNvSpPr txBox="1"/>
+          <p:nvPr/>
+        </p:nvSpPr>
+        <p:spPr>
+          <a:xfrm>
+            <a:off x="407342" y="2490952"/>
+            <a:ext cx="713034" cy="369332"/>
+          </a:xfrm>
+          <a:prstGeom prst="rect">
+            <a:avLst/>
+          </a:prstGeom>
+          <a:ln w="57150"/>
+        </p:spPr>
+        <p:style>
+          <a:lnRef idx="2">
+            <a:schemeClr val="accent1"/>
+          </a:lnRef>
+          <a:fillRef idx="1">
+            <a:schemeClr val="lt1"/>
+          </a:fillRef>
+          <a:effectRef idx="0">
+            <a:schemeClr val="accent1"/>
+          </a:effectRef>
+          <a:fontRef idx="minor">
+            <a:schemeClr val="dk1"/>
+          </a:fontRef>
+        </p:style>
+        <p:txBody>
+          <a:bodyPr wrap="square" rtlCol="0">
+            <a:spAutoFit/>
+          </a:bodyPr>
+          <a:lstStyle/>
+          <a:p>
+            <a:pPr algn="ctr"/>
+            <a:r>
+              <a:rPr lang="en-US" sz="900" dirty="0"/>
+              <a:t>Material Hardship</a:t>
+            </a:r>
+          </a:p>
+        </p:txBody>
+      </p:sp>
+      <p:sp>
+        <p:nvSpPr>
+          <p:cNvPr id="7" name="TextBox 6">
+            <a:extLst>
+              <a:ext uri="{FF2B5EF4-FFF2-40B4-BE49-F238E27FC236}">
+                <a16:creationId xmlns:a16="http://schemas.microsoft.com/office/drawing/2014/main" id="{7FCE5B20-D7FC-B84E-AF86-DFFC6A8077BA}"/>
+              </a:ext>
+            </a:extLst>
+          </p:cNvPr>
+          <p:cNvSpPr txBox="1"/>
+          <p:nvPr/>
+        </p:nvSpPr>
+        <p:spPr>
+          <a:xfrm>
+            <a:off x="2503824" y="2490952"/>
+            <a:ext cx="713034" cy="369332"/>
+          </a:xfrm>
+          <a:prstGeom prst="rect">
+            <a:avLst/>
+          </a:prstGeom>
+        </p:spPr>
+        <p:style>
+          <a:lnRef idx="2">
+            <a:schemeClr val="accent1"/>
+          </a:lnRef>
+          <a:fillRef idx="1">
+            <a:schemeClr val="lt1"/>
+          </a:fillRef>
+          <a:effectRef idx="0">
+            <a:schemeClr val="accent1"/>
+          </a:effectRef>
+          <a:fontRef idx="minor">
+            <a:schemeClr val="dk1"/>
+          </a:fontRef>
+        </p:style>
+        <p:txBody>
+          <a:bodyPr wrap="square" rtlCol="0">
+            <a:spAutoFit/>
+          </a:bodyPr>
+          <a:lstStyle/>
+          <a:p>
+            <a:pPr algn="ctr"/>
+            <a:r>
+              <a:rPr lang="en-US" sz="900" dirty="0"/>
+              <a:t>Material Hardship</a:t>
+            </a:r>
+          </a:p>
+        </p:txBody>
+      </p:sp>
+      <p:sp>
+        <p:nvSpPr>
+          <p:cNvPr id="8" name="TextBox 7">
+            <a:extLst>
+              <a:ext uri="{FF2B5EF4-FFF2-40B4-BE49-F238E27FC236}">
+                <a16:creationId xmlns:a16="http://schemas.microsoft.com/office/drawing/2014/main" id="{511F5D54-F30B-1941-8CFE-2F2D3B42EF63}"/>
+              </a:ext>
+            </a:extLst>
+          </p:cNvPr>
+          <p:cNvSpPr txBox="1"/>
+          <p:nvPr/>
+        </p:nvSpPr>
+        <p:spPr>
+          <a:xfrm>
+            <a:off x="2503823" y="4105047"/>
+            <a:ext cx="684330" cy="369332"/>
+          </a:xfrm>
+          <a:prstGeom prst="rect">
+            <a:avLst/>
+          </a:prstGeom>
+        </p:spPr>
+        <p:style>
+          <a:lnRef idx="2">
+            <a:schemeClr val="accent2"/>
+          </a:lnRef>
+          <a:fillRef idx="1">
+            <a:schemeClr val="lt1"/>
+          </a:fillRef>
+          <a:effectRef idx="0">
+            <a:schemeClr val="accent2"/>
+          </a:effectRef>
+          <a:fontRef idx="minor">
+            <a:schemeClr val="dk1"/>
+          </a:fontRef>
+        </p:style>
+        <p:txBody>
+          <a:bodyPr wrap="square" rtlCol="0">
+            <a:spAutoFit/>
+          </a:bodyPr>
+          <a:lstStyle/>
+          <a:p>
+            <a:pPr algn="ctr"/>
+            <a:r>
+              <a:rPr lang="en-US" sz="900" dirty="0"/>
+              <a:t>Caregiver </a:t>
+            </a:r>
+          </a:p>
+          <a:p>
+            <a:pPr algn="ctr"/>
+            <a:r>
+              <a:rPr lang="en-US" sz="900" dirty="0"/>
+              <a:t>Wellbeing</a:t>
+            </a:r>
+          </a:p>
+        </p:txBody>
+      </p:sp>
+      <p:sp>
+        <p:nvSpPr>
+          <p:cNvPr id="9" name="TextBox 8">
+            <a:extLst>
+              <a:ext uri="{FF2B5EF4-FFF2-40B4-BE49-F238E27FC236}">
+                <a16:creationId xmlns:a16="http://schemas.microsoft.com/office/drawing/2014/main" id="{DD4A1177-2045-1147-9107-3D770AB99E7E}"/>
+              </a:ext>
+            </a:extLst>
+          </p:cNvPr>
+          <p:cNvSpPr txBox="1"/>
+          <p:nvPr/>
+        </p:nvSpPr>
+        <p:spPr>
+          <a:xfrm>
+            <a:off x="2503824" y="5719141"/>
+            <a:ext cx="684330" cy="369332"/>
+          </a:xfrm>
+          <a:prstGeom prst="rect">
+            <a:avLst/>
+          </a:prstGeom>
+        </p:spPr>
+        <p:style>
+          <a:lnRef idx="2">
+            <a:schemeClr val="accent6"/>
+          </a:lnRef>
+          <a:fillRef idx="1">
+            <a:schemeClr val="lt1"/>
+          </a:fillRef>
+          <a:effectRef idx="0">
+            <a:schemeClr val="accent6"/>
+          </a:effectRef>
+          <a:fontRef idx="minor">
+            <a:schemeClr val="dk1"/>
+          </a:fontRef>
+        </p:style>
+        <p:txBody>
+          <a:bodyPr wrap="square" rtlCol="0">
+            <a:spAutoFit/>
+          </a:bodyPr>
+          <a:lstStyle/>
+          <a:p>
+            <a:pPr algn="ctr"/>
+            <a:r>
+              <a:rPr lang="en-US" sz="900" dirty="0"/>
+              <a:t>Child </a:t>
+            </a:r>
+          </a:p>
+          <a:p>
+            <a:pPr algn="ctr"/>
+            <a:r>
+              <a:rPr lang="en-US" sz="900" dirty="0"/>
+              <a:t>Wellbeing</a:t>
+            </a:r>
+          </a:p>
+        </p:txBody>
+      </p:sp>
+      <p:sp>
+        <p:nvSpPr>
+          <p:cNvPr id="12" name="TextBox 11">
+            <a:extLst>
+              <a:ext uri="{FF2B5EF4-FFF2-40B4-BE49-F238E27FC236}">
+                <a16:creationId xmlns:a16="http://schemas.microsoft.com/office/drawing/2014/main" id="{19CCB03D-FE94-BA4C-BE68-C844545CCE96}"/>
+              </a:ext>
+            </a:extLst>
+          </p:cNvPr>
+          <p:cNvSpPr txBox="1"/>
+          <p:nvPr/>
+        </p:nvSpPr>
+        <p:spPr>
+          <a:xfrm>
+            <a:off x="4629010" y="5719141"/>
+            <a:ext cx="684330" cy="369332"/>
+          </a:xfrm>
+          <a:prstGeom prst="rect">
+            <a:avLst/>
+          </a:prstGeom>
+          <a:ln w="57150"/>
+        </p:spPr>
+        <p:style>
+          <a:lnRef idx="2">
+            <a:schemeClr val="accent6"/>
+          </a:lnRef>
+          <a:fillRef idx="1">
+            <a:schemeClr val="lt1"/>
+          </a:fillRef>
+          <a:effectRef idx="0">
+            <a:schemeClr val="accent6"/>
+          </a:effectRef>
+          <a:fontRef idx="minor">
+            <a:schemeClr val="dk1"/>
+          </a:fontRef>
+        </p:style>
+        <p:txBody>
+          <a:bodyPr wrap="square" rtlCol="0">
+            <a:spAutoFit/>
+          </a:bodyPr>
+          <a:lstStyle/>
+          <a:p>
+            <a:pPr algn="ctr"/>
+            <a:r>
+              <a:rPr lang="en-US" sz="900" dirty="0"/>
+              <a:t>Child </a:t>
+            </a:r>
+          </a:p>
+          <a:p>
+            <a:pPr algn="ctr"/>
+            <a:r>
+              <a:rPr lang="en-US" sz="900" dirty="0"/>
+              <a:t>Wellbeing</a:t>
+            </a:r>
+          </a:p>
+        </p:txBody>
+      </p:sp>
+      <p:cxnSp>
+        <p:nvCxnSpPr>
+          <p:cNvPr id="14" name="Straight Arrow Connector 13">
+            <a:extLst>
+              <a:ext uri="{FF2B5EF4-FFF2-40B4-BE49-F238E27FC236}">
+                <a16:creationId xmlns:a16="http://schemas.microsoft.com/office/drawing/2014/main" id="{1298F7BA-A180-9B44-AB46-1F09C6559EEE}"/>
+              </a:ext>
+            </a:extLst>
+          </p:cNvPr>
+          <p:cNvCxnSpPr>
+            <a:stCxn id="4" idx="3"/>
+            <a:endCxn id="7" idx="1"/>
+          </p:cNvCxnSpPr>
+          <p:nvPr/>
+        </p:nvCxnSpPr>
+        <p:spPr>
+          <a:xfrm>
+            <a:off x="1120376" y="2675618"/>
+            <a:ext cx="1383448" cy="0"/>
+          </a:xfrm>
+          <a:prstGeom prst="straightConnector1">
+            <a:avLst/>
+          </a:prstGeom>
+          <a:ln>
+            <a:tailEnd type="triangle"/>
+          </a:ln>
+        </p:spPr>
+        <p:style>
+          <a:lnRef idx="1">
+            <a:schemeClr val="accent1"/>
+          </a:lnRef>
+          <a:fillRef idx="0">
+            <a:schemeClr val="accent1"/>
+          </a:fillRef>
+          <a:effectRef idx="0">
+            <a:schemeClr val="accent1"/>
+          </a:effectRef>
+          <a:fontRef idx="minor">
+            <a:schemeClr val="tx1"/>
+          </a:fontRef>
+        </p:style>
+      </p:cxnSp>
+      <p:cxnSp>
+        <p:nvCxnSpPr>
+          <p:cNvPr id="18" name="Straight Arrow Connector 17">
+            <a:extLst>
+              <a:ext uri="{FF2B5EF4-FFF2-40B4-BE49-F238E27FC236}">
+                <a16:creationId xmlns:a16="http://schemas.microsoft.com/office/drawing/2014/main" id="{4FAC1945-C0EA-1E46-BF15-BDF5657C58E3}"/>
+              </a:ext>
+            </a:extLst>
+          </p:cNvPr>
+          <p:cNvCxnSpPr>
+            <a:stCxn id="4" idx="3"/>
+            <a:endCxn id="8" idx="1"/>
+          </p:cNvCxnSpPr>
+          <p:nvPr/>
+        </p:nvCxnSpPr>
+        <p:spPr>
+          <a:xfrm>
+            <a:off x="1120376" y="2675618"/>
+            <a:ext cx="1383447" cy="1614095"/>
+          </a:xfrm>
+          <a:prstGeom prst="straightConnector1">
+            <a:avLst/>
+          </a:prstGeom>
+          <a:ln>
+            <a:tailEnd type="triangle"/>
+          </a:ln>
+        </p:spPr>
+        <p:style>
+          <a:lnRef idx="1">
+            <a:schemeClr val="accent1"/>
+          </a:lnRef>
+          <a:fillRef idx="0">
+            <a:schemeClr val="accent1"/>
+          </a:fillRef>
+          <a:effectRef idx="0">
+            <a:schemeClr val="accent1"/>
+          </a:effectRef>
+          <a:fontRef idx="minor">
+            <a:schemeClr val="tx1"/>
+          </a:fontRef>
+        </p:style>
+      </p:cxnSp>
+      <p:cxnSp>
+        <p:nvCxnSpPr>
+          <p:cNvPr id="20" name="Straight Arrow Connector 19">
+            <a:extLst>
+              <a:ext uri="{FF2B5EF4-FFF2-40B4-BE49-F238E27FC236}">
+                <a16:creationId xmlns:a16="http://schemas.microsoft.com/office/drawing/2014/main" id="{41E5BBC7-C524-8D4E-AA3B-6B7F06EA6E36}"/>
+              </a:ext>
+            </a:extLst>
+          </p:cNvPr>
+          <p:cNvCxnSpPr>
+            <a:stCxn id="4" idx="3"/>
+            <a:endCxn id="9" idx="1"/>
+          </p:cNvCxnSpPr>
+          <p:nvPr/>
+        </p:nvCxnSpPr>
+        <p:spPr>
+          <a:xfrm>
+            <a:off x="1120376" y="2675618"/>
+            <a:ext cx="1383448" cy="3228189"/>
+          </a:xfrm>
+          <a:prstGeom prst="straightConnector1">
+            <a:avLst/>
+          </a:prstGeom>
+          <a:ln>
+            <a:tailEnd type="triangle"/>
+          </a:ln>
+        </p:spPr>
+        <p:style>
+          <a:lnRef idx="1">
+            <a:schemeClr val="accent1"/>
+          </a:lnRef>
+          <a:fillRef idx="0">
+            <a:schemeClr val="accent1"/>
+          </a:fillRef>
+          <a:effectRef idx="0">
+            <a:schemeClr val="accent1"/>
+          </a:effectRef>
+          <a:fontRef idx="minor">
+            <a:schemeClr val="tx1"/>
+          </a:fontRef>
+        </p:style>
+      </p:cxnSp>
+      <p:cxnSp>
+        <p:nvCxnSpPr>
+          <p:cNvPr id="24" name="Straight Arrow Connector 23">
+            <a:extLst>
+              <a:ext uri="{FF2B5EF4-FFF2-40B4-BE49-F238E27FC236}">
+                <a16:creationId xmlns:a16="http://schemas.microsoft.com/office/drawing/2014/main" id="{A21BC943-CD84-0948-9948-137D0F7D7160}"/>
+              </a:ext>
+            </a:extLst>
+          </p:cNvPr>
+          <p:cNvCxnSpPr>
+            <a:stCxn id="7" idx="3"/>
+            <a:endCxn id="12" idx="1"/>
+          </p:cNvCxnSpPr>
+          <p:nvPr/>
+        </p:nvCxnSpPr>
+        <p:spPr>
+          <a:xfrm>
+            <a:off x="3216858" y="2675618"/>
+            <a:ext cx="1412152" cy="3228189"/>
+          </a:xfrm>
+          <a:prstGeom prst="straightConnector1">
+            <a:avLst/>
+          </a:prstGeom>
+          <a:ln>
+            <a:tailEnd type="triangle"/>
+          </a:ln>
+        </p:spPr>
+        <p:style>
+          <a:lnRef idx="1">
+            <a:schemeClr val="accent1"/>
+          </a:lnRef>
+          <a:fillRef idx="0">
+            <a:schemeClr val="accent1"/>
+          </a:fillRef>
+          <a:effectRef idx="0">
+            <a:schemeClr val="accent1"/>
+          </a:effectRef>
+          <a:fontRef idx="minor">
+            <a:schemeClr val="tx1"/>
+          </a:fontRef>
+        </p:style>
+      </p:cxnSp>
+      <p:cxnSp>
+        <p:nvCxnSpPr>
+          <p:cNvPr id="36" name="Straight Arrow Connector 35">
+            <a:extLst>
+              <a:ext uri="{FF2B5EF4-FFF2-40B4-BE49-F238E27FC236}">
+                <a16:creationId xmlns:a16="http://schemas.microsoft.com/office/drawing/2014/main" id="{E71AFDA3-9358-684E-B9A5-24851942F9BA}"/>
+              </a:ext>
+            </a:extLst>
+          </p:cNvPr>
+          <p:cNvCxnSpPr>
+            <a:stCxn id="8" idx="3"/>
+            <a:endCxn id="12" idx="1"/>
+          </p:cNvCxnSpPr>
+          <p:nvPr/>
+        </p:nvCxnSpPr>
+        <p:spPr>
+          <a:xfrm>
+            <a:off x="3188153" y="4289713"/>
+            <a:ext cx="1440857" cy="1614094"/>
+          </a:xfrm>
+          <a:prstGeom prst="straightConnector1">
+            <a:avLst/>
+          </a:prstGeom>
+          <a:ln>
+            <a:tailEnd type="triangle"/>
+          </a:ln>
+        </p:spPr>
+        <p:style>
+          <a:lnRef idx="1">
+            <a:schemeClr val="accent2"/>
+          </a:lnRef>
+          <a:fillRef idx="0">
+            <a:schemeClr val="accent2"/>
+          </a:fillRef>
+          <a:effectRef idx="0">
+            <a:schemeClr val="accent2"/>
+          </a:effectRef>
+          <a:fontRef idx="minor">
+            <a:schemeClr val="tx1"/>
+          </a:fontRef>
+        </p:style>
+      </p:cxnSp>
+      <p:cxnSp>
+        <p:nvCxnSpPr>
+          <p:cNvPr id="44" name="Straight Arrow Connector 43">
+            <a:extLst>
+              <a:ext uri="{FF2B5EF4-FFF2-40B4-BE49-F238E27FC236}">
+                <a16:creationId xmlns:a16="http://schemas.microsoft.com/office/drawing/2014/main" id="{C3AF7C9B-F6F5-E144-877C-CA60484B62D1}"/>
+              </a:ext>
+            </a:extLst>
+          </p:cNvPr>
+          <p:cNvCxnSpPr>
+            <a:stCxn id="9" idx="3"/>
+            <a:endCxn id="12" idx="1"/>
+          </p:cNvCxnSpPr>
+          <p:nvPr/>
+        </p:nvCxnSpPr>
+        <p:spPr>
+          <a:xfrm>
+            <a:off x="3188154" y="5903807"/>
+            <a:ext cx="1440856" cy="0"/>
+          </a:xfrm>
+          <a:prstGeom prst="straightConnector1">
+            <a:avLst/>
+          </a:prstGeom>
+          <a:ln>
+            <a:tailEnd type="triangle"/>
+          </a:ln>
+        </p:spPr>
+        <p:style>
+          <a:lnRef idx="1">
+            <a:schemeClr val="accent6"/>
+          </a:lnRef>
+          <a:fillRef idx="0">
+            <a:schemeClr val="accent6"/>
+          </a:fillRef>
+          <a:effectRef idx="0">
+            <a:schemeClr val="accent6"/>
+          </a:effectRef>
+          <a:fontRef idx="minor">
+            <a:schemeClr val="tx1"/>
+          </a:fontRef>
+        </p:style>
+      </p:cxnSp>
+      <p:sp>
+        <p:nvSpPr>
+          <p:cNvPr id="63" name="TextBox 62">
+            <a:extLst>
+              <a:ext uri="{FF2B5EF4-FFF2-40B4-BE49-F238E27FC236}">
+                <a16:creationId xmlns:a16="http://schemas.microsoft.com/office/drawing/2014/main" id="{EECD93F2-682C-F84F-B876-93C510A77332}"/>
+              </a:ext>
+            </a:extLst>
+          </p:cNvPr>
+          <p:cNvSpPr txBox="1"/>
+          <p:nvPr/>
+        </p:nvSpPr>
+        <p:spPr>
+          <a:xfrm>
+            <a:off x="1736333" y="2521773"/>
+            <a:ext cx="334692" cy="184666"/>
+          </a:xfrm>
+          <a:prstGeom prst="rect">
+            <a:avLst/>
+          </a:prstGeom>
+          <a:noFill/>
+        </p:spPr>
+        <p:txBody>
+          <a:bodyPr wrap="square" rtlCol="0">
+            <a:spAutoFit/>
+          </a:bodyPr>
+          <a:lstStyle/>
+          <a:p>
+            <a:r>
+              <a:rPr lang="en-US" sz="600" b="1" dirty="0">
+                <a:solidFill>
+                  <a:schemeClr val="accent1"/>
+                </a:solidFill>
+              </a:rPr>
+              <a:t>.79</a:t>
+            </a:r>
+          </a:p>
+        </p:txBody>
+      </p:sp>
+      <p:sp>
+        <p:nvSpPr>
+          <p:cNvPr id="65" name="TextBox 64">
+            <a:extLst>
+              <a:ext uri="{FF2B5EF4-FFF2-40B4-BE49-F238E27FC236}">
+                <a16:creationId xmlns:a16="http://schemas.microsoft.com/office/drawing/2014/main" id="{801F5122-BC51-1349-82D4-FF22A277A2DB}"/>
+              </a:ext>
+            </a:extLst>
+          </p:cNvPr>
+          <p:cNvSpPr txBox="1"/>
+          <p:nvPr/>
+        </p:nvSpPr>
+        <p:spPr>
+          <a:xfrm>
+            <a:off x="1491706" y="3017467"/>
+            <a:ext cx="334692" cy="184666"/>
+          </a:xfrm>
+          <a:prstGeom prst="rect">
+            <a:avLst/>
+          </a:prstGeom>
+          <a:noFill/>
+        </p:spPr>
+        <p:txBody>
+          <a:bodyPr wrap="square" rtlCol="0">
+            <a:spAutoFit/>
+          </a:bodyPr>
+          <a:lstStyle/>
+          <a:p>
+            <a:r>
+              <a:rPr lang="en-US" sz="600" dirty="0">
+                <a:solidFill>
+                  <a:schemeClr val="accent1"/>
+                </a:solidFill>
+              </a:rPr>
+              <a:t>.01</a:t>
+            </a:r>
+          </a:p>
+        </p:txBody>
+      </p:sp>
+      <p:sp>
+        <p:nvSpPr>
+          <p:cNvPr id="66" name="TextBox 65">
+            <a:extLst>
+              <a:ext uri="{FF2B5EF4-FFF2-40B4-BE49-F238E27FC236}">
+                <a16:creationId xmlns:a16="http://schemas.microsoft.com/office/drawing/2014/main" id="{65E6E438-5843-B644-AB4D-03650B59A700}"/>
+              </a:ext>
+            </a:extLst>
+          </p:cNvPr>
+          <p:cNvSpPr txBox="1"/>
+          <p:nvPr/>
+        </p:nvSpPr>
+        <p:spPr>
+          <a:xfrm>
+            <a:off x="1053680" y="3202397"/>
+            <a:ext cx="285114" cy="184666"/>
+          </a:xfrm>
+          <a:prstGeom prst="rect">
+            <a:avLst/>
+          </a:prstGeom>
+          <a:noFill/>
+        </p:spPr>
+        <p:txBody>
+          <a:bodyPr wrap="square" rtlCol="0">
+            <a:spAutoFit/>
+          </a:bodyPr>
+          <a:lstStyle/>
+          <a:p>
+            <a:r>
+              <a:rPr lang="en-US" sz="600" dirty="0">
+                <a:solidFill>
+                  <a:schemeClr val="accent1"/>
+                </a:solidFill>
+              </a:rPr>
+              <a:t>.01</a:t>
+            </a:r>
+          </a:p>
+        </p:txBody>
+      </p:sp>
+      <p:sp>
+        <p:nvSpPr>
+          <p:cNvPr id="68" name="TextBox 67">
+            <a:extLst>
+              <a:ext uri="{FF2B5EF4-FFF2-40B4-BE49-F238E27FC236}">
+                <a16:creationId xmlns:a16="http://schemas.microsoft.com/office/drawing/2014/main" id="{56828EAF-4464-C448-9E3E-6D0F6F2668EE}"/>
+              </a:ext>
+            </a:extLst>
+          </p:cNvPr>
+          <p:cNvSpPr txBox="1"/>
+          <p:nvPr/>
+        </p:nvSpPr>
+        <p:spPr>
+          <a:xfrm>
+            <a:off x="3092028" y="3202397"/>
+            <a:ext cx="336846" cy="184666"/>
+          </a:xfrm>
+          <a:prstGeom prst="rect">
+            <a:avLst/>
+          </a:prstGeom>
+          <a:noFill/>
+        </p:spPr>
+        <p:txBody>
+          <a:bodyPr wrap="square" rtlCol="0">
+            <a:spAutoFit/>
+          </a:bodyPr>
+          <a:lstStyle/>
+          <a:p>
+            <a:r>
+              <a:rPr lang="en-US" sz="600" dirty="0">
+                <a:solidFill>
+                  <a:schemeClr val="accent1"/>
+                </a:solidFill>
+              </a:rPr>
+              <a:t>.01</a:t>
+            </a:r>
+          </a:p>
+        </p:txBody>
+      </p:sp>
+      <p:sp>
+        <p:nvSpPr>
+          <p:cNvPr id="73" name="TextBox 72">
+            <a:extLst>
+              <a:ext uri="{FF2B5EF4-FFF2-40B4-BE49-F238E27FC236}">
+                <a16:creationId xmlns:a16="http://schemas.microsoft.com/office/drawing/2014/main" id="{8DDCA9FD-4E59-0C43-BB13-8185C501FE59}"/>
+              </a:ext>
+            </a:extLst>
+          </p:cNvPr>
+          <p:cNvSpPr txBox="1"/>
+          <p:nvPr/>
+        </p:nvSpPr>
+        <p:spPr>
+          <a:xfrm>
+            <a:off x="3159448" y="4513434"/>
+            <a:ext cx="280553" cy="184666"/>
+          </a:xfrm>
+          <a:prstGeom prst="rect">
+            <a:avLst/>
+          </a:prstGeom>
+          <a:noFill/>
+        </p:spPr>
+        <p:txBody>
+          <a:bodyPr wrap="square" rtlCol="0">
+            <a:spAutoFit/>
+          </a:bodyPr>
+          <a:lstStyle/>
+          <a:p>
+            <a:r>
+              <a:rPr lang="en-US" sz="600" dirty="0">
+                <a:solidFill>
+                  <a:schemeClr val="accent2"/>
+                </a:solidFill>
+              </a:rPr>
+              <a:t>.01</a:t>
+            </a:r>
+          </a:p>
+        </p:txBody>
+      </p:sp>
+      <p:sp>
+        <p:nvSpPr>
+          <p:cNvPr id="79" name="TextBox 78">
+            <a:extLst>
+              <a:ext uri="{FF2B5EF4-FFF2-40B4-BE49-F238E27FC236}">
+                <a16:creationId xmlns:a16="http://schemas.microsoft.com/office/drawing/2014/main" id="{02800D6E-C02F-9242-BCBC-84CE052F9B13}"/>
+              </a:ext>
+            </a:extLst>
+          </p:cNvPr>
+          <p:cNvSpPr txBox="1"/>
+          <p:nvPr/>
+        </p:nvSpPr>
+        <p:spPr>
+          <a:xfrm>
+            <a:off x="3230870" y="5957946"/>
+            <a:ext cx="363199" cy="184666"/>
+          </a:xfrm>
+          <a:prstGeom prst="rect">
+            <a:avLst/>
+          </a:prstGeom>
+          <a:noFill/>
+        </p:spPr>
+        <p:txBody>
+          <a:bodyPr wrap="square" rtlCol="0">
+            <a:spAutoFit/>
+          </a:bodyPr>
+          <a:lstStyle/>
+          <a:p>
+            <a:r>
+              <a:rPr lang="en-US" sz="600" b="1" dirty="0">
+                <a:solidFill>
+                  <a:schemeClr val="accent6"/>
+                </a:solidFill>
+              </a:rPr>
+              <a:t>.71</a:t>
+            </a:r>
+          </a:p>
+        </p:txBody>
+      </p:sp>
+      <p:sp>
+        <p:nvSpPr>
+          <p:cNvPr id="2" name="TextBox 1">
+            <a:extLst>
+              <a:ext uri="{FF2B5EF4-FFF2-40B4-BE49-F238E27FC236}">
+                <a16:creationId xmlns:a16="http://schemas.microsoft.com/office/drawing/2014/main" id="{94D4980E-FA94-BC40-9565-88E90CB5E095}"/>
+              </a:ext>
+            </a:extLst>
+          </p:cNvPr>
+          <p:cNvSpPr txBox="1"/>
+          <p:nvPr/>
+        </p:nvSpPr>
+        <p:spPr>
+          <a:xfrm>
+            <a:off x="4116633" y="2521773"/>
+            <a:ext cx="1832222" cy="1061829"/>
+          </a:xfrm>
+          <a:prstGeom prst="rect">
+            <a:avLst/>
+          </a:prstGeom>
+          <a:noFill/>
+        </p:spPr>
+        <p:txBody>
+          <a:bodyPr wrap="square" rtlCol="0">
+            <a:spAutoFit/>
+          </a:bodyPr>
+          <a:lstStyle/>
+          <a:p>
+            <a:r>
+              <a:rPr lang="en-US" sz="900" dirty="0"/>
+              <a:t>TOTAL:</a:t>
+            </a:r>
+          </a:p>
+          <a:p>
+            <a:r>
+              <a:rPr lang="en-US" sz="900" dirty="0"/>
+              <a:t>i1*i3 + i2*c3 + i3*h3</a:t>
+            </a:r>
+          </a:p>
+          <a:p>
+            <a:endParaRPr lang="en-US" sz="900" dirty="0"/>
+          </a:p>
+          <a:p>
+            <a:endParaRPr lang="en-US" sz="900" dirty="0"/>
+          </a:p>
+          <a:p>
+            <a:endParaRPr lang="en-US" sz="900" dirty="0"/>
+          </a:p>
+          <a:p>
+            <a:r>
+              <a:rPr lang="en-US" sz="900" dirty="0"/>
+              <a:t>INDIRECT (through Caregiver):</a:t>
+            </a:r>
+          </a:p>
+          <a:p>
+            <a:r>
+              <a:rPr lang="en-US" sz="900" dirty="0"/>
+              <a:t>i2*c3</a:t>
+            </a:r>
+          </a:p>
+        </p:txBody>
+      </p:sp>
+      <p:sp>
+        <p:nvSpPr>
+          <p:cNvPr id="3" name="TextBox 2">
+            <a:extLst>
+              <a:ext uri="{FF2B5EF4-FFF2-40B4-BE49-F238E27FC236}">
+                <a16:creationId xmlns:a16="http://schemas.microsoft.com/office/drawing/2014/main" id="{283BEA1B-F1B0-7B47-AD98-1C167E2A7E1E}"/>
+              </a:ext>
+            </a:extLst>
+          </p:cNvPr>
+          <p:cNvSpPr txBox="1"/>
+          <p:nvPr/>
+        </p:nvSpPr>
+        <p:spPr>
+          <a:xfrm>
+            <a:off x="4333217" y="3017467"/>
+            <a:ext cx="651408" cy="230832"/>
+          </a:xfrm>
+          <a:prstGeom prst="rect">
+            <a:avLst/>
+          </a:prstGeom>
+          <a:noFill/>
+        </p:spPr>
+        <p:txBody>
+          <a:bodyPr wrap="square" rtlCol="0">
+            <a:spAutoFit/>
+          </a:bodyPr>
+          <a:lstStyle/>
+          <a:p>
+            <a:r>
+              <a:rPr lang="en-US" sz="900" dirty="0">
+                <a:solidFill>
+                  <a:schemeClr val="accent1"/>
+                </a:solidFill>
+              </a:rPr>
+              <a:t>0.10 (ns)</a:t>
+            </a:r>
+          </a:p>
+        </p:txBody>
+      </p:sp>
+      <p:sp>
+        <p:nvSpPr>
+          <p:cNvPr id="56" name="TextBox 55">
+            <a:extLst>
+              <a:ext uri="{FF2B5EF4-FFF2-40B4-BE49-F238E27FC236}">
+                <a16:creationId xmlns:a16="http://schemas.microsoft.com/office/drawing/2014/main" id="{FC1D74B1-094F-B542-AEAE-37DA06364052}"/>
+              </a:ext>
+            </a:extLst>
+          </p:cNvPr>
+          <p:cNvSpPr txBox="1"/>
+          <p:nvPr/>
+        </p:nvSpPr>
+        <p:spPr>
+          <a:xfrm>
+            <a:off x="4332009" y="3938292"/>
+            <a:ext cx="980432" cy="230832"/>
+          </a:xfrm>
+          <a:prstGeom prst="rect">
+            <a:avLst/>
+          </a:prstGeom>
+          <a:noFill/>
+        </p:spPr>
+        <p:txBody>
+          <a:bodyPr wrap="square" rtlCol="0">
+            <a:spAutoFit/>
+          </a:bodyPr>
+          <a:lstStyle/>
+          <a:p>
+            <a:r>
+              <a:rPr lang="en-US" sz="900" dirty="0">
+                <a:solidFill>
+                  <a:schemeClr val="accent1"/>
+                </a:solidFill>
+              </a:rPr>
+              <a:t>-.001 (ns)</a:t>
+            </a:r>
+          </a:p>
+        </p:txBody>
+      </p:sp>
+      <p:sp>
+        <p:nvSpPr>
+          <p:cNvPr id="26" name="TextBox 25">
+            <a:extLst>
+              <a:ext uri="{FF2B5EF4-FFF2-40B4-BE49-F238E27FC236}">
+                <a16:creationId xmlns:a16="http://schemas.microsoft.com/office/drawing/2014/main" id="{EE42FB06-DA14-164A-9ABD-332515D8A3CA}"/>
+              </a:ext>
+            </a:extLst>
+          </p:cNvPr>
+          <p:cNvSpPr txBox="1"/>
+          <p:nvPr/>
+        </p:nvSpPr>
+        <p:spPr>
+          <a:xfrm>
+            <a:off x="6501450" y="2582164"/>
+            <a:ext cx="713034" cy="369332"/>
+          </a:xfrm>
+          <a:prstGeom prst="rect">
+            <a:avLst/>
+          </a:prstGeom>
+          <a:ln w="57150"/>
+        </p:spPr>
+        <p:style>
+          <a:lnRef idx="2">
+            <a:schemeClr val="accent1"/>
+          </a:lnRef>
+          <a:fillRef idx="1">
+            <a:schemeClr val="lt1"/>
+          </a:fillRef>
+          <a:effectRef idx="0">
+            <a:schemeClr val="accent1"/>
+          </a:effectRef>
+          <a:fontRef idx="minor">
+            <a:schemeClr val="dk1"/>
+          </a:fontRef>
+        </p:style>
+        <p:txBody>
+          <a:bodyPr wrap="square" rtlCol="0">
+            <a:spAutoFit/>
+          </a:bodyPr>
+          <a:lstStyle/>
+          <a:p>
+            <a:pPr algn="ctr"/>
+            <a:r>
+              <a:rPr lang="en-US" sz="900" dirty="0"/>
+              <a:t>Material Hardship</a:t>
+            </a:r>
+          </a:p>
+        </p:txBody>
+      </p:sp>
+      <p:sp>
+        <p:nvSpPr>
+          <p:cNvPr id="27" name="TextBox 26">
+            <a:extLst>
+              <a:ext uri="{FF2B5EF4-FFF2-40B4-BE49-F238E27FC236}">
+                <a16:creationId xmlns:a16="http://schemas.microsoft.com/office/drawing/2014/main" id="{C2D76BE9-ABE4-E04B-8E38-4324C97F7478}"/>
+              </a:ext>
+            </a:extLst>
+          </p:cNvPr>
+          <p:cNvSpPr txBox="1"/>
+          <p:nvPr/>
+        </p:nvSpPr>
+        <p:spPr>
+          <a:xfrm>
+            <a:off x="8597932" y="2582164"/>
+            <a:ext cx="713034" cy="369332"/>
+          </a:xfrm>
+          <a:prstGeom prst="rect">
+            <a:avLst/>
+          </a:prstGeom>
+        </p:spPr>
+        <p:style>
+          <a:lnRef idx="2">
+            <a:schemeClr val="accent1"/>
+          </a:lnRef>
+          <a:fillRef idx="1">
+            <a:schemeClr val="lt1"/>
+          </a:fillRef>
+          <a:effectRef idx="0">
+            <a:schemeClr val="accent1"/>
+          </a:effectRef>
+          <a:fontRef idx="minor">
+            <a:schemeClr val="dk1"/>
+          </a:fontRef>
+        </p:style>
+        <p:txBody>
+          <a:bodyPr wrap="square" rtlCol="0">
+            <a:spAutoFit/>
+          </a:bodyPr>
+          <a:lstStyle/>
+          <a:p>
+            <a:pPr algn="ctr"/>
+            <a:r>
+              <a:rPr lang="en-US" sz="900" dirty="0"/>
+              <a:t>Material Hardship</a:t>
+            </a:r>
+          </a:p>
+        </p:txBody>
+      </p:sp>
+      <p:sp>
+        <p:nvSpPr>
+          <p:cNvPr id="28" name="TextBox 27">
+            <a:extLst>
+              <a:ext uri="{FF2B5EF4-FFF2-40B4-BE49-F238E27FC236}">
+                <a16:creationId xmlns:a16="http://schemas.microsoft.com/office/drawing/2014/main" id="{66C4653A-3391-D94C-93EE-0165454A162C}"/>
+              </a:ext>
+            </a:extLst>
+          </p:cNvPr>
+          <p:cNvSpPr txBox="1"/>
+          <p:nvPr/>
+        </p:nvSpPr>
+        <p:spPr>
+          <a:xfrm>
+            <a:off x="8597931" y="4196259"/>
+            <a:ext cx="684330" cy="369332"/>
+          </a:xfrm>
+          <a:prstGeom prst="rect">
+            <a:avLst/>
+          </a:prstGeom>
+        </p:spPr>
+        <p:style>
+          <a:lnRef idx="2">
+            <a:schemeClr val="accent2"/>
+          </a:lnRef>
+          <a:fillRef idx="1">
+            <a:schemeClr val="lt1"/>
+          </a:fillRef>
+          <a:effectRef idx="0">
+            <a:schemeClr val="accent2"/>
+          </a:effectRef>
+          <a:fontRef idx="minor">
+            <a:schemeClr val="dk1"/>
+          </a:fontRef>
+        </p:style>
+        <p:txBody>
+          <a:bodyPr wrap="square" rtlCol="0">
+            <a:spAutoFit/>
+          </a:bodyPr>
+          <a:lstStyle/>
+          <a:p>
+            <a:pPr algn="ctr"/>
+            <a:r>
+              <a:rPr lang="en-US" sz="900" dirty="0"/>
+              <a:t>Caregiver </a:t>
+            </a:r>
+          </a:p>
+          <a:p>
+            <a:pPr algn="ctr"/>
+            <a:r>
+              <a:rPr lang="en-US" sz="900" dirty="0"/>
+              <a:t>Wellbeing</a:t>
+            </a:r>
+          </a:p>
+        </p:txBody>
+      </p:sp>
+      <p:sp>
+        <p:nvSpPr>
+          <p:cNvPr id="29" name="TextBox 28">
+            <a:extLst>
+              <a:ext uri="{FF2B5EF4-FFF2-40B4-BE49-F238E27FC236}">
+                <a16:creationId xmlns:a16="http://schemas.microsoft.com/office/drawing/2014/main" id="{32109376-04D5-EB49-A767-3CBE784972AE}"/>
+              </a:ext>
+            </a:extLst>
+          </p:cNvPr>
+          <p:cNvSpPr txBox="1"/>
+          <p:nvPr/>
+        </p:nvSpPr>
+        <p:spPr>
+          <a:xfrm>
+            <a:off x="8597932" y="5810353"/>
+            <a:ext cx="684330" cy="369332"/>
+          </a:xfrm>
+          <a:prstGeom prst="rect">
+            <a:avLst/>
+          </a:prstGeom>
+        </p:spPr>
+        <p:style>
+          <a:lnRef idx="2">
+            <a:schemeClr val="accent6"/>
+          </a:lnRef>
+          <a:fillRef idx="1">
+            <a:schemeClr val="lt1"/>
+          </a:fillRef>
+          <a:effectRef idx="0">
+            <a:schemeClr val="accent6"/>
+          </a:effectRef>
+          <a:fontRef idx="minor">
+            <a:schemeClr val="dk1"/>
+          </a:fontRef>
+        </p:style>
+        <p:txBody>
+          <a:bodyPr wrap="square" rtlCol="0">
+            <a:spAutoFit/>
+          </a:bodyPr>
+          <a:lstStyle/>
+          <a:p>
+            <a:pPr algn="ctr"/>
+            <a:r>
+              <a:rPr lang="en-US" sz="900" dirty="0"/>
+              <a:t>Child </a:t>
+            </a:r>
+          </a:p>
+          <a:p>
+            <a:pPr algn="ctr"/>
+            <a:r>
+              <a:rPr lang="en-US" sz="900" dirty="0"/>
+              <a:t>Wellbeing</a:t>
+            </a:r>
+          </a:p>
+        </p:txBody>
+      </p:sp>
+      <p:sp>
+        <p:nvSpPr>
+          <p:cNvPr id="30" name="TextBox 29">
+            <a:extLst>
+              <a:ext uri="{FF2B5EF4-FFF2-40B4-BE49-F238E27FC236}">
+                <a16:creationId xmlns:a16="http://schemas.microsoft.com/office/drawing/2014/main" id="{5424B25B-B5F0-BD4F-BB62-8682BECA3848}"/>
+              </a:ext>
+            </a:extLst>
+          </p:cNvPr>
+          <p:cNvSpPr txBox="1"/>
+          <p:nvPr/>
+        </p:nvSpPr>
+        <p:spPr>
+          <a:xfrm>
+            <a:off x="10723118" y="5810353"/>
+            <a:ext cx="684330" cy="369332"/>
+          </a:xfrm>
+          <a:prstGeom prst="rect">
+            <a:avLst/>
+          </a:prstGeom>
+          <a:ln w="57150"/>
+        </p:spPr>
+        <p:style>
+          <a:lnRef idx="2">
+            <a:schemeClr val="accent6"/>
+          </a:lnRef>
+          <a:fillRef idx="1">
+            <a:schemeClr val="lt1"/>
+          </a:fillRef>
+          <a:effectRef idx="0">
+            <a:schemeClr val="accent6"/>
+          </a:effectRef>
+          <a:fontRef idx="minor">
+            <a:schemeClr val="dk1"/>
+          </a:fontRef>
+        </p:style>
+        <p:txBody>
+          <a:bodyPr wrap="square" rtlCol="0">
+            <a:spAutoFit/>
+          </a:bodyPr>
+          <a:lstStyle/>
+          <a:p>
+            <a:pPr algn="ctr"/>
+            <a:r>
+              <a:rPr lang="en-US" sz="900" dirty="0"/>
+              <a:t>Child </a:t>
+            </a:r>
+          </a:p>
+          <a:p>
+            <a:pPr algn="ctr"/>
+            <a:r>
+              <a:rPr lang="en-US" sz="900" dirty="0"/>
+              <a:t>Wellbeing</a:t>
+            </a:r>
+          </a:p>
+        </p:txBody>
+      </p:sp>
+      <p:cxnSp>
+        <p:nvCxnSpPr>
+          <p:cNvPr id="31" name="Straight Arrow Connector 30">
+            <a:extLst>
+              <a:ext uri="{FF2B5EF4-FFF2-40B4-BE49-F238E27FC236}">
+                <a16:creationId xmlns:a16="http://schemas.microsoft.com/office/drawing/2014/main" id="{D219A245-D2D8-904D-BD9E-40067F6CBF1D}"/>
+              </a:ext>
+            </a:extLst>
+          </p:cNvPr>
+          <p:cNvCxnSpPr>
+            <a:stCxn id="26" idx="3"/>
+            <a:endCxn id="27" idx="1"/>
+          </p:cNvCxnSpPr>
+          <p:nvPr/>
+        </p:nvCxnSpPr>
+        <p:spPr>
+          <a:xfrm>
+            <a:off x="7214484" y="2766830"/>
+            <a:ext cx="1383448" cy="0"/>
+          </a:xfrm>
+          <a:prstGeom prst="straightConnector1">
+            <a:avLst/>
+          </a:prstGeom>
+          <a:ln>
+            <a:tailEnd type="triangle"/>
+          </a:ln>
+        </p:spPr>
+        <p:style>
+          <a:lnRef idx="1">
+            <a:schemeClr val="accent1"/>
+          </a:lnRef>
+          <a:fillRef idx="0">
+            <a:schemeClr val="accent1"/>
+          </a:fillRef>
+          <a:effectRef idx="0">
+            <a:schemeClr val="accent1"/>
+          </a:effectRef>
+          <a:fontRef idx="minor">
+            <a:schemeClr val="tx1"/>
+          </a:fontRef>
+        </p:style>
+      </p:cxnSp>
+      <p:cxnSp>
+        <p:nvCxnSpPr>
+          <p:cNvPr id="32" name="Straight Arrow Connector 31">
+            <a:extLst>
+              <a:ext uri="{FF2B5EF4-FFF2-40B4-BE49-F238E27FC236}">
+                <a16:creationId xmlns:a16="http://schemas.microsoft.com/office/drawing/2014/main" id="{5EB9475A-E5FA-C942-9D5E-D7A7621C36CE}"/>
+              </a:ext>
+            </a:extLst>
+          </p:cNvPr>
+          <p:cNvCxnSpPr>
+            <a:stCxn id="26" idx="3"/>
+            <a:endCxn id="28" idx="1"/>
+          </p:cNvCxnSpPr>
+          <p:nvPr/>
+        </p:nvCxnSpPr>
+        <p:spPr>
+          <a:xfrm>
+            <a:off x="7214484" y="2766830"/>
+            <a:ext cx="1383447" cy="1614095"/>
+          </a:xfrm>
+          <a:prstGeom prst="straightConnector1">
+            <a:avLst/>
+          </a:prstGeom>
+          <a:ln>
+            <a:tailEnd type="triangle"/>
+          </a:ln>
+        </p:spPr>
+        <p:style>
+          <a:lnRef idx="1">
+            <a:schemeClr val="accent1"/>
+          </a:lnRef>
+          <a:fillRef idx="0">
+            <a:schemeClr val="accent1"/>
+          </a:fillRef>
+          <a:effectRef idx="0">
+            <a:schemeClr val="accent1"/>
+          </a:effectRef>
+          <a:fontRef idx="minor">
+            <a:schemeClr val="tx1"/>
+          </a:fontRef>
+        </p:style>
+      </p:cxnSp>
+      <p:cxnSp>
+        <p:nvCxnSpPr>
+          <p:cNvPr id="33" name="Straight Arrow Connector 32">
+            <a:extLst>
+              <a:ext uri="{FF2B5EF4-FFF2-40B4-BE49-F238E27FC236}">
+                <a16:creationId xmlns:a16="http://schemas.microsoft.com/office/drawing/2014/main" id="{287F98BA-E7C0-9C41-B16E-FBB9AA6D52E9}"/>
+              </a:ext>
+            </a:extLst>
+          </p:cNvPr>
+          <p:cNvCxnSpPr>
+            <a:stCxn id="26" idx="3"/>
+            <a:endCxn id="29" idx="1"/>
+          </p:cNvCxnSpPr>
+          <p:nvPr/>
+        </p:nvCxnSpPr>
+        <p:spPr>
+          <a:xfrm>
+            <a:off x="7214484" y="2766830"/>
+            <a:ext cx="1383448" cy="3228189"/>
+          </a:xfrm>
+          <a:prstGeom prst="straightConnector1">
+            <a:avLst/>
+          </a:prstGeom>
+          <a:ln>
+            <a:tailEnd type="triangle"/>
+          </a:ln>
+        </p:spPr>
+        <p:style>
+          <a:lnRef idx="1">
+            <a:schemeClr val="accent1"/>
+          </a:lnRef>
+          <a:fillRef idx="0">
+            <a:schemeClr val="accent1"/>
+          </a:fillRef>
+          <a:effectRef idx="0">
+            <a:schemeClr val="accent1"/>
+          </a:effectRef>
+          <a:fontRef idx="minor">
+            <a:schemeClr val="tx1"/>
+          </a:fontRef>
+        </p:style>
+      </p:cxnSp>
+      <p:cxnSp>
+        <p:nvCxnSpPr>
+          <p:cNvPr id="34" name="Straight Arrow Connector 33">
+            <a:extLst>
+              <a:ext uri="{FF2B5EF4-FFF2-40B4-BE49-F238E27FC236}">
+                <a16:creationId xmlns:a16="http://schemas.microsoft.com/office/drawing/2014/main" id="{66A915A6-EA29-C44D-B197-EC5E6382BCC8}"/>
+              </a:ext>
+            </a:extLst>
+          </p:cNvPr>
+          <p:cNvCxnSpPr>
+            <a:stCxn id="27" idx="3"/>
+            <a:endCxn id="30" idx="1"/>
+          </p:cNvCxnSpPr>
+          <p:nvPr/>
+        </p:nvCxnSpPr>
+        <p:spPr>
+          <a:xfrm>
+            <a:off x="9310966" y="2766830"/>
+            <a:ext cx="1412152" cy="3228189"/>
+          </a:xfrm>
+          <a:prstGeom prst="straightConnector1">
+            <a:avLst/>
+          </a:prstGeom>
+          <a:ln>
+            <a:tailEnd type="triangle"/>
+          </a:ln>
+        </p:spPr>
+        <p:style>
+          <a:lnRef idx="1">
+            <a:schemeClr val="accent1"/>
+          </a:lnRef>
+          <a:fillRef idx="0">
+            <a:schemeClr val="accent1"/>
+          </a:fillRef>
+          <a:effectRef idx="0">
+            <a:schemeClr val="accent1"/>
+          </a:effectRef>
+          <a:fontRef idx="minor">
+            <a:schemeClr val="tx1"/>
+          </a:fontRef>
+        </p:style>
+      </p:cxnSp>
+      <p:cxnSp>
+        <p:nvCxnSpPr>
+          <p:cNvPr id="35" name="Straight Arrow Connector 34">
+            <a:extLst>
+              <a:ext uri="{FF2B5EF4-FFF2-40B4-BE49-F238E27FC236}">
+                <a16:creationId xmlns:a16="http://schemas.microsoft.com/office/drawing/2014/main" id="{3E34D24F-E6B1-3543-A1F0-E26DEB251124}"/>
+              </a:ext>
+            </a:extLst>
+          </p:cNvPr>
+          <p:cNvCxnSpPr>
+            <a:stCxn id="28" idx="3"/>
+            <a:endCxn id="30" idx="1"/>
+          </p:cNvCxnSpPr>
+          <p:nvPr/>
+        </p:nvCxnSpPr>
+        <p:spPr>
+          <a:xfrm>
+            <a:off x="9282261" y="4380925"/>
+            <a:ext cx="1440857" cy="1614094"/>
+          </a:xfrm>
+          <a:prstGeom prst="straightConnector1">
+            <a:avLst/>
+          </a:prstGeom>
+          <a:ln>
+            <a:tailEnd type="triangle"/>
+          </a:ln>
+        </p:spPr>
+        <p:style>
+          <a:lnRef idx="1">
+            <a:schemeClr val="accent2"/>
+          </a:lnRef>
+          <a:fillRef idx="0">
+            <a:schemeClr val="accent2"/>
+          </a:fillRef>
+          <a:effectRef idx="0">
+            <a:schemeClr val="accent2"/>
+          </a:effectRef>
+          <a:fontRef idx="minor">
+            <a:schemeClr val="tx1"/>
+          </a:fontRef>
+        </p:style>
+      </p:cxnSp>
+      <p:cxnSp>
+        <p:nvCxnSpPr>
+          <p:cNvPr id="37" name="Straight Arrow Connector 36">
+            <a:extLst>
+              <a:ext uri="{FF2B5EF4-FFF2-40B4-BE49-F238E27FC236}">
+                <a16:creationId xmlns:a16="http://schemas.microsoft.com/office/drawing/2014/main" id="{C437214C-9B20-2C43-AA6D-3692949AF275}"/>
+              </a:ext>
+            </a:extLst>
+          </p:cNvPr>
+          <p:cNvCxnSpPr>
+            <a:stCxn id="29" idx="3"/>
+            <a:endCxn id="30" idx="1"/>
+          </p:cNvCxnSpPr>
+          <p:nvPr/>
+        </p:nvCxnSpPr>
+        <p:spPr>
+          <a:xfrm>
+            <a:off x="9282262" y="5995019"/>
+            <a:ext cx="1440856" cy="0"/>
+          </a:xfrm>
+          <a:prstGeom prst="straightConnector1">
+            <a:avLst/>
+          </a:prstGeom>
+          <a:ln>
+            <a:tailEnd type="triangle"/>
+          </a:ln>
+        </p:spPr>
+        <p:style>
+          <a:lnRef idx="1">
+            <a:schemeClr val="accent6"/>
+          </a:lnRef>
+          <a:fillRef idx="0">
+            <a:schemeClr val="accent6"/>
+          </a:fillRef>
+          <a:effectRef idx="0">
+            <a:schemeClr val="accent6"/>
+          </a:effectRef>
+          <a:fontRef idx="minor">
+            <a:schemeClr val="tx1"/>
+          </a:fontRef>
+        </p:style>
+      </p:cxnSp>
+      <p:sp>
+        <p:nvSpPr>
+          <p:cNvPr id="38" name="TextBox 37">
+            <a:extLst>
+              <a:ext uri="{FF2B5EF4-FFF2-40B4-BE49-F238E27FC236}">
+                <a16:creationId xmlns:a16="http://schemas.microsoft.com/office/drawing/2014/main" id="{15890EF7-3DE6-504C-9778-F7A9345C1B4E}"/>
+              </a:ext>
+            </a:extLst>
+          </p:cNvPr>
+          <p:cNvSpPr txBox="1"/>
+          <p:nvPr/>
+        </p:nvSpPr>
+        <p:spPr>
+          <a:xfrm>
+            <a:off x="7830441" y="2612985"/>
+            <a:ext cx="283818" cy="184666"/>
+          </a:xfrm>
+          <a:prstGeom prst="rect">
+            <a:avLst/>
+          </a:prstGeom>
+          <a:noFill/>
+        </p:spPr>
+        <p:txBody>
+          <a:bodyPr wrap="square" rtlCol="0">
+            <a:spAutoFit/>
+          </a:bodyPr>
+          <a:lstStyle/>
+          <a:p>
+            <a:r>
+              <a:rPr lang="en-US" sz="600" b="1" dirty="0">
+                <a:solidFill>
+                  <a:schemeClr val="accent1"/>
+                </a:solidFill>
+              </a:rPr>
+              <a:t>.86</a:t>
+            </a:r>
+          </a:p>
+        </p:txBody>
+      </p:sp>
+      <p:sp>
+        <p:nvSpPr>
+          <p:cNvPr id="39" name="TextBox 38">
+            <a:extLst>
+              <a:ext uri="{FF2B5EF4-FFF2-40B4-BE49-F238E27FC236}">
+                <a16:creationId xmlns:a16="http://schemas.microsoft.com/office/drawing/2014/main" id="{49FA9A71-429A-9244-9B51-AC4E24C4407D}"/>
+              </a:ext>
+            </a:extLst>
+          </p:cNvPr>
+          <p:cNvSpPr txBox="1"/>
+          <p:nvPr/>
+        </p:nvSpPr>
+        <p:spPr>
+          <a:xfrm>
+            <a:off x="7585814" y="3108679"/>
+            <a:ext cx="329648" cy="184666"/>
+          </a:xfrm>
+          <a:prstGeom prst="rect">
+            <a:avLst/>
+          </a:prstGeom>
+          <a:noFill/>
+        </p:spPr>
+        <p:txBody>
+          <a:bodyPr wrap="square" rtlCol="0">
+            <a:spAutoFit/>
+          </a:bodyPr>
+          <a:lstStyle/>
+          <a:p>
+            <a:r>
+              <a:rPr lang="en-US" sz="600" b="1" dirty="0">
+                <a:solidFill>
+                  <a:schemeClr val="accent1"/>
+                </a:solidFill>
+              </a:rPr>
+              <a:t>-.05</a:t>
+            </a:r>
+          </a:p>
+        </p:txBody>
+      </p:sp>
+      <p:sp>
+        <p:nvSpPr>
+          <p:cNvPr id="40" name="TextBox 39">
+            <a:extLst>
+              <a:ext uri="{FF2B5EF4-FFF2-40B4-BE49-F238E27FC236}">
+                <a16:creationId xmlns:a16="http://schemas.microsoft.com/office/drawing/2014/main" id="{2EE84B96-0DAF-A647-BE38-4808B169D72F}"/>
+              </a:ext>
+            </a:extLst>
+          </p:cNvPr>
+          <p:cNvSpPr txBox="1"/>
+          <p:nvPr/>
+        </p:nvSpPr>
+        <p:spPr>
+          <a:xfrm>
+            <a:off x="7103254" y="3293609"/>
+            <a:ext cx="329648" cy="184666"/>
+          </a:xfrm>
+          <a:prstGeom prst="rect">
+            <a:avLst/>
+          </a:prstGeom>
+          <a:noFill/>
+        </p:spPr>
+        <p:txBody>
+          <a:bodyPr wrap="square" rtlCol="0">
+            <a:spAutoFit/>
+          </a:bodyPr>
+          <a:lstStyle/>
+          <a:p>
+            <a:r>
+              <a:rPr lang="en-US" sz="600" dirty="0">
+                <a:solidFill>
+                  <a:schemeClr val="accent1"/>
+                </a:solidFill>
+              </a:rPr>
+              <a:t>-.19</a:t>
+            </a:r>
+          </a:p>
+        </p:txBody>
+      </p:sp>
+      <p:sp>
+        <p:nvSpPr>
+          <p:cNvPr id="41" name="TextBox 40">
+            <a:extLst>
+              <a:ext uri="{FF2B5EF4-FFF2-40B4-BE49-F238E27FC236}">
+                <a16:creationId xmlns:a16="http://schemas.microsoft.com/office/drawing/2014/main" id="{77F3FD0C-2114-BD49-98DF-463A2E4294D9}"/>
+              </a:ext>
+            </a:extLst>
+          </p:cNvPr>
+          <p:cNvSpPr txBox="1"/>
+          <p:nvPr/>
+        </p:nvSpPr>
+        <p:spPr>
+          <a:xfrm>
+            <a:off x="9246511" y="3293345"/>
+            <a:ext cx="374250" cy="184666"/>
+          </a:xfrm>
+          <a:prstGeom prst="rect">
+            <a:avLst/>
+          </a:prstGeom>
+          <a:noFill/>
+        </p:spPr>
+        <p:txBody>
+          <a:bodyPr wrap="square" rtlCol="0">
+            <a:spAutoFit/>
+          </a:bodyPr>
+          <a:lstStyle/>
+          <a:p>
+            <a:r>
+              <a:rPr lang="en-US" sz="600" dirty="0">
+                <a:solidFill>
+                  <a:schemeClr val="accent1"/>
+                </a:solidFill>
+              </a:rPr>
+              <a:t>-.19</a:t>
+            </a:r>
+          </a:p>
+        </p:txBody>
+      </p:sp>
+      <p:sp>
+        <p:nvSpPr>
+          <p:cNvPr id="42" name="TextBox 41">
+            <a:extLst>
+              <a:ext uri="{FF2B5EF4-FFF2-40B4-BE49-F238E27FC236}">
+                <a16:creationId xmlns:a16="http://schemas.microsoft.com/office/drawing/2014/main" id="{F8B7427A-0890-0F4B-9BE1-A7A296D9CAD6}"/>
+              </a:ext>
+            </a:extLst>
+          </p:cNvPr>
+          <p:cNvSpPr txBox="1"/>
+          <p:nvPr/>
+        </p:nvSpPr>
+        <p:spPr>
+          <a:xfrm>
+            <a:off x="9310965" y="4605767"/>
+            <a:ext cx="317441" cy="184666"/>
+          </a:xfrm>
+          <a:prstGeom prst="rect">
+            <a:avLst/>
+          </a:prstGeom>
+          <a:noFill/>
+        </p:spPr>
+        <p:txBody>
+          <a:bodyPr wrap="square" rtlCol="0">
+            <a:spAutoFit/>
+          </a:bodyPr>
+          <a:lstStyle/>
+          <a:p>
+            <a:r>
+              <a:rPr lang="en-US" sz="600" b="1" dirty="0">
+                <a:solidFill>
+                  <a:schemeClr val="accent2"/>
+                </a:solidFill>
+              </a:rPr>
+              <a:t>.10</a:t>
+            </a:r>
+          </a:p>
+        </p:txBody>
+      </p:sp>
+      <p:sp>
+        <p:nvSpPr>
+          <p:cNvPr id="43" name="TextBox 42">
+            <a:extLst>
+              <a:ext uri="{FF2B5EF4-FFF2-40B4-BE49-F238E27FC236}">
+                <a16:creationId xmlns:a16="http://schemas.microsoft.com/office/drawing/2014/main" id="{58427F3E-FCC9-9C49-A9B7-3822DAB38563}"/>
+              </a:ext>
+            </a:extLst>
+          </p:cNvPr>
+          <p:cNvSpPr txBox="1"/>
+          <p:nvPr/>
+        </p:nvSpPr>
+        <p:spPr>
+          <a:xfrm>
+            <a:off x="9365119" y="6035195"/>
+            <a:ext cx="323057" cy="184666"/>
+          </a:xfrm>
+          <a:prstGeom prst="rect">
+            <a:avLst/>
+          </a:prstGeom>
+          <a:noFill/>
+        </p:spPr>
+        <p:txBody>
+          <a:bodyPr wrap="square" rtlCol="0">
+            <a:spAutoFit/>
+          </a:bodyPr>
+          <a:lstStyle/>
+          <a:p>
+            <a:r>
+              <a:rPr lang="en-US" sz="600" b="1" dirty="0">
+                <a:solidFill>
+                  <a:schemeClr val="accent6"/>
+                </a:solidFill>
+              </a:rPr>
+              <a:t>.73</a:t>
+            </a:r>
+          </a:p>
+        </p:txBody>
+      </p:sp>
+      <p:sp>
+        <p:nvSpPr>
+          <p:cNvPr id="45" name="TextBox 44">
+            <a:extLst>
+              <a:ext uri="{FF2B5EF4-FFF2-40B4-BE49-F238E27FC236}">
+                <a16:creationId xmlns:a16="http://schemas.microsoft.com/office/drawing/2014/main" id="{911BAF72-0A94-D440-A228-E558C227E6F9}"/>
+              </a:ext>
+            </a:extLst>
+          </p:cNvPr>
+          <p:cNvSpPr txBox="1"/>
+          <p:nvPr/>
+        </p:nvSpPr>
+        <p:spPr>
+          <a:xfrm>
+            <a:off x="10210741" y="2612985"/>
+            <a:ext cx="1832222" cy="1061829"/>
+          </a:xfrm>
+          <a:prstGeom prst="rect">
+            <a:avLst/>
+          </a:prstGeom>
+          <a:noFill/>
+        </p:spPr>
+        <p:txBody>
+          <a:bodyPr wrap="square" rtlCol="0">
+            <a:spAutoFit/>
+          </a:bodyPr>
+          <a:lstStyle/>
+          <a:p>
+            <a:r>
+              <a:rPr lang="en-US" sz="900" dirty="0"/>
+              <a:t>TOTAL:</a:t>
+            </a:r>
+          </a:p>
+          <a:p>
+            <a:r>
+              <a:rPr lang="en-US" sz="900" dirty="0"/>
+              <a:t>i1*i3 + i2*c3 + i3*h3</a:t>
+            </a:r>
+          </a:p>
+          <a:p>
+            <a:endParaRPr lang="en-US" sz="900" dirty="0"/>
+          </a:p>
+          <a:p>
+            <a:endParaRPr lang="en-US" sz="900" dirty="0"/>
+          </a:p>
+          <a:p>
+            <a:endParaRPr lang="en-US" sz="900" dirty="0"/>
+          </a:p>
+          <a:p>
+            <a:r>
+              <a:rPr lang="en-US" sz="900" dirty="0"/>
+              <a:t>INDIRECT (through Caregiver):</a:t>
+            </a:r>
+          </a:p>
+          <a:p>
+            <a:r>
+              <a:rPr lang="en-US" sz="900" dirty="0"/>
+              <a:t>i2*c3</a:t>
+            </a:r>
+          </a:p>
+        </p:txBody>
+      </p:sp>
+      <p:sp>
+        <p:nvSpPr>
+          <p:cNvPr id="46" name="TextBox 45">
+            <a:extLst>
+              <a:ext uri="{FF2B5EF4-FFF2-40B4-BE49-F238E27FC236}">
+                <a16:creationId xmlns:a16="http://schemas.microsoft.com/office/drawing/2014/main" id="{09D2D14C-D83F-974B-9D16-2224DBAE95C2}"/>
+              </a:ext>
+            </a:extLst>
+          </p:cNvPr>
+          <p:cNvSpPr txBox="1"/>
+          <p:nvPr/>
+        </p:nvSpPr>
+        <p:spPr>
+          <a:xfrm>
+            <a:off x="10427325" y="3108679"/>
+            <a:ext cx="651408" cy="230832"/>
+          </a:xfrm>
+          <a:prstGeom prst="rect">
+            <a:avLst/>
+          </a:prstGeom>
+          <a:noFill/>
+        </p:spPr>
+        <p:txBody>
+          <a:bodyPr wrap="square" rtlCol="0">
+            <a:spAutoFit/>
+          </a:bodyPr>
+          <a:lstStyle/>
+          <a:p>
+            <a:r>
+              <a:rPr lang="en-US" sz="900" dirty="0">
+                <a:solidFill>
+                  <a:schemeClr val="accent1"/>
+                </a:solidFill>
+              </a:rPr>
+              <a:t>.006 (ns)</a:t>
+            </a:r>
+          </a:p>
+        </p:txBody>
+      </p:sp>
+      <p:sp>
+        <p:nvSpPr>
+          <p:cNvPr id="47" name="TextBox 46">
+            <a:extLst>
+              <a:ext uri="{FF2B5EF4-FFF2-40B4-BE49-F238E27FC236}">
+                <a16:creationId xmlns:a16="http://schemas.microsoft.com/office/drawing/2014/main" id="{020FD3E9-9DF6-3849-B665-10CAAD7A1415}"/>
+              </a:ext>
+            </a:extLst>
+          </p:cNvPr>
+          <p:cNvSpPr txBox="1"/>
+          <p:nvPr/>
+        </p:nvSpPr>
+        <p:spPr>
+          <a:xfrm>
+            <a:off x="10426117" y="4029504"/>
+            <a:ext cx="980432" cy="230832"/>
+          </a:xfrm>
+          <a:prstGeom prst="rect">
+            <a:avLst/>
+          </a:prstGeom>
+          <a:noFill/>
+        </p:spPr>
+        <p:txBody>
+          <a:bodyPr wrap="square" rtlCol="0">
+            <a:spAutoFit/>
+          </a:bodyPr>
+          <a:lstStyle/>
+          <a:p>
+            <a:r>
+              <a:rPr lang="en-US" sz="900" dirty="0">
+                <a:solidFill>
+                  <a:schemeClr val="accent1"/>
+                </a:solidFill>
+              </a:rPr>
+              <a:t>-.005 (p &lt; .001)</a:t>
+            </a:r>
+          </a:p>
+        </p:txBody>
+      </p:sp>
+      <p:sp>
+        <p:nvSpPr>
+          <p:cNvPr id="10" name="TextBox 9">
+            <a:extLst>
+              <a:ext uri="{FF2B5EF4-FFF2-40B4-BE49-F238E27FC236}">
+                <a16:creationId xmlns:a16="http://schemas.microsoft.com/office/drawing/2014/main" id="{9E9B2CFF-D929-A248-A5B5-FDE601B76DFA}"/>
+              </a:ext>
+            </a:extLst>
+          </p:cNvPr>
+          <p:cNvSpPr txBox="1"/>
+          <p:nvPr/>
+        </p:nvSpPr>
+        <p:spPr>
+          <a:xfrm>
+            <a:off x="1903679" y="876857"/>
+            <a:ext cx="1978427" cy="369332"/>
+          </a:xfrm>
+          <a:prstGeom prst="rect">
+            <a:avLst/>
+          </a:prstGeom>
+          <a:noFill/>
+        </p:spPr>
+        <p:txBody>
+          <a:bodyPr wrap="none" rtlCol="0">
+            <a:spAutoFit/>
+          </a:bodyPr>
+          <a:lstStyle/>
+          <a:p>
+            <a:r>
+              <a:rPr lang="en-US" dirty="0"/>
+              <a:t>High social support</a:t>
+            </a:r>
+          </a:p>
+        </p:txBody>
+      </p:sp>
+      <p:sp>
+        <p:nvSpPr>
+          <p:cNvPr id="48" name="TextBox 47">
+            <a:extLst>
+              <a:ext uri="{FF2B5EF4-FFF2-40B4-BE49-F238E27FC236}">
+                <a16:creationId xmlns:a16="http://schemas.microsoft.com/office/drawing/2014/main" id="{5D1BC70B-3C5D-0B41-BBEC-491D7CA9B138}"/>
+              </a:ext>
+            </a:extLst>
+          </p:cNvPr>
+          <p:cNvSpPr txBox="1"/>
+          <p:nvPr/>
+        </p:nvSpPr>
+        <p:spPr>
+          <a:xfrm>
+            <a:off x="7214484" y="752712"/>
+            <a:ext cx="1934247" cy="369332"/>
+          </a:xfrm>
+          <a:prstGeom prst="rect">
+            <a:avLst/>
+          </a:prstGeom>
+          <a:noFill/>
+        </p:spPr>
+        <p:txBody>
+          <a:bodyPr wrap="none" rtlCol="0">
+            <a:spAutoFit/>
+          </a:bodyPr>
+          <a:lstStyle/>
+          <a:p>
+            <a:r>
+              <a:rPr lang="en-US" dirty="0"/>
+              <a:t>Low social support</a:t>
+            </a:r>
+          </a:p>
+        </p:txBody>
+      </p:sp>
+    </p:spTree>
+    <p:extLst>
+      <p:ext uri="{BB962C8B-B14F-4D97-AF65-F5344CB8AC3E}">
+        <p14:creationId xmlns:p14="http://schemas.microsoft.com/office/powerpoint/2010/main" val="1494088200"/>
       </p:ext>
     </p:extLst>
   </p:cSld>

--- a/mediation.pptx
+++ b/mediation.pptx
@@ -218,7 +218,7 @@
           <a:p>
             <a:fld id="{5DE78A1B-AECA-E64A-9489-61D5B0D20729}" type="datetimeFigureOut">
               <a:rPr lang="en-US" smtClean="0"/>
-              <a:t>8/4/20</a:t>
+              <a:t>8/7/20</a:t>
             </a:fld>
             <a:endParaRPr lang="en-US"/>
           </a:p>
@@ -1220,7 +1220,7 @@
           <a:p>
             <a:fld id="{8E7D92A5-D5EC-824D-9F15-8899D1395F44}" type="datetimeFigureOut">
               <a:rPr lang="en-US" smtClean="0"/>
-              <a:t>8/4/20</a:t>
+              <a:t>8/7/20</a:t>
             </a:fld>
             <a:endParaRPr lang="en-US"/>
           </a:p>
@@ -1418,7 +1418,7 @@
           <a:p>
             <a:fld id="{8E7D92A5-D5EC-824D-9F15-8899D1395F44}" type="datetimeFigureOut">
               <a:rPr lang="en-US" smtClean="0"/>
-              <a:t>8/4/20</a:t>
+              <a:t>8/7/20</a:t>
             </a:fld>
             <a:endParaRPr lang="en-US"/>
           </a:p>
@@ -1626,7 +1626,7 @@
           <a:p>
             <a:fld id="{8E7D92A5-D5EC-824D-9F15-8899D1395F44}" type="datetimeFigureOut">
               <a:rPr lang="en-US" smtClean="0"/>
-              <a:t>8/4/20</a:t>
+              <a:t>8/7/20</a:t>
             </a:fld>
             <a:endParaRPr lang="en-US"/>
           </a:p>
@@ -1824,7 +1824,7 @@
           <a:p>
             <a:fld id="{8E7D92A5-D5EC-824D-9F15-8899D1395F44}" type="datetimeFigureOut">
               <a:rPr lang="en-US" smtClean="0"/>
-              <a:t>8/4/20</a:t>
+              <a:t>8/7/20</a:t>
             </a:fld>
             <a:endParaRPr lang="en-US"/>
           </a:p>
@@ -2099,7 +2099,7 @@
           <a:p>
             <a:fld id="{8E7D92A5-D5EC-824D-9F15-8899D1395F44}" type="datetimeFigureOut">
               <a:rPr lang="en-US" smtClean="0"/>
-              <a:t>8/4/20</a:t>
+              <a:t>8/7/20</a:t>
             </a:fld>
             <a:endParaRPr lang="en-US"/>
           </a:p>
@@ -2364,7 +2364,7 @@
           <a:p>
             <a:fld id="{8E7D92A5-D5EC-824D-9F15-8899D1395F44}" type="datetimeFigureOut">
               <a:rPr lang="en-US" smtClean="0"/>
-              <a:t>8/4/20</a:t>
+              <a:t>8/7/20</a:t>
             </a:fld>
             <a:endParaRPr lang="en-US"/>
           </a:p>
@@ -2776,7 +2776,7 @@
           <a:p>
             <a:fld id="{8E7D92A5-D5EC-824D-9F15-8899D1395F44}" type="datetimeFigureOut">
               <a:rPr lang="en-US" smtClean="0"/>
-              <a:t>8/4/20</a:t>
+              <a:t>8/7/20</a:t>
             </a:fld>
             <a:endParaRPr lang="en-US"/>
           </a:p>
@@ -2917,7 +2917,7 @@
           <a:p>
             <a:fld id="{8E7D92A5-D5EC-824D-9F15-8899D1395F44}" type="datetimeFigureOut">
               <a:rPr lang="en-US" smtClean="0"/>
-              <a:t>8/4/20</a:t>
+              <a:t>8/7/20</a:t>
             </a:fld>
             <a:endParaRPr lang="en-US"/>
           </a:p>
@@ -3030,7 +3030,7 @@
           <a:p>
             <a:fld id="{8E7D92A5-D5EC-824D-9F15-8899D1395F44}" type="datetimeFigureOut">
               <a:rPr lang="en-US" smtClean="0"/>
-              <a:t>8/4/20</a:t>
+              <a:t>8/7/20</a:t>
             </a:fld>
             <a:endParaRPr lang="en-US"/>
           </a:p>
@@ -3341,7 +3341,7 @@
           <a:p>
             <a:fld id="{8E7D92A5-D5EC-824D-9F15-8899D1395F44}" type="datetimeFigureOut">
               <a:rPr lang="en-US" smtClean="0"/>
-              <a:t>8/4/20</a:t>
+              <a:t>8/7/20</a:t>
             </a:fld>
             <a:endParaRPr lang="en-US"/>
           </a:p>
@@ -3629,7 +3629,7 @@
           <a:p>
             <a:fld id="{8E7D92A5-D5EC-824D-9F15-8899D1395F44}" type="datetimeFigureOut">
               <a:rPr lang="en-US" smtClean="0"/>
-              <a:t>8/4/20</a:t>
+              <a:t>8/7/20</a:t>
             </a:fld>
             <a:endParaRPr lang="en-US"/>
           </a:p>
@@ -3870,7 +3870,7 @@
           <a:p>
             <a:fld id="{8E7D92A5-D5EC-824D-9F15-8899D1395F44}" type="datetimeFigureOut">
               <a:rPr lang="en-US" smtClean="0"/>
-              <a:t>8/4/20</a:t>
+              <a:t>8/7/20</a:t>
             </a:fld>
             <a:endParaRPr lang="en-US"/>
           </a:p>
@@ -4345,15 +4345,7 @@
             <a:pPr lvl="1"/>
             <a:r>
               <a:rPr lang="en-US" dirty="0"/>
-              <a:t>Parameters </a:t>
-            </a:r>
-            <a:r>
-              <a:rPr lang="en-US" dirty="0" err="1"/>
-              <a:t>constrainted</a:t>
-            </a:r>
-            <a:r>
-              <a:rPr lang="en-US" dirty="0"/>
-              <a:t> to be equivalent across time </a:t>
+              <a:t>Parameters constrained to be equivalent across time </a:t>
             </a:r>
           </a:p>
           <a:p>

--- a/mediation.pptx
+++ b/mediation.pptx
@@ -5,7 +5,7 @@
     <p:sldMasterId id="2147483648" r:id="rId1"/>
   </p:sldMasterIdLst>
   <p:notesMasterIdLst>
-    <p:notesMasterId r:id="rId13"/>
+    <p:notesMasterId r:id="rId15"/>
   </p:notesMasterIdLst>
   <p:sldIdLst>
     <p:sldId id="263" r:id="rId2"/>
@@ -19,6 +19,8 @@
     <p:sldId id="259" r:id="rId10"/>
     <p:sldId id="260" r:id="rId11"/>
     <p:sldId id="262" r:id="rId12"/>
+    <p:sldId id="267" r:id="rId13"/>
+    <p:sldId id="268" r:id="rId14"/>
   </p:sldIdLst>
   <p:sldSz cx="12192000" cy="6858000"/>
   <p:notesSz cx="6858000" cy="9144000"/>
@@ -218,7 +220,7 @@
           <a:p>
             <a:fld id="{5DE78A1B-AECA-E64A-9489-61D5B0D20729}" type="datetimeFigureOut">
               <a:rPr lang="en-US" smtClean="0"/>
-              <a:t>8/7/20</a:t>
+              <a:t>11/25/20</a:t>
             </a:fld>
             <a:endParaRPr lang="en-US"/>
           </a:p>
@@ -1073,6 +1075,174 @@
 </p:notes>
 </file>
 
+<file path=ppt/notesSlides/notesSlide8.xml><?xml version="1.0" encoding="utf-8"?>
+<p:notes xmlns:a="http://schemas.openxmlformats.org/drawingml/2006/main" xmlns:r="http://schemas.openxmlformats.org/officeDocument/2006/relationships" xmlns:p="http://schemas.openxmlformats.org/presentationml/2006/main">
+  <p:cSld>
+    <p:spTree>
+      <p:nvGrpSpPr>
+        <p:cNvPr id="1" name=""/>
+        <p:cNvGrpSpPr/>
+        <p:nvPr/>
+      </p:nvGrpSpPr>
+      <p:grpSpPr>
+        <a:xfrm>
+          <a:off x="0" y="0"/>
+          <a:ext cx="0" cy="0"/>
+          <a:chOff x="0" y="0"/>
+          <a:chExt cx="0" cy="0"/>
+        </a:xfrm>
+      </p:grpSpPr>
+      <p:sp>
+        <p:nvSpPr>
+          <p:cNvPr id="2" name="Slide Image Placeholder 1"/>
+          <p:cNvSpPr>
+            <a:spLocks noGrp="1" noRot="1" noChangeAspect="1"/>
+          </p:cNvSpPr>
+          <p:nvPr>
+            <p:ph type="sldImg"/>
+          </p:nvPr>
+        </p:nvSpPr>
+        <p:spPr/>
+      </p:sp>
+      <p:sp>
+        <p:nvSpPr>
+          <p:cNvPr id="3" name="Notes Placeholder 2"/>
+          <p:cNvSpPr>
+            <a:spLocks noGrp="1"/>
+          </p:cNvSpPr>
+          <p:nvPr>
+            <p:ph type="body" idx="1"/>
+          </p:nvPr>
+        </p:nvSpPr>
+        <p:spPr/>
+        <p:txBody>
+          <a:bodyPr/>
+          <a:lstStyle/>
+          <a:p>
+            <a:endParaRPr lang="en-US" dirty="0"/>
+          </a:p>
+        </p:txBody>
+      </p:sp>
+      <p:sp>
+        <p:nvSpPr>
+          <p:cNvPr id="4" name="Slide Number Placeholder 3"/>
+          <p:cNvSpPr>
+            <a:spLocks noGrp="1"/>
+          </p:cNvSpPr>
+          <p:nvPr>
+            <p:ph type="sldNum" sz="quarter" idx="5"/>
+          </p:nvPr>
+        </p:nvSpPr>
+        <p:spPr/>
+        <p:txBody>
+          <a:bodyPr/>
+          <a:lstStyle/>
+          <a:p>
+            <a:fld id="{BBCEA2B3-7994-2048-ABC7-19C54373645C}" type="slidenum">
+              <a:rPr lang="en-US" smtClean="0"/>
+              <a:t>12</a:t>
+            </a:fld>
+            <a:endParaRPr lang="en-US"/>
+          </a:p>
+        </p:txBody>
+      </p:sp>
+    </p:spTree>
+    <p:extLst>
+      <p:ext uri="{BB962C8B-B14F-4D97-AF65-F5344CB8AC3E}">
+        <p14:creationId xmlns:p14="http://schemas.microsoft.com/office/powerpoint/2010/main" val="2177514113"/>
+      </p:ext>
+    </p:extLst>
+  </p:cSld>
+  <p:clrMapOvr>
+    <a:masterClrMapping/>
+  </p:clrMapOvr>
+</p:notes>
+</file>
+
+<file path=ppt/notesSlides/notesSlide9.xml><?xml version="1.0" encoding="utf-8"?>
+<p:notes xmlns:a="http://schemas.openxmlformats.org/drawingml/2006/main" xmlns:r="http://schemas.openxmlformats.org/officeDocument/2006/relationships" xmlns:p="http://schemas.openxmlformats.org/presentationml/2006/main">
+  <p:cSld>
+    <p:spTree>
+      <p:nvGrpSpPr>
+        <p:cNvPr id="1" name=""/>
+        <p:cNvGrpSpPr/>
+        <p:nvPr/>
+      </p:nvGrpSpPr>
+      <p:grpSpPr>
+        <a:xfrm>
+          <a:off x="0" y="0"/>
+          <a:ext cx="0" cy="0"/>
+          <a:chOff x="0" y="0"/>
+          <a:chExt cx="0" cy="0"/>
+        </a:xfrm>
+      </p:grpSpPr>
+      <p:sp>
+        <p:nvSpPr>
+          <p:cNvPr id="2" name="Slide Image Placeholder 1"/>
+          <p:cNvSpPr>
+            <a:spLocks noGrp="1" noRot="1" noChangeAspect="1"/>
+          </p:cNvSpPr>
+          <p:nvPr>
+            <p:ph type="sldImg"/>
+          </p:nvPr>
+        </p:nvSpPr>
+        <p:spPr/>
+      </p:sp>
+      <p:sp>
+        <p:nvSpPr>
+          <p:cNvPr id="3" name="Notes Placeholder 2"/>
+          <p:cNvSpPr>
+            <a:spLocks noGrp="1"/>
+          </p:cNvSpPr>
+          <p:nvPr>
+            <p:ph type="body" idx="1"/>
+          </p:nvPr>
+        </p:nvSpPr>
+        <p:spPr/>
+        <p:txBody>
+          <a:bodyPr/>
+          <a:lstStyle/>
+          <a:p>
+            <a:endParaRPr lang="en-US" dirty="0"/>
+          </a:p>
+        </p:txBody>
+      </p:sp>
+      <p:sp>
+        <p:nvSpPr>
+          <p:cNvPr id="4" name="Slide Number Placeholder 3"/>
+          <p:cNvSpPr>
+            <a:spLocks noGrp="1"/>
+          </p:cNvSpPr>
+          <p:nvPr>
+            <p:ph type="sldNum" sz="quarter" idx="5"/>
+          </p:nvPr>
+        </p:nvSpPr>
+        <p:spPr/>
+        <p:txBody>
+          <a:bodyPr/>
+          <a:lstStyle/>
+          <a:p>
+            <a:fld id="{BBCEA2B3-7994-2048-ABC7-19C54373645C}" type="slidenum">
+              <a:rPr lang="en-US" smtClean="0"/>
+              <a:t>13</a:t>
+            </a:fld>
+            <a:endParaRPr lang="en-US"/>
+          </a:p>
+        </p:txBody>
+      </p:sp>
+    </p:spTree>
+    <p:extLst>
+      <p:ext uri="{BB962C8B-B14F-4D97-AF65-F5344CB8AC3E}">
+        <p14:creationId xmlns:p14="http://schemas.microsoft.com/office/powerpoint/2010/main" val="1017850317"/>
+      </p:ext>
+    </p:extLst>
+  </p:cSld>
+  <p:clrMapOvr>
+    <a:masterClrMapping/>
+  </p:clrMapOvr>
+</p:notes>
+</file>
+
 <file path=ppt/slideLayouts/slideLayout1.xml><?xml version="1.0" encoding="utf-8"?>
 <p:sldLayout xmlns:a="http://schemas.openxmlformats.org/drawingml/2006/main" xmlns:r="http://schemas.openxmlformats.org/officeDocument/2006/relationships" xmlns:p="http://schemas.openxmlformats.org/presentationml/2006/main" type="title" preserve="1">
   <p:cSld name="Title Slide">
@@ -1220,7 +1390,7 @@
           <a:p>
             <a:fld id="{8E7D92A5-D5EC-824D-9F15-8899D1395F44}" type="datetimeFigureOut">
               <a:rPr lang="en-US" smtClean="0"/>
-              <a:t>8/7/20</a:t>
+              <a:t>11/25/20</a:t>
             </a:fld>
             <a:endParaRPr lang="en-US"/>
           </a:p>
@@ -1418,7 +1588,7 @@
           <a:p>
             <a:fld id="{8E7D92A5-D5EC-824D-9F15-8899D1395F44}" type="datetimeFigureOut">
               <a:rPr lang="en-US" smtClean="0"/>
-              <a:t>8/7/20</a:t>
+              <a:t>11/25/20</a:t>
             </a:fld>
             <a:endParaRPr lang="en-US"/>
           </a:p>
@@ -1626,7 +1796,7 @@
           <a:p>
             <a:fld id="{8E7D92A5-D5EC-824D-9F15-8899D1395F44}" type="datetimeFigureOut">
               <a:rPr lang="en-US" smtClean="0"/>
-              <a:t>8/7/20</a:t>
+              <a:t>11/25/20</a:t>
             </a:fld>
             <a:endParaRPr lang="en-US"/>
           </a:p>
@@ -1824,7 +1994,7 @@
           <a:p>
             <a:fld id="{8E7D92A5-D5EC-824D-9F15-8899D1395F44}" type="datetimeFigureOut">
               <a:rPr lang="en-US" smtClean="0"/>
-              <a:t>8/7/20</a:t>
+              <a:t>11/25/20</a:t>
             </a:fld>
             <a:endParaRPr lang="en-US"/>
           </a:p>
@@ -2099,7 +2269,7 @@
           <a:p>
             <a:fld id="{8E7D92A5-D5EC-824D-9F15-8899D1395F44}" type="datetimeFigureOut">
               <a:rPr lang="en-US" smtClean="0"/>
-              <a:t>8/7/20</a:t>
+              <a:t>11/25/20</a:t>
             </a:fld>
             <a:endParaRPr lang="en-US"/>
           </a:p>
@@ -2364,7 +2534,7 @@
           <a:p>
             <a:fld id="{8E7D92A5-D5EC-824D-9F15-8899D1395F44}" type="datetimeFigureOut">
               <a:rPr lang="en-US" smtClean="0"/>
-              <a:t>8/7/20</a:t>
+              <a:t>11/25/20</a:t>
             </a:fld>
             <a:endParaRPr lang="en-US"/>
           </a:p>
@@ -2776,7 +2946,7 @@
           <a:p>
             <a:fld id="{8E7D92A5-D5EC-824D-9F15-8899D1395F44}" type="datetimeFigureOut">
               <a:rPr lang="en-US" smtClean="0"/>
-              <a:t>8/7/20</a:t>
+              <a:t>11/25/20</a:t>
             </a:fld>
             <a:endParaRPr lang="en-US"/>
           </a:p>
@@ -2917,7 +3087,7 @@
           <a:p>
             <a:fld id="{8E7D92A5-D5EC-824D-9F15-8899D1395F44}" type="datetimeFigureOut">
               <a:rPr lang="en-US" smtClean="0"/>
-              <a:t>8/7/20</a:t>
+              <a:t>11/25/20</a:t>
             </a:fld>
             <a:endParaRPr lang="en-US"/>
           </a:p>
@@ -3030,7 +3200,7 @@
           <a:p>
             <a:fld id="{8E7D92A5-D5EC-824D-9F15-8899D1395F44}" type="datetimeFigureOut">
               <a:rPr lang="en-US" smtClean="0"/>
-              <a:t>8/7/20</a:t>
+              <a:t>11/25/20</a:t>
             </a:fld>
             <a:endParaRPr lang="en-US"/>
           </a:p>
@@ -3341,7 +3511,7 @@
           <a:p>
             <a:fld id="{8E7D92A5-D5EC-824D-9F15-8899D1395F44}" type="datetimeFigureOut">
               <a:rPr lang="en-US" smtClean="0"/>
-              <a:t>8/7/20</a:t>
+              <a:t>11/25/20</a:t>
             </a:fld>
             <a:endParaRPr lang="en-US"/>
           </a:p>
@@ -3629,7 +3799,7 @@
           <a:p>
             <a:fld id="{8E7D92A5-D5EC-824D-9F15-8899D1395F44}" type="datetimeFigureOut">
               <a:rPr lang="en-US" smtClean="0"/>
-              <a:t>8/7/20</a:t>
+              <a:t>11/25/20</a:t>
             </a:fld>
             <a:endParaRPr lang="en-US"/>
           </a:p>
@@ -3870,7 +4040,7 @@
           <a:p>
             <a:fld id="{8E7D92A5-D5EC-824D-9F15-8899D1395F44}" type="datetimeFigureOut">
               <a:rPr lang="en-US" smtClean="0"/>
-              <a:t>8/7/20</a:t>
+              <a:t>11/25/20</a:t>
             </a:fld>
             <a:endParaRPr lang="en-US"/>
           </a:p>
@@ -7211,6 +7381,3111 @@
     <p:extLst>
       <p:ext uri="{BB962C8B-B14F-4D97-AF65-F5344CB8AC3E}">
         <p14:creationId xmlns:p14="http://schemas.microsoft.com/office/powerpoint/2010/main" val="1494088200"/>
+      </p:ext>
+    </p:extLst>
+  </p:cSld>
+  <p:clrMapOvr>
+    <a:masterClrMapping/>
+  </p:clrMapOvr>
+</p:sld>
+</file>
+
+<file path=ppt/slides/slide12.xml><?xml version="1.0" encoding="utf-8"?>
+<p:sld xmlns:a="http://schemas.openxmlformats.org/drawingml/2006/main" xmlns:r="http://schemas.openxmlformats.org/officeDocument/2006/relationships" xmlns:p="http://schemas.openxmlformats.org/presentationml/2006/main">
+  <p:cSld>
+    <p:spTree>
+      <p:nvGrpSpPr>
+        <p:cNvPr id="1" name=""/>
+        <p:cNvGrpSpPr/>
+        <p:nvPr/>
+      </p:nvGrpSpPr>
+      <p:grpSpPr>
+        <a:xfrm>
+          <a:off x="0" y="0"/>
+          <a:ext cx="0" cy="0"/>
+          <a:chOff x="0" y="0"/>
+          <a:chExt cx="0" cy="0"/>
+        </a:xfrm>
+      </p:grpSpPr>
+      <p:sp>
+        <p:nvSpPr>
+          <p:cNvPr id="4" name="TextBox 3">
+            <a:extLst>
+              <a:ext uri="{FF2B5EF4-FFF2-40B4-BE49-F238E27FC236}">
+                <a16:creationId xmlns:a16="http://schemas.microsoft.com/office/drawing/2014/main" id="{EAFEA5CA-93B3-CB44-A80F-AA5C828EA483}"/>
+              </a:ext>
+            </a:extLst>
+          </p:cNvPr>
+          <p:cNvSpPr txBox="1"/>
+          <p:nvPr/>
+        </p:nvSpPr>
+        <p:spPr>
+          <a:xfrm>
+            <a:off x="2112249" y="688143"/>
+            <a:ext cx="1103186" cy="646331"/>
+          </a:xfrm>
+          <a:prstGeom prst="rect">
+            <a:avLst/>
+          </a:prstGeom>
+        </p:spPr>
+        <p:style>
+          <a:lnRef idx="2">
+            <a:schemeClr val="accent1"/>
+          </a:lnRef>
+          <a:fillRef idx="1">
+            <a:schemeClr val="lt1"/>
+          </a:fillRef>
+          <a:effectRef idx="0">
+            <a:schemeClr val="accent1"/>
+          </a:effectRef>
+          <a:fontRef idx="minor">
+            <a:schemeClr val="dk1"/>
+          </a:fontRef>
+        </p:style>
+        <p:txBody>
+          <a:bodyPr wrap="none" rtlCol="0">
+            <a:spAutoFit/>
+          </a:bodyPr>
+          <a:lstStyle/>
+          <a:p>
+            <a:pPr algn="ctr"/>
+            <a:r>
+              <a:rPr lang="en-US" dirty="0"/>
+              <a:t>Food </a:t>
+            </a:r>
+          </a:p>
+          <a:p>
+            <a:pPr algn="ctr"/>
+            <a:r>
+              <a:rPr lang="en-US" dirty="0"/>
+              <a:t>Insecurity</a:t>
+            </a:r>
+          </a:p>
+        </p:txBody>
+      </p:sp>
+      <p:sp>
+        <p:nvSpPr>
+          <p:cNvPr id="5" name="TextBox 4">
+            <a:extLst>
+              <a:ext uri="{FF2B5EF4-FFF2-40B4-BE49-F238E27FC236}">
+                <a16:creationId xmlns:a16="http://schemas.microsoft.com/office/drawing/2014/main" id="{8676E8E8-F058-BD49-9B7A-41D08CD1F6D4}"/>
+              </a:ext>
+            </a:extLst>
+          </p:cNvPr>
+          <p:cNvSpPr txBox="1"/>
+          <p:nvPr/>
+        </p:nvSpPr>
+        <p:spPr>
+          <a:xfrm>
+            <a:off x="2078486" y="3105834"/>
+            <a:ext cx="1123577" cy="646331"/>
+          </a:xfrm>
+          <a:prstGeom prst="rect">
+            <a:avLst/>
+          </a:prstGeom>
+        </p:spPr>
+        <p:style>
+          <a:lnRef idx="2">
+            <a:schemeClr val="accent2"/>
+          </a:lnRef>
+          <a:fillRef idx="1">
+            <a:schemeClr val="lt1"/>
+          </a:fillRef>
+          <a:effectRef idx="0">
+            <a:schemeClr val="accent2"/>
+          </a:effectRef>
+          <a:fontRef idx="minor">
+            <a:schemeClr val="dk1"/>
+          </a:fontRef>
+        </p:style>
+        <p:txBody>
+          <a:bodyPr wrap="none" rtlCol="0">
+            <a:spAutoFit/>
+          </a:bodyPr>
+          <a:lstStyle/>
+          <a:p>
+            <a:pPr algn="ctr"/>
+            <a:r>
+              <a:rPr lang="en-US" dirty="0"/>
+              <a:t>Caregiver </a:t>
+            </a:r>
+          </a:p>
+          <a:p>
+            <a:pPr algn="ctr"/>
+            <a:r>
+              <a:rPr lang="en-US" dirty="0"/>
+              <a:t>Wellbeing</a:t>
+            </a:r>
+          </a:p>
+        </p:txBody>
+      </p:sp>
+      <p:sp>
+        <p:nvSpPr>
+          <p:cNvPr id="6" name="TextBox 5">
+            <a:extLst>
+              <a:ext uri="{FF2B5EF4-FFF2-40B4-BE49-F238E27FC236}">
+                <a16:creationId xmlns:a16="http://schemas.microsoft.com/office/drawing/2014/main" id="{7A5280C4-1E99-ED4D-B459-F2A792F0E010}"/>
+              </a:ext>
+            </a:extLst>
+          </p:cNvPr>
+          <p:cNvSpPr txBox="1"/>
+          <p:nvPr/>
+        </p:nvSpPr>
+        <p:spPr>
+          <a:xfrm>
+            <a:off x="2078487" y="5523525"/>
+            <a:ext cx="1123577" cy="646331"/>
+          </a:xfrm>
+          <a:prstGeom prst="rect">
+            <a:avLst/>
+          </a:prstGeom>
+        </p:spPr>
+        <p:style>
+          <a:lnRef idx="2">
+            <a:schemeClr val="accent6"/>
+          </a:lnRef>
+          <a:fillRef idx="1">
+            <a:schemeClr val="lt1"/>
+          </a:fillRef>
+          <a:effectRef idx="0">
+            <a:schemeClr val="accent6"/>
+          </a:effectRef>
+          <a:fontRef idx="minor">
+            <a:schemeClr val="dk1"/>
+          </a:fontRef>
+        </p:style>
+        <p:txBody>
+          <a:bodyPr wrap="none" rtlCol="0">
+            <a:spAutoFit/>
+          </a:bodyPr>
+          <a:lstStyle/>
+          <a:p>
+            <a:pPr algn="ctr"/>
+            <a:r>
+              <a:rPr lang="en-US" dirty="0"/>
+              <a:t>Child </a:t>
+            </a:r>
+          </a:p>
+          <a:p>
+            <a:pPr algn="ctr"/>
+            <a:r>
+              <a:rPr lang="en-US" dirty="0"/>
+              <a:t>Wellbeing</a:t>
+            </a:r>
+          </a:p>
+        </p:txBody>
+      </p:sp>
+      <p:sp>
+        <p:nvSpPr>
+          <p:cNvPr id="7" name="TextBox 6">
+            <a:extLst>
+              <a:ext uri="{FF2B5EF4-FFF2-40B4-BE49-F238E27FC236}">
+                <a16:creationId xmlns:a16="http://schemas.microsoft.com/office/drawing/2014/main" id="{7FCE5B20-D7FC-B84E-AF86-DFFC6A8077BA}"/>
+              </a:ext>
+            </a:extLst>
+          </p:cNvPr>
+          <p:cNvSpPr txBox="1"/>
+          <p:nvPr/>
+        </p:nvSpPr>
+        <p:spPr>
+          <a:xfrm>
+            <a:off x="5554384" y="688143"/>
+            <a:ext cx="1103186" cy="646331"/>
+          </a:xfrm>
+          <a:prstGeom prst="rect">
+            <a:avLst/>
+          </a:prstGeom>
+        </p:spPr>
+        <p:style>
+          <a:lnRef idx="2">
+            <a:schemeClr val="accent1"/>
+          </a:lnRef>
+          <a:fillRef idx="1">
+            <a:schemeClr val="lt1"/>
+          </a:fillRef>
+          <a:effectRef idx="0">
+            <a:schemeClr val="accent1"/>
+          </a:effectRef>
+          <a:fontRef idx="minor">
+            <a:schemeClr val="dk1"/>
+          </a:fontRef>
+        </p:style>
+        <p:txBody>
+          <a:bodyPr wrap="none" rtlCol="0">
+            <a:spAutoFit/>
+          </a:bodyPr>
+          <a:lstStyle/>
+          <a:p>
+            <a:pPr algn="ctr"/>
+            <a:r>
+              <a:rPr lang="en-US" dirty="0"/>
+              <a:t>Food </a:t>
+            </a:r>
+          </a:p>
+          <a:p>
+            <a:pPr algn="ctr"/>
+            <a:r>
+              <a:rPr lang="en-US" dirty="0"/>
+              <a:t>Insecurity</a:t>
+            </a:r>
+          </a:p>
+        </p:txBody>
+      </p:sp>
+      <p:sp>
+        <p:nvSpPr>
+          <p:cNvPr id="8" name="TextBox 7">
+            <a:extLst>
+              <a:ext uri="{FF2B5EF4-FFF2-40B4-BE49-F238E27FC236}">
+                <a16:creationId xmlns:a16="http://schemas.microsoft.com/office/drawing/2014/main" id="{511F5D54-F30B-1941-8CFE-2F2D3B42EF63}"/>
+              </a:ext>
+            </a:extLst>
+          </p:cNvPr>
+          <p:cNvSpPr txBox="1"/>
+          <p:nvPr/>
+        </p:nvSpPr>
+        <p:spPr>
+          <a:xfrm>
+            <a:off x="5520624" y="3105834"/>
+            <a:ext cx="1123577" cy="646331"/>
+          </a:xfrm>
+          <a:prstGeom prst="rect">
+            <a:avLst/>
+          </a:prstGeom>
+        </p:spPr>
+        <p:style>
+          <a:lnRef idx="2">
+            <a:schemeClr val="accent2"/>
+          </a:lnRef>
+          <a:fillRef idx="1">
+            <a:schemeClr val="lt1"/>
+          </a:fillRef>
+          <a:effectRef idx="0">
+            <a:schemeClr val="accent2"/>
+          </a:effectRef>
+          <a:fontRef idx="minor">
+            <a:schemeClr val="dk1"/>
+          </a:fontRef>
+        </p:style>
+        <p:txBody>
+          <a:bodyPr wrap="none" rtlCol="0">
+            <a:spAutoFit/>
+          </a:bodyPr>
+          <a:lstStyle/>
+          <a:p>
+            <a:pPr algn="ctr"/>
+            <a:r>
+              <a:rPr lang="en-US" dirty="0"/>
+              <a:t>Caregiver </a:t>
+            </a:r>
+          </a:p>
+          <a:p>
+            <a:pPr algn="ctr"/>
+            <a:r>
+              <a:rPr lang="en-US" dirty="0"/>
+              <a:t>Wellbeing</a:t>
+            </a:r>
+          </a:p>
+        </p:txBody>
+      </p:sp>
+      <p:sp>
+        <p:nvSpPr>
+          <p:cNvPr id="9" name="TextBox 8">
+            <a:extLst>
+              <a:ext uri="{FF2B5EF4-FFF2-40B4-BE49-F238E27FC236}">
+                <a16:creationId xmlns:a16="http://schemas.microsoft.com/office/drawing/2014/main" id="{DD4A1177-2045-1147-9107-3D770AB99E7E}"/>
+              </a:ext>
+            </a:extLst>
+          </p:cNvPr>
+          <p:cNvSpPr txBox="1"/>
+          <p:nvPr/>
+        </p:nvSpPr>
+        <p:spPr>
+          <a:xfrm>
+            <a:off x="5520625" y="5523525"/>
+            <a:ext cx="1123577" cy="646331"/>
+          </a:xfrm>
+          <a:prstGeom prst="rect">
+            <a:avLst/>
+          </a:prstGeom>
+        </p:spPr>
+        <p:style>
+          <a:lnRef idx="2">
+            <a:schemeClr val="accent6"/>
+          </a:lnRef>
+          <a:fillRef idx="1">
+            <a:schemeClr val="lt1"/>
+          </a:fillRef>
+          <a:effectRef idx="0">
+            <a:schemeClr val="accent6"/>
+          </a:effectRef>
+          <a:fontRef idx="minor">
+            <a:schemeClr val="dk1"/>
+          </a:fontRef>
+        </p:style>
+        <p:txBody>
+          <a:bodyPr wrap="none" rtlCol="0">
+            <a:spAutoFit/>
+          </a:bodyPr>
+          <a:lstStyle/>
+          <a:p>
+            <a:pPr algn="ctr"/>
+            <a:r>
+              <a:rPr lang="en-US" dirty="0"/>
+              <a:t>Child </a:t>
+            </a:r>
+          </a:p>
+          <a:p>
+            <a:pPr algn="ctr"/>
+            <a:r>
+              <a:rPr lang="en-US" dirty="0"/>
+              <a:t>Wellbeing</a:t>
+            </a:r>
+          </a:p>
+        </p:txBody>
+      </p:sp>
+      <p:sp>
+        <p:nvSpPr>
+          <p:cNvPr id="10" name="TextBox 9">
+            <a:extLst>
+              <a:ext uri="{FF2B5EF4-FFF2-40B4-BE49-F238E27FC236}">
+                <a16:creationId xmlns:a16="http://schemas.microsoft.com/office/drawing/2014/main" id="{C5DC7E3E-A9A6-DA42-86F9-D5786E0D82B4}"/>
+              </a:ext>
+            </a:extLst>
+          </p:cNvPr>
+          <p:cNvSpPr txBox="1"/>
+          <p:nvPr/>
+        </p:nvSpPr>
+        <p:spPr>
+          <a:xfrm>
+            <a:off x="9043651" y="688143"/>
+            <a:ext cx="1103187" cy="646331"/>
+          </a:xfrm>
+          <a:prstGeom prst="rect">
+            <a:avLst/>
+          </a:prstGeom>
+        </p:spPr>
+        <p:style>
+          <a:lnRef idx="2">
+            <a:schemeClr val="accent1"/>
+          </a:lnRef>
+          <a:fillRef idx="1">
+            <a:schemeClr val="lt1"/>
+          </a:fillRef>
+          <a:effectRef idx="0">
+            <a:schemeClr val="accent1"/>
+          </a:effectRef>
+          <a:fontRef idx="minor">
+            <a:schemeClr val="dk1"/>
+          </a:fontRef>
+        </p:style>
+        <p:txBody>
+          <a:bodyPr wrap="none" rtlCol="0">
+            <a:spAutoFit/>
+          </a:bodyPr>
+          <a:lstStyle/>
+          <a:p>
+            <a:pPr algn="ctr"/>
+            <a:r>
+              <a:rPr lang="en-US" dirty="0"/>
+              <a:t>Food </a:t>
+            </a:r>
+          </a:p>
+          <a:p>
+            <a:pPr algn="ctr"/>
+            <a:r>
+              <a:rPr lang="en-US" dirty="0"/>
+              <a:t>Insecurity</a:t>
+            </a:r>
+          </a:p>
+        </p:txBody>
+      </p:sp>
+      <p:sp>
+        <p:nvSpPr>
+          <p:cNvPr id="11" name="TextBox 10">
+            <a:extLst>
+              <a:ext uri="{FF2B5EF4-FFF2-40B4-BE49-F238E27FC236}">
+                <a16:creationId xmlns:a16="http://schemas.microsoft.com/office/drawing/2014/main" id="{F95AC1F8-671C-684F-B67E-92778D791EC1}"/>
+              </a:ext>
+            </a:extLst>
+          </p:cNvPr>
+          <p:cNvSpPr txBox="1"/>
+          <p:nvPr/>
+        </p:nvSpPr>
+        <p:spPr>
+          <a:xfrm>
+            <a:off x="9009891" y="3105834"/>
+            <a:ext cx="1123577" cy="646331"/>
+          </a:xfrm>
+          <a:prstGeom prst="rect">
+            <a:avLst/>
+          </a:prstGeom>
+        </p:spPr>
+        <p:style>
+          <a:lnRef idx="2">
+            <a:schemeClr val="accent2"/>
+          </a:lnRef>
+          <a:fillRef idx="1">
+            <a:schemeClr val="lt1"/>
+          </a:fillRef>
+          <a:effectRef idx="0">
+            <a:schemeClr val="accent2"/>
+          </a:effectRef>
+          <a:fontRef idx="minor">
+            <a:schemeClr val="dk1"/>
+          </a:fontRef>
+        </p:style>
+        <p:txBody>
+          <a:bodyPr wrap="none" rtlCol="0">
+            <a:spAutoFit/>
+          </a:bodyPr>
+          <a:lstStyle/>
+          <a:p>
+            <a:pPr algn="ctr"/>
+            <a:r>
+              <a:rPr lang="en-US" dirty="0"/>
+              <a:t>Caregiver </a:t>
+            </a:r>
+          </a:p>
+          <a:p>
+            <a:pPr algn="ctr"/>
+            <a:r>
+              <a:rPr lang="en-US" dirty="0"/>
+              <a:t>Wellbeing</a:t>
+            </a:r>
+          </a:p>
+        </p:txBody>
+      </p:sp>
+      <p:sp>
+        <p:nvSpPr>
+          <p:cNvPr id="12" name="TextBox 11">
+            <a:extLst>
+              <a:ext uri="{FF2B5EF4-FFF2-40B4-BE49-F238E27FC236}">
+                <a16:creationId xmlns:a16="http://schemas.microsoft.com/office/drawing/2014/main" id="{19CCB03D-FE94-BA4C-BE68-C844545CCE96}"/>
+              </a:ext>
+            </a:extLst>
+          </p:cNvPr>
+          <p:cNvSpPr txBox="1"/>
+          <p:nvPr/>
+        </p:nvSpPr>
+        <p:spPr>
+          <a:xfrm>
+            <a:off x="9009892" y="5523525"/>
+            <a:ext cx="1123577" cy="646331"/>
+          </a:xfrm>
+          <a:prstGeom prst="rect">
+            <a:avLst/>
+          </a:prstGeom>
+        </p:spPr>
+        <p:style>
+          <a:lnRef idx="2">
+            <a:schemeClr val="accent6"/>
+          </a:lnRef>
+          <a:fillRef idx="1">
+            <a:schemeClr val="lt1"/>
+          </a:fillRef>
+          <a:effectRef idx="0">
+            <a:schemeClr val="accent6"/>
+          </a:effectRef>
+          <a:fontRef idx="minor">
+            <a:schemeClr val="dk1"/>
+          </a:fontRef>
+        </p:style>
+        <p:txBody>
+          <a:bodyPr wrap="none" rtlCol="0">
+            <a:spAutoFit/>
+          </a:bodyPr>
+          <a:lstStyle/>
+          <a:p>
+            <a:pPr algn="ctr"/>
+            <a:r>
+              <a:rPr lang="en-US" dirty="0"/>
+              <a:t>Child </a:t>
+            </a:r>
+          </a:p>
+          <a:p>
+            <a:pPr algn="ctr"/>
+            <a:r>
+              <a:rPr lang="en-US" dirty="0"/>
+              <a:t>Wellbeing</a:t>
+            </a:r>
+          </a:p>
+        </p:txBody>
+      </p:sp>
+      <p:cxnSp>
+        <p:nvCxnSpPr>
+          <p:cNvPr id="14" name="Straight Arrow Connector 13">
+            <a:extLst>
+              <a:ext uri="{FF2B5EF4-FFF2-40B4-BE49-F238E27FC236}">
+                <a16:creationId xmlns:a16="http://schemas.microsoft.com/office/drawing/2014/main" id="{1298F7BA-A180-9B44-AB46-1F09C6559EEE}"/>
+              </a:ext>
+            </a:extLst>
+          </p:cNvPr>
+          <p:cNvCxnSpPr>
+            <a:stCxn id="4" idx="3"/>
+            <a:endCxn id="7" idx="1"/>
+          </p:cNvCxnSpPr>
+          <p:nvPr/>
+        </p:nvCxnSpPr>
+        <p:spPr>
+          <a:xfrm>
+            <a:off x="3215435" y="1011309"/>
+            <a:ext cx="2338949" cy="0"/>
+          </a:xfrm>
+          <a:prstGeom prst="straightConnector1">
+            <a:avLst/>
+          </a:prstGeom>
+          <a:ln>
+            <a:tailEnd type="triangle"/>
+          </a:ln>
+        </p:spPr>
+        <p:style>
+          <a:lnRef idx="1">
+            <a:schemeClr val="accent1"/>
+          </a:lnRef>
+          <a:fillRef idx="0">
+            <a:schemeClr val="accent1"/>
+          </a:fillRef>
+          <a:effectRef idx="0">
+            <a:schemeClr val="accent1"/>
+          </a:effectRef>
+          <a:fontRef idx="minor">
+            <a:schemeClr val="tx1"/>
+          </a:fontRef>
+        </p:style>
+      </p:cxnSp>
+      <p:cxnSp>
+        <p:nvCxnSpPr>
+          <p:cNvPr id="16" name="Straight Arrow Connector 15">
+            <a:extLst>
+              <a:ext uri="{FF2B5EF4-FFF2-40B4-BE49-F238E27FC236}">
+                <a16:creationId xmlns:a16="http://schemas.microsoft.com/office/drawing/2014/main" id="{3EC19645-30C0-A34B-8C30-B5850F29B3A3}"/>
+              </a:ext>
+            </a:extLst>
+          </p:cNvPr>
+          <p:cNvCxnSpPr>
+            <a:stCxn id="7" idx="3"/>
+            <a:endCxn id="10" idx="1"/>
+          </p:cNvCxnSpPr>
+          <p:nvPr/>
+        </p:nvCxnSpPr>
+        <p:spPr>
+          <a:xfrm>
+            <a:off x="6657570" y="1011309"/>
+            <a:ext cx="2386081" cy="0"/>
+          </a:xfrm>
+          <a:prstGeom prst="straightConnector1">
+            <a:avLst/>
+          </a:prstGeom>
+          <a:ln>
+            <a:tailEnd type="triangle"/>
+          </a:ln>
+        </p:spPr>
+        <p:style>
+          <a:lnRef idx="1">
+            <a:schemeClr val="accent1"/>
+          </a:lnRef>
+          <a:fillRef idx="0">
+            <a:schemeClr val="accent1"/>
+          </a:fillRef>
+          <a:effectRef idx="0">
+            <a:schemeClr val="accent1"/>
+          </a:effectRef>
+          <a:fontRef idx="minor">
+            <a:schemeClr val="tx1"/>
+          </a:fontRef>
+        </p:style>
+      </p:cxnSp>
+      <p:cxnSp>
+        <p:nvCxnSpPr>
+          <p:cNvPr id="18" name="Straight Arrow Connector 17">
+            <a:extLst>
+              <a:ext uri="{FF2B5EF4-FFF2-40B4-BE49-F238E27FC236}">
+                <a16:creationId xmlns:a16="http://schemas.microsoft.com/office/drawing/2014/main" id="{4FAC1945-C0EA-1E46-BF15-BDF5657C58E3}"/>
+              </a:ext>
+            </a:extLst>
+          </p:cNvPr>
+          <p:cNvCxnSpPr>
+            <a:stCxn id="4" idx="3"/>
+            <a:endCxn id="8" idx="1"/>
+          </p:cNvCxnSpPr>
+          <p:nvPr/>
+        </p:nvCxnSpPr>
+        <p:spPr>
+          <a:xfrm>
+            <a:off x="3215435" y="1011309"/>
+            <a:ext cx="2305189" cy="2417691"/>
+          </a:xfrm>
+          <a:prstGeom prst="straightConnector1">
+            <a:avLst/>
+          </a:prstGeom>
+          <a:ln>
+            <a:prstDash val="lgDash"/>
+            <a:tailEnd type="triangle"/>
+          </a:ln>
+        </p:spPr>
+        <p:style>
+          <a:lnRef idx="1">
+            <a:schemeClr val="accent1"/>
+          </a:lnRef>
+          <a:fillRef idx="0">
+            <a:schemeClr val="accent1"/>
+          </a:fillRef>
+          <a:effectRef idx="0">
+            <a:schemeClr val="accent1"/>
+          </a:effectRef>
+          <a:fontRef idx="minor">
+            <a:schemeClr val="tx1"/>
+          </a:fontRef>
+        </p:style>
+      </p:cxnSp>
+      <p:cxnSp>
+        <p:nvCxnSpPr>
+          <p:cNvPr id="22" name="Straight Arrow Connector 21">
+            <a:extLst>
+              <a:ext uri="{FF2B5EF4-FFF2-40B4-BE49-F238E27FC236}">
+                <a16:creationId xmlns:a16="http://schemas.microsoft.com/office/drawing/2014/main" id="{7A3CC553-85FE-194E-B9DB-236DFC8AB38E}"/>
+              </a:ext>
+            </a:extLst>
+          </p:cNvPr>
+          <p:cNvCxnSpPr>
+            <a:stCxn id="7" idx="3"/>
+            <a:endCxn id="11" idx="1"/>
+          </p:cNvCxnSpPr>
+          <p:nvPr/>
+        </p:nvCxnSpPr>
+        <p:spPr>
+          <a:xfrm>
+            <a:off x="6657570" y="1011309"/>
+            <a:ext cx="2352321" cy="2417691"/>
+          </a:xfrm>
+          <a:prstGeom prst="straightConnector1">
+            <a:avLst/>
+          </a:prstGeom>
+          <a:ln>
+            <a:prstDash val="lgDash"/>
+            <a:tailEnd type="triangle"/>
+          </a:ln>
+        </p:spPr>
+        <p:style>
+          <a:lnRef idx="1">
+            <a:schemeClr val="accent1"/>
+          </a:lnRef>
+          <a:fillRef idx="0">
+            <a:schemeClr val="accent1"/>
+          </a:fillRef>
+          <a:effectRef idx="0">
+            <a:schemeClr val="accent1"/>
+          </a:effectRef>
+          <a:fontRef idx="minor">
+            <a:schemeClr val="tx1"/>
+          </a:fontRef>
+        </p:style>
+      </p:cxnSp>
+      <p:cxnSp>
+        <p:nvCxnSpPr>
+          <p:cNvPr id="26" name="Straight Arrow Connector 25">
+            <a:extLst>
+              <a:ext uri="{FF2B5EF4-FFF2-40B4-BE49-F238E27FC236}">
+                <a16:creationId xmlns:a16="http://schemas.microsoft.com/office/drawing/2014/main" id="{B8B38524-F7B3-A048-8247-958A5220C068}"/>
+              </a:ext>
+            </a:extLst>
+          </p:cNvPr>
+          <p:cNvCxnSpPr>
+            <a:stCxn id="5" idx="3"/>
+            <a:endCxn id="8" idx="1"/>
+          </p:cNvCxnSpPr>
+          <p:nvPr/>
+        </p:nvCxnSpPr>
+        <p:spPr>
+          <a:xfrm>
+            <a:off x="3202063" y="3429000"/>
+            <a:ext cx="2318561" cy="0"/>
+          </a:xfrm>
+          <a:prstGeom prst="straightConnector1">
+            <a:avLst/>
+          </a:prstGeom>
+          <a:ln>
+            <a:tailEnd type="triangle"/>
+          </a:ln>
+        </p:spPr>
+        <p:style>
+          <a:lnRef idx="1">
+            <a:schemeClr val="accent2"/>
+          </a:lnRef>
+          <a:fillRef idx="0">
+            <a:schemeClr val="accent2"/>
+          </a:fillRef>
+          <a:effectRef idx="0">
+            <a:schemeClr val="accent2"/>
+          </a:effectRef>
+          <a:fontRef idx="minor">
+            <a:schemeClr val="tx1"/>
+          </a:fontRef>
+        </p:style>
+      </p:cxnSp>
+      <p:cxnSp>
+        <p:nvCxnSpPr>
+          <p:cNvPr id="28" name="Straight Arrow Connector 27">
+            <a:extLst>
+              <a:ext uri="{FF2B5EF4-FFF2-40B4-BE49-F238E27FC236}">
+                <a16:creationId xmlns:a16="http://schemas.microsoft.com/office/drawing/2014/main" id="{28316203-54C2-1F47-B8B6-C25D5DDCB40F}"/>
+              </a:ext>
+            </a:extLst>
+          </p:cNvPr>
+          <p:cNvCxnSpPr>
+            <a:stCxn id="5" idx="3"/>
+            <a:endCxn id="7" idx="1"/>
+          </p:cNvCxnSpPr>
+          <p:nvPr/>
+        </p:nvCxnSpPr>
+        <p:spPr>
+          <a:xfrm flipV="1">
+            <a:off x="3202063" y="1011309"/>
+            <a:ext cx="2352321" cy="2417691"/>
+          </a:xfrm>
+          <a:prstGeom prst="straightConnector1">
+            <a:avLst/>
+          </a:prstGeom>
+          <a:ln>
+            <a:prstDash val="lgDash"/>
+            <a:tailEnd type="triangle"/>
+          </a:ln>
+        </p:spPr>
+        <p:style>
+          <a:lnRef idx="1">
+            <a:schemeClr val="accent2"/>
+          </a:lnRef>
+          <a:fillRef idx="0">
+            <a:schemeClr val="accent2"/>
+          </a:fillRef>
+          <a:effectRef idx="0">
+            <a:schemeClr val="accent2"/>
+          </a:effectRef>
+          <a:fontRef idx="minor">
+            <a:schemeClr val="tx1"/>
+          </a:fontRef>
+        </p:style>
+      </p:cxnSp>
+      <p:cxnSp>
+        <p:nvCxnSpPr>
+          <p:cNvPr id="30" name="Straight Arrow Connector 29">
+            <a:extLst>
+              <a:ext uri="{FF2B5EF4-FFF2-40B4-BE49-F238E27FC236}">
+                <a16:creationId xmlns:a16="http://schemas.microsoft.com/office/drawing/2014/main" id="{EBBB2AA3-D196-2E47-A432-207347AEB711}"/>
+              </a:ext>
+            </a:extLst>
+          </p:cNvPr>
+          <p:cNvCxnSpPr>
+            <a:stCxn id="5" idx="3"/>
+            <a:endCxn id="9" idx="1"/>
+          </p:cNvCxnSpPr>
+          <p:nvPr/>
+        </p:nvCxnSpPr>
+        <p:spPr>
+          <a:xfrm>
+            <a:off x="3202063" y="3429000"/>
+            <a:ext cx="2318562" cy="2417691"/>
+          </a:xfrm>
+          <a:prstGeom prst="straightConnector1">
+            <a:avLst/>
+          </a:prstGeom>
+          <a:ln>
+            <a:tailEnd type="triangle"/>
+          </a:ln>
+        </p:spPr>
+        <p:style>
+          <a:lnRef idx="1">
+            <a:schemeClr val="accent2"/>
+          </a:lnRef>
+          <a:fillRef idx="0">
+            <a:schemeClr val="accent2"/>
+          </a:fillRef>
+          <a:effectRef idx="0">
+            <a:schemeClr val="accent2"/>
+          </a:effectRef>
+          <a:fontRef idx="minor">
+            <a:schemeClr val="tx1"/>
+          </a:fontRef>
+        </p:style>
+      </p:cxnSp>
+      <p:cxnSp>
+        <p:nvCxnSpPr>
+          <p:cNvPr id="32" name="Straight Arrow Connector 31">
+            <a:extLst>
+              <a:ext uri="{FF2B5EF4-FFF2-40B4-BE49-F238E27FC236}">
+                <a16:creationId xmlns:a16="http://schemas.microsoft.com/office/drawing/2014/main" id="{903F4E6A-779E-A84D-BB78-42C59545255A}"/>
+              </a:ext>
+            </a:extLst>
+          </p:cNvPr>
+          <p:cNvCxnSpPr>
+            <a:stCxn id="8" idx="3"/>
+            <a:endCxn id="10" idx="1"/>
+          </p:cNvCxnSpPr>
+          <p:nvPr/>
+        </p:nvCxnSpPr>
+        <p:spPr>
+          <a:xfrm flipV="1">
+            <a:off x="6644201" y="1011309"/>
+            <a:ext cx="2399450" cy="2417691"/>
+          </a:xfrm>
+          <a:prstGeom prst="straightConnector1">
+            <a:avLst/>
+          </a:prstGeom>
+          <a:ln>
+            <a:prstDash val="lgDash"/>
+            <a:tailEnd type="triangle"/>
+          </a:ln>
+        </p:spPr>
+        <p:style>
+          <a:lnRef idx="1">
+            <a:schemeClr val="accent2"/>
+          </a:lnRef>
+          <a:fillRef idx="0">
+            <a:schemeClr val="accent2"/>
+          </a:fillRef>
+          <a:effectRef idx="0">
+            <a:schemeClr val="accent2"/>
+          </a:effectRef>
+          <a:fontRef idx="minor">
+            <a:schemeClr val="tx1"/>
+          </a:fontRef>
+        </p:style>
+      </p:cxnSp>
+      <p:cxnSp>
+        <p:nvCxnSpPr>
+          <p:cNvPr id="34" name="Straight Arrow Connector 33">
+            <a:extLst>
+              <a:ext uri="{FF2B5EF4-FFF2-40B4-BE49-F238E27FC236}">
+                <a16:creationId xmlns:a16="http://schemas.microsoft.com/office/drawing/2014/main" id="{1406E211-1609-214F-96CA-01993B3ABCBE}"/>
+              </a:ext>
+            </a:extLst>
+          </p:cNvPr>
+          <p:cNvCxnSpPr>
+            <a:stCxn id="8" idx="3"/>
+            <a:endCxn id="11" idx="1"/>
+          </p:cNvCxnSpPr>
+          <p:nvPr/>
+        </p:nvCxnSpPr>
+        <p:spPr>
+          <a:xfrm>
+            <a:off x="6644201" y="3429000"/>
+            <a:ext cx="2365690" cy="0"/>
+          </a:xfrm>
+          <a:prstGeom prst="straightConnector1">
+            <a:avLst/>
+          </a:prstGeom>
+          <a:ln>
+            <a:tailEnd type="triangle"/>
+          </a:ln>
+        </p:spPr>
+        <p:style>
+          <a:lnRef idx="1">
+            <a:schemeClr val="accent2"/>
+          </a:lnRef>
+          <a:fillRef idx="0">
+            <a:schemeClr val="accent2"/>
+          </a:fillRef>
+          <a:effectRef idx="0">
+            <a:schemeClr val="accent2"/>
+          </a:effectRef>
+          <a:fontRef idx="minor">
+            <a:schemeClr val="tx1"/>
+          </a:fontRef>
+        </p:style>
+      </p:cxnSp>
+      <p:cxnSp>
+        <p:nvCxnSpPr>
+          <p:cNvPr id="36" name="Straight Arrow Connector 35">
+            <a:extLst>
+              <a:ext uri="{FF2B5EF4-FFF2-40B4-BE49-F238E27FC236}">
+                <a16:creationId xmlns:a16="http://schemas.microsoft.com/office/drawing/2014/main" id="{E71AFDA3-9358-684E-B9A5-24851942F9BA}"/>
+              </a:ext>
+            </a:extLst>
+          </p:cNvPr>
+          <p:cNvCxnSpPr>
+            <a:stCxn id="8" idx="3"/>
+            <a:endCxn id="12" idx="1"/>
+          </p:cNvCxnSpPr>
+          <p:nvPr/>
+        </p:nvCxnSpPr>
+        <p:spPr>
+          <a:xfrm>
+            <a:off x="6644201" y="3429000"/>
+            <a:ext cx="2365691" cy="2417691"/>
+          </a:xfrm>
+          <a:prstGeom prst="straightConnector1">
+            <a:avLst/>
+          </a:prstGeom>
+          <a:ln>
+            <a:tailEnd type="triangle"/>
+          </a:ln>
+        </p:spPr>
+        <p:style>
+          <a:lnRef idx="1">
+            <a:schemeClr val="accent2"/>
+          </a:lnRef>
+          <a:fillRef idx="0">
+            <a:schemeClr val="accent2"/>
+          </a:fillRef>
+          <a:effectRef idx="0">
+            <a:schemeClr val="accent2"/>
+          </a:effectRef>
+          <a:fontRef idx="minor">
+            <a:schemeClr val="tx1"/>
+          </a:fontRef>
+        </p:style>
+      </p:cxnSp>
+      <p:cxnSp>
+        <p:nvCxnSpPr>
+          <p:cNvPr id="38" name="Straight Arrow Connector 37">
+            <a:extLst>
+              <a:ext uri="{FF2B5EF4-FFF2-40B4-BE49-F238E27FC236}">
+                <a16:creationId xmlns:a16="http://schemas.microsoft.com/office/drawing/2014/main" id="{71B9D28D-CA6D-8640-9AAB-7207ACC893C4}"/>
+              </a:ext>
+            </a:extLst>
+          </p:cNvPr>
+          <p:cNvCxnSpPr>
+            <a:stCxn id="6" idx="3"/>
+            <a:endCxn id="8" idx="1"/>
+          </p:cNvCxnSpPr>
+          <p:nvPr/>
+        </p:nvCxnSpPr>
+        <p:spPr>
+          <a:xfrm flipV="1">
+            <a:off x="3202064" y="3429000"/>
+            <a:ext cx="2318560" cy="2417691"/>
+          </a:xfrm>
+          <a:prstGeom prst="straightConnector1">
+            <a:avLst/>
+          </a:prstGeom>
+          <a:ln>
+            <a:tailEnd type="triangle"/>
+          </a:ln>
+        </p:spPr>
+        <p:style>
+          <a:lnRef idx="1">
+            <a:schemeClr val="accent6"/>
+          </a:lnRef>
+          <a:fillRef idx="0">
+            <a:schemeClr val="accent6"/>
+          </a:fillRef>
+          <a:effectRef idx="0">
+            <a:schemeClr val="accent6"/>
+          </a:effectRef>
+          <a:fontRef idx="minor">
+            <a:schemeClr val="tx1"/>
+          </a:fontRef>
+        </p:style>
+      </p:cxnSp>
+      <p:cxnSp>
+        <p:nvCxnSpPr>
+          <p:cNvPr id="40" name="Straight Arrow Connector 39">
+            <a:extLst>
+              <a:ext uri="{FF2B5EF4-FFF2-40B4-BE49-F238E27FC236}">
+                <a16:creationId xmlns:a16="http://schemas.microsoft.com/office/drawing/2014/main" id="{185A8537-162B-454D-8728-A68B4A614912}"/>
+              </a:ext>
+            </a:extLst>
+          </p:cNvPr>
+          <p:cNvCxnSpPr>
+            <a:stCxn id="6" idx="3"/>
+            <a:endCxn id="9" idx="1"/>
+          </p:cNvCxnSpPr>
+          <p:nvPr/>
+        </p:nvCxnSpPr>
+        <p:spPr>
+          <a:xfrm>
+            <a:off x="3202064" y="5846691"/>
+            <a:ext cx="2318561" cy="0"/>
+          </a:xfrm>
+          <a:prstGeom prst="straightConnector1">
+            <a:avLst/>
+          </a:prstGeom>
+          <a:ln>
+            <a:tailEnd type="triangle"/>
+          </a:ln>
+        </p:spPr>
+        <p:style>
+          <a:lnRef idx="1">
+            <a:schemeClr val="accent6"/>
+          </a:lnRef>
+          <a:fillRef idx="0">
+            <a:schemeClr val="accent6"/>
+          </a:fillRef>
+          <a:effectRef idx="0">
+            <a:schemeClr val="accent6"/>
+          </a:effectRef>
+          <a:fontRef idx="minor">
+            <a:schemeClr val="tx1"/>
+          </a:fontRef>
+        </p:style>
+      </p:cxnSp>
+      <p:cxnSp>
+        <p:nvCxnSpPr>
+          <p:cNvPr id="44" name="Straight Arrow Connector 43">
+            <a:extLst>
+              <a:ext uri="{FF2B5EF4-FFF2-40B4-BE49-F238E27FC236}">
+                <a16:creationId xmlns:a16="http://schemas.microsoft.com/office/drawing/2014/main" id="{C3AF7C9B-F6F5-E144-877C-CA60484B62D1}"/>
+              </a:ext>
+            </a:extLst>
+          </p:cNvPr>
+          <p:cNvCxnSpPr>
+            <a:stCxn id="9" idx="3"/>
+            <a:endCxn id="12" idx="1"/>
+          </p:cNvCxnSpPr>
+          <p:nvPr/>
+        </p:nvCxnSpPr>
+        <p:spPr>
+          <a:xfrm>
+            <a:off x="6644202" y="5846691"/>
+            <a:ext cx="2365690" cy="0"/>
+          </a:xfrm>
+          <a:prstGeom prst="straightConnector1">
+            <a:avLst/>
+          </a:prstGeom>
+          <a:ln>
+            <a:tailEnd type="triangle"/>
+          </a:ln>
+        </p:spPr>
+        <p:style>
+          <a:lnRef idx="1">
+            <a:schemeClr val="accent6"/>
+          </a:lnRef>
+          <a:fillRef idx="0">
+            <a:schemeClr val="accent6"/>
+          </a:fillRef>
+          <a:effectRef idx="0">
+            <a:schemeClr val="accent6"/>
+          </a:effectRef>
+          <a:fontRef idx="minor">
+            <a:schemeClr val="tx1"/>
+          </a:fontRef>
+        </p:style>
+      </p:cxnSp>
+      <p:cxnSp>
+        <p:nvCxnSpPr>
+          <p:cNvPr id="46" name="Straight Arrow Connector 45">
+            <a:extLst>
+              <a:ext uri="{FF2B5EF4-FFF2-40B4-BE49-F238E27FC236}">
+                <a16:creationId xmlns:a16="http://schemas.microsoft.com/office/drawing/2014/main" id="{BCB19781-0C60-B548-A713-07F3E1DACA9A}"/>
+              </a:ext>
+            </a:extLst>
+          </p:cNvPr>
+          <p:cNvCxnSpPr>
+            <a:stCxn id="9" idx="3"/>
+            <a:endCxn id="11" idx="1"/>
+          </p:cNvCxnSpPr>
+          <p:nvPr/>
+        </p:nvCxnSpPr>
+        <p:spPr>
+          <a:xfrm flipV="1">
+            <a:off x="6644202" y="3429000"/>
+            <a:ext cx="2365689" cy="2417691"/>
+          </a:xfrm>
+          <a:prstGeom prst="straightConnector1">
+            <a:avLst/>
+          </a:prstGeom>
+          <a:ln>
+            <a:tailEnd type="triangle"/>
+          </a:ln>
+        </p:spPr>
+        <p:style>
+          <a:lnRef idx="1">
+            <a:schemeClr val="accent6"/>
+          </a:lnRef>
+          <a:fillRef idx="0">
+            <a:schemeClr val="accent6"/>
+          </a:fillRef>
+          <a:effectRef idx="0">
+            <a:schemeClr val="accent6"/>
+          </a:effectRef>
+          <a:fontRef idx="minor">
+            <a:schemeClr val="tx1"/>
+          </a:fontRef>
+        </p:style>
+      </p:cxnSp>
+      <p:cxnSp>
+        <p:nvCxnSpPr>
+          <p:cNvPr id="50" name="Curved Connector 49">
+            <a:extLst>
+              <a:ext uri="{FF2B5EF4-FFF2-40B4-BE49-F238E27FC236}">
+                <a16:creationId xmlns:a16="http://schemas.microsoft.com/office/drawing/2014/main" id="{D460EF17-840C-7343-A66F-30F2B81109E9}"/>
+              </a:ext>
+            </a:extLst>
+          </p:cNvPr>
+          <p:cNvCxnSpPr>
+            <a:stCxn id="4" idx="1"/>
+            <a:endCxn id="5" idx="1"/>
+          </p:cNvCxnSpPr>
+          <p:nvPr/>
+        </p:nvCxnSpPr>
+        <p:spPr>
+          <a:xfrm rot="10800000" flipV="1">
+            <a:off x="2078487" y="1011308"/>
+            <a:ext cx="33763" cy="2417691"/>
+          </a:xfrm>
+          <a:prstGeom prst="curvedConnector3">
+            <a:avLst>
+              <a:gd name="adj1" fmla="val 777073"/>
+            </a:avLst>
+          </a:prstGeom>
+          <a:ln>
+            <a:prstDash val="lgDash"/>
+            <a:headEnd type="triangle"/>
+            <a:tailEnd type="triangle"/>
+          </a:ln>
+        </p:spPr>
+        <p:style>
+          <a:lnRef idx="1">
+            <a:schemeClr val="dk1"/>
+          </a:lnRef>
+          <a:fillRef idx="0">
+            <a:schemeClr val="dk1"/>
+          </a:fillRef>
+          <a:effectRef idx="0">
+            <a:schemeClr val="dk1"/>
+          </a:effectRef>
+          <a:fontRef idx="minor">
+            <a:schemeClr val="tx1"/>
+          </a:fontRef>
+        </p:style>
+      </p:cxnSp>
+      <p:cxnSp>
+        <p:nvCxnSpPr>
+          <p:cNvPr id="52" name="Curved Connector 51">
+            <a:extLst>
+              <a:ext uri="{FF2B5EF4-FFF2-40B4-BE49-F238E27FC236}">
+                <a16:creationId xmlns:a16="http://schemas.microsoft.com/office/drawing/2014/main" id="{6D98D31E-BED1-9341-9081-AE886D882EAD}"/>
+              </a:ext>
+            </a:extLst>
+          </p:cNvPr>
+          <p:cNvCxnSpPr>
+            <a:cxnSpLocks/>
+            <a:stCxn id="4" idx="1"/>
+            <a:endCxn id="6" idx="1"/>
+          </p:cNvCxnSpPr>
+          <p:nvPr/>
+        </p:nvCxnSpPr>
+        <p:spPr>
+          <a:xfrm rot="10800000" flipV="1">
+            <a:off x="2078487" y="1011309"/>
+            <a:ext cx="33762" cy="4835382"/>
+          </a:xfrm>
+          <a:prstGeom prst="curvedConnector3">
+            <a:avLst>
+              <a:gd name="adj1" fmla="val 2209105"/>
+            </a:avLst>
+          </a:prstGeom>
+          <a:ln>
+            <a:prstDash val="lgDash"/>
+            <a:headEnd type="triangle"/>
+            <a:tailEnd type="triangle"/>
+          </a:ln>
+        </p:spPr>
+        <p:style>
+          <a:lnRef idx="1">
+            <a:schemeClr val="dk1"/>
+          </a:lnRef>
+          <a:fillRef idx="0">
+            <a:schemeClr val="dk1"/>
+          </a:fillRef>
+          <a:effectRef idx="0">
+            <a:schemeClr val="dk1"/>
+          </a:effectRef>
+          <a:fontRef idx="minor">
+            <a:schemeClr val="tx1"/>
+          </a:fontRef>
+        </p:style>
+      </p:cxnSp>
+      <p:cxnSp>
+        <p:nvCxnSpPr>
+          <p:cNvPr id="55" name="Curved Connector 54">
+            <a:extLst>
+              <a:ext uri="{FF2B5EF4-FFF2-40B4-BE49-F238E27FC236}">
+                <a16:creationId xmlns:a16="http://schemas.microsoft.com/office/drawing/2014/main" id="{329F5102-9C9C-764F-98EE-B04767D689C5}"/>
+              </a:ext>
+            </a:extLst>
+          </p:cNvPr>
+          <p:cNvCxnSpPr>
+            <a:stCxn id="5" idx="1"/>
+            <a:endCxn id="6" idx="1"/>
+          </p:cNvCxnSpPr>
+          <p:nvPr/>
+        </p:nvCxnSpPr>
+        <p:spPr>
+          <a:xfrm rot="10800000" flipH="1" flipV="1">
+            <a:off x="2078485" y="3428999"/>
+            <a:ext cx="1" cy="2417691"/>
+          </a:xfrm>
+          <a:prstGeom prst="curvedConnector3">
+            <a:avLst>
+              <a:gd name="adj1" fmla="val -22860000000"/>
+            </a:avLst>
+          </a:prstGeom>
+          <a:ln>
+            <a:headEnd type="triangle"/>
+            <a:tailEnd type="triangle"/>
+          </a:ln>
+        </p:spPr>
+        <p:style>
+          <a:lnRef idx="1">
+            <a:schemeClr val="dk1"/>
+          </a:lnRef>
+          <a:fillRef idx="0">
+            <a:schemeClr val="dk1"/>
+          </a:fillRef>
+          <a:effectRef idx="0">
+            <a:schemeClr val="dk1"/>
+          </a:effectRef>
+          <a:fontRef idx="minor">
+            <a:schemeClr val="tx1"/>
+          </a:fontRef>
+        </p:style>
+      </p:cxnSp>
+      <p:sp>
+        <p:nvSpPr>
+          <p:cNvPr id="63" name="TextBox 62">
+            <a:extLst>
+              <a:ext uri="{FF2B5EF4-FFF2-40B4-BE49-F238E27FC236}">
+                <a16:creationId xmlns:a16="http://schemas.microsoft.com/office/drawing/2014/main" id="{EECD93F2-682C-F84F-B876-93C510A77332}"/>
+              </a:ext>
+            </a:extLst>
+          </p:cNvPr>
+          <p:cNvSpPr txBox="1"/>
+          <p:nvPr/>
+        </p:nvSpPr>
+        <p:spPr>
+          <a:xfrm>
+            <a:off x="4260510" y="734309"/>
+            <a:ext cx="380232" cy="276999"/>
+          </a:xfrm>
+          <a:prstGeom prst="rect">
+            <a:avLst/>
+          </a:prstGeom>
+          <a:noFill/>
+        </p:spPr>
+        <p:txBody>
+          <a:bodyPr wrap="none" rtlCol="0">
+            <a:spAutoFit/>
+          </a:bodyPr>
+          <a:lstStyle/>
+          <a:p>
+            <a:r>
+              <a:rPr lang="en-US" sz="1200" dirty="0">
+                <a:solidFill>
+                  <a:schemeClr val="accent1"/>
+                </a:solidFill>
+              </a:rPr>
+              <a:t>.87</a:t>
+            </a:r>
+          </a:p>
+        </p:txBody>
+      </p:sp>
+      <p:sp>
+        <p:nvSpPr>
+          <p:cNvPr id="64" name="TextBox 63">
+            <a:extLst>
+              <a:ext uri="{FF2B5EF4-FFF2-40B4-BE49-F238E27FC236}">
+                <a16:creationId xmlns:a16="http://schemas.microsoft.com/office/drawing/2014/main" id="{10170E9D-E434-D84D-8F22-80D78E9279D6}"/>
+              </a:ext>
+            </a:extLst>
+          </p:cNvPr>
+          <p:cNvSpPr txBox="1"/>
+          <p:nvPr/>
+        </p:nvSpPr>
+        <p:spPr>
+          <a:xfrm>
+            <a:off x="7701370" y="688143"/>
+            <a:ext cx="380232" cy="276999"/>
+          </a:xfrm>
+          <a:prstGeom prst="rect">
+            <a:avLst/>
+          </a:prstGeom>
+          <a:noFill/>
+        </p:spPr>
+        <p:txBody>
+          <a:bodyPr wrap="none" rtlCol="0">
+            <a:spAutoFit/>
+          </a:bodyPr>
+          <a:lstStyle/>
+          <a:p>
+            <a:r>
+              <a:rPr lang="en-US" sz="1200" dirty="0">
+                <a:solidFill>
+                  <a:schemeClr val="accent1"/>
+                </a:solidFill>
+              </a:rPr>
+              <a:t>.87</a:t>
+            </a:r>
+          </a:p>
+        </p:txBody>
+      </p:sp>
+      <p:sp>
+        <p:nvSpPr>
+          <p:cNvPr id="65" name="TextBox 64">
+            <a:extLst>
+              <a:ext uri="{FF2B5EF4-FFF2-40B4-BE49-F238E27FC236}">
+                <a16:creationId xmlns:a16="http://schemas.microsoft.com/office/drawing/2014/main" id="{801F5122-BC51-1349-82D4-FF22A277A2DB}"/>
+              </a:ext>
+            </a:extLst>
+          </p:cNvPr>
+          <p:cNvSpPr txBox="1"/>
+          <p:nvPr/>
+        </p:nvSpPr>
+        <p:spPr>
+          <a:xfrm>
+            <a:off x="3858865" y="1476790"/>
+            <a:ext cx="426720" cy="276999"/>
+          </a:xfrm>
+          <a:prstGeom prst="rect">
+            <a:avLst/>
+          </a:prstGeom>
+          <a:noFill/>
+        </p:spPr>
+        <p:txBody>
+          <a:bodyPr wrap="none" rtlCol="0">
+            <a:spAutoFit/>
+          </a:bodyPr>
+          <a:lstStyle/>
+          <a:p>
+            <a:r>
+              <a:rPr lang="en-US" sz="1200" dirty="0">
+                <a:solidFill>
+                  <a:schemeClr val="accent1"/>
+                </a:solidFill>
+              </a:rPr>
+              <a:t>-.04</a:t>
+            </a:r>
+          </a:p>
+        </p:txBody>
+      </p:sp>
+      <p:sp>
+        <p:nvSpPr>
+          <p:cNvPr id="66" name="TextBox 65">
+            <a:extLst>
+              <a:ext uri="{FF2B5EF4-FFF2-40B4-BE49-F238E27FC236}">
+                <a16:creationId xmlns:a16="http://schemas.microsoft.com/office/drawing/2014/main" id="{65E6E438-5843-B644-AB4D-03650B59A700}"/>
+              </a:ext>
+            </a:extLst>
+          </p:cNvPr>
+          <p:cNvSpPr txBox="1"/>
+          <p:nvPr/>
+        </p:nvSpPr>
+        <p:spPr>
+          <a:xfrm>
+            <a:off x="3202062" y="1762735"/>
+            <a:ext cx="426720" cy="276999"/>
+          </a:xfrm>
+          <a:prstGeom prst="rect">
+            <a:avLst/>
+          </a:prstGeom>
+          <a:noFill/>
+        </p:spPr>
+        <p:txBody>
+          <a:bodyPr wrap="none" rtlCol="0">
+            <a:spAutoFit/>
+          </a:bodyPr>
+          <a:lstStyle/>
+          <a:p>
+            <a:r>
+              <a:rPr lang="en-US" sz="1200" dirty="0">
+                <a:solidFill>
+                  <a:schemeClr val="accent1"/>
+                </a:solidFill>
+              </a:rPr>
+              <a:t>-.04</a:t>
+            </a:r>
+          </a:p>
+        </p:txBody>
+      </p:sp>
+      <p:sp>
+        <p:nvSpPr>
+          <p:cNvPr id="67" name="TextBox 66">
+            <a:extLst>
+              <a:ext uri="{FF2B5EF4-FFF2-40B4-BE49-F238E27FC236}">
+                <a16:creationId xmlns:a16="http://schemas.microsoft.com/office/drawing/2014/main" id="{F6B86B30-5C87-C546-82BF-179E9C58F97E}"/>
+              </a:ext>
+            </a:extLst>
+          </p:cNvPr>
+          <p:cNvSpPr txBox="1"/>
+          <p:nvPr/>
+        </p:nvSpPr>
+        <p:spPr>
+          <a:xfrm>
+            <a:off x="7290492" y="1476790"/>
+            <a:ext cx="426720" cy="276999"/>
+          </a:xfrm>
+          <a:prstGeom prst="rect">
+            <a:avLst/>
+          </a:prstGeom>
+          <a:noFill/>
+        </p:spPr>
+        <p:txBody>
+          <a:bodyPr wrap="none" rtlCol="0">
+            <a:spAutoFit/>
+          </a:bodyPr>
+          <a:lstStyle/>
+          <a:p>
+            <a:r>
+              <a:rPr lang="en-US" sz="1200" dirty="0">
+                <a:solidFill>
+                  <a:schemeClr val="accent1"/>
+                </a:solidFill>
+              </a:rPr>
+              <a:t>-.04</a:t>
+            </a:r>
+          </a:p>
+        </p:txBody>
+      </p:sp>
+      <p:sp>
+        <p:nvSpPr>
+          <p:cNvPr id="68" name="TextBox 67">
+            <a:extLst>
+              <a:ext uri="{FF2B5EF4-FFF2-40B4-BE49-F238E27FC236}">
+                <a16:creationId xmlns:a16="http://schemas.microsoft.com/office/drawing/2014/main" id="{56828EAF-4464-C448-9E3E-6D0F6F2668EE}"/>
+              </a:ext>
+            </a:extLst>
+          </p:cNvPr>
+          <p:cNvSpPr txBox="1"/>
+          <p:nvPr/>
+        </p:nvSpPr>
+        <p:spPr>
+          <a:xfrm>
+            <a:off x="6740951" y="1753789"/>
+            <a:ext cx="426720" cy="276999"/>
+          </a:xfrm>
+          <a:prstGeom prst="rect">
+            <a:avLst/>
+          </a:prstGeom>
+          <a:noFill/>
+        </p:spPr>
+        <p:txBody>
+          <a:bodyPr wrap="none" rtlCol="0">
+            <a:spAutoFit/>
+          </a:bodyPr>
+          <a:lstStyle/>
+          <a:p>
+            <a:r>
+              <a:rPr lang="en-US" sz="1200" dirty="0">
+                <a:solidFill>
+                  <a:schemeClr val="accent1"/>
+                </a:solidFill>
+              </a:rPr>
+              <a:t>-.04</a:t>
+            </a:r>
+          </a:p>
+        </p:txBody>
+      </p:sp>
+      <p:sp>
+        <p:nvSpPr>
+          <p:cNvPr id="69" name="TextBox 68">
+            <a:extLst>
+              <a:ext uri="{FF2B5EF4-FFF2-40B4-BE49-F238E27FC236}">
+                <a16:creationId xmlns:a16="http://schemas.microsoft.com/office/drawing/2014/main" id="{349BF01B-2C55-F44A-9F58-06072CED5EA4}"/>
+              </a:ext>
+            </a:extLst>
+          </p:cNvPr>
+          <p:cNvSpPr txBox="1"/>
+          <p:nvPr/>
+        </p:nvSpPr>
+        <p:spPr>
+          <a:xfrm>
+            <a:off x="3529929" y="3175083"/>
+            <a:ext cx="380232" cy="276999"/>
+          </a:xfrm>
+          <a:prstGeom prst="rect">
+            <a:avLst/>
+          </a:prstGeom>
+          <a:noFill/>
+        </p:spPr>
+        <p:txBody>
+          <a:bodyPr wrap="none" rtlCol="0">
+            <a:spAutoFit/>
+          </a:bodyPr>
+          <a:lstStyle/>
+          <a:p>
+            <a:r>
+              <a:rPr lang="en-US" sz="1200" dirty="0">
+                <a:solidFill>
+                  <a:schemeClr val="accent2"/>
+                </a:solidFill>
+              </a:rPr>
+              <a:t>.80</a:t>
+            </a:r>
+          </a:p>
+        </p:txBody>
+      </p:sp>
+      <p:sp>
+        <p:nvSpPr>
+          <p:cNvPr id="70" name="TextBox 69">
+            <a:extLst>
+              <a:ext uri="{FF2B5EF4-FFF2-40B4-BE49-F238E27FC236}">
+                <a16:creationId xmlns:a16="http://schemas.microsoft.com/office/drawing/2014/main" id="{E8BAE868-66C2-A342-A750-BC4B1800BE2B}"/>
+              </a:ext>
+            </a:extLst>
+          </p:cNvPr>
+          <p:cNvSpPr txBox="1"/>
+          <p:nvPr/>
+        </p:nvSpPr>
+        <p:spPr>
+          <a:xfrm>
+            <a:off x="3297138" y="3705999"/>
+            <a:ext cx="380232" cy="276999"/>
+          </a:xfrm>
+          <a:prstGeom prst="rect">
+            <a:avLst/>
+          </a:prstGeom>
+          <a:noFill/>
+        </p:spPr>
+        <p:txBody>
+          <a:bodyPr wrap="none" rtlCol="0">
+            <a:spAutoFit/>
+          </a:bodyPr>
+          <a:lstStyle/>
+          <a:p>
+            <a:r>
+              <a:rPr lang="en-US" sz="1200" dirty="0">
+                <a:solidFill>
+                  <a:schemeClr val="accent2"/>
+                </a:solidFill>
+              </a:rPr>
+              <a:t>.09</a:t>
+            </a:r>
+          </a:p>
+        </p:txBody>
+      </p:sp>
+      <p:sp>
+        <p:nvSpPr>
+          <p:cNvPr id="71" name="TextBox 70">
+            <a:extLst>
+              <a:ext uri="{FF2B5EF4-FFF2-40B4-BE49-F238E27FC236}">
+                <a16:creationId xmlns:a16="http://schemas.microsoft.com/office/drawing/2014/main" id="{C15473C1-0C34-FA49-BFE4-173F5319955A}"/>
+              </a:ext>
+            </a:extLst>
+          </p:cNvPr>
+          <p:cNvSpPr txBox="1"/>
+          <p:nvPr/>
+        </p:nvSpPr>
+        <p:spPr>
+          <a:xfrm>
+            <a:off x="3289113" y="2851918"/>
+            <a:ext cx="426720" cy="276999"/>
+          </a:xfrm>
+          <a:prstGeom prst="rect">
+            <a:avLst/>
+          </a:prstGeom>
+          <a:noFill/>
+        </p:spPr>
+        <p:txBody>
+          <a:bodyPr wrap="none" rtlCol="0">
+            <a:spAutoFit/>
+          </a:bodyPr>
+          <a:lstStyle/>
+          <a:p>
+            <a:r>
+              <a:rPr lang="en-US" sz="1200" dirty="0">
+                <a:solidFill>
+                  <a:schemeClr val="accent2"/>
+                </a:solidFill>
+              </a:rPr>
+              <a:t>-.04</a:t>
+            </a:r>
+          </a:p>
+        </p:txBody>
+      </p:sp>
+      <p:sp>
+        <p:nvSpPr>
+          <p:cNvPr id="72" name="TextBox 71">
+            <a:extLst>
+              <a:ext uri="{FF2B5EF4-FFF2-40B4-BE49-F238E27FC236}">
+                <a16:creationId xmlns:a16="http://schemas.microsoft.com/office/drawing/2014/main" id="{BFD6F887-5DB0-5043-82F3-F3A602CDD6E1}"/>
+              </a:ext>
+            </a:extLst>
+          </p:cNvPr>
+          <p:cNvSpPr txBox="1"/>
+          <p:nvPr/>
+        </p:nvSpPr>
+        <p:spPr>
+          <a:xfrm>
+            <a:off x="6961556" y="3186626"/>
+            <a:ext cx="380232" cy="276999"/>
+          </a:xfrm>
+          <a:prstGeom prst="rect">
+            <a:avLst/>
+          </a:prstGeom>
+          <a:noFill/>
+        </p:spPr>
+        <p:txBody>
+          <a:bodyPr wrap="none" rtlCol="0">
+            <a:spAutoFit/>
+          </a:bodyPr>
+          <a:lstStyle/>
+          <a:p>
+            <a:r>
+              <a:rPr lang="en-US" sz="1200" dirty="0">
+                <a:solidFill>
+                  <a:schemeClr val="accent2"/>
+                </a:solidFill>
+              </a:rPr>
+              <a:t>.80</a:t>
+            </a:r>
+          </a:p>
+        </p:txBody>
+      </p:sp>
+      <p:sp>
+        <p:nvSpPr>
+          <p:cNvPr id="73" name="TextBox 72">
+            <a:extLst>
+              <a:ext uri="{FF2B5EF4-FFF2-40B4-BE49-F238E27FC236}">
+                <a16:creationId xmlns:a16="http://schemas.microsoft.com/office/drawing/2014/main" id="{8DDCA9FD-4E59-0C43-BB13-8185C501FE59}"/>
+              </a:ext>
+            </a:extLst>
+          </p:cNvPr>
+          <p:cNvSpPr txBox="1"/>
+          <p:nvPr/>
+        </p:nvSpPr>
+        <p:spPr>
+          <a:xfrm>
+            <a:off x="6728765" y="3717542"/>
+            <a:ext cx="380232" cy="276999"/>
+          </a:xfrm>
+          <a:prstGeom prst="rect">
+            <a:avLst/>
+          </a:prstGeom>
+          <a:noFill/>
+        </p:spPr>
+        <p:txBody>
+          <a:bodyPr wrap="none" rtlCol="0">
+            <a:spAutoFit/>
+          </a:bodyPr>
+          <a:lstStyle/>
+          <a:p>
+            <a:r>
+              <a:rPr lang="en-US" sz="1200" dirty="0">
+                <a:solidFill>
+                  <a:schemeClr val="accent2"/>
+                </a:solidFill>
+              </a:rPr>
+              <a:t>.09</a:t>
+            </a:r>
+          </a:p>
+        </p:txBody>
+      </p:sp>
+      <p:sp>
+        <p:nvSpPr>
+          <p:cNvPr id="74" name="TextBox 73">
+            <a:extLst>
+              <a:ext uri="{FF2B5EF4-FFF2-40B4-BE49-F238E27FC236}">
+                <a16:creationId xmlns:a16="http://schemas.microsoft.com/office/drawing/2014/main" id="{56ACC375-3D44-E345-B872-ABFAC037A865}"/>
+              </a:ext>
+            </a:extLst>
+          </p:cNvPr>
+          <p:cNvSpPr txBox="1"/>
+          <p:nvPr/>
+        </p:nvSpPr>
+        <p:spPr>
+          <a:xfrm>
+            <a:off x="6720740" y="2863461"/>
+            <a:ext cx="426720" cy="276999"/>
+          </a:xfrm>
+          <a:prstGeom prst="rect">
+            <a:avLst/>
+          </a:prstGeom>
+          <a:noFill/>
+        </p:spPr>
+        <p:txBody>
+          <a:bodyPr wrap="none" rtlCol="0">
+            <a:spAutoFit/>
+          </a:bodyPr>
+          <a:lstStyle/>
+          <a:p>
+            <a:r>
+              <a:rPr lang="en-US" sz="1200" dirty="0">
+                <a:solidFill>
+                  <a:schemeClr val="accent2"/>
+                </a:solidFill>
+              </a:rPr>
+              <a:t>-.04</a:t>
+            </a:r>
+          </a:p>
+        </p:txBody>
+      </p:sp>
+      <p:sp>
+        <p:nvSpPr>
+          <p:cNvPr id="75" name="TextBox 74">
+            <a:extLst>
+              <a:ext uri="{FF2B5EF4-FFF2-40B4-BE49-F238E27FC236}">
+                <a16:creationId xmlns:a16="http://schemas.microsoft.com/office/drawing/2014/main" id="{4EBF9F27-9283-EE4B-BDC6-6C39168198CE}"/>
+              </a:ext>
+            </a:extLst>
+          </p:cNvPr>
+          <p:cNvSpPr txBox="1"/>
+          <p:nvPr/>
+        </p:nvSpPr>
+        <p:spPr>
+          <a:xfrm>
+            <a:off x="3529929" y="5381210"/>
+            <a:ext cx="380232" cy="276999"/>
+          </a:xfrm>
+          <a:prstGeom prst="rect">
+            <a:avLst/>
+          </a:prstGeom>
+          <a:noFill/>
+        </p:spPr>
+        <p:txBody>
+          <a:bodyPr wrap="none" rtlCol="0">
+            <a:spAutoFit/>
+          </a:bodyPr>
+          <a:lstStyle/>
+          <a:p>
+            <a:r>
+              <a:rPr lang="en-US" sz="1200" dirty="0">
+                <a:solidFill>
+                  <a:schemeClr val="accent6"/>
+                </a:solidFill>
+              </a:rPr>
+              <a:t>.08</a:t>
+            </a:r>
+          </a:p>
+        </p:txBody>
+      </p:sp>
+      <p:sp>
+        <p:nvSpPr>
+          <p:cNvPr id="76" name="TextBox 75">
+            <a:extLst>
+              <a:ext uri="{FF2B5EF4-FFF2-40B4-BE49-F238E27FC236}">
+                <a16:creationId xmlns:a16="http://schemas.microsoft.com/office/drawing/2014/main" id="{BB793A12-AA41-6C45-ABA7-9494796D0BE9}"/>
+              </a:ext>
+            </a:extLst>
+          </p:cNvPr>
+          <p:cNvSpPr txBox="1"/>
+          <p:nvPr/>
+        </p:nvSpPr>
+        <p:spPr>
+          <a:xfrm>
+            <a:off x="3309324" y="5846502"/>
+            <a:ext cx="380232" cy="276999"/>
+          </a:xfrm>
+          <a:prstGeom prst="rect">
+            <a:avLst/>
+          </a:prstGeom>
+          <a:noFill/>
+        </p:spPr>
+        <p:txBody>
+          <a:bodyPr wrap="none" rtlCol="0">
+            <a:spAutoFit/>
+          </a:bodyPr>
+          <a:lstStyle/>
+          <a:p>
+            <a:r>
+              <a:rPr lang="en-US" sz="1200" dirty="0">
+                <a:solidFill>
+                  <a:schemeClr val="accent6"/>
+                </a:solidFill>
+              </a:rPr>
+              <a:t>.72</a:t>
+            </a:r>
+          </a:p>
+        </p:txBody>
+      </p:sp>
+      <p:sp>
+        <p:nvSpPr>
+          <p:cNvPr id="78" name="TextBox 77">
+            <a:extLst>
+              <a:ext uri="{FF2B5EF4-FFF2-40B4-BE49-F238E27FC236}">
+                <a16:creationId xmlns:a16="http://schemas.microsoft.com/office/drawing/2014/main" id="{463E9C13-4DD0-D84A-ABF8-AF39EE2AEB32}"/>
+              </a:ext>
+            </a:extLst>
+          </p:cNvPr>
+          <p:cNvSpPr txBox="1"/>
+          <p:nvPr/>
+        </p:nvSpPr>
+        <p:spPr>
+          <a:xfrm>
+            <a:off x="6934942" y="5415930"/>
+            <a:ext cx="380232" cy="276999"/>
+          </a:xfrm>
+          <a:prstGeom prst="rect">
+            <a:avLst/>
+          </a:prstGeom>
+          <a:noFill/>
+        </p:spPr>
+        <p:txBody>
+          <a:bodyPr wrap="none" rtlCol="0">
+            <a:spAutoFit/>
+          </a:bodyPr>
+          <a:lstStyle/>
+          <a:p>
+            <a:r>
+              <a:rPr lang="en-US" sz="1200" dirty="0">
+                <a:solidFill>
+                  <a:schemeClr val="accent6"/>
+                </a:solidFill>
+              </a:rPr>
+              <a:t>.08</a:t>
+            </a:r>
+          </a:p>
+        </p:txBody>
+      </p:sp>
+      <p:sp>
+        <p:nvSpPr>
+          <p:cNvPr id="79" name="TextBox 78">
+            <a:extLst>
+              <a:ext uri="{FF2B5EF4-FFF2-40B4-BE49-F238E27FC236}">
+                <a16:creationId xmlns:a16="http://schemas.microsoft.com/office/drawing/2014/main" id="{02800D6E-C02F-9242-BCBC-84CE052F9B13}"/>
+              </a:ext>
+            </a:extLst>
+          </p:cNvPr>
+          <p:cNvSpPr txBox="1"/>
+          <p:nvPr/>
+        </p:nvSpPr>
+        <p:spPr>
+          <a:xfrm>
+            <a:off x="6714337" y="5881222"/>
+            <a:ext cx="380232" cy="276999"/>
+          </a:xfrm>
+          <a:prstGeom prst="rect">
+            <a:avLst/>
+          </a:prstGeom>
+          <a:noFill/>
+        </p:spPr>
+        <p:txBody>
+          <a:bodyPr wrap="none" rtlCol="0">
+            <a:spAutoFit/>
+          </a:bodyPr>
+          <a:lstStyle/>
+          <a:p>
+            <a:r>
+              <a:rPr lang="en-US" sz="1200" dirty="0">
+                <a:solidFill>
+                  <a:schemeClr val="accent6"/>
+                </a:solidFill>
+              </a:rPr>
+              <a:t>.72</a:t>
+            </a:r>
+          </a:p>
+        </p:txBody>
+      </p:sp>
+      <p:sp>
+        <p:nvSpPr>
+          <p:cNvPr id="54" name="TextBox 53">
+            <a:extLst>
+              <a:ext uri="{FF2B5EF4-FFF2-40B4-BE49-F238E27FC236}">
+                <a16:creationId xmlns:a16="http://schemas.microsoft.com/office/drawing/2014/main" id="{0C155860-234C-914B-9B28-6B74D7765691}"/>
+              </a:ext>
+            </a:extLst>
+          </p:cNvPr>
+          <p:cNvSpPr txBox="1"/>
+          <p:nvPr/>
+        </p:nvSpPr>
+        <p:spPr>
+          <a:xfrm>
+            <a:off x="1868415" y="4499344"/>
+            <a:ext cx="380232" cy="276999"/>
+          </a:xfrm>
+          <a:prstGeom prst="rect">
+            <a:avLst/>
+          </a:prstGeom>
+          <a:noFill/>
+        </p:spPr>
+        <p:txBody>
+          <a:bodyPr wrap="none" rtlCol="0">
+            <a:spAutoFit/>
+          </a:bodyPr>
+          <a:lstStyle/>
+          <a:p>
+            <a:r>
+              <a:rPr lang="en-US" sz="1200" dirty="0"/>
+              <a:t>.43</a:t>
+            </a:r>
+            <a:endParaRPr lang="en-US" dirty="0"/>
+          </a:p>
+        </p:txBody>
+      </p:sp>
+      <p:sp>
+        <p:nvSpPr>
+          <p:cNvPr id="56" name="TextBox 55">
+            <a:extLst>
+              <a:ext uri="{FF2B5EF4-FFF2-40B4-BE49-F238E27FC236}">
+                <a16:creationId xmlns:a16="http://schemas.microsoft.com/office/drawing/2014/main" id="{59664C11-DEFC-644F-8D69-15EF3762BE43}"/>
+              </a:ext>
+            </a:extLst>
+          </p:cNvPr>
+          <p:cNvSpPr txBox="1"/>
+          <p:nvPr/>
+        </p:nvSpPr>
+        <p:spPr>
+          <a:xfrm>
+            <a:off x="1935500" y="2011781"/>
+            <a:ext cx="426720" cy="276999"/>
+          </a:xfrm>
+          <a:prstGeom prst="rect">
+            <a:avLst/>
+          </a:prstGeom>
+          <a:noFill/>
+        </p:spPr>
+        <p:txBody>
+          <a:bodyPr wrap="none" rtlCol="0">
+            <a:spAutoFit/>
+          </a:bodyPr>
+          <a:lstStyle/>
+          <a:p>
+            <a:r>
+              <a:rPr lang="en-US" sz="1200" dirty="0"/>
+              <a:t>-.32</a:t>
+            </a:r>
+            <a:endParaRPr lang="en-US" dirty="0"/>
+          </a:p>
+        </p:txBody>
+      </p:sp>
+      <p:sp>
+        <p:nvSpPr>
+          <p:cNvPr id="58" name="TextBox 57">
+            <a:extLst>
+              <a:ext uri="{FF2B5EF4-FFF2-40B4-BE49-F238E27FC236}">
+                <a16:creationId xmlns:a16="http://schemas.microsoft.com/office/drawing/2014/main" id="{2C6EB94D-986E-124C-BEE3-C7C2B37C71E6}"/>
+              </a:ext>
+            </a:extLst>
+          </p:cNvPr>
+          <p:cNvSpPr txBox="1"/>
+          <p:nvPr/>
+        </p:nvSpPr>
+        <p:spPr>
+          <a:xfrm>
+            <a:off x="694419" y="3290499"/>
+            <a:ext cx="426720" cy="276999"/>
+          </a:xfrm>
+          <a:prstGeom prst="rect">
+            <a:avLst/>
+          </a:prstGeom>
+          <a:noFill/>
+        </p:spPr>
+        <p:txBody>
+          <a:bodyPr wrap="none" rtlCol="0">
+            <a:spAutoFit/>
+          </a:bodyPr>
+          <a:lstStyle/>
+          <a:p>
+            <a:r>
+              <a:rPr lang="en-US" sz="1200" dirty="0"/>
+              <a:t>-.22</a:t>
+            </a:r>
+            <a:endParaRPr lang="en-US" dirty="0"/>
+          </a:p>
+        </p:txBody>
+      </p:sp>
+      <p:cxnSp>
+        <p:nvCxnSpPr>
+          <p:cNvPr id="53" name="Curved Connector 52">
+            <a:extLst>
+              <a:ext uri="{FF2B5EF4-FFF2-40B4-BE49-F238E27FC236}">
+                <a16:creationId xmlns:a16="http://schemas.microsoft.com/office/drawing/2014/main" id="{6A904A2F-ADD6-C547-8FED-9E01E6720881}"/>
+              </a:ext>
+            </a:extLst>
+          </p:cNvPr>
+          <p:cNvCxnSpPr>
+            <a:cxnSpLocks/>
+            <a:stCxn id="10" idx="3"/>
+            <a:endCxn id="11" idx="3"/>
+          </p:cNvCxnSpPr>
+          <p:nvPr/>
+        </p:nvCxnSpPr>
+        <p:spPr>
+          <a:xfrm flipH="1">
+            <a:off x="10133468" y="1011309"/>
+            <a:ext cx="13370" cy="2417691"/>
+          </a:xfrm>
+          <a:prstGeom prst="curvedConnector3">
+            <a:avLst>
+              <a:gd name="adj1" fmla="val -2810359"/>
+            </a:avLst>
+          </a:prstGeom>
+          <a:ln>
+            <a:prstDash val="lgDash"/>
+            <a:headEnd type="triangle"/>
+            <a:tailEnd type="triangle"/>
+          </a:ln>
+        </p:spPr>
+        <p:style>
+          <a:lnRef idx="1">
+            <a:schemeClr val="dk1"/>
+          </a:lnRef>
+          <a:fillRef idx="0">
+            <a:schemeClr val="dk1"/>
+          </a:fillRef>
+          <a:effectRef idx="0">
+            <a:schemeClr val="dk1"/>
+          </a:effectRef>
+          <a:fontRef idx="minor">
+            <a:schemeClr val="tx1"/>
+          </a:fontRef>
+        </p:style>
+      </p:cxnSp>
+      <p:sp>
+        <p:nvSpPr>
+          <p:cNvPr id="57" name="TextBox 56">
+            <a:extLst>
+              <a:ext uri="{FF2B5EF4-FFF2-40B4-BE49-F238E27FC236}">
+                <a16:creationId xmlns:a16="http://schemas.microsoft.com/office/drawing/2014/main" id="{D4D0B7FA-36CF-5B4D-9AE7-9445094AB3F2}"/>
+              </a:ext>
+            </a:extLst>
+          </p:cNvPr>
+          <p:cNvSpPr txBox="1"/>
+          <p:nvPr/>
+        </p:nvSpPr>
+        <p:spPr>
+          <a:xfrm>
+            <a:off x="10601279" y="1914923"/>
+            <a:ext cx="426720" cy="276999"/>
+          </a:xfrm>
+          <a:prstGeom prst="rect">
+            <a:avLst/>
+          </a:prstGeom>
+          <a:noFill/>
+        </p:spPr>
+        <p:txBody>
+          <a:bodyPr wrap="none" rtlCol="0">
+            <a:spAutoFit/>
+          </a:bodyPr>
+          <a:lstStyle/>
+          <a:p>
+            <a:r>
+              <a:rPr lang="en-US" sz="1200" dirty="0"/>
+              <a:t>-.16</a:t>
+            </a:r>
+            <a:endParaRPr lang="en-US" dirty="0"/>
+          </a:p>
+        </p:txBody>
+      </p:sp>
+      <p:cxnSp>
+        <p:nvCxnSpPr>
+          <p:cNvPr id="60" name="Straight Arrow Connector 59">
+            <a:extLst>
+              <a:ext uri="{FF2B5EF4-FFF2-40B4-BE49-F238E27FC236}">
+                <a16:creationId xmlns:a16="http://schemas.microsoft.com/office/drawing/2014/main" id="{E35D8A5D-C0C0-4F41-AA2C-FC77098709FF}"/>
+              </a:ext>
+            </a:extLst>
+          </p:cNvPr>
+          <p:cNvCxnSpPr>
+            <a:cxnSpLocks/>
+            <a:stCxn id="4" idx="3"/>
+            <a:endCxn id="9" idx="1"/>
+          </p:cNvCxnSpPr>
+          <p:nvPr/>
+        </p:nvCxnSpPr>
+        <p:spPr>
+          <a:xfrm>
+            <a:off x="3215435" y="1011309"/>
+            <a:ext cx="2305190" cy="4835382"/>
+          </a:xfrm>
+          <a:prstGeom prst="straightConnector1">
+            <a:avLst/>
+          </a:prstGeom>
+          <a:ln>
+            <a:prstDash val="dash"/>
+            <a:tailEnd type="triangle"/>
+          </a:ln>
+        </p:spPr>
+        <p:style>
+          <a:lnRef idx="1">
+            <a:schemeClr val="accent1"/>
+          </a:lnRef>
+          <a:fillRef idx="0">
+            <a:schemeClr val="accent1"/>
+          </a:fillRef>
+          <a:effectRef idx="0">
+            <a:schemeClr val="accent1"/>
+          </a:effectRef>
+          <a:fontRef idx="minor">
+            <a:schemeClr val="tx1"/>
+          </a:fontRef>
+        </p:style>
+      </p:cxnSp>
+      <p:cxnSp>
+        <p:nvCxnSpPr>
+          <p:cNvPr id="61" name="Straight Arrow Connector 60">
+            <a:extLst>
+              <a:ext uri="{FF2B5EF4-FFF2-40B4-BE49-F238E27FC236}">
+                <a16:creationId xmlns:a16="http://schemas.microsoft.com/office/drawing/2014/main" id="{36DC81BD-C194-774D-AB65-25645FE710EE}"/>
+              </a:ext>
+            </a:extLst>
+          </p:cNvPr>
+          <p:cNvCxnSpPr>
+            <a:cxnSpLocks/>
+            <a:stCxn id="7" idx="3"/>
+            <a:endCxn id="12" idx="1"/>
+          </p:cNvCxnSpPr>
+          <p:nvPr/>
+        </p:nvCxnSpPr>
+        <p:spPr>
+          <a:xfrm>
+            <a:off x="6657570" y="1011309"/>
+            <a:ext cx="2352322" cy="4835382"/>
+          </a:xfrm>
+          <a:prstGeom prst="straightConnector1">
+            <a:avLst/>
+          </a:prstGeom>
+          <a:ln>
+            <a:prstDash val="dash"/>
+            <a:tailEnd type="triangle"/>
+          </a:ln>
+        </p:spPr>
+        <p:style>
+          <a:lnRef idx="1">
+            <a:schemeClr val="accent1"/>
+          </a:lnRef>
+          <a:fillRef idx="0">
+            <a:schemeClr val="accent1"/>
+          </a:fillRef>
+          <a:effectRef idx="0">
+            <a:schemeClr val="accent1"/>
+          </a:effectRef>
+          <a:fontRef idx="minor">
+            <a:schemeClr val="tx1"/>
+          </a:fontRef>
+        </p:style>
+      </p:cxnSp>
+    </p:spTree>
+    <p:extLst>
+      <p:ext uri="{BB962C8B-B14F-4D97-AF65-F5344CB8AC3E}">
+        <p14:creationId xmlns:p14="http://schemas.microsoft.com/office/powerpoint/2010/main" val="3776819978"/>
+      </p:ext>
+    </p:extLst>
+  </p:cSld>
+  <p:clrMapOvr>
+    <a:masterClrMapping/>
+  </p:clrMapOvr>
+</p:sld>
+</file>
+
+<file path=ppt/slides/slide13.xml><?xml version="1.0" encoding="utf-8"?>
+<p:sld xmlns:a="http://schemas.openxmlformats.org/drawingml/2006/main" xmlns:r="http://schemas.openxmlformats.org/officeDocument/2006/relationships" xmlns:p="http://schemas.openxmlformats.org/presentationml/2006/main">
+  <p:cSld>
+    <p:spTree>
+      <p:nvGrpSpPr>
+        <p:cNvPr id="1" name=""/>
+        <p:cNvGrpSpPr/>
+        <p:nvPr/>
+      </p:nvGrpSpPr>
+      <p:grpSpPr>
+        <a:xfrm>
+          <a:off x="0" y="0"/>
+          <a:ext cx="0" cy="0"/>
+          <a:chOff x="0" y="0"/>
+          <a:chExt cx="0" cy="0"/>
+        </a:xfrm>
+      </p:grpSpPr>
+      <p:sp>
+        <p:nvSpPr>
+          <p:cNvPr id="4" name="TextBox 3">
+            <a:extLst>
+              <a:ext uri="{FF2B5EF4-FFF2-40B4-BE49-F238E27FC236}">
+                <a16:creationId xmlns:a16="http://schemas.microsoft.com/office/drawing/2014/main" id="{EAFEA5CA-93B3-CB44-A80F-AA5C828EA483}"/>
+              </a:ext>
+            </a:extLst>
+          </p:cNvPr>
+          <p:cNvSpPr txBox="1"/>
+          <p:nvPr/>
+        </p:nvSpPr>
+        <p:spPr>
+          <a:xfrm>
+            <a:off x="2112248" y="688143"/>
+            <a:ext cx="1103187" cy="646331"/>
+          </a:xfrm>
+          <a:prstGeom prst="rect">
+            <a:avLst/>
+          </a:prstGeom>
+          <a:ln w="57150"/>
+        </p:spPr>
+        <p:style>
+          <a:lnRef idx="2">
+            <a:schemeClr val="accent1"/>
+          </a:lnRef>
+          <a:fillRef idx="1">
+            <a:schemeClr val="lt1"/>
+          </a:fillRef>
+          <a:effectRef idx="0">
+            <a:schemeClr val="accent1"/>
+          </a:effectRef>
+          <a:fontRef idx="minor">
+            <a:schemeClr val="dk1"/>
+          </a:fontRef>
+        </p:style>
+        <p:txBody>
+          <a:bodyPr wrap="none" rtlCol="0">
+            <a:spAutoFit/>
+          </a:bodyPr>
+          <a:lstStyle/>
+          <a:p>
+            <a:pPr algn="ctr"/>
+            <a:r>
+              <a:rPr lang="en-US" dirty="0"/>
+              <a:t>Food</a:t>
+            </a:r>
+          </a:p>
+          <a:p>
+            <a:pPr algn="ctr"/>
+            <a:r>
+              <a:rPr lang="en-US" dirty="0"/>
+              <a:t>Insecurity</a:t>
+            </a:r>
+          </a:p>
+        </p:txBody>
+      </p:sp>
+      <p:sp>
+        <p:nvSpPr>
+          <p:cNvPr id="7" name="TextBox 6">
+            <a:extLst>
+              <a:ext uri="{FF2B5EF4-FFF2-40B4-BE49-F238E27FC236}">
+                <a16:creationId xmlns:a16="http://schemas.microsoft.com/office/drawing/2014/main" id="{7FCE5B20-D7FC-B84E-AF86-DFFC6A8077BA}"/>
+              </a:ext>
+            </a:extLst>
+          </p:cNvPr>
+          <p:cNvSpPr txBox="1"/>
+          <p:nvPr/>
+        </p:nvSpPr>
+        <p:spPr>
+          <a:xfrm>
+            <a:off x="5554384" y="688143"/>
+            <a:ext cx="1103187" cy="646331"/>
+          </a:xfrm>
+          <a:prstGeom prst="rect">
+            <a:avLst/>
+          </a:prstGeom>
+        </p:spPr>
+        <p:style>
+          <a:lnRef idx="2">
+            <a:schemeClr val="accent1"/>
+          </a:lnRef>
+          <a:fillRef idx="1">
+            <a:schemeClr val="lt1"/>
+          </a:fillRef>
+          <a:effectRef idx="0">
+            <a:schemeClr val="accent1"/>
+          </a:effectRef>
+          <a:fontRef idx="minor">
+            <a:schemeClr val="dk1"/>
+          </a:fontRef>
+        </p:style>
+        <p:txBody>
+          <a:bodyPr wrap="none" rtlCol="0">
+            <a:spAutoFit/>
+          </a:bodyPr>
+          <a:lstStyle/>
+          <a:p>
+            <a:pPr algn="ctr"/>
+            <a:r>
+              <a:rPr lang="en-US" dirty="0"/>
+              <a:t>Food</a:t>
+            </a:r>
+          </a:p>
+          <a:p>
+            <a:pPr algn="ctr"/>
+            <a:r>
+              <a:rPr lang="en-US" dirty="0"/>
+              <a:t>Insecurity</a:t>
+            </a:r>
+          </a:p>
+        </p:txBody>
+      </p:sp>
+      <p:sp>
+        <p:nvSpPr>
+          <p:cNvPr id="8" name="TextBox 7">
+            <a:extLst>
+              <a:ext uri="{FF2B5EF4-FFF2-40B4-BE49-F238E27FC236}">
+                <a16:creationId xmlns:a16="http://schemas.microsoft.com/office/drawing/2014/main" id="{511F5D54-F30B-1941-8CFE-2F2D3B42EF63}"/>
+              </a:ext>
+            </a:extLst>
+          </p:cNvPr>
+          <p:cNvSpPr txBox="1"/>
+          <p:nvPr/>
+        </p:nvSpPr>
+        <p:spPr>
+          <a:xfrm>
+            <a:off x="5520624" y="3105834"/>
+            <a:ext cx="1123577" cy="646331"/>
+          </a:xfrm>
+          <a:prstGeom prst="rect">
+            <a:avLst/>
+          </a:prstGeom>
+        </p:spPr>
+        <p:style>
+          <a:lnRef idx="2">
+            <a:schemeClr val="accent2"/>
+          </a:lnRef>
+          <a:fillRef idx="1">
+            <a:schemeClr val="lt1"/>
+          </a:fillRef>
+          <a:effectRef idx="0">
+            <a:schemeClr val="accent2"/>
+          </a:effectRef>
+          <a:fontRef idx="minor">
+            <a:schemeClr val="dk1"/>
+          </a:fontRef>
+        </p:style>
+        <p:txBody>
+          <a:bodyPr wrap="none" rtlCol="0">
+            <a:spAutoFit/>
+          </a:bodyPr>
+          <a:lstStyle/>
+          <a:p>
+            <a:pPr algn="ctr"/>
+            <a:r>
+              <a:rPr lang="en-US" dirty="0"/>
+              <a:t>Caregiver </a:t>
+            </a:r>
+          </a:p>
+          <a:p>
+            <a:pPr algn="ctr"/>
+            <a:r>
+              <a:rPr lang="en-US" dirty="0"/>
+              <a:t>Wellbeing</a:t>
+            </a:r>
+          </a:p>
+        </p:txBody>
+      </p:sp>
+      <p:sp>
+        <p:nvSpPr>
+          <p:cNvPr id="9" name="TextBox 8">
+            <a:extLst>
+              <a:ext uri="{FF2B5EF4-FFF2-40B4-BE49-F238E27FC236}">
+                <a16:creationId xmlns:a16="http://schemas.microsoft.com/office/drawing/2014/main" id="{DD4A1177-2045-1147-9107-3D770AB99E7E}"/>
+              </a:ext>
+            </a:extLst>
+          </p:cNvPr>
+          <p:cNvSpPr txBox="1"/>
+          <p:nvPr/>
+        </p:nvSpPr>
+        <p:spPr>
+          <a:xfrm>
+            <a:off x="5520625" y="5523525"/>
+            <a:ext cx="1123577" cy="646331"/>
+          </a:xfrm>
+          <a:prstGeom prst="rect">
+            <a:avLst/>
+          </a:prstGeom>
+        </p:spPr>
+        <p:style>
+          <a:lnRef idx="2">
+            <a:schemeClr val="accent6"/>
+          </a:lnRef>
+          <a:fillRef idx="1">
+            <a:schemeClr val="lt1"/>
+          </a:fillRef>
+          <a:effectRef idx="0">
+            <a:schemeClr val="accent6"/>
+          </a:effectRef>
+          <a:fontRef idx="minor">
+            <a:schemeClr val="dk1"/>
+          </a:fontRef>
+        </p:style>
+        <p:txBody>
+          <a:bodyPr wrap="none" rtlCol="0">
+            <a:spAutoFit/>
+          </a:bodyPr>
+          <a:lstStyle/>
+          <a:p>
+            <a:pPr algn="ctr"/>
+            <a:r>
+              <a:rPr lang="en-US" dirty="0"/>
+              <a:t>Child </a:t>
+            </a:r>
+          </a:p>
+          <a:p>
+            <a:pPr algn="ctr"/>
+            <a:r>
+              <a:rPr lang="en-US" dirty="0"/>
+              <a:t>Wellbeing</a:t>
+            </a:r>
+          </a:p>
+        </p:txBody>
+      </p:sp>
+      <p:sp>
+        <p:nvSpPr>
+          <p:cNvPr id="12" name="TextBox 11">
+            <a:extLst>
+              <a:ext uri="{FF2B5EF4-FFF2-40B4-BE49-F238E27FC236}">
+                <a16:creationId xmlns:a16="http://schemas.microsoft.com/office/drawing/2014/main" id="{19CCB03D-FE94-BA4C-BE68-C844545CCE96}"/>
+              </a:ext>
+            </a:extLst>
+          </p:cNvPr>
+          <p:cNvSpPr txBox="1"/>
+          <p:nvPr/>
+        </p:nvSpPr>
+        <p:spPr>
+          <a:xfrm>
+            <a:off x="9009892" y="5523525"/>
+            <a:ext cx="1123577" cy="646331"/>
+          </a:xfrm>
+          <a:prstGeom prst="rect">
+            <a:avLst/>
+          </a:prstGeom>
+          <a:ln w="57150"/>
+        </p:spPr>
+        <p:style>
+          <a:lnRef idx="2">
+            <a:schemeClr val="accent6"/>
+          </a:lnRef>
+          <a:fillRef idx="1">
+            <a:schemeClr val="lt1"/>
+          </a:fillRef>
+          <a:effectRef idx="0">
+            <a:schemeClr val="accent6"/>
+          </a:effectRef>
+          <a:fontRef idx="minor">
+            <a:schemeClr val="dk1"/>
+          </a:fontRef>
+        </p:style>
+        <p:txBody>
+          <a:bodyPr wrap="none" rtlCol="0">
+            <a:spAutoFit/>
+          </a:bodyPr>
+          <a:lstStyle/>
+          <a:p>
+            <a:pPr algn="ctr"/>
+            <a:r>
+              <a:rPr lang="en-US" dirty="0"/>
+              <a:t>Child </a:t>
+            </a:r>
+          </a:p>
+          <a:p>
+            <a:pPr algn="ctr"/>
+            <a:r>
+              <a:rPr lang="en-US" dirty="0"/>
+              <a:t>Wellbeing</a:t>
+            </a:r>
+          </a:p>
+        </p:txBody>
+      </p:sp>
+      <p:cxnSp>
+        <p:nvCxnSpPr>
+          <p:cNvPr id="14" name="Straight Arrow Connector 13">
+            <a:extLst>
+              <a:ext uri="{FF2B5EF4-FFF2-40B4-BE49-F238E27FC236}">
+                <a16:creationId xmlns:a16="http://schemas.microsoft.com/office/drawing/2014/main" id="{1298F7BA-A180-9B44-AB46-1F09C6559EEE}"/>
+              </a:ext>
+            </a:extLst>
+          </p:cNvPr>
+          <p:cNvCxnSpPr>
+            <a:stCxn id="4" idx="3"/>
+            <a:endCxn id="7" idx="1"/>
+          </p:cNvCxnSpPr>
+          <p:nvPr/>
+        </p:nvCxnSpPr>
+        <p:spPr>
+          <a:xfrm>
+            <a:off x="3215435" y="1011309"/>
+            <a:ext cx="2338949" cy="0"/>
+          </a:xfrm>
+          <a:prstGeom prst="straightConnector1">
+            <a:avLst/>
+          </a:prstGeom>
+          <a:ln>
+            <a:tailEnd type="triangle"/>
+          </a:ln>
+        </p:spPr>
+        <p:style>
+          <a:lnRef idx="1">
+            <a:schemeClr val="accent1"/>
+          </a:lnRef>
+          <a:fillRef idx="0">
+            <a:schemeClr val="accent1"/>
+          </a:fillRef>
+          <a:effectRef idx="0">
+            <a:schemeClr val="accent1"/>
+          </a:effectRef>
+          <a:fontRef idx="minor">
+            <a:schemeClr val="tx1"/>
+          </a:fontRef>
+        </p:style>
+      </p:cxnSp>
+      <p:cxnSp>
+        <p:nvCxnSpPr>
+          <p:cNvPr id="18" name="Straight Arrow Connector 17">
+            <a:extLst>
+              <a:ext uri="{FF2B5EF4-FFF2-40B4-BE49-F238E27FC236}">
+                <a16:creationId xmlns:a16="http://schemas.microsoft.com/office/drawing/2014/main" id="{4FAC1945-C0EA-1E46-BF15-BDF5657C58E3}"/>
+              </a:ext>
+            </a:extLst>
+          </p:cNvPr>
+          <p:cNvCxnSpPr>
+            <a:stCxn id="4" idx="3"/>
+            <a:endCxn id="8" idx="1"/>
+          </p:cNvCxnSpPr>
+          <p:nvPr/>
+        </p:nvCxnSpPr>
+        <p:spPr>
+          <a:xfrm>
+            <a:off x="3215435" y="1011309"/>
+            <a:ext cx="2305189" cy="2417691"/>
+          </a:xfrm>
+          <a:prstGeom prst="straightConnector1">
+            <a:avLst/>
+          </a:prstGeom>
+          <a:ln>
+            <a:tailEnd type="triangle"/>
+          </a:ln>
+        </p:spPr>
+        <p:style>
+          <a:lnRef idx="1">
+            <a:schemeClr val="accent1"/>
+          </a:lnRef>
+          <a:fillRef idx="0">
+            <a:schemeClr val="accent1"/>
+          </a:fillRef>
+          <a:effectRef idx="0">
+            <a:schemeClr val="accent1"/>
+          </a:effectRef>
+          <a:fontRef idx="minor">
+            <a:schemeClr val="tx1"/>
+          </a:fontRef>
+        </p:style>
+      </p:cxnSp>
+      <p:cxnSp>
+        <p:nvCxnSpPr>
+          <p:cNvPr id="20" name="Straight Arrow Connector 19">
+            <a:extLst>
+              <a:ext uri="{FF2B5EF4-FFF2-40B4-BE49-F238E27FC236}">
+                <a16:creationId xmlns:a16="http://schemas.microsoft.com/office/drawing/2014/main" id="{41E5BBC7-C524-8D4E-AA3B-6B7F06EA6E36}"/>
+              </a:ext>
+            </a:extLst>
+          </p:cNvPr>
+          <p:cNvCxnSpPr>
+            <a:stCxn id="4" idx="3"/>
+            <a:endCxn id="9" idx="1"/>
+          </p:cNvCxnSpPr>
+          <p:nvPr/>
+        </p:nvCxnSpPr>
+        <p:spPr>
+          <a:xfrm>
+            <a:off x="3215435" y="1011309"/>
+            <a:ext cx="2305190" cy="4835382"/>
+          </a:xfrm>
+          <a:prstGeom prst="straightConnector1">
+            <a:avLst/>
+          </a:prstGeom>
+          <a:ln>
+            <a:tailEnd type="triangle"/>
+          </a:ln>
+        </p:spPr>
+        <p:style>
+          <a:lnRef idx="1">
+            <a:schemeClr val="accent1"/>
+          </a:lnRef>
+          <a:fillRef idx="0">
+            <a:schemeClr val="accent1"/>
+          </a:fillRef>
+          <a:effectRef idx="0">
+            <a:schemeClr val="accent1"/>
+          </a:effectRef>
+          <a:fontRef idx="minor">
+            <a:schemeClr val="tx1"/>
+          </a:fontRef>
+        </p:style>
+      </p:cxnSp>
+      <p:cxnSp>
+        <p:nvCxnSpPr>
+          <p:cNvPr id="24" name="Straight Arrow Connector 23">
+            <a:extLst>
+              <a:ext uri="{FF2B5EF4-FFF2-40B4-BE49-F238E27FC236}">
+                <a16:creationId xmlns:a16="http://schemas.microsoft.com/office/drawing/2014/main" id="{A21BC943-CD84-0948-9948-137D0F7D7160}"/>
+              </a:ext>
+            </a:extLst>
+          </p:cNvPr>
+          <p:cNvCxnSpPr>
+            <a:stCxn id="7" idx="3"/>
+            <a:endCxn id="12" idx="1"/>
+          </p:cNvCxnSpPr>
+          <p:nvPr/>
+        </p:nvCxnSpPr>
+        <p:spPr>
+          <a:xfrm>
+            <a:off x="6657571" y="1011309"/>
+            <a:ext cx="2352321" cy="4835382"/>
+          </a:xfrm>
+          <a:prstGeom prst="straightConnector1">
+            <a:avLst/>
+          </a:prstGeom>
+          <a:ln>
+            <a:tailEnd type="triangle"/>
+          </a:ln>
+        </p:spPr>
+        <p:style>
+          <a:lnRef idx="1">
+            <a:schemeClr val="accent1"/>
+          </a:lnRef>
+          <a:fillRef idx="0">
+            <a:schemeClr val="accent1"/>
+          </a:fillRef>
+          <a:effectRef idx="0">
+            <a:schemeClr val="accent1"/>
+          </a:effectRef>
+          <a:fontRef idx="minor">
+            <a:schemeClr val="tx1"/>
+          </a:fontRef>
+        </p:style>
+      </p:cxnSp>
+      <p:cxnSp>
+        <p:nvCxnSpPr>
+          <p:cNvPr id="36" name="Straight Arrow Connector 35">
+            <a:extLst>
+              <a:ext uri="{FF2B5EF4-FFF2-40B4-BE49-F238E27FC236}">
+                <a16:creationId xmlns:a16="http://schemas.microsoft.com/office/drawing/2014/main" id="{E71AFDA3-9358-684E-B9A5-24851942F9BA}"/>
+              </a:ext>
+            </a:extLst>
+          </p:cNvPr>
+          <p:cNvCxnSpPr>
+            <a:stCxn id="8" idx="3"/>
+            <a:endCxn id="12" idx="1"/>
+          </p:cNvCxnSpPr>
+          <p:nvPr/>
+        </p:nvCxnSpPr>
+        <p:spPr>
+          <a:xfrm>
+            <a:off x="6644201" y="3429000"/>
+            <a:ext cx="2365691" cy="2417691"/>
+          </a:xfrm>
+          <a:prstGeom prst="straightConnector1">
+            <a:avLst/>
+          </a:prstGeom>
+          <a:ln>
+            <a:tailEnd type="triangle"/>
+          </a:ln>
+        </p:spPr>
+        <p:style>
+          <a:lnRef idx="1">
+            <a:schemeClr val="accent2"/>
+          </a:lnRef>
+          <a:fillRef idx="0">
+            <a:schemeClr val="accent2"/>
+          </a:fillRef>
+          <a:effectRef idx="0">
+            <a:schemeClr val="accent2"/>
+          </a:effectRef>
+          <a:fontRef idx="minor">
+            <a:schemeClr val="tx1"/>
+          </a:fontRef>
+        </p:style>
+      </p:cxnSp>
+      <p:cxnSp>
+        <p:nvCxnSpPr>
+          <p:cNvPr id="44" name="Straight Arrow Connector 43">
+            <a:extLst>
+              <a:ext uri="{FF2B5EF4-FFF2-40B4-BE49-F238E27FC236}">
+                <a16:creationId xmlns:a16="http://schemas.microsoft.com/office/drawing/2014/main" id="{C3AF7C9B-F6F5-E144-877C-CA60484B62D1}"/>
+              </a:ext>
+            </a:extLst>
+          </p:cNvPr>
+          <p:cNvCxnSpPr>
+            <a:stCxn id="9" idx="3"/>
+            <a:endCxn id="12" idx="1"/>
+          </p:cNvCxnSpPr>
+          <p:nvPr/>
+        </p:nvCxnSpPr>
+        <p:spPr>
+          <a:xfrm>
+            <a:off x="6644202" y="5846691"/>
+            <a:ext cx="2365690" cy="0"/>
+          </a:xfrm>
+          <a:prstGeom prst="straightConnector1">
+            <a:avLst/>
+          </a:prstGeom>
+          <a:ln>
+            <a:tailEnd type="triangle"/>
+          </a:ln>
+        </p:spPr>
+        <p:style>
+          <a:lnRef idx="1">
+            <a:schemeClr val="accent6"/>
+          </a:lnRef>
+          <a:fillRef idx="0">
+            <a:schemeClr val="accent6"/>
+          </a:fillRef>
+          <a:effectRef idx="0">
+            <a:schemeClr val="accent6"/>
+          </a:effectRef>
+          <a:fontRef idx="minor">
+            <a:schemeClr val="tx1"/>
+          </a:fontRef>
+        </p:style>
+      </p:cxnSp>
+      <p:sp>
+        <p:nvSpPr>
+          <p:cNvPr id="63" name="TextBox 62">
+            <a:extLst>
+              <a:ext uri="{FF2B5EF4-FFF2-40B4-BE49-F238E27FC236}">
+                <a16:creationId xmlns:a16="http://schemas.microsoft.com/office/drawing/2014/main" id="{EECD93F2-682C-F84F-B876-93C510A77332}"/>
+              </a:ext>
+            </a:extLst>
+          </p:cNvPr>
+          <p:cNvSpPr txBox="1"/>
+          <p:nvPr/>
+        </p:nvSpPr>
+        <p:spPr>
+          <a:xfrm>
+            <a:off x="4260510" y="734309"/>
+            <a:ext cx="298480" cy="276999"/>
+          </a:xfrm>
+          <a:prstGeom prst="rect">
+            <a:avLst/>
+          </a:prstGeom>
+          <a:noFill/>
+        </p:spPr>
+        <p:txBody>
+          <a:bodyPr wrap="none" rtlCol="0">
+            <a:spAutoFit/>
+          </a:bodyPr>
+          <a:lstStyle/>
+          <a:p>
+            <a:r>
+              <a:rPr lang="en-US" sz="1200" dirty="0">
+                <a:solidFill>
+                  <a:schemeClr val="accent1"/>
+                </a:solidFill>
+              </a:rPr>
+              <a:t>i1</a:t>
+            </a:r>
+          </a:p>
+        </p:txBody>
+      </p:sp>
+      <p:sp>
+        <p:nvSpPr>
+          <p:cNvPr id="65" name="TextBox 64">
+            <a:extLst>
+              <a:ext uri="{FF2B5EF4-FFF2-40B4-BE49-F238E27FC236}">
+                <a16:creationId xmlns:a16="http://schemas.microsoft.com/office/drawing/2014/main" id="{801F5122-BC51-1349-82D4-FF22A277A2DB}"/>
+              </a:ext>
+            </a:extLst>
+          </p:cNvPr>
+          <p:cNvSpPr txBox="1"/>
+          <p:nvPr/>
+        </p:nvSpPr>
+        <p:spPr>
+          <a:xfrm>
+            <a:off x="3858865" y="1476790"/>
+            <a:ext cx="298480" cy="276999"/>
+          </a:xfrm>
+          <a:prstGeom prst="rect">
+            <a:avLst/>
+          </a:prstGeom>
+          <a:noFill/>
+        </p:spPr>
+        <p:txBody>
+          <a:bodyPr wrap="none" rtlCol="0">
+            <a:spAutoFit/>
+          </a:bodyPr>
+          <a:lstStyle/>
+          <a:p>
+            <a:r>
+              <a:rPr lang="en-US" sz="1200" dirty="0">
+                <a:solidFill>
+                  <a:schemeClr val="accent1"/>
+                </a:solidFill>
+              </a:rPr>
+              <a:t>i2</a:t>
+            </a:r>
+          </a:p>
+        </p:txBody>
+      </p:sp>
+      <p:sp>
+        <p:nvSpPr>
+          <p:cNvPr id="66" name="TextBox 65">
+            <a:extLst>
+              <a:ext uri="{FF2B5EF4-FFF2-40B4-BE49-F238E27FC236}">
+                <a16:creationId xmlns:a16="http://schemas.microsoft.com/office/drawing/2014/main" id="{65E6E438-5843-B644-AB4D-03650B59A700}"/>
+              </a:ext>
+            </a:extLst>
+          </p:cNvPr>
+          <p:cNvSpPr txBox="1"/>
+          <p:nvPr/>
+        </p:nvSpPr>
+        <p:spPr>
+          <a:xfrm>
+            <a:off x="3309324" y="1753789"/>
+            <a:ext cx="298480" cy="276999"/>
+          </a:xfrm>
+          <a:prstGeom prst="rect">
+            <a:avLst/>
+          </a:prstGeom>
+          <a:noFill/>
+        </p:spPr>
+        <p:txBody>
+          <a:bodyPr wrap="none" rtlCol="0">
+            <a:spAutoFit/>
+          </a:bodyPr>
+          <a:lstStyle/>
+          <a:p>
+            <a:r>
+              <a:rPr lang="en-US" sz="1200" dirty="0">
+                <a:solidFill>
+                  <a:schemeClr val="accent1"/>
+                </a:solidFill>
+              </a:rPr>
+              <a:t>i3</a:t>
+            </a:r>
+          </a:p>
+        </p:txBody>
+      </p:sp>
+      <p:sp>
+        <p:nvSpPr>
+          <p:cNvPr id="68" name="TextBox 67">
+            <a:extLst>
+              <a:ext uri="{FF2B5EF4-FFF2-40B4-BE49-F238E27FC236}">
+                <a16:creationId xmlns:a16="http://schemas.microsoft.com/office/drawing/2014/main" id="{56828EAF-4464-C448-9E3E-6D0F6F2668EE}"/>
+              </a:ext>
+            </a:extLst>
+          </p:cNvPr>
+          <p:cNvSpPr txBox="1"/>
+          <p:nvPr/>
+        </p:nvSpPr>
+        <p:spPr>
+          <a:xfrm>
+            <a:off x="6740951" y="1753789"/>
+            <a:ext cx="298480" cy="276999"/>
+          </a:xfrm>
+          <a:prstGeom prst="rect">
+            <a:avLst/>
+          </a:prstGeom>
+          <a:noFill/>
+        </p:spPr>
+        <p:txBody>
+          <a:bodyPr wrap="none" rtlCol="0">
+            <a:spAutoFit/>
+          </a:bodyPr>
+          <a:lstStyle/>
+          <a:p>
+            <a:r>
+              <a:rPr lang="en-US" sz="1200" dirty="0">
+                <a:solidFill>
+                  <a:schemeClr val="accent1"/>
+                </a:solidFill>
+              </a:rPr>
+              <a:t>i3</a:t>
+            </a:r>
+          </a:p>
+        </p:txBody>
+      </p:sp>
+      <p:sp>
+        <p:nvSpPr>
+          <p:cNvPr id="73" name="TextBox 72">
+            <a:extLst>
+              <a:ext uri="{FF2B5EF4-FFF2-40B4-BE49-F238E27FC236}">
+                <a16:creationId xmlns:a16="http://schemas.microsoft.com/office/drawing/2014/main" id="{8DDCA9FD-4E59-0C43-BB13-8185C501FE59}"/>
+              </a:ext>
+            </a:extLst>
+          </p:cNvPr>
+          <p:cNvSpPr txBox="1"/>
+          <p:nvPr/>
+        </p:nvSpPr>
+        <p:spPr>
+          <a:xfrm>
+            <a:off x="6728765" y="3717542"/>
+            <a:ext cx="328936" cy="276999"/>
+          </a:xfrm>
+          <a:prstGeom prst="rect">
+            <a:avLst/>
+          </a:prstGeom>
+          <a:noFill/>
+        </p:spPr>
+        <p:txBody>
+          <a:bodyPr wrap="none" rtlCol="0">
+            <a:spAutoFit/>
+          </a:bodyPr>
+          <a:lstStyle/>
+          <a:p>
+            <a:r>
+              <a:rPr lang="en-US" sz="1200" dirty="0">
+                <a:solidFill>
+                  <a:schemeClr val="accent2"/>
+                </a:solidFill>
+              </a:rPr>
+              <a:t>c3</a:t>
+            </a:r>
+          </a:p>
+        </p:txBody>
+      </p:sp>
+      <p:sp>
+        <p:nvSpPr>
+          <p:cNvPr id="79" name="TextBox 78">
+            <a:extLst>
+              <a:ext uri="{FF2B5EF4-FFF2-40B4-BE49-F238E27FC236}">
+                <a16:creationId xmlns:a16="http://schemas.microsoft.com/office/drawing/2014/main" id="{02800D6E-C02F-9242-BCBC-84CE052F9B13}"/>
+              </a:ext>
+            </a:extLst>
+          </p:cNvPr>
+          <p:cNvSpPr txBox="1"/>
+          <p:nvPr/>
+        </p:nvSpPr>
+        <p:spPr>
+          <a:xfrm>
+            <a:off x="6714337" y="5881222"/>
+            <a:ext cx="343364" cy="276999"/>
+          </a:xfrm>
+          <a:prstGeom prst="rect">
+            <a:avLst/>
+          </a:prstGeom>
+          <a:noFill/>
+        </p:spPr>
+        <p:txBody>
+          <a:bodyPr wrap="none" rtlCol="0">
+            <a:spAutoFit/>
+          </a:bodyPr>
+          <a:lstStyle/>
+          <a:p>
+            <a:r>
+              <a:rPr lang="en-US" sz="1200" dirty="0">
+                <a:solidFill>
+                  <a:schemeClr val="accent6"/>
+                </a:solidFill>
+              </a:rPr>
+              <a:t>h3</a:t>
+            </a:r>
+          </a:p>
+        </p:txBody>
+      </p:sp>
+      <p:sp>
+        <p:nvSpPr>
+          <p:cNvPr id="2" name="TextBox 1">
+            <a:extLst>
+              <a:ext uri="{FF2B5EF4-FFF2-40B4-BE49-F238E27FC236}">
+                <a16:creationId xmlns:a16="http://schemas.microsoft.com/office/drawing/2014/main" id="{94D4980E-FA94-BC40-9565-88E90CB5E095}"/>
+              </a:ext>
+            </a:extLst>
+          </p:cNvPr>
+          <p:cNvSpPr txBox="1"/>
+          <p:nvPr/>
+        </p:nvSpPr>
+        <p:spPr>
+          <a:xfrm>
+            <a:off x="8168640" y="734309"/>
+            <a:ext cx="3008259" cy="2031325"/>
+          </a:xfrm>
+          <a:prstGeom prst="rect">
+            <a:avLst/>
+          </a:prstGeom>
+          <a:noFill/>
+        </p:spPr>
+        <p:txBody>
+          <a:bodyPr wrap="none" rtlCol="0">
+            <a:spAutoFit/>
+          </a:bodyPr>
+          <a:lstStyle/>
+          <a:p>
+            <a:r>
+              <a:rPr lang="en-US" dirty="0"/>
+              <a:t>TOTAL:</a:t>
+            </a:r>
+          </a:p>
+          <a:p>
+            <a:r>
+              <a:rPr lang="en-US" dirty="0"/>
+              <a:t>i1*i3 + i2*c3 + i3*h3</a:t>
+            </a:r>
+          </a:p>
+          <a:p>
+            <a:endParaRPr lang="en-US" dirty="0"/>
+          </a:p>
+          <a:p>
+            <a:endParaRPr lang="en-US" dirty="0"/>
+          </a:p>
+          <a:p>
+            <a:endParaRPr lang="en-US" dirty="0"/>
+          </a:p>
+          <a:p>
+            <a:r>
+              <a:rPr lang="en-US" dirty="0"/>
+              <a:t>INDIRECT (through Caregiver):</a:t>
+            </a:r>
+          </a:p>
+          <a:p>
+            <a:r>
+              <a:rPr lang="en-US" dirty="0"/>
+              <a:t>i2*c3</a:t>
+            </a:r>
+          </a:p>
+        </p:txBody>
+      </p:sp>
+      <p:sp>
+        <p:nvSpPr>
+          <p:cNvPr id="3" name="TextBox 2">
+            <a:extLst>
+              <a:ext uri="{FF2B5EF4-FFF2-40B4-BE49-F238E27FC236}">
+                <a16:creationId xmlns:a16="http://schemas.microsoft.com/office/drawing/2014/main" id="{283BEA1B-F1B0-7B47-AD98-1C167E2A7E1E}"/>
+              </a:ext>
+            </a:extLst>
+          </p:cNvPr>
+          <p:cNvSpPr txBox="1"/>
+          <p:nvPr/>
+        </p:nvSpPr>
+        <p:spPr>
+          <a:xfrm>
+            <a:off x="8524240" y="1476790"/>
+            <a:ext cx="1609736" cy="369332"/>
+          </a:xfrm>
+          <a:prstGeom prst="rect">
+            <a:avLst/>
+          </a:prstGeom>
+          <a:noFill/>
+        </p:spPr>
+        <p:txBody>
+          <a:bodyPr wrap="none" rtlCol="0">
+            <a:spAutoFit/>
+          </a:bodyPr>
+          <a:lstStyle/>
+          <a:p>
+            <a:r>
+              <a:rPr lang="en-US" dirty="0">
+                <a:solidFill>
+                  <a:schemeClr val="accent1"/>
+                </a:solidFill>
+              </a:rPr>
+              <a:t>-.073 (p = .001)</a:t>
+            </a:r>
+          </a:p>
+        </p:txBody>
+      </p:sp>
+      <p:sp>
+        <p:nvSpPr>
+          <p:cNvPr id="56" name="TextBox 55">
+            <a:extLst>
+              <a:ext uri="{FF2B5EF4-FFF2-40B4-BE49-F238E27FC236}">
+                <a16:creationId xmlns:a16="http://schemas.microsoft.com/office/drawing/2014/main" id="{FC1D74B1-094F-B542-AEAE-37DA06364052}"/>
+              </a:ext>
+            </a:extLst>
+          </p:cNvPr>
+          <p:cNvSpPr txBox="1"/>
+          <p:nvPr/>
+        </p:nvSpPr>
+        <p:spPr>
+          <a:xfrm>
+            <a:off x="8522258" y="2856058"/>
+            <a:ext cx="1609736" cy="369332"/>
+          </a:xfrm>
+          <a:prstGeom prst="rect">
+            <a:avLst/>
+          </a:prstGeom>
+          <a:noFill/>
+        </p:spPr>
+        <p:txBody>
+          <a:bodyPr wrap="none" rtlCol="0">
+            <a:spAutoFit/>
+          </a:bodyPr>
+          <a:lstStyle/>
+          <a:p>
+            <a:r>
+              <a:rPr lang="en-US" dirty="0">
+                <a:solidFill>
+                  <a:schemeClr val="accent1"/>
+                </a:solidFill>
+              </a:rPr>
+              <a:t>-.004 (p = .004)</a:t>
+            </a:r>
+          </a:p>
+        </p:txBody>
+      </p:sp>
+    </p:spTree>
+    <p:extLst>
+      <p:ext uri="{BB962C8B-B14F-4D97-AF65-F5344CB8AC3E}">
+        <p14:creationId xmlns:p14="http://schemas.microsoft.com/office/powerpoint/2010/main" val="1457802777"/>
       </p:ext>
     </p:extLst>
   </p:cSld>
